--- a/Presentations for Visual Studio Code MVA/01.Intro-to-node.pptx
+++ b/Presentations for Visual Studio Code MVA/01.Intro-to-node.pptx
@@ -5,10 +5,10 @@
     <p:sldMasterId id="2147483660" r:id="rId4"/>
   </p:sldMasterIdLst>
   <p:notesMasterIdLst>
-    <p:notesMasterId r:id="rId54"/>
+    <p:notesMasterId r:id="rId50"/>
   </p:notesMasterIdLst>
   <p:handoutMasterIdLst>
-    <p:handoutMasterId r:id="rId55"/>
+    <p:handoutMasterId r:id="rId51"/>
   </p:handoutMasterIdLst>
   <p:sldIdLst>
     <p:sldId id="283" r:id="rId5"/>
@@ -32,34 +32,30 @@
     <p:sldId id="330" r:id="rId23"/>
     <p:sldId id="290" r:id="rId24"/>
     <p:sldId id="292" r:id="rId25"/>
-    <p:sldId id="321" r:id="rId26"/>
-    <p:sldId id="322" r:id="rId27"/>
-    <p:sldId id="323" r:id="rId28"/>
-    <p:sldId id="324" r:id="rId29"/>
-    <p:sldId id="293" r:id="rId30"/>
-    <p:sldId id="303" r:id="rId31"/>
-    <p:sldId id="304" r:id="rId32"/>
-    <p:sldId id="305" r:id="rId33"/>
-    <p:sldId id="306" r:id="rId34"/>
-    <p:sldId id="309" r:id="rId35"/>
-    <p:sldId id="308" r:id="rId36"/>
-    <p:sldId id="307" r:id="rId37"/>
-    <p:sldId id="310" r:id="rId38"/>
-    <p:sldId id="326" r:id="rId39"/>
-    <p:sldId id="327" r:id="rId40"/>
-    <p:sldId id="328" r:id="rId41"/>
-    <p:sldId id="312" r:id="rId42"/>
-    <p:sldId id="313" r:id="rId43"/>
-    <p:sldId id="291" r:id="rId44"/>
-    <p:sldId id="314" r:id="rId45"/>
-    <p:sldId id="315" r:id="rId46"/>
-    <p:sldId id="316" r:id="rId47"/>
-    <p:sldId id="317" r:id="rId48"/>
-    <p:sldId id="318" r:id="rId49"/>
-    <p:sldId id="331" r:id="rId50"/>
-    <p:sldId id="332" r:id="rId51"/>
-    <p:sldId id="311" r:id="rId52"/>
-    <p:sldId id="269" r:id="rId53"/>
+    <p:sldId id="293" r:id="rId26"/>
+    <p:sldId id="303" r:id="rId27"/>
+    <p:sldId id="304" r:id="rId28"/>
+    <p:sldId id="305" r:id="rId29"/>
+    <p:sldId id="306" r:id="rId30"/>
+    <p:sldId id="309" r:id="rId31"/>
+    <p:sldId id="308" r:id="rId32"/>
+    <p:sldId id="307" r:id="rId33"/>
+    <p:sldId id="310" r:id="rId34"/>
+    <p:sldId id="326" r:id="rId35"/>
+    <p:sldId id="327" r:id="rId36"/>
+    <p:sldId id="328" r:id="rId37"/>
+    <p:sldId id="312" r:id="rId38"/>
+    <p:sldId id="313" r:id="rId39"/>
+    <p:sldId id="291" r:id="rId40"/>
+    <p:sldId id="314" r:id="rId41"/>
+    <p:sldId id="315" r:id="rId42"/>
+    <p:sldId id="316" r:id="rId43"/>
+    <p:sldId id="317" r:id="rId44"/>
+    <p:sldId id="318" r:id="rId45"/>
+    <p:sldId id="331" r:id="rId46"/>
+    <p:sldId id="332" r:id="rId47"/>
+    <p:sldId id="311" r:id="rId48"/>
+    <p:sldId id="269" r:id="rId49"/>
   </p:sldIdLst>
   <p:sldSz cx="12192000" cy="6858000"/>
   <p:notesSz cx="6858000" cy="9144000"/>
@@ -190,20 +186,6 @@
 
 <file path=ppt/comments/comment1.xml><?xml version="1.0" encoding="utf-8"?>
 <p:cmLst xmlns:a="http://schemas.openxmlformats.org/drawingml/2006/main" xmlns:r="http://schemas.openxmlformats.org/officeDocument/2006/relationships" xmlns:p="http://schemas.openxmlformats.org/presentationml/2006/main">
-  <p:cm authorId="2" dt="2015-07-25T21:12:25.440" idx="1">
-    <p:pos x="2419" y="1860"/>
-    <p:text>FIX.</p:text>
-    <p:extLst>
-      <p:ext uri="{C676402C-5697-4E1C-873F-D02D1690AC5C}">
-        <p15:threadingInfo xmlns:p15="http://schemas.microsoft.com/office/powerpoint/2012/main" timeZoneBias="240"/>
-      </p:ext>
-    </p:extLst>
-  </p:cm>
-</p:cmLst>
-</file>
-
-<file path=ppt/comments/comment2.xml><?xml version="1.0" encoding="utf-8"?>
-<p:cmLst xmlns:a="http://schemas.openxmlformats.org/drawingml/2006/main" xmlns:r="http://schemas.openxmlformats.org/officeDocument/2006/relationships" xmlns:p="http://schemas.openxmlformats.org/presentationml/2006/main">
   <p:cm authorId="1" dt="2014-10-11T13:54:42.587" idx="1">
     <p:pos x="10" y="10"/>
     <p:text>need a real demo for Q</p:text>
@@ -298,7 +280,7 @@
           <a:p>
             <a:fld id="{312E7B4A-039C-48A2-9B2C-AF16AA3873D8}" type="datetimeFigureOut">
               <a:rPr lang="en-US" smtClean="0"/>
-              <a:t>7/27/2015</a:t>
+              <a:t>7/28/2015</a:t>
             </a:fld>
             <a:endParaRPr lang="en-US"/>
           </a:p>
@@ -463,7 +445,7 @@
           <a:p>
             <a:fld id="{DA005A0C-54D9-45AA-87D4-C551D08DFCE1}" type="datetimeFigureOut">
               <a:rPr lang="en-US" smtClean="0"/>
-              <a:t>7/27/2015</a:t>
+              <a:t>7/28/2015</a:t>
             </a:fld>
             <a:endParaRPr lang="en-US"/>
           </a:p>
@@ -963,7 +945,7 @@
             <a:fld id="{13F0F35F-DD44-4607-AEC1-49D7A4BC4066}" type="slidenum">
               <a:rPr lang="en-US" smtClean="0"/>
               <a:pPr/>
-              <a:t>40</a:t>
+              <a:t>36</a:t>
             </a:fld>
             <a:endParaRPr lang="en-US" dirty="0"/>
           </a:p>
@@ -5917,19 +5899,11 @@
             </a:r>
             <a:r>
               <a:rPr lang="en-US" dirty="0"/>
-              <a:t>&amp; developers </a:t>
-            </a:r>
-            <a:r>
-              <a:rPr lang="en-US" dirty="0">
-                <a:hlinkClick r:id="rId3"/>
-              </a:rPr>
-              <a:t>http://</a:t>
-            </a:r>
-            <a:r>
-              <a:rPr lang="en-US" dirty="0" smtClean="0">
-                <a:hlinkClick r:id="rId3"/>
-              </a:rPr>
-              <a:t>bit.ly/1CPUJNX</a:t>
+              <a:t>&amp; </a:t>
+            </a:r>
+            <a:r>
+              <a:rPr lang="en-US" dirty="0" smtClean="0"/>
+              <a:t>developers</a:t>
             </a:r>
             <a:endParaRPr lang="en-US" dirty="0" smtClean="0"/>
           </a:p>
@@ -5948,34 +5922,8 @@
               <a:t> on Channel </a:t>
             </a:r>
             <a:r>
-              <a:rPr lang="en-US" dirty="0"/>
-              <a:t>9 </a:t>
-            </a:r>
-            <a:r>
-              <a:rPr lang="en-US" dirty="0">
-                <a:hlinkClick r:id="rId4"/>
-              </a:rPr>
-              <a:t>http://</a:t>
-            </a:r>
-            <a:r>
-              <a:rPr lang="en-US" dirty="0" smtClean="0">
-                <a:hlinkClick r:id="rId4"/>
-              </a:rPr>
-              <a:t>channel9.msdn.com/niners/bitchwhocodes</a:t>
-            </a:r>
-            <a:endParaRPr lang="en-US" dirty="0" smtClean="0"/>
-          </a:p>
-          <a:p>
-            <a:pPr lvl="1"/>
-            <a:r>
-              <a:rPr lang="en-US" dirty="0" smtClean="0"/>
-              <a:t>Blogs at </a:t>
-            </a:r>
-            <a:r>
-              <a:rPr lang="en-US" dirty="0" smtClean="0">
-                <a:hlinkClick r:id="rId5"/>
-              </a:rPr>
-              <a:t>http://thebitchwhocodes.com</a:t>
+              <a:rPr lang="en-US" dirty="0" smtClean="0"/>
+              <a:t>9</a:t>
             </a:r>
             <a:endParaRPr lang="en-US" dirty="0" smtClean="0"/>
           </a:p>
@@ -5990,7 +5938,7 @@
           <p:nvPr/>
         </p:nvPicPr>
         <p:blipFill rotWithShape="1">
-          <a:blip r:embed="rId6">
+          <a:blip r:embed="rId3">
             <a:extLst>
               <a:ext uri="{28A0092B-C50C-407E-A947-70E740481C1C}">
                 <a14:useLocalDpi xmlns:a14="http://schemas.microsoft.com/office/drawing/2010/main" val="0"/>
@@ -6209,7 +6157,7 @@
 </file>
 
 <file path=ppt/slides/slide22.xml><?xml version="1.0" encoding="utf-8"?>
-<p:sld xmlns:a="http://schemas.openxmlformats.org/drawingml/2006/main" xmlns:r="http://schemas.openxmlformats.org/officeDocument/2006/relationships" xmlns:p="http://schemas.openxmlformats.org/presentationml/2006/main" show="0">
+<p:sld xmlns:a="http://schemas.openxmlformats.org/drawingml/2006/main" xmlns:r="http://schemas.openxmlformats.org/officeDocument/2006/relationships" xmlns:p="http://schemas.openxmlformats.org/presentationml/2006/main">
   <p:cSld>
     <p:spTree>
       <p:nvGrpSpPr>
@@ -6242,58 +6190,22 @@
           <a:p>
             <a:r>
               <a:rPr lang="en-US" dirty="0" smtClean="0"/>
-              <a:t>Starting a Node Project in Visual Studio</a:t>
+              <a:t>Basic HTTP Server</a:t>
             </a:r>
             <a:endParaRPr lang="en-US" dirty="0"/>
           </a:p>
         </p:txBody>
       </p:sp>
-      <p:pic>
-        <p:nvPicPr>
-          <p:cNvPr id="3" name="Picture 2"/>
-          <p:cNvPicPr/>
-          <p:nvPr/>
-        </p:nvPicPr>
-        <p:blipFill>
-          <a:blip r:embed="rId2">
-            <a:extLst>
-              <a:ext uri="{28A0092B-C50C-407E-A947-70E740481C1C}">
-                <a14:useLocalDpi xmlns:a14="http://schemas.microsoft.com/office/drawing/2010/main" val="0"/>
-              </a:ext>
-            </a:extLst>
-          </a:blip>
-          <a:stretch>
-            <a:fillRect/>
-          </a:stretch>
-        </p:blipFill>
-        <p:spPr>
-          <a:xfrm>
-            <a:off x="477981" y="953944"/>
-            <a:ext cx="8790710" cy="5231224"/>
-          </a:xfrm>
-          <a:prstGeom prst="rect">
-            <a:avLst/>
-          </a:prstGeom>
-        </p:spPr>
-      </p:pic>
     </p:spTree>
     <p:extLst>
       <p:ext uri="{BB962C8B-B14F-4D97-AF65-F5344CB8AC3E}">
-        <p14:creationId xmlns:p14="http://schemas.microsoft.com/office/powerpoint/2010/main" val="1606729937"/>
+        <p14:creationId xmlns:p14="http://schemas.microsoft.com/office/powerpoint/2010/main" val="3707770699"/>
       </p:ext>
     </p:extLst>
   </p:cSld>
   <p:clrMapOvr>
     <a:masterClrMapping/>
   </p:clrMapOvr>
-  <mc:AlternateContent xmlns:mc="http://schemas.openxmlformats.org/markup-compatibility/2006" xmlns:p14="http://schemas.microsoft.com/office/powerpoint/2010/main">
-    <mc:Choice Requires="p14">
-      <p:transition spd="slow" p14:dur="2000"/>
-    </mc:Choice>
-    <mc:Fallback xmlns="">
-      <p:transition spd="slow"/>
-    </mc:Fallback>
-  </mc:AlternateContent>
   <p:timing>
     <p:tnLst>
       <p:par>
@@ -6305,7 +6217,7 @@
 </file>
 
 <file path=ppt/slides/slide23.xml><?xml version="1.0" encoding="utf-8"?>
-<p:sld xmlns:a="http://schemas.openxmlformats.org/drawingml/2006/main" xmlns:r="http://schemas.openxmlformats.org/officeDocument/2006/relationships" xmlns:p="http://schemas.openxmlformats.org/presentationml/2006/main" show="0">
+<p:sld xmlns:a="http://schemas.openxmlformats.org/drawingml/2006/main" xmlns:r="http://schemas.openxmlformats.org/officeDocument/2006/relationships" xmlns:p="http://schemas.openxmlformats.org/presentationml/2006/main">
   <p:cSld>
     <p:spTree>
       <p:nvGrpSpPr>
@@ -6338,58 +6250,64 @@
           <a:p>
             <a:r>
               <a:rPr lang="en-US" dirty="0" smtClean="0"/>
-              <a:t>Starting a Node Project in Visual Studio</a:t>
+              <a:t>Event Driven Programming</a:t>
             </a:r>
             <a:endParaRPr lang="en-US" dirty="0"/>
           </a:p>
         </p:txBody>
       </p:sp>
-      <p:pic>
-        <p:nvPicPr>
-          <p:cNvPr id="4" name="Picture 3"/>
-          <p:cNvPicPr/>
-          <p:nvPr/>
-        </p:nvPicPr>
-        <p:blipFill>
-          <a:blip r:embed="rId2">
-            <a:extLst>
-              <a:ext uri="{28A0092B-C50C-407E-A947-70E740481C1C}">
-                <a14:useLocalDpi xmlns:a14="http://schemas.microsoft.com/office/drawing/2010/main" val="0"/>
-              </a:ext>
-            </a:extLst>
-          </a:blip>
-          <a:stretch>
-            <a:fillRect/>
-          </a:stretch>
-        </p:blipFill>
-        <p:spPr>
-          <a:xfrm>
-            <a:off x="379514" y="880397"/>
-            <a:ext cx="9266548" cy="5700511"/>
-          </a:xfrm>
-          <a:prstGeom prst="rect">
-            <a:avLst/>
-          </a:prstGeom>
-        </p:spPr>
-      </p:pic>
+      <p:sp>
+        <p:nvSpPr>
+          <p:cNvPr id="3" name="Content Placeholder 2"/>
+          <p:cNvSpPr>
+            <a:spLocks noGrp="1"/>
+          </p:cNvSpPr>
+          <p:nvPr>
+            <p:ph sz="quarter" idx="10"/>
+          </p:nvPr>
+        </p:nvSpPr>
+        <p:spPr/>
+        <p:txBody>
+          <a:bodyPr/>
+          <a:lstStyle/>
+          <a:p>
+            <a:pPr marL="0" indent="0">
+              <a:buNone/>
+            </a:pPr>
+            <a:r>
+              <a:rPr lang="en-US" dirty="0" smtClean="0"/>
+              <a:t>“</a:t>
+            </a:r>
+            <a:r>
+              <a:rPr lang="en-US" dirty="0"/>
+              <a:t>A programming paradigm in which the flow of the program is determined by events such as user actions (mouse clicks, key presses) or messages from other programs.” – </a:t>
+            </a:r>
+            <a:r>
+              <a:rPr lang="en-US" dirty="0">
+                <a:hlinkClick r:id="rId2"/>
+              </a:rPr>
+              <a:t>Wikipedia</a:t>
+            </a:r>
+            <a:endParaRPr lang="en-US" dirty="0"/>
+          </a:p>
+          <a:p>
+            <a:pPr marL="0" indent="0">
+              <a:buNone/>
+            </a:pPr>
+            <a:endParaRPr lang="en-US" dirty="0"/>
+          </a:p>
+        </p:txBody>
+      </p:sp>
     </p:spTree>
     <p:extLst>
       <p:ext uri="{BB962C8B-B14F-4D97-AF65-F5344CB8AC3E}">
-        <p14:creationId xmlns:p14="http://schemas.microsoft.com/office/powerpoint/2010/main" val="1778318396"/>
+        <p14:creationId xmlns:p14="http://schemas.microsoft.com/office/powerpoint/2010/main" val="559582552"/>
       </p:ext>
     </p:extLst>
   </p:cSld>
   <p:clrMapOvr>
     <a:masterClrMapping/>
   </p:clrMapOvr>
-  <mc:AlternateContent xmlns:mc="http://schemas.openxmlformats.org/markup-compatibility/2006" xmlns:p14="http://schemas.microsoft.com/office/powerpoint/2010/main">
-    <mc:Choice Requires="p14">
-      <p:transition spd="slow" p14:dur="2000"/>
-    </mc:Choice>
-    <mc:Fallback xmlns="">
-      <p:transition spd="slow"/>
-    </mc:Fallback>
-  </mc:AlternateContent>
   <p:timing>
     <p:tnLst>
       <p:par>
@@ -6401,7 +6319,7 @@
 </file>
 
 <file path=ppt/slides/slide24.xml><?xml version="1.0" encoding="utf-8"?>
-<p:sld xmlns:a="http://schemas.openxmlformats.org/drawingml/2006/main" xmlns:r="http://schemas.openxmlformats.org/officeDocument/2006/relationships" xmlns:p="http://schemas.openxmlformats.org/presentationml/2006/main" show="0">
+<p:sld xmlns:a="http://schemas.openxmlformats.org/drawingml/2006/main" xmlns:r="http://schemas.openxmlformats.org/officeDocument/2006/relationships" xmlns:p="http://schemas.openxmlformats.org/presentationml/2006/main">
   <p:cSld>
     <p:spTree>
       <p:nvGrpSpPr>
@@ -6434,58 +6352,68 @@
           <a:p>
             <a:r>
               <a:rPr lang="en-US" dirty="0" smtClean="0"/>
-              <a:t>Starting a Node Project in Visual Studio</a:t>
+              <a:t>Node Event Loop</a:t>
             </a:r>
             <a:endParaRPr lang="en-US" dirty="0"/>
           </a:p>
         </p:txBody>
       </p:sp>
-      <p:pic>
-        <p:nvPicPr>
-          <p:cNvPr id="5" name="Picture 4"/>
-          <p:cNvPicPr/>
-          <p:nvPr/>
-        </p:nvPicPr>
-        <p:blipFill>
-          <a:blip r:embed="rId2">
-            <a:extLst>
-              <a:ext uri="{28A0092B-C50C-407E-A947-70E740481C1C}">
-                <a14:useLocalDpi xmlns:a14="http://schemas.microsoft.com/office/drawing/2010/main" val="0"/>
-              </a:ext>
-            </a:extLst>
-          </a:blip>
-          <a:stretch>
-            <a:fillRect/>
-          </a:stretch>
-        </p:blipFill>
-        <p:spPr>
-          <a:xfrm>
-            <a:off x="477981" y="970135"/>
-            <a:ext cx="7128163" cy="5665214"/>
-          </a:xfrm>
-          <a:prstGeom prst="rect">
-            <a:avLst/>
-          </a:prstGeom>
-        </p:spPr>
-      </p:pic>
+      <p:sp>
+        <p:nvSpPr>
+          <p:cNvPr id="3" name="Content Placeholder 2"/>
+          <p:cNvSpPr>
+            <a:spLocks noGrp="1"/>
+          </p:cNvSpPr>
+          <p:nvPr>
+            <p:ph sz="quarter" idx="10"/>
+          </p:nvPr>
+        </p:nvSpPr>
+        <p:spPr/>
+        <p:txBody>
+          <a:bodyPr/>
+          <a:lstStyle/>
+          <a:p>
+            <a:r>
+              <a:rPr lang="en-US" dirty="0"/>
+              <a:t>Node provides the event loop as part of the language.</a:t>
+            </a:r>
+          </a:p>
+          <a:p>
+            <a:r>
+              <a:rPr lang="en-US" dirty="0"/>
+              <a:t>With Node, there is no call to start the loop.</a:t>
+            </a:r>
+          </a:p>
+          <a:p>
+            <a:r>
+              <a:rPr lang="en-US" dirty="0"/>
+              <a:t>The loop starts and doesn’t end until the last callback is complete. </a:t>
+            </a:r>
+          </a:p>
+          <a:p>
+            <a:r>
+              <a:rPr lang="en-US" dirty="0"/>
+              <a:t>Event loop is run under a single thread therefore sleep() makes everything halt. </a:t>
+            </a:r>
+          </a:p>
+          <a:p>
+            <a:pPr marL="0" indent="0">
+              <a:buNone/>
+            </a:pPr>
+            <a:endParaRPr lang="en-US" dirty="0"/>
+          </a:p>
+        </p:txBody>
+      </p:sp>
     </p:spTree>
     <p:extLst>
       <p:ext uri="{BB962C8B-B14F-4D97-AF65-F5344CB8AC3E}">
-        <p14:creationId xmlns:p14="http://schemas.microsoft.com/office/powerpoint/2010/main" val="3952053846"/>
+        <p14:creationId xmlns:p14="http://schemas.microsoft.com/office/powerpoint/2010/main" val="3371721629"/>
       </p:ext>
     </p:extLst>
   </p:cSld>
   <p:clrMapOvr>
     <a:masterClrMapping/>
   </p:clrMapOvr>
-  <mc:AlternateContent xmlns:mc="http://schemas.openxmlformats.org/markup-compatibility/2006" xmlns:p14="http://schemas.microsoft.com/office/powerpoint/2010/main">
-    <mc:Choice Requires="p14">
-      <p:transition spd="slow" p14:dur="2000"/>
-    </mc:Choice>
-    <mc:Fallback xmlns="">
-      <p:transition spd="slow"/>
-    </mc:Fallback>
-  </mc:AlternateContent>
   <p:timing>
     <p:tnLst>
       <p:par>
@@ -6497,7 +6425,7 @@
 </file>
 
 <file path=ppt/slides/slide25.xml><?xml version="1.0" encoding="utf-8"?>
-<p:sld xmlns:a="http://schemas.openxmlformats.org/drawingml/2006/main" xmlns:r="http://schemas.openxmlformats.org/officeDocument/2006/relationships" xmlns:p="http://schemas.openxmlformats.org/presentationml/2006/main" show="0">
+<p:sld xmlns:a="http://schemas.openxmlformats.org/drawingml/2006/main" xmlns:r="http://schemas.openxmlformats.org/officeDocument/2006/relationships" xmlns:p="http://schemas.openxmlformats.org/presentationml/2006/main">
   <p:cSld>
     <p:spTree>
       <p:nvGrpSpPr>
@@ -6530,58 +6458,248 @@
           <a:p>
             <a:r>
               <a:rPr lang="en-US" dirty="0" smtClean="0"/>
-              <a:t>Starting a Node Project in Visual Studio</a:t>
+              <a:t>Blocking I/O</a:t>
             </a:r>
             <a:endParaRPr lang="en-US" dirty="0"/>
           </a:p>
         </p:txBody>
       </p:sp>
-      <p:pic>
-        <p:nvPicPr>
-          <p:cNvPr id="4" name="Picture 3"/>
-          <p:cNvPicPr/>
-          <p:nvPr/>
-        </p:nvPicPr>
-        <p:blipFill>
-          <a:blip r:embed="rId2">
-            <a:extLst>
-              <a:ext uri="{28A0092B-C50C-407E-A947-70E740481C1C}">
-                <a14:useLocalDpi xmlns:a14="http://schemas.microsoft.com/office/drawing/2010/main" val="0"/>
-              </a:ext>
-            </a:extLst>
-          </a:blip>
-          <a:stretch>
-            <a:fillRect/>
-          </a:stretch>
-        </p:blipFill>
-        <p:spPr>
-          <a:xfrm>
-            <a:off x="379513" y="994727"/>
-            <a:ext cx="9041577" cy="5551490"/>
-          </a:xfrm>
-          <a:prstGeom prst="rect">
-            <a:avLst/>
-          </a:prstGeom>
-        </p:spPr>
-      </p:pic>
+      <p:sp>
+        <p:nvSpPr>
+          <p:cNvPr id="3" name="Content Placeholder 2"/>
+          <p:cNvSpPr>
+            <a:spLocks noGrp="1"/>
+          </p:cNvSpPr>
+          <p:nvPr>
+            <p:ph sz="quarter" idx="10"/>
+          </p:nvPr>
+        </p:nvSpPr>
+        <p:spPr/>
+        <p:txBody>
+          <a:bodyPr/>
+          <a:lstStyle/>
+          <a:p>
+            <a:pPr marL="0" lvl="0" indent="0" defTabSz="914400" eaLnBrk="0" fontAlgn="base" hangingPunct="0">
+              <a:spcBef>
+                <a:spcPct val="0"/>
+              </a:spcBef>
+              <a:spcAft>
+                <a:spcPct val="0"/>
+              </a:spcAft>
+              <a:buNone/>
+            </a:pPr>
+            <a:r>
+              <a:rPr lang="en-US" altLang="en-US" sz="2800" dirty="0" err="1">
+                <a:solidFill>
+                  <a:srgbClr val="0000FF"/>
+                </a:solidFill>
+                <a:latin typeface="Consolas" panose="020B0609020204030204" pitchFamily="49" charset="0"/>
+                <a:cs typeface="Consolas" panose="020B0609020204030204" pitchFamily="49" charset="0"/>
+              </a:rPr>
+              <a:t>var</a:t>
+            </a:r>
+            <a:r>
+              <a:rPr lang="en-US" altLang="en-US" sz="2800" dirty="0">
+                <a:solidFill>
+                  <a:srgbClr val="000000"/>
+                </a:solidFill>
+                <a:latin typeface="Consolas" panose="020B0609020204030204" pitchFamily="49" charset="0"/>
+                <a:cs typeface="Consolas" panose="020B0609020204030204" pitchFamily="49" charset="0"/>
+              </a:rPr>
+              <a:t> fs = require(</a:t>
+            </a:r>
+            <a:r>
+              <a:rPr lang="en-US" altLang="en-US" sz="2800" dirty="0">
+                <a:solidFill>
+                  <a:srgbClr val="A31515"/>
+                </a:solidFill>
+                <a:latin typeface="Consolas" panose="020B0609020204030204" pitchFamily="49" charset="0"/>
+                <a:cs typeface="Consolas" panose="020B0609020204030204" pitchFamily="49" charset="0"/>
+              </a:rPr>
+              <a:t>'fs'</a:t>
+            </a:r>
+            <a:r>
+              <a:rPr lang="en-US" altLang="en-US" sz="2800" dirty="0">
+                <a:solidFill>
+                  <a:srgbClr val="000000"/>
+                </a:solidFill>
+                <a:latin typeface="Consolas" panose="020B0609020204030204" pitchFamily="49" charset="0"/>
+                <a:cs typeface="Consolas" panose="020B0609020204030204" pitchFamily="49" charset="0"/>
+              </a:rPr>
+              <a:t>);</a:t>
+            </a:r>
+          </a:p>
+          <a:p>
+            <a:pPr marL="0" lvl="0" indent="0" defTabSz="914400" eaLnBrk="0" fontAlgn="base" hangingPunct="0">
+              <a:spcBef>
+                <a:spcPct val="0"/>
+              </a:spcBef>
+              <a:spcAft>
+                <a:spcPct val="0"/>
+              </a:spcAft>
+              <a:buNone/>
+            </a:pPr>
+            <a:endParaRPr lang="en-US" altLang="en-US" sz="2800" dirty="0">
+              <a:solidFill>
+                <a:srgbClr val="0000FF"/>
+              </a:solidFill>
+              <a:latin typeface="Consolas" panose="020B0609020204030204" pitchFamily="49" charset="0"/>
+              <a:cs typeface="Consolas" panose="020B0609020204030204" pitchFamily="49" charset="0"/>
+            </a:endParaRPr>
+          </a:p>
+          <a:p>
+            <a:pPr marL="0" lvl="0" indent="0" defTabSz="914400" eaLnBrk="0" fontAlgn="base" hangingPunct="0">
+              <a:spcBef>
+                <a:spcPct val="0"/>
+              </a:spcBef>
+              <a:spcAft>
+                <a:spcPct val="0"/>
+              </a:spcAft>
+              <a:buNone/>
+            </a:pPr>
+            <a:r>
+              <a:rPr lang="en-US" altLang="en-US" sz="2800" dirty="0" err="1">
+                <a:solidFill>
+                  <a:srgbClr val="0000FF"/>
+                </a:solidFill>
+                <a:latin typeface="Consolas" panose="020B0609020204030204" pitchFamily="49" charset="0"/>
+                <a:cs typeface="Consolas" panose="020B0609020204030204" pitchFamily="49" charset="0"/>
+              </a:rPr>
+              <a:t>var</a:t>
+            </a:r>
+            <a:r>
+              <a:rPr lang="en-US" altLang="en-US" sz="2800" dirty="0">
+                <a:solidFill>
+                  <a:srgbClr val="000000"/>
+                </a:solidFill>
+                <a:latin typeface="Consolas" panose="020B0609020204030204" pitchFamily="49" charset="0"/>
+                <a:cs typeface="Consolas" panose="020B0609020204030204" pitchFamily="49" charset="0"/>
+              </a:rPr>
+              <a:t> contents = </a:t>
+            </a:r>
+            <a:r>
+              <a:rPr lang="en-US" altLang="en-US" sz="2800" dirty="0" err="1">
+                <a:solidFill>
+                  <a:srgbClr val="000000"/>
+                </a:solidFill>
+                <a:latin typeface="Consolas" panose="020B0609020204030204" pitchFamily="49" charset="0"/>
+                <a:cs typeface="Consolas" panose="020B0609020204030204" pitchFamily="49" charset="0"/>
+              </a:rPr>
+              <a:t>fs.readFileSync</a:t>
+            </a:r>
+            <a:r>
+              <a:rPr lang="en-US" altLang="en-US" sz="2800" dirty="0">
+                <a:solidFill>
+                  <a:srgbClr val="000000"/>
+                </a:solidFill>
+                <a:latin typeface="Consolas" panose="020B0609020204030204" pitchFamily="49" charset="0"/>
+                <a:cs typeface="Consolas" panose="020B0609020204030204" pitchFamily="49" charset="0"/>
+              </a:rPr>
+              <a:t>(</a:t>
+            </a:r>
+            <a:r>
+              <a:rPr lang="en-US" altLang="en-US" sz="2800" dirty="0">
+                <a:solidFill>
+                  <a:srgbClr val="A31515"/>
+                </a:solidFill>
+                <a:latin typeface="Consolas" panose="020B0609020204030204" pitchFamily="49" charset="0"/>
+                <a:cs typeface="Consolas" panose="020B0609020204030204" pitchFamily="49" charset="0"/>
+              </a:rPr>
+              <a:t>'</a:t>
+            </a:r>
+            <a:r>
+              <a:rPr lang="en-US" altLang="en-US" sz="2800" dirty="0" err="1">
+                <a:solidFill>
+                  <a:srgbClr val="A31515"/>
+                </a:solidFill>
+                <a:latin typeface="Consolas" panose="020B0609020204030204" pitchFamily="49" charset="0"/>
+                <a:cs typeface="Consolas" panose="020B0609020204030204" pitchFamily="49" charset="0"/>
+              </a:rPr>
+              <a:t>package.json</a:t>
+            </a:r>
+            <a:r>
+              <a:rPr lang="en-US" altLang="en-US" sz="2800" dirty="0">
+                <a:solidFill>
+                  <a:srgbClr val="A31515"/>
+                </a:solidFill>
+                <a:latin typeface="Consolas" panose="020B0609020204030204" pitchFamily="49" charset="0"/>
+                <a:cs typeface="Consolas" panose="020B0609020204030204" pitchFamily="49" charset="0"/>
+              </a:rPr>
+              <a:t>'</a:t>
+            </a:r>
+            <a:r>
+              <a:rPr lang="en-US" altLang="en-US" sz="2800" dirty="0">
+                <a:solidFill>
+                  <a:srgbClr val="000000"/>
+                </a:solidFill>
+                <a:latin typeface="Consolas" panose="020B0609020204030204" pitchFamily="49" charset="0"/>
+                <a:cs typeface="Consolas" panose="020B0609020204030204" pitchFamily="49" charset="0"/>
+              </a:rPr>
+              <a:t>).</a:t>
+            </a:r>
+            <a:r>
+              <a:rPr lang="en-US" altLang="en-US" sz="2800" dirty="0" err="1">
+                <a:solidFill>
+                  <a:srgbClr val="000000"/>
+                </a:solidFill>
+                <a:latin typeface="Consolas" panose="020B0609020204030204" pitchFamily="49" charset="0"/>
+                <a:cs typeface="Consolas" panose="020B0609020204030204" pitchFamily="49" charset="0"/>
+              </a:rPr>
+              <a:t>toString</a:t>
+            </a:r>
+            <a:r>
+              <a:rPr lang="en-US" altLang="en-US" sz="2800" dirty="0">
+                <a:solidFill>
+                  <a:srgbClr val="000000"/>
+                </a:solidFill>
+                <a:latin typeface="Consolas" panose="020B0609020204030204" pitchFamily="49" charset="0"/>
+                <a:cs typeface="Consolas" panose="020B0609020204030204" pitchFamily="49" charset="0"/>
+              </a:rPr>
+              <a:t>();</a:t>
+            </a:r>
+          </a:p>
+          <a:p>
+            <a:pPr marL="0" lvl="0" indent="0" defTabSz="914400" eaLnBrk="0" fontAlgn="base" hangingPunct="0">
+              <a:spcBef>
+                <a:spcPct val="0"/>
+              </a:spcBef>
+              <a:spcAft>
+                <a:spcPct val="0"/>
+              </a:spcAft>
+              <a:buNone/>
+            </a:pPr>
+            <a:r>
+              <a:rPr lang="en-US" altLang="en-US" sz="2800" dirty="0">
+                <a:solidFill>
+                  <a:srgbClr val="000000"/>
+                </a:solidFill>
+                <a:latin typeface="Consolas" panose="020B0609020204030204" pitchFamily="49" charset="0"/>
+                <a:cs typeface="Consolas" panose="020B0609020204030204" pitchFamily="49" charset="0"/>
+              </a:rPr>
+              <a:t>console.log(contents);</a:t>
+            </a:r>
+            <a:endParaRPr lang="en-US" altLang="en-US" sz="2800" dirty="0">
+              <a:latin typeface="Arial" panose="020B0604020202020204" pitchFamily="34" charset="0"/>
+            </a:endParaRPr>
+          </a:p>
+          <a:p>
+            <a:pPr marL="0" indent="0">
+              <a:buNone/>
+            </a:pPr>
+            <a:endParaRPr lang="en-US" dirty="0"/>
+          </a:p>
+        </p:txBody>
+      </p:sp>
     </p:spTree>
     <p:extLst>
       <p:ext uri="{BB962C8B-B14F-4D97-AF65-F5344CB8AC3E}">
-        <p14:creationId xmlns:p14="http://schemas.microsoft.com/office/powerpoint/2010/main" val="1187858789"/>
+        <p14:creationId xmlns:p14="http://schemas.microsoft.com/office/powerpoint/2010/main" val="174588124"/>
       </p:ext>
     </p:extLst>
   </p:cSld>
   <p:clrMapOvr>
     <a:masterClrMapping/>
   </p:clrMapOvr>
-  <mc:AlternateContent xmlns:mc="http://schemas.openxmlformats.org/markup-compatibility/2006" xmlns:p14="http://schemas.microsoft.com/office/powerpoint/2010/main">
-    <mc:Choice Requires="p14">
-      <p:transition spd="slow" p14:dur="2000"/>
-    </mc:Choice>
-    <mc:Fallback xmlns="">
-      <p:transition spd="slow"/>
-    </mc:Fallback>
-  </mc:AlternateContent>
   <p:timing>
     <p:tnLst>
       <p:par>
@@ -6626,8 +6744,275 @@
           <a:p>
             <a:r>
               <a:rPr lang="en-US" dirty="0" smtClean="0"/>
-              <a:t>Basic HTTP Server</a:t>
-            </a:r>
+              <a:t>Non Blocking I/O</a:t>
+            </a:r>
+            <a:endParaRPr lang="en-US" dirty="0"/>
+          </a:p>
+        </p:txBody>
+      </p:sp>
+      <p:sp>
+        <p:nvSpPr>
+          <p:cNvPr id="3" name="Content Placeholder 2"/>
+          <p:cNvSpPr>
+            <a:spLocks noGrp="1"/>
+          </p:cNvSpPr>
+          <p:nvPr>
+            <p:ph sz="quarter" idx="10"/>
+          </p:nvPr>
+        </p:nvSpPr>
+        <p:spPr/>
+        <p:txBody>
+          <a:bodyPr/>
+          <a:lstStyle/>
+          <a:p>
+            <a:pPr marL="0" lvl="0" indent="0" defTabSz="914400" eaLnBrk="0" fontAlgn="base" hangingPunct="0">
+              <a:spcBef>
+                <a:spcPct val="0"/>
+              </a:spcBef>
+              <a:spcAft>
+                <a:spcPct val="0"/>
+              </a:spcAft>
+              <a:buNone/>
+            </a:pPr>
+            <a:r>
+              <a:rPr lang="en-US" altLang="en-US" sz="2800" dirty="0" err="1">
+                <a:solidFill>
+                  <a:srgbClr val="0000FF"/>
+                </a:solidFill>
+                <a:latin typeface="Consolas" panose="020B0609020204030204" pitchFamily="49" charset="0"/>
+                <a:cs typeface="Consolas" panose="020B0609020204030204" pitchFamily="49" charset="0"/>
+              </a:rPr>
+              <a:t>var</a:t>
+            </a:r>
+            <a:r>
+              <a:rPr lang="en-US" altLang="en-US" sz="2800" dirty="0">
+                <a:solidFill>
+                  <a:srgbClr val="000000"/>
+                </a:solidFill>
+                <a:latin typeface="Consolas" panose="020B0609020204030204" pitchFamily="49" charset="0"/>
+                <a:cs typeface="Consolas" panose="020B0609020204030204" pitchFamily="49" charset="0"/>
+              </a:rPr>
+              <a:t> fs = require(</a:t>
+            </a:r>
+            <a:r>
+              <a:rPr lang="en-US" altLang="en-US" sz="2800" dirty="0">
+                <a:solidFill>
+                  <a:srgbClr val="A31515"/>
+                </a:solidFill>
+                <a:latin typeface="Consolas" panose="020B0609020204030204" pitchFamily="49" charset="0"/>
+                <a:cs typeface="Consolas" panose="020B0609020204030204" pitchFamily="49" charset="0"/>
+              </a:rPr>
+              <a:t>'fs'</a:t>
+            </a:r>
+            <a:r>
+              <a:rPr lang="en-US" altLang="en-US" sz="2800" dirty="0">
+                <a:solidFill>
+                  <a:srgbClr val="000000"/>
+                </a:solidFill>
+                <a:latin typeface="Consolas" panose="020B0609020204030204" pitchFamily="49" charset="0"/>
+                <a:cs typeface="Consolas" panose="020B0609020204030204" pitchFamily="49" charset="0"/>
+              </a:rPr>
+              <a:t>);</a:t>
+            </a:r>
+          </a:p>
+          <a:p>
+            <a:pPr marL="0" lvl="0" indent="0" defTabSz="914400" eaLnBrk="0" fontAlgn="base" hangingPunct="0">
+              <a:spcBef>
+                <a:spcPct val="0"/>
+              </a:spcBef>
+              <a:spcAft>
+                <a:spcPct val="0"/>
+              </a:spcAft>
+              <a:buNone/>
+            </a:pPr>
+            <a:endParaRPr lang="en-US" altLang="en-US" sz="2800" dirty="0">
+              <a:solidFill>
+                <a:srgbClr val="000000"/>
+              </a:solidFill>
+              <a:latin typeface="Consolas" panose="020B0609020204030204" pitchFamily="49" charset="0"/>
+              <a:cs typeface="Consolas" panose="020B0609020204030204" pitchFamily="49" charset="0"/>
+            </a:endParaRPr>
+          </a:p>
+          <a:p>
+            <a:pPr marL="0" lvl="0" indent="0" defTabSz="914400" eaLnBrk="0" fontAlgn="base" hangingPunct="0">
+              <a:spcBef>
+                <a:spcPct val="0"/>
+              </a:spcBef>
+              <a:spcAft>
+                <a:spcPct val="0"/>
+              </a:spcAft>
+              <a:buNone/>
+            </a:pPr>
+            <a:r>
+              <a:rPr lang="en-US" altLang="en-US" sz="2800" dirty="0" err="1">
+                <a:solidFill>
+                  <a:srgbClr val="000000"/>
+                </a:solidFill>
+                <a:latin typeface="Consolas" panose="020B0609020204030204" pitchFamily="49" charset="0"/>
+                <a:cs typeface="Consolas" panose="020B0609020204030204" pitchFamily="49" charset="0"/>
+              </a:rPr>
+              <a:t>fs.readFile</a:t>
+            </a:r>
+            <a:r>
+              <a:rPr lang="en-US" altLang="en-US" sz="2800" dirty="0">
+                <a:solidFill>
+                  <a:srgbClr val="000000"/>
+                </a:solidFill>
+                <a:latin typeface="Consolas" panose="020B0609020204030204" pitchFamily="49" charset="0"/>
+                <a:cs typeface="Consolas" panose="020B0609020204030204" pitchFamily="49" charset="0"/>
+              </a:rPr>
+              <a:t>(</a:t>
+            </a:r>
+            <a:r>
+              <a:rPr lang="en-US" altLang="en-US" sz="2800" dirty="0">
+                <a:solidFill>
+                  <a:srgbClr val="A31515"/>
+                </a:solidFill>
+                <a:latin typeface="Consolas" panose="020B0609020204030204" pitchFamily="49" charset="0"/>
+                <a:cs typeface="Consolas" panose="020B0609020204030204" pitchFamily="49" charset="0"/>
+              </a:rPr>
+              <a:t>'</a:t>
+            </a:r>
+            <a:r>
+              <a:rPr lang="en-US" altLang="en-US" sz="2800" dirty="0" err="1">
+                <a:solidFill>
+                  <a:srgbClr val="A31515"/>
+                </a:solidFill>
+                <a:latin typeface="Consolas" panose="020B0609020204030204" pitchFamily="49" charset="0"/>
+                <a:cs typeface="Consolas" panose="020B0609020204030204" pitchFamily="49" charset="0"/>
+              </a:rPr>
+              <a:t>package.json</a:t>
+            </a:r>
+            <a:r>
+              <a:rPr lang="en-US" altLang="en-US" sz="2800" dirty="0">
+                <a:solidFill>
+                  <a:srgbClr val="A31515"/>
+                </a:solidFill>
+                <a:latin typeface="Consolas" panose="020B0609020204030204" pitchFamily="49" charset="0"/>
+                <a:cs typeface="Consolas" panose="020B0609020204030204" pitchFamily="49" charset="0"/>
+              </a:rPr>
+              <a:t>'</a:t>
+            </a:r>
+            <a:r>
+              <a:rPr lang="en-US" altLang="en-US" sz="2800" dirty="0">
+                <a:solidFill>
+                  <a:srgbClr val="000000"/>
+                </a:solidFill>
+                <a:latin typeface="Consolas" panose="020B0609020204030204" pitchFamily="49" charset="0"/>
+                <a:cs typeface="Consolas" panose="020B0609020204030204" pitchFamily="49" charset="0"/>
+              </a:rPr>
+              <a:t>, </a:t>
+            </a:r>
+            <a:r>
+              <a:rPr lang="en-US" altLang="en-US" sz="2800" dirty="0">
+                <a:solidFill>
+                  <a:srgbClr val="0000FF"/>
+                </a:solidFill>
+                <a:latin typeface="Consolas" panose="020B0609020204030204" pitchFamily="49" charset="0"/>
+                <a:cs typeface="Consolas" panose="020B0609020204030204" pitchFamily="49" charset="0"/>
+              </a:rPr>
+              <a:t>function</a:t>
+            </a:r>
+            <a:r>
+              <a:rPr lang="en-US" altLang="en-US" sz="2800" dirty="0">
+                <a:solidFill>
+                  <a:srgbClr val="000000"/>
+                </a:solidFill>
+                <a:latin typeface="Consolas" panose="020B0609020204030204" pitchFamily="49" charset="0"/>
+                <a:cs typeface="Consolas" panose="020B0609020204030204" pitchFamily="49" charset="0"/>
+              </a:rPr>
+              <a:t> (err, </a:t>
+            </a:r>
+            <a:r>
+              <a:rPr lang="en-US" altLang="en-US" sz="2800" dirty="0" err="1">
+                <a:solidFill>
+                  <a:srgbClr val="000000"/>
+                </a:solidFill>
+                <a:latin typeface="Consolas" panose="020B0609020204030204" pitchFamily="49" charset="0"/>
+                <a:cs typeface="Consolas" panose="020B0609020204030204" pitchFamily="49" charset="0"/>
+              </a:rPr>
+              <a:t>buf</a:t>
+            </a:r>
+            <a:r>
+              <a:rPr lang="en-US" altLang="en-US" sz="2800" dirty="0">
+                <a:solidFill>
+                  <a:srgbClr val="000000"/>
+                </a:solidFill>
+                <a:latin typeface="Consolas" panose="020B0609020204030204" pitchFamily="49" charset="0"/>
+                <a:cs typeface="Consolas" panose="020B0609020204030204" pitchFamily="49" charset="0"/>
+              </a:rPr>
+              <a:t>) {</a:t>
+            </a:r>
+          </a:p>
+          <a:p>
+            <a:pPr marL="0" lvl="0" indent="0" defTabSz="914400" eaLnBrk="0" fontAlgn="base" hangingPunct="0">
+              <a:spcBef>
+                <a:spcPct val="0"/>
+              </a:spcBef>
+              <a:spcAft>
+                <a:spcPct val="0"/>
+              </a:spcAft>
+              <a:buNone/>
+            </a:pPr>
+            <a:r>
+              <a:rPr lang="en-US" altLang="en-US" sz="2800" dirty="0">
+                <a:solidFill>
+                  <a:srgbClr val="000000"/>
+                </a:solidFill>
+                <a:latin typeface="Consolas" panose="020B0609020204030204" pitchFamily="49" charset="0"/>
+                <a:cs typeface="Consolas" panose="020B0609020204030204" pitchFamily="49" charset="0"/>
+              </a:rPr>
+              <a:t>     console.log(</a:t>
+            </a:r>
+            <a:r>
+              <a:rPr lang="en-US" altLang="en-US" sz="2800" dirty="0" err="1">
+                <a:solidFill>
+                  <a:srgbClr val="000000"/>
+                </a:solidFill>
+                <a:latin typeface="Consolas" panose="020B0609020204030204" pitchFamily="49" charset="0"/>
+                <a:cs typeface="Consolas" panose="020B0609020204030204" pitchFamily="49" charset="0"/>
+              </a:rPr>
+              <a:t>buf.toString</a:t>
+            </a:r>
+            <a:r>
+              <a:rPr lang="en-US" altLang="en-US" sz="2800" dirty="0">
+                <a:solidFill>
+                  <a:srgbClr val="000000"/>
+                </a:solidFill>
+                <a:latin typeface="Consolas" panose="020B0609020204030204" pitchFamily="49" charset="0"/>
+                <a:cs typeface="Consolas" panose="020B0609020204030204" pitchFamily="49" charset="0"/>
+              </a:rPr>
+              <a:t>());</a:t>
+            </a:r>
+          </a:p>
+          <a:p>
+            <a:pPr marL="0" lvl="0" indent="0" defTabSz="914400" eaLnBrk="0" fontAlgn="base" hangingPunct="0">
+              <a:spcBef>
+                <a:spcPct val="0"/>
+              </a:spcBef>
+              <a:spcAft>
+                <a:spcPct val="0"/>
+              </a:spcAft>
+              <a:buNone/>
+            </a:pPr>
+            <a:r>
+              <a:rPr lang="en-US" altLang="en-US" sz="2800" dirty="0">
+                <a:solidFill>
+                  <a:srgbClr val="000000"/>
+                </a:solidFill>
+                <a:latin typeface="Consolas" panose="020B0609020204030204" pitchFamily="49" charset="0"/>
+                <a:cs typeface="Consolas" panose="020B0609020204030204" pitchFamily="49" charset="0"/>
+              </a:rPr>
+              <a:t>});</a:t>
+            </a:r>
+            <a:endParaRPr lang="en-US" altLang="en-US" sz="6000" dirty="0">
+              <a:latin typeface="Arial" panose="020B0604020202020204" pitchFamily="34" charset="0"/>
+            </a:endParaRPr>
+          </a:p>
+          <a:p>
+            <a:pPr marL="0" indent="0">
+              <a:buNone/>
+            </a:pPr>
             <a:endParaRPr lang="en-US" dirty="0"/>
           </a:p>
         </p:txBody>
@@ -6635,7 +7020,7 @@
     </p:spTree>
     <p:extLst>
       <p:ext uri="{BB962C8B-B14F-4D97-AF65-F5344CB8AC3E}">
-        <p14:creationId xmlns:p14="http://schemas.microsoft.com/office/powerpoint/2010/main" val="3707770699"/>
+        <p14:creationId xmlns:p14="http://schemas.microsoft.com/office/powerpoint/2010/main" val="308955883"/>
       </p:ext>
     </p:extLst>
   </p:cSld>
@@ -6686,7 +7071,7 @@
           <a:p>
             <a:r>
               <a:rPr lang="en-US" dirty="0" smtClean="0"/>
-              <a:t>Event Driven Programming</a:t>
+              <a:t>Callback Style Programming</a:t>
             </a:r>
             <a:endParaRPr lang="en-US" dirty="0"/>
           </a:p>
@@ -6707,24 +7092,22 @@
           <a:bodyPr/>
           <a:lstStyle/>
           <a:p>
-            <a:pPr marL="0" indent="0">
-              <a:buNone/>
-            </a:pPr>
-            <a:r>
-              <a:rPr lang="en-US" dirty="0" smtClean="0"/>
-              <a:t>“</a:t>
-            </a:r>
-            <a:r>
-              <a:rPr lang="en-US" dirty="0"/>
-              <a:t>A programming paradigm in which the flow of the program is determined by events such as user actions (mouse clicks, key presses) or messages from other programs.” – </a:t>
-            </a:r>
-            <a:r>
-              <a:rPr lang="en-US" dirty="0">
-                <a:hlinkClick r:id="rId2"/>
-              </a:rPr>
-              <a:t>Wikipedia</a:t>
-            </a:r>
-            <a:endParaRPr lang="en-US" dirty="0"/>
+            <a:r>
+              <a:rPr lang="en-US" sz="2800" dirty="0"/>
+              <a:t>Event loops result in callback-style programming where you break apart a program into its underlying data flow. </a:t>
+            </a:r>
+          </a:p>
+          <a:p>
+            <a:r>
+              <a:rPr lang="en-US" sz="2800" dirty="0"/>
+              <a:t>In other words, you end up splitting your program into smaller and smaller chunks until each chuck is mapped to operation with data.</a:t>
+            </a:r>
+          </a:p>
+          <a:p>
+            <a:r>
+              <a:rPr lang="en-US" sz="2800" dirty="0"/>
+              <a:t>Why? So that you don’t freeze the event loop on long-running operations (such as disk or network I/O).</a:t>
+            </a:r>
           </a:p>
           <a:p>
             <a:pPr marL="0" indent="0">
@@ -6737,7 +7120,7 @@
     </p:spTree>
     <p:extLst>
       <p:ext uri="{BB962C8B-B14F-4D97-AF65-F5344CB8AC3E}">
-        <p14:creationId xmlns:p14="http://schemas.microsoft.com/office/powerpoint/2010/main" val="559582552"/>
+        <p14:creationId xmlns:p14="http://schemas.microsoft.com/office/powerpoint/2010/main" val="3701053772"/>
       </p:ext>
     </p:extLst>
   </p:cSld>
@@ -6788,62 +7171,40 @@
           <a:p>
             <a:r>
               <a:rPr lang="en-US" dirty="0" smtClean="0"/>
-              <a:t>Node Event Loop</a:t>
+              <a:t>Callback Insanity</a:t>
             </a:r>
             <a:endParaRPr lang="en-US" dirty="0"/>
           </a:p>
         </p:txBody>
       </p:sp>
-      <p:sp>
-        <p:nvSpPr>
-          <p:cNvPr id="3" name="Content Placeholder 2"/>
-          <p:cNvSpPr>
-            <a:spLocks noGrp="1"/>
-          </p:cNvSpPr>
-          <p:nvPr>
-            <p:ph sz="quarter" idx="10"/>
-          </p:nvPr>
-        </p:nvSpPr>
-        <p:spPr/>
-        <p:txBody>
-          <a:bodyPr/>
-          <a:lstStyle/>
-          <a:p>
-            <a:r>
-              <a:rPr lang="en-US" dirty="0"/>
-              <a:t>Node provides the event loop as part of the language.</a:t>
-            </a:r>
-          </a:p>
-          <a:p>
-            <a:r>
-              <a:rPr lang="en-US" dirty="0"/>
-              <a:t>With Node, there is no call to start the loop.</a:t>
-            </a:r>
-          </a:p>
-          <a:p>
-            <a:r>
-              <a:rPr lang="en-US" dirty="0"/>
-              <a:t>The loop starts and doesn’t end until the last callback is complete. </a:t>
-            </a:r>
-          </a:p>
-          <a:p>
-            <a:r>
-              <a:rPr lang="en-US" dirty="0"/>
-              <a:t>Event loop is run under a single thread therefore sleep() makes everything halt. </a:t>
-            </a:r>
-          </a:p>
-          <a:p>
-            <a:pPr marL="0" indent="0">
-              <a:buNone/>
-            </a:pPr>
-            <a:endParaRPr lang="en-US" dirty="0"/>
-          </a:p>
-        </p:txBody>
-      </p:sp>
+      <p:pic>
+        <p:nvPicPr>
+          <p:cNvPr id="5" name="Picture 4"/>
+          <p:cNvPicPr>
+            <a:picLocks noChangeAspect="1"/>
+          </p:cNvPicPr>
+          <p:nvPr/>
+        </p:nvPicPr>
+        <p:blipFill>
+          <a:blip r:embed="rId2"/>
+          <a:stretch>
+            <a:fillRect/>
+          </a:stretch>
+        </p:blipFill>
+        <p:spPr>
+          <a:xfrm>
+            <a:off x="559088" y="1245702"/>
+            <a:ext cx="10649331" cy="5159855"/>
+          </a:xfrm>
+          <a:prstGeom prst="rect">
+            <a:avLst/>
+          </a:prstGeom>
+        </p:spPr>
+      </p:pic>
     </p:spTree>
     <p:extLst>
       <p:ext uri="{BB962C8B-B14F-4D97-AF65-F5344CB8AC3E}">
-        <p14:creationId xmlns:p14="http://schemas.microsoft.com/office/powerpoint/2010/main" val="3371721629"/>
+        <p14:creationId xmlns:p14="http://schemas.microsoft.com/office/powerpoint/2010/main" val="1986031114"/>
       </p:ext>
     </p:extLst>
   </p:cSld>
@@ -6894,7 +7255,7 @@
           <a:p>
             <a:r>
               <a:rPr lang="en-US" dirty="0" smtClean="0"/>
-              <a:t>Blocking I/O</a:t>
+              <a:t>Promises </a:t>
             </a:r>
             <a:endParaRPr lang="en-US" dirty="0"/>
           </a:p>
@@ -6915,208 +7276,56 @@
           <a:bodyPr/>
           <a:lstStyle/>
           <a:p>
-            <a:pPr marL="0" lvl="0" indent="0" defTabSz="914400" eaLnBrk="0" fontAlgn="base" hangingPunct="0">
-              <a:spcBef>
-                <a:spcPct val="0"/>
-              </a:spcBef>
-              <a:spcAft>
-                <a:spcPct val="0"/>
-              </a:spcAft>
+            <a:r>
+              <a:rPr lang="en-US" sz="2800" dirty="0"/>
+              <a:t>A function will return a promise for an object in the future. </a:t>
+            </a:r>
+          </a:p>
+          <a:p>
+            <a:r>
+              <a:rPr lang="en-US" sz="2800" dirty="0" smtClean="0"/>
+              <a:t>Promises can be chained together. </a:t>
+            </a:r>
+          </a:p>
+          <a:p>
+            <a:r>
+              <a:rPr lang="en-US" sz="2800" dirty="0" smtClean="0"/>
+              <a:t>Simplify </a:t>
+            </a:r>
+            <a:r>
+              <a:rPr lang="en-US" sz="2800" dirty="0"/>
+              <a:t>programming of </a:t>
+            </a:r>
+            <a:r>
+              <a:rPr lang="en-US" sz="2800" dirty="0" err="1"/>
+              <a:t>async</a:t>
+            </a:r>
+            <a:r>
+              <a:rPr lang="en-US" sz="2800" dirty="0"/>
+              <a:t> systems.</a:t>
+            </a:r>
+          </a:p>
+          <a:p>
+            <a:pPr marL="0" indent="0">
               <a:buNone/>
             </a:pPr>
-            <a:r>
-              <a:rPr lang="en-US" altLang="en-US" sz="2800" dirty="0" err="1">
-                <a:solidFill>
-                  <a:srgbClr val="0000FF"/>
-                </a:solidFill>
-                <a:latin typeface="Consolas" panose="020B0609020204030204" pitchFamily="49" charset="0"/>
-                <a:cs typeface="Consolas" panose="020B0609020204030204" pitchFamily="49" charset="0"/>
-              </a:rPr>
-              <a:t>var</a:t>
-            </a:r>
-            <a:r>
-              <a:rPr lang="en-US" altLang="en-US" sz="2800" dirty="0">
-                <a:solidFill>
-                  <a:srgbClr val="000000"/>
-                </a:solidFill>
-                <a:latin typeface="Consolas" panose="020B0609020204030204" pitchFamily="49" charset="0"/>
-                <a:cs typeface="Consolas" panose="020B0609020204030204" pitchFamily="49" charset="0"/>
-              </a:rPr>
-              <a:t> fs = require(</a:t>
-            </a:r>
-            <a:r>
-              <a:rPr lang="en-US" altLang="en-US" sz="2800" dirty="0">
-                <a:solidFill>
-                  <a:srgbClr val="A31515"/>
-                </a:solidFill>
-                <a:latin typeface="Consolas" panose="020B0609020204030204" pitchFamily="49" charset="0"/>
-                <a:cs typeface="Consolas" panose="020B0609020204030204" pitchFamily="49" charset="0"/>
-              </a:rPr>
-              <a:t>'fs'</a:t>
-            </a:r>
-            <a:r>
-              <a:rPr lang="en-US" altLang="en-US" sz="2800" dirty="0">
-                <a:solidFill>
-                  <a:srgbClr val="000000"/>
-                </a:solidFill>
-                <a:latin typeface="Consolas" panose="020B0609020204030204" pitchFamily="49" charset="0"/>
-                <a:cs typeface="Consolas" panose="020B0609020204030204" pitchFamily="49" charset="0"/>
-              </a:rPr>
-              <a:t>);</a:t>
-            </a:r>
-          </a:p>
-          <a:p>
-            <a:pPr marL="0" lvl="0" indent="0" defTabSz="914400" eaLnBrk="0" fontAlgn="base" hangingPunct="0">
-              <a:spcBef>
-                <a:spcPct val="0"/>
-              </a:spcBef>
-              <a:spcAft>
-                <a:spcPct val="0"/>
-              </a:spcAft>
+            <a:endParaRPr lang="en-US" sz="2800" dirty="0"/>
+          </a:p>
+          <a:p>
+            <a:pPr marL="0" indent="0">
               <a:buNone/>
             </a:pPr>
-            <a:endParaRPr lang="en-US" altLang="en-US" sz="2800" dirty="0">
-              <a:solidFill>
-                <a:srgbClr val="0000FF"/>
-              </a:solidFill>
-              <a:latin typeface="Consolas" panose="020B0609020204030204" pitchFamily="49" charset="0"/>
-              <a:cs typeface="Consolas" panose="020B0609020204030204" pitchFamily="49" charset="0"/>
-            </a:endParaRPr>
-          </a:p>
-          <a:p>
-            <a:pPr marL="0" lvl="0" indent="0" defTabSz="914400" eaLnBrk="0" fontAlgn="base" hangingPunct="0">
-              <a:spcBef>
-                <a:spcPct val="0"/>
-              </a:spcBef>
-              <a:spcAft>
-                <a:spcPct val="0"/>
-              </a:spcAft>
-              <a:buNone/>
-            </a:pPr>
-            <a:r>
-              <a:rPr lang="en-US" altLang="en-US" sz="2800" dirty="0" err="1">
-                <a:solidFill>
-                  <a:srgbClr val="0000FF"/>
-                </a:solidFill>
-                <a:latin typeface="Consolas" panose="020B0609020204030204" pitchFamily="49" charset="0"/>
-                <a:cs typeface="Consolas" panose="020B0609020204030204" pitchFamily="49" charset="0"/>
-              </a:rPr>
-              <a:t>var</a:t>
-            </a:r>
-            <a:r>
-              <a:rPr lang="en-US" altLang="en-US" sz="2800" dirty="0">
-                <a:solidFill>
-                  <a:srgbClr val="000000"/>
-                </a:solidFill>
-                <a:latin typeface="Consolas" panose="020B0609020204030204" pitchFamily="49" charset="0"/>
-                <a:cs typeface="Consolas" panose="020B0609020204030204" pitchFamily="49" charset="0"/>
-              </a:rPr>
-              <a:t> contents = </a:t>
-            </a:r>
-            <a:r>
-              <a:rPr lang="en-US" altLang="en-US" sz="2800" dirty="0" err="1">
-                <a:solidFill>
-                  <a:srgbClr val="000000"/>
-                </a:solidFill>
-                <a:latin typeface="Consolas" panose="020B0609020204030204" pitchFamily="49" charset="0"/>
-                <a:cs typeface="Consolas" panose="020B0609020204030204" pitchFamily="49" charset="0"/>
-              </a:rPr>
-              <a:t>fs.readFileSync</a:t>
-            </a:r>
-            <a:r>
-              <a:rPr lang="en-US" altLang="en-US" sz="2800" dirty="0">
-                <a:solidFill>
-                  <a:srgbClr val="000000"/>
-                </a:solidFill>
-                <a:latin typeface="Consolas" panose="020B0609020204030204" pitchFamily="49" charset="0"/>
-                <a:cs typeface="Consolas" panose="020B0609020204030204" pitchFamily="49" charset="0"/>
-              </a:rPr>
-              <a:t>(</a:t>
-            </a:r>
-            <a:r>
-              <a:rPr lang="en-US" altLang="en-US" sz="2800" dirty="0">
-                <a:solidFill>
-                  <a:srgbClr val="A31515"/>
-                </a:solidFill>
-                <a:latin typeface="Consolas" panose="020B0609020204030204" pitchFamily="49" charset="0"/>
-                <a:cs typeface="Consolas" panose="020B0609020204030204" pitchFamily="49" charset="0"/>
-              </a:rPr>
-              <a:t>'</a:t>
-            </a:r>
-            <a:r>
-              <a:rPr lang="en-US" altLang="en-US" sz="2800" dirty="0" err="1">
-                <a:solidFill>
-                  <a:srgbClr val="A31515"/>
-                </a:solidFill>
-                <a:latin typeface="Consolas" panose="020B0609020204030204" pitchFamily="49" charset="0"/>
-                <a:cs typeface="Consolas" panose="020B0609020204030204" pitchFamily="49" charset="0"/>
-              </a:rPr>
-              <a:t>package.json</a:t>
-            </a:r>
-            <a:r>
-              <a:rPr lang="en-US" altLang="en-US" sz="2800" dirty="0">
-                <a:solidFill>
-                  <a:srgbClr val="A31515"/>
-                </a:solidFill>
-                <a:latin typeface="Consolas" panose="020B0609020204030204" pitchFamily="49" charset="0"/>
-                <a:cs typeface="Consolas" panose="020B0609020204030204" pitchFamily="49" charset="0"/>
-              </a:rPr>
-              <a:t>'</a:t>
-            </a:r>
-            <a:r>
-              <a:rPr lang="en-US" altLang="en-US" sz="2800" dirty="0">
-                <a:solidFill>
-                  <a:srgbClr val="000000"/>
-                </a:solidFill>
-                <a:latin typeface="Consolas" panose="020B0609020204030204" pitchFamily="49" charset="0"/>
-                <a:cs typeface="Consolas" panose="020B0609020204030204" pitchFamily="49" charset="0"/>
-              </a:rPr>
-              <a:t>).</a:t>
-            </a:r>
-            <a:r>
-              <a:rPr lang="en-US" altLang="en-US" sz="2800" dirty="0" err="1">
-                <a:solidFill>
-                  <a:srgbClr val="000000"/>
-                </a:solidFill>
-                <a:latin typeface="Consolas" panose="020B0609020204030204" pitchFamily="49" charset="0"/>
-                <a:cs typeface="Consolas" panose="020B0609020204030204" pitchFamily="49" charset="0"/>
-              </a:rPr>
-              <a:t>toString</a:t>
-            </a:r>
-            <a:r>
-              <a:rPr lang="en-US" altLang="en-US" sz="2800" dirty="0">
-                <a:solidFill>
-                  <a:srgbClr val="000000"/>
-                </a:solidFill>
-                <a:latin typeface="Consolas" panose="020B0609020204030204" pitchFamily="49" charset="0"/>
-                <a:cs typeface="Consolas" panose="020B0609020204030204" pitchFamily="49" charset="0"/>
-              </a:rPr>
-              <a:t>();</a:t>
-            </a:r>
-          </a:p>
-          <a:p>
-            <a:pPr marL="0" lvl="0" indent="0" defTabSz="914400" eaLnBrk="0" fontAlgn="base" hangingPunct="0">
-              <a:spcBef>
-                <a:spcPct val="0"/>
-              </a:spcBef>
-              <a:spcAft>
-                <a:spcPct val="0"/>
-              </a:spcAft>
-              <a:buNone/>
-            </a:pPr>
-            <a:r>
-              <a:rPr lang="en-US" altLang="en-US" sz="2800" dirty="0">
-                <a:solidFill>
-                  <a:srgbClr val="000000"/>
-                </a:solidFill>
-                <a:latin typeface="Consolas" panose="020B0609020204030204" pitchFamily="49" charset="0"/>
-                <a:cs typeface="Consolas" panose="020B0609020204030204" pitchFamily="49" charset="0"/>
-              </a:rPr>
-              <a:t>console.log(contents);</a:t>
-            </a:r>
-            <a:endParaRPr lang="en-US" altLang="en-US" sz="2800" dirty="0">
-              <a:latin typeface="Arial" panose="020B0604020202020204" pitchFamily="34" charset="0"/>
-            </a:endParaRPr>
+            <a:r>
+              <a:rPr lang="en-US" sz="2800" dirty="0"/>
+              <a:t>Read More: </a:t>
+            </a:r>
+            <a:r>
+              <a:rPr lang="en-US" sz="2800" dirty="0">
+                <a:hlinkClick r:id="rId2"/>
+              </a:rPr>
+              <a:t>http://spin.atomicobject.com/2012/03/14/nodejs-and-asynchronous-programming-with-promises/</a:t>
+            </a:r>
+            <a:endParaRPr lang="en-US" sz="2800" dirty="0"/>
           </a:p>
           <a:p>
             <a:pPr marL="0" indent="0">
@@ -7129,13 +7338,21 @@
     </p:spTree>
     <p:extLst>
       <p:ext uri="{BB962C8B-B14F-4D97-AF65-F5344CB8AC3E}">
-        <p14:creationId xmlns:p14="http://schemas.microsoft.com/office/powerpoint/2010/main" val="174588124"/>
+        <p14:creationId xmlns:p14="http://schemas.microsoft.com/office/powerpoint/2010/main" val="2940283024"/>
       </p:ext>
     </p:extLst>
   </p:cSld>
   <p:clrMapOvr>
     <a:masterClrMapping/>
   </p:clrMapOvr>
+  <mc:AlternateContent xmlns:mc="http://schemas.openxmlformats.org/markup-compatibility/2006" xmlns:p14="http://schemas.microsoft.com/office/powerpoint/2010/main">
+    <mc:Choice Requires="p14">
+      <p:transition spd="slow" p14:dur="2000"/>
+    </mc:Choice>
+    <mc:Fallback xmlns="">
+      <p:transition spd="slow"/>
+    </mc:Fallback>
+  </mc:AlternateContent>
   <p:timing>
     <p:tnLst>
       <p:par>
@@ -7240,32 +7457,8 @@
               <a:t>at </a:t>
             </a:r>
             <a:r>
-              <a:rPr lang="en-US" dirty="0">
-                <a:hlinkClick r:id="rId3"/>
-              </a:rPr>
-              <a:t>blogs.msdn.com/b/</a:t>
-            </a:r>
-            <a:r>
-              <a:rPr lang="en-US" dirty="0" err="1">
-                <a:hlinkClick r:id="rId3"/>
-              </a:rPr>
-              <a:t>cdndevs</a:t>
-            </a:r>
-            <a:r>
-              <a:rPr lang="en-US" dirty="0" smtClean="0">
-                <a:hlinkClick r:id="rId3"/>
-              </a:rPr>
-              <a:t>/</a:t>
-            </a:r>
-            <a:r>
-              <a:rPr lang="en-US" dirty="0" smtClean="0"/>
-              <a:t> &amp; </a:t>
-            </a:r>
-            <a:r>
-              <a:rPr lang="en-US" dirty="0" smtClean="0">
-                <a:hlinkClick r:id="rId4"/>
-              </a:rPr>
-              <a:t>ramisayar.com</a:t>
+              <a:rPr lang="en-US" dirty="0" smtClean="0"/>
+              <a:t>MSDN</a:t>
             </a:r>
             <a:endParaRPr lang="en-US" dirty="0" smtClean="0"/>
           </a:p>
@@ -7280,7 +7473,7 @@
           <p:nvPr/>
         </p:nvPicPr>
         <p:blipFill>
-          <a:blip r:embed="rId5">
+          <a:blip r:embed="rId3">
             <a:extLst>
               <a:ext uri="{28A0092B-C50C-407E-A947-70E740481C1C}">
                 <a14:useLocalDpi xmlns:a14="http://schemas.microsoft.com/office/drawing/2010/main" val="0"/>
@@ -7363,7 +7556,7 @@
           <a:p>
             <a:r>
               <a:rPr lang="en-US" dirty="0" smtClean="0"/>
-              <a:t>Non Blocking I/O</a:t>
+              <a:t>Q Library </a:t>
             </a:r>
             <a:endParaRPr lang="en-US" dirty="0"/>
           </a:p>
@@ -7371,288 +7564,1072 @@
       </p:sp>
       <p:sp>
         <p:nvSpPr>
-          <p:cNvPr id="3" name="Content Placeholder 2"/>
-          <p:cNvSpPr>
-            <a:spLocks noGrp="1"/>
+          <p:cNvPr id="5" name="Content Placeholder 4"/>
+          <p:cNvSpPr>
+            <a:spLocks noGrp="1" noChangeArrowheads="1"/>
           </p:cNvSpPr>
           <p:nvPr>
-            <p:ph sz="quarter" idx="10"/>
+            <p:ph sz="half" idx="4294967295"/>
           </p:nvPr>
         </p:nvSpPr>
-        <p:spPr/>
+        <p:spPr bwMode="auto">
+          <a:xfrm>
+            <a:off x="368379" y="1825625"/>
+            <a:ext cx="5346335" cy="2308324"/>
+          </a:xfrm>
+          <a:prstGeom prst="rect">
+            <a:avLst/>
+          </a:prstGeom>
+          <a:solidFill>
+            <a:srgbClr val="FFFFFF"/>
+          </a:solidFill>
+          <a:ln>
+            <a:noFill/>
+          </a:ln>
+          <a:effectLst/>
+          <a:extLst>
+            <a:ext uri="{91240B29-F687-4F45-9708-019B960494DF}">
+              <a14:hiddenLine xmlns:a14="http://schemas.microsoft.com/office/drawing/2010/main" w="9525">
+                <a:solidFill>
+                  <a:schemeClr val="tx1"/>
+                </a:solidFill>
+                <a:miter lim="800000"/>
+                <a:headEnd/>
+                <a:tailEnd/>
+              </a14:hiddenLine>
+            </a:ext>
+            <a:ext uri="{AF507438-7753-43E0-B8FC-AC1667EBCBE1}">
+              <a14:hiddenEffects xmlns:a14="http://schemas.microsoft.com/office/drawing/2010/main">
+                <a:effectLst>
+                  <a:outerShdw dist="35921" dir="2700000" algn="ctr" rotWithShape="0">
+                    <a:schemeClr val="bg2"/>
+                  </a:outerShdw>
+                </a:effectLst>
+              </a14:hiddenEffects>
+            </a:ext>
+          </a:extLst>
+        </p:spPr>
         <p:txBody>
-          <a:bodyPr/>
+          <a:bodyPr vert="horz" wrap="none" lIns="91440" tIns="45720" rIns="91440" bIns="45720" numCol="1" anchor="ctr" anchorCtr="0" compatLnSpc="1">
+            <a:prstTxWarp prst="textNoShape">
+              <a:avLst/>
+            </a:prstTxWarp>
+            <a:spAutoFit/>
+          </a:bodyPr>
           <a:lstStyle/>
           <a:p>
-            <a:pPr marL="0" lvl="0" indent="0" defTabSz="914400" eaLnBrk="0" fontAlgn="base" hangingPunct="0">
+            <a:pPr marL="0" marR="0" lvl="0" indent="0" algn="l" defTabSz="914400" rtl="0" eaLnBrk="0" fontAlgn="base" latinLnBrk="0" hangingPunct="0">
+              <a:lnSpc>
+                <a:spcPct val="100000"/>
+              </a:lnSpc>
               <a:spcBef>
                 <a:spcPct val="0"/>
               </a:spcBef>
               <a:spcAft>
                 <a:spcPct val="0"/>
               </a:spcAft>
-              <a:buNone/>
+              <a:buClrTx/>
+              <a:buSzTx/>
+              <a:buFontTx/>
+              <a:buNone/>
+              <a:tabLst/>
             </a:pPr>
             <a:r>
-              <a:rPr lang="en-US" altLang="en-US" sz="2800" dirty="0" err="1">
+              <a:rPr kumimoji="0" lang="en-US" altLang="en-US" sz="1600" b="0" i="0" u="none" strike="noStrike" cap="none" normalizeH="0" baseline="0" dirty="0" smtClean="0">
+                <a:ln>
+                  <a:noFill/>
+                </a:ln>
+                <a:solidFill>
+                  <a:srgbClr val="000000"/>
+                </a:solidFill>
+                <a:effectLst/>
+                <a:latin typeface="Consolas" panose="020B0609020204030204" pitchFamily="49" charset="0"/>
+                <a:cs typeface="Consolas" panose="020B0609020204030204" pitchFamily="49" charset="0"/>
+              </a:rPr>
+              <a:t>step1(</a:t>
+            </a:r>
+            <a:r>
+              <a:rPr kumimoji="0" lang="en-US" altLang="en-US" sz="1600" b="0" i="0" u="none" strike="noStrike" cap="none" normalizeH="0" baseline="0" dirty="0" smtClean="0">
+                <a:ln>
+                  <a:noFill/>
+                </a:ln>
                 <a:solidFill>
                   <a:srgbClr val="0000FF"/>
                 </a:solidFill>
-                <a:latin typeface="Consolas" panose="020B0609020204030204" pitchFamily="49" charset="0"/>
-                <a:cs typeface="Consolas" panose="020B0609020204030204" pitchFamily="49" charset="0"/>
-              </a:rPr>
-              <a:t>var</a:t>
-            </a:r>
-            <a:r>
-              <a:rPr lang="en-US" altLang="en-US" sz="2800" dirty="0">
+                <a:effectLst/>
+                <a:latin typeface="Consolas" panose="020B0609020204030204" pitchFamily="49" charset="0"/>
+                <a:cs typeface="Consolas" panose="020B0609020204030204" pitchFamily="49" charset="0"/>
+              </a:rPr>
+              <a:t>function</a:t>
+            </a:r>
+            <a:r>
+              <a:rPr kumimoji="0" lang="en-US" altLang="en-US" sz="1600" b="0" i="0" u="none" strike="noStrike" cap="none" normalizeH="0" baseline="0" dirty="0" smtClean="0">
+                <a:ln>
+                  <a:noFill/>
+                </a:ln>
                 <a:solidFill>
                   <a:srgbClr val="000000"/>
                 </a:solidFill>
-                <a:latin typeface="Consolas" panose="020B0609020204030204" pitchFamily="49" charset="0"/>
-                <a:cs typeface="Consolas" panose="020B0609020204030204" pitchFamily="49" charset="0"/>
-              </a:rPr>
-              <a:t> fs = require(</a:t>
-            </a:r>
-            <a:r>
-              <a:rPr lang="en-US" altLang="en-US" sz="2800" dirty="0">
-                <a:solidFill>
-                  <a:srgbClr val="A31515"/>
-                </a:solidFill>
-                <a:latin typeface="Consolas" panose="020B0609020204030204" pitchFamily="49" charset="0"/>
-                <a:cs typeface="Consolas" panose="020B0609020204030204" pitchFamily="49" charset="0"/>
-              </a:rPr>
-              <a:t>'fs'</a:t>
-            </a:r>
-            <a:r>
-              <a:rPr lang="en-US" altLang="en-US" sz="2800" dirty="0">
-                <a:solidFill>
-                  <a:srgbClr val="000000"/>
-                </a:solidFill>
-                <a:latin typeface="Consolas" panose="020B0609020204030204" pitchFamily="49" charset="0"/>
-                <a:cs typeface="Consolas" panose="020B0609020204030204" pitchFamily="49" charset="0"/>
-              </a:rPr>
-              <a:t>);</a:t>
-            </a:r>
-          </a:p>
-          <a:p>
-            <a:pPr marL="0" lvl="0" indent="0" defTabSz="914400" eaLnBrk="0" fontAlgn="base" hangingPunct="0">
+                <a:effectLst/>
+                <a:latin typeface="Consolas" panose="020B0609020204030204" pitchFamily="49" charset="0"/>
+                <a:cs typeface="Consolas" panose="020B0609020204030204" pitchFamily="49" charset="0"/>
+              </a:rPr>
+              <a:t> (value1) {</a:t>
+            </a:r>
+          </a:p>
+          <a:p>
+            <a:pPr marL="0" marR="0" lvl="0" indent="0" algn="l" defTabSz="914400" rtl="0" eaLnBrk="0" fontAlgn="base" latinLnBrk="0" hangingPunct="0">
+              <a:lnSpc>
+                <a:spcPct val="100000"/>
+              </a:lnSpc>
               <a:spcBef>
                 <a:spcPct val="0"/>
               </a:spcBef>
               <a:spcAft>
                 <a:spcPct val="0"/>
               </a:spcAft>
-              <a:buNone/>
+              <a:buClrTx/>
+              <a:buSzTx/>
+              <a:buFontTx/>
+              <a:buNone/>
+              <a:tabLst/>
             </a:pPr>
-            <a:endParaRPr lang="en-US" altLang="en-US" sz="2800" dirty="0">
-              <a:solidFill>
-                <a:srgbClr val="000000"/>
-              </a:solidFill>
-              <a:latin typeface="Consolas" panose="020B0609020204030204" pitchFamily="49" charset="0"/>
-              <a:cs typeface="Consolas" panose="020B0609020204030204" pitchFamily="49" charset="0"/>
-            </a:endParaRPr>
-          </a:p>
-          <a:p>
-            <a:pPr marL="0" lvl="0" indent="0" defTabSz="914400" eaLnBrk="0" fontAlgn="base" hangingPunct="0">
+            <a:r>
+              <a:rPr kumimoji="0" lang="en-US" altLang="en-US" sz="1600" b="0" i="0" u="none" strike="noStrike" cap="none" normalizeH="0" baseline="0" dirty="0" smtClean="0">
+                <a:ln>
+                  <a:noFill/>
+                </a:ln>
+                <a:solidFill>
+                  <a:srgbClr val="000000"/>
+                </a:solidFill>
+                <a:effectLst/>
+                <a:latin typeface="Consolas" panose="020B0609020204030204" pitchFamily="49" charset="0"/>
+                <a:cs typeface="Consolas" panose="020B0609020204030204" pitchFamily="49" charset="0"/>
+              </a:rPr>
+              <a:t>     step2(value1, </a:t>
+            </a:r>
+            <a:r>
+              <a:rPr kumimoji="0" lang="en-US" altLang="en-US" sz="1600" b="0" i="0" u="none" strike="noStrike" cap="none" normalizeH="0" baseline="0" dirty="0" smtClean="0">
+                <a:ln>
+                  <a:noFill/>
+                </a:ln>
+                <a:solidFill>
+                  <a:srgbClr val="0000FF"/>
+                </a:solidFill>
+                <a:effectLst/>
+                <a:latin typeface="Consolas" panose="020B0609020204030204" pitchFamily="49" charset="0"/>
+                <a:cs typeface="Consolas" panose="020B0609020204030204" pitchFamily="49" charset="0"/>
+              </a:rPr>
+              <a:t>function</a:t>
+            </a:r>
+            <a:r>
+              <a:rPr kumimoji="0" lang="en-US" altLang="en-US" sz="1600" b="0" i="0" u="none" strike="noStrike" cap="none" normalizeH="0" baseline="0" dirty="0" smtClean="0">
+                <a:ln>
+                  <a:noFill/>
+                </a:ln>
+                <a:solidFill>
+                  <a:srgbClr val="000000"/>
+                </a:solidFill>
+                <a:effectLst/>
+                <a:latin typeface="Consolas" panose="020B0609020204030204" pitchFamily="49" charset="0"/>
+                <a:cs typeface="Consolas" panose="020B0609020204030204" pitchFamily="49" charset="0"/>
+              </a:rPr>
+              <a:t> (value2) {</a:t>
+            </a:r>
+          </a:p>
+          <a:p>
+            <a:pPr marL="0" marR="0" lvl="0" indent="0" algn="l" defTabSz="914400" rtl="0" eaLnBrk="0" fontAlgn="base" latinLnBrk="0" hangingPunct="0">
+              <a:lnSpc>
+                <a:spcPct val="100000"/>
+              </a:lnSpc>
               <a:spcBef>
                 <a:spcPct val="0"/>
               </a:spcBef>
               <a:spcAft>
                 <a:spcPct val="0"/>
               </a:spcAft>
-              <a:buNone/>
+              <a:buClrTx/>
+              <a:buSzTx/>
+              <a:buFontTx/>
+              <a:buNone/>
+              <a:tabLst/>
             </a:pPr>
             <a:r>
-              <a:rPr lang="en-US" altLang="en-US" sz="2800" dirty="0" err="1">
+              <a:rPr kumimoji="0" lang="en-US" altLang="en-US" sz="1600" b="0" i="0" u="none" strike="noStrike" cap="none" normalizeH="0" baseline="0" dirty="0" smtClean="0">
+                <a:ln>
+                  <a:noFill/>
+                </a:ln>
                 <a:solidFill>
                   <a:srgbClr val="000000"/>
                 </a:solidFill>
-                <a:latin typeface="Consolas" panose="020B0609020204030204" pitchFamily="49" charset="0"/>
-                <a:cs typeface="Consolas" panose="020B0609020204030204" pitchFamily="49" charset="0"/>
-              </a:rPr>
-              <a:t>fs.readFile</a:t>
-            </a:r>
-            <a:r>
-              <a:rPr lang="en-US" altLang="en-US" sz="2800" dirty="0">
+                <a:effectLst/>
+                <a:latin typeface="Consolas" panose="020B0609020204030204" pitchFamily="49" charset="0"/>
+                <a:cs typeface="Consolas" panose="020B0609020204030204" pitchFamily="49" charset="0"/>
+              </a:rPr>
+              <a:t>         step3(value2, </a:t>
+            </a:r>
+            <a:r>
+              <a:rPr kumimoji="0" lang="en-US" altLang="en-US" sz="1600" b="0" i="0" u="none" strike="noStrike" cap="none" normalizeH="0" baseline="0" dirty="0" smtClean="0">
+                <a:ln>
+                  <a:noFill/>
+                </a:ln>
+                <a:solidFill>
+                  <a:srgbClr val="0000FF"/>
+                </a:solidFill>
+                <a:effectLst/>
+                <a:latin typeface="Consolas" panose="020B0609020204030204" pitchFamily="49" charset="0"/>
+                <a:cs typeface="Consolas" panose="020B0609020204030204" pitchFamily="49" charset="0"/>
+              </a:rPr>
+              <a:t>function</a:t>
+            </a:r>
+            <a:r>
+              <a:rPr kumimoji="0" lang="en-US" altLang="en-US" sz="1600" b="0" i="0" u="none" strike="noStrike" cap="none" normalizeH="0" baseline="0" dirty="0" smtClean="0">
+                <a:ln>
+                  <a:noFill/>
+                </a:ln>
                 <a:solidFill>
                   <a:srgbClr val="000000"/>
                 </a:solidFill>
-                <a:latin typeface="Consolas" panose="020B0609020204030204" pitchFamily="49" charset="0"/>
-                <a:cs typeface="Consolas" panose="020B0609020204030204" pitchFamily="49" charset="0"/>
-              </a:rPr>
-              <a:t>(</a:t>
-            </a:r>
-            <a:r>
-              <a:rPr lang="en-US" altLang="en-US" sz="2800" dirty="0">
-                <a:solidFill>
-                  <a:srgbClr val="A31515"/>
-                </a:solidFill>
-                <a:latin typeface="Consolas" panose="020B0609020204030204" pitchFamily="49" charset="0"/>
-                <a:cs typeface="Consolas" panose="020B0609020204030204" pitchFamily="49" charset="0"/>
-              </a:rPr>
-              <a:t>'</a:t>
-            </a:r>
-            <a:r>
-              <a:rPr lang="en-US" altLang="en-US" sz="2800" dirty="0" err="1">
-                <a:solidFill>
-                  <a:srgbClr val="A31515"/>
-                </a:solidFill>
-                <a:latin typeface="Consolas" panose="020B0609020204030204" pitchFamily="49" charset="0"/>
-                <a:cs typeface="Consolas" panose="020B0609020204030204" pitchFamily="49" charset="0"/>
-              </a:rPr>
-              <a:t>package.json</a:t>
-            </a:r>
-            <a:r>
-              <a:rPr lang="en-US" altLang="en-US" sz="2800" dirty="0">
-                <a:solidFill>
-                  <a:srgbClr val="A31515"/>
-                </a:solidFill>
-                <a:latin typeface="Consolas" panose="020B0609020204030204" pitchFamily="49" charset="0"/>
-                <a:cs typeface="Consolas" panose="020B0609020204030204" pitchFamily="49" charset="0"/>
-              </a:rPr>
-              <a:t>'</a:t>
-            </a:r>
-            <a:r>
-              <a:rPr lang="en-US" altLang="en-US" sz="2800" dirty="0">
-                <a:solidFill>
-                  <a:srgbClr val="000000"/>
-                </a:solidFill>
-                <a:latin typeface="Consolas" panose="020B0609020204030204" pitchFamily="49" charset="0"/>
-                <a:cs typeface="Consolas" panose="020B0609020204030204" pitchFamily="49" charset="0"/>
-              </a:rPr>
-              <a:t>, </a:t>
-            </a:r>
-            <a:r>
-              <a:rPr lang="en-US" altLang="en-US" sz="2800" dirty="0">
-                <a:solidFill>
-                  <a:srgbClr val="0000FF"/>
-                </a:solidFill>
-                <a:latin typeface="Consolas" panose="020B0609020204030204" pitchFamily="49" charset="0"/>
-                <a:cs typeface="Consolas" panose="020B0609020204030204" pitchFamily="49" charset="0"/>
-              </a:rPr>
-              <a:t>function</a:t>
-            </a:r>
-            <a:r>
-              <a:rPr lang="en-US" altLang="en-US" sz="2800" dirty="0">
-                <a:solidFill>
-                  <a:srgbClr val="000000"/>
-                </a:solidFill>
-                <a:latin typeface="Consolas" panose="020B0609020204030204" pitchFamily="49" charset="0"/>
-                <a:cs typeface="Consolas" panose="020B0609020204030204" pitchFamily="49" charset="0"/>
-              </a:rPr>
-              <a:t> (err, </a:t>
-            </a:r>
-            <a:r>
-              <a:rPr lang="en-US" altLang="en-US" sz="2800" dirty="0" err="1">
-                <a:solidFill>
-                  <a:srgbClr val="000000"/>
-                </a:solidFill>
-                <a:latin typeface="Consolas" panose="020B0609020204030204" pitchFamily="49" charset="0"/>
-                <a:cs typeface="Consolas" panose="020B0609020204030204" pitchFamily="49" charset="0"/>
-              </a:rPr>
-              <a:t>buf</a:t>
-            </a:r>
-            <a:r>
-              <a:rPr lang="en-US" altLang="en-US" sz="2800" dirty="0">
-                <a:solidFill>
-                  <a:srgbClr val="000000"/>
-                </a:solidFill>
-                <a:latin typeface="Consolas" panose="020B0609020204030204" pitchFamily="49" charset="0"/>
-                <a:cs typeface="Consolas" panose="020B0609020204030204" pitchFamily="49" charset="0"/>
-              </a:rPr>
-              <a:t>) {</a:t>
-            </a:r>
-          </a:p>
-          <a:p>
-            <a:pPr marL="0" lvl="0" indent="0" defTabSz="914400" eaLnBrk="0" fontAlgn="base" hangingPunct="0">
+                <a:effectLst/>
+                <a:latin typeface="Consolas" panose="020B0609020204030204" pitchFamily="49" charset="0"/>
+                <a:cs typeface="Consolas" panose="020B0609020204030204" pitchFamily="49" charset="0"/>
+              </a:rPr>
+              <a:t> (value3) {</a:t>
+            </a:r>
+          </a:p>
+          <a:p>
+            <a:pPr marL="0" marR="0" lvl="0" indent="0" algn="l" defTabSz="914400" rtl="0" eaLnBrk="0" fontAlgn="base" latinLnBrk="0" hangingPunct="0">
+              <a:lnSpc>
+                <a:spcPct val="100000"/>
+              </a:lnSpc>
               <a:spcBef>
                 <a:spcPct val="0"/>
               </a:spcBef>
               <a:spcAft>
                 <a:spcPct val="0"/>
               </a:spcAft>
-              <a:buNone/>
+              <a:buClrTx/>
+              <a:buSzTx/>
+              <a:buFontTx/>
+              <a:buNone/>
+              <a:tabLst/>
             </a:pPr>
             <a:r>
-              <a:rPr lang="en-US" altLang="en-US" sz="2800" dirty="0">
+              <a:rPr kumimoji="0" lang="en-US" altLang="en-US" sz="1600" b="0" i="0" u="none" strike="noStrike" cap="none" normalizeH="0" baseline="0" dirty="0" smtClean="0">
+                <a:ln>
+                  <a:noFill/>
+                </a:ln>
                 <a:solidFill>
                   <a:srgbClr val="000000"/>
                 </a:solidFill>
-                <a:latin typeface="Consolas" panose="020B0609020204030204" pitchFamily="49" charset="0"/>
-                <a:cs typeface="Consolas" panose="020B0609020204030204" pitchFamily="49" charset="0"/>
-              </a:rPr>
-              <a:t>     console.log(</a:t>
-            </a:r>
-            <a:r>
-              <a:rPr lang="en-US" altLang="en-US" sz="2800" dirty="0" err="1">
+                <a:effectLst/>
+                <a:latin typeface="Consolas" panose="020B0609020204030204" pitchFamily="49" charset="0"/>
+                <a:cs typeface="Consolas" panose="020B0609020204030204" pitchFamily="49" charset="0"/>
+              </a:rPr>
+              <a:t>             step4(value3, </a:t>
+            </a:r>
+            <a:r>
+              <a:rPr kumimoji="0" lang="en-US" altLang="en-US" sz="1600" b="0" i="0" u="none" strike="noStrike" cap="none" normalizeH="0" baseline="0" dirty="0" smtClean="0">
+                <a:ln>
+                  <a:noFill/>
+                </a:ln>
+                <a:solidFill>
+                  <a:srgbClr val="0000FF"/>
+                </a:solidFill>
+                <a:effectLst/>
+                <a:latin typeface="Consolas" panose="020B0609020204030204" pitchFamily="49" charset="0"/>
+                <a:cs typeface="Consolas" panose="020B0609020204030204" pitchFamily="49" charset="0"/>
+              </a:rPr>
+              <a:t>function</a:t>
+            </a:r>
+            <a:r>
+              <a:rPr kumimoji="0" lang="en-US" altLang="en-US" sz="1600" b="0" i="0" u="none" strike="noStrike" cap="none" normalizeH="0" baseline="0" dirty="0" smtClean="0">
+                <a:ln>
+                  <a:noFill/>
+                </a:ln>
                 <a:solidFill>
                   <a:srgbClr val="000000"/>
                 </a:solidFill>
-                <a:latin typeface="Consolas" panose="020B0609020204030204" pitchFamily="49" charset="0"/>
-                <a:cs typeface="Consolas" panose="020B0609020204030204" pitchFamily="49" charset="0"/>
-              </a:rPr>
-              <a:t>buf.toString</a:t>
-            </a:r>
-            <a:r>
-              <a:rPr lang="en-US" altLang="en-US" sz="2800" dirty="0">
-                <a:solidFill>
-                  <a:srgbClr val="000000"/>
-                </a:solidFill>
-                <a:latin typeface="Consolas" panose="020B0609020204030204" pitchFamily="49" charset="0"/>
-                <a:cs typeface="Consolas" panose="020B0609020204030204" pitchFamily="49" charset="0"/>
-              </a:rPr>
-              <a:t>());</a:t>
-            </a:r>
-          </a:p>
-          <a:p>
-            <a:pPr marL="0" lvl="0" indent="0" defTabSz="914400" eaLnBrk="0" fontAlgn="base" hangingPunct="0">
+                <a:effectLst/>
+                <a:latin typeface="Consolas" panose="020B0609020204030204" pitchFamily="49" charset="0"/>
+                <a:cs typeface="Consolas" panose="020B0609020204030204" pitchFamily="49" charset="0"/>
+              </a:rPr>
+              <a:t> (value4) {</a:t>
+            </a:r>
+          </a:p>
+          <a:p>
+            <a:pPr marL="0" marR="0" lvl="0" indent="0" algn="l" defTabSz="914400" rtl="0" eaLnBrk="0" fontAlgn="base" latinLnBrk="0" hangingPunct="0">
+              <a:lnSpc>
+                <a:spcPct val="100000"/>
+              </a:lnSpc>
               <a:spcBef>
                 <a:spcPct val="0"/>
               </a:spcBef>
               <a:spcAft>
                 <a:spcPct val="0"/>
               </a:spcAft>
-              <a:buNone/>
+              <a:buClrTx/>
+              <a:buSzTx/>
+              <a:buFontTx/>
+              <a:buNone/>
+              <a:tabLst/>
             </a:pPr>
             <a:r>
-              <a:rPr lang="en-US" altLang="en-US" sz="2800" dirty="0">
+              <a:rPr kumimoji="0" lang="en-US" altLang="en-US" sz="1600" b="0" i="0" u="none" strike="noStrike" cap="none" normalizeH="0" baseline="0" dirty="0" smtClean="0">
+                <a:ln>
+                  <a:noFill/>
+                </a:ln>
                 <a:solidFill>
                   <a:srgbClr val="000000"/>
                 </a:solidFill>
-                <a:latin typeface="Consolas" panose="020B0609020204030204" pitchFamily="49" charset="0"/>
-                <a:cs typeface="Consolas" panose="020B0609020204030204" pitchFamily="49" charset="0"/>
-              </a:rPr>
-              <a:t>});</a:t>
-            </a:r>
-            <a:endParaRPr lang="en-US" altLang="en-US" sz="6000" dirty="0">
+                <a:effectLst/>
+                <a:latin typeface="Consolas" panose="020B0609020204030204" pitchFamily="49" charset="0"/>
+                <a:cs typeface="Consolas" panose="020B0609020204030204" pitchFamily="49" charset="0"/>
+              </a:rPr>
+              <a:t>                 </a:t>
+            </a:r>
+            <a:r>
+              <a:rPr kumimoji="0" lang="en-US" altLang="en-US" sz="1600" b="0" i="0" u="none" strike="noStrike" cap="none" normalizeH="0" baseline="0" dirty="0" smtClean="0">
+                <a:ln>
+                  <a:noFill/>
+                </a:ln>
+                <a:solidFill>
+                  <a:srgbClr val="008000"/>
+                </a:solidFill>
+                <a:effectLst/>
+                <a:latin typeface="Consolas" panose="020B0609020204030204" pitchFamily="49" charset="0"/>
+                <a:cs typeface="Consolas" panose="020B0609020204030204" pitchFamily="49" charset="0"/>
+              </a:rPr>
+              <a:t>// Do something with value4</a:t>
+            </a:r>
+          </a:p>
+          <a:p>
+            <a:pPr marL="0" marR="0" lvl="0" indent="0" algn="l" defTabSz="914400" rtl="0" eaLnBrk="0" fontAlgn="base" latinLnBrk="0" hangingPunct="0">
+              <a:lnSpc>
+                <a:spcPct val="100000"/>
+              </a:lnSpc>
+              <a:spcBef>
+                <a:spcPct val="0"/>
+              </a:spcBef>
+              <a:spcAft>
+                <a:spcPct val="0"/>
+              </a:spcAft>
+              <a:buClrTx/>
+              <a:buSzTx/>
+              <a:buFontTx/>
+              <a:buNone/>
+              <a:tabLst/>
+            </a:pPr>
+            <a:r>
+              <a:rPr kumimoji="0" lang="en-US" altLang="en-US" sz="1600" b="0" i="0" u="none" strike="noStrike" cap="none" normalizeH="0" baseline="0" dirty="0" smtClean="0">
+                <a:ln>
+                  <a:noFill/>
+                </a:ln>
+                <a:solidFill>
+                  <a:srgbClr val="000000"/>
+                </a:solidFill>
+                <a:effectLst/>
+                <a:latin typeface="Consolas" panose="020B0609020204030204" pitchFamily="49" charset="0"/>
+                <a:cs typeface="Consolas" panose="020B0609020204030204" pitchFamily="49" charset="0"/>
+              </a:rPr>
+              <a:t>             });</a:t>
+            </a:r>
+          </a:p>
+          <a:p>
+            <a:pPr marL="0" marR="0" lvl="0" indent="0" algn="l" defTabSz="914400" rtl="0" eaLnBrk="0" fontAlgn="base" latinLnBrk="0" hangingPunct="0">
+              <a:lnSpc>
+                <a:spcPct val="100000"/>
+              </a:lnSpc>
+              <a:spcBef>
+                <a:spcPct val="0"/>
+              </a:spcBef>
+              <a:spcAft>
+                <a:spcPct val="0"/>
+              </a:spcAft>
+              <a:buClrTx/>
+              <a:buSzTx/>
+              <a:buFontTx/>
+              <a:buNone/>
+              <a:tabLst/>
+            </a:pPr>
+            <a:r>
+              <a:rPr kumimoji="0" lang="en-US" altLang="en-US" sz="1600" b="0" i="0" u="none" strike="noStrike" cap="none" normalizeH="0" baseline="0" dirty="0" smtClean="0">
+                <a:ln>
+                  <a:noFill/>
+                </a:ln>
+                <a:solidFill>
+                  <a:srgbClr val="000000"/>
+                </a:solidFill>
+                <a:effectLst/>
+                <a:latin typeface="Consolas" panose="020B0609020204030204" pitchFamily="49" charset="0"/>
+                <a:cs typeface="Consolas" panose="020B0609020204030204" pitchFamily="49" charset="0"/>
+              </a:rPr>
+              <a:t>         });</a:t>
+            </a:r>
+          </a:p>
+          <a:p>
+            <a:pPr marL="0" marR="0" lvl="0" indent="0" algn="l" defTabSz="914400" rtl="0" eaLnBrk="0" fontAlgn="base" latinLnBrk="0" hangingPunct="0">
+              <a:lnSpc>
+                <a:spcPct val="100000"/>
+              </a:lnSpc>
+              <a:spcBef>
+                <a:spcPct val="0"/>
+              </a:spcBef>
+              <a:spcAft>
+                <a:spcPct val="0"/>
+              </a:spcAft>
+              <a:buClrTx/>
+              <a:buSzTx/>
+              <a:buFontTx/>
+              <a:buNone/>
+              <a:tabLst/>
+            </a:pPr>
+            <a:r>
+              <a:rPr kumimoji="0" lang="en-US" altLang="en-US" sz="1600" b="0" i="0" u="none" strike="noStrike" cap="none" normalizeH="0" baseline="0" dirty="0" smtClean="0">
+                <a:ln>
+                  <a:noFill/>
+                </a:ln>
+                <a:solidFill>
+                  <a:srgbClr val="000000"/>
+                </a:solidFill>
+                <a:effectLst/>
+                <a:latin typeface="Consolas" panose="020B0609020204030204" pitchFamily="49" charset="0"/>
+                <a:cs typeface="Consolas" panose="020B0609020204030204" pitchFamily="49" charset="0"/>
+              </a:rPr>
+              <a:t>     });</a:t>
+            </a:r>
+          </a:p>
+          <a:p>
+            <a:pPr marL="0" marR="0" lvl="0" indent="0" algn="l" defTabSz="914400" rtl="0" eaLnBrk="0" fontAlgn="base" latinLnBrk="0" hangingPunct="0">
+              <a:lnSpc>
+                <a:spcPct val="100000"/>
+              </a:lnSpc>
+              <a:spcBef>
+                <a:spcPct val="0"/>
+              </a:spcBef>
+              <a:spcAft>
+                <a:spcPct val="0"/>
+              </a:spcAft>
+              <a:buClrTx/>
+              <a:buSzTx/>
+              <a:buFontTx/>
+              <a:buNone/>
+              <a:tabLst/>
+            </a:pPr>
+            <a:r>
+              <a:rPr kumimoji="0" lang="en-US" altLang="en-US" sz="1600" b="0" i="0" u="none" strike="noStrike" cap="none" normalizeH="0" baseline="0" dirty="0" smtClean="0">
+                <a:ln>
+                  <a:noFill/>
+                </a:ln>
+                <a:solidFill>
+                  <a:srgbClr val="000000"/>
+                </a:solidFill>
+                <a:effectLst/>
+                <a:latin typeface="Consolas" panose="020B0609020204030204" pitchFamily="49" charset="0"/>
+                <a:cs typeface="Consolas" panose="020B0609020204030204" pitchFamily="49" charset="0"/>
+              </a:rPr>
+              <a:t>}); </a:t>
+            </a:r>
+            <a:endParaRPr kumimoji="0" lang="en-US" altLang="en-US" sz="4000" b="0" i="0" u="none" strike="noStrike" cap="none" normalizeH="0" baseline="0" dirty="0" smtClean="0">
+              <a:ln>
+                <a:noFill/>
+              </a:ln>
+              <a:solidFill>
+                <a:schemeClr val="tx1"/>
+              </a:solidFill>
+              <a:effectLst/>
               <a:latin typeface="Arial" panose="020B0604020202020204" pitchFamily="34" charset="0"/>
             </a:endParaRPr>
           </a:p>
-          <a:p>
-            <a:pPr marL="0" indent="0">
-              <a:buNone/>
+        </p:txBody>
+      </p:sp>
+      <p:sp>
+        <p:nvSpPr>
+          <p:cNvPr id="6" name="Rectangle 6"/>
+          <p:cNvSpPr>
+            <a:spLocks noGrp="1" noChangeArrowheads="1"/>
+          </p:cNvSpPr>
+          <p:nvPr>
+            <p:ph sz="half" idx="4294967295"/>
+          </p:nvPr>
+        </p:nvSpPr>
+        <p:spPr bwMode="auto">
+          <a:xfrm>
+            <a:off x="6063737" y="1825625"/>
+            <a:ext cx="5346335" cy="2800767"/>
+          </a:xfrm>
+          <a:prstGeom prst="rect">
+            <a:avLst/>
+          </a:prstGeom>
+          <a:solidFill>
+            <a:srgbClr val="FFFFFF"/>
+          </a:solidFill>
+          <a:ln>
+            <a:noFill/>
+          </a:ln>
+          <a:effectLst/>
+          <a:extLst>
+            <a:ext uri="{91240B29-F687-4F45-9708-019B960494DF}">
+              <a14:hiddenLine xmlns:a14="http://schemas.microsoft.com/office/drawing/2010/main" w="9525">
+                <a:solidFill>
+                  <a:schemeClr val="tx1"/>
+                </a:solidFill>
+                <a:miter lim="800000"/>
+                <a:headEnd/>
+                <a:tailEnd/>
+              </a14:hiddenLine>
+            </a:ext>
+            <a:ext uri="{AF507438-7753-43E0-B8FC-AC1667EBCBE1}">
+              <a14:hiddenEffects xmlns:a14="http://schemas.microsoft.com/office/drawing/2010/main">
+                <a:effectLst>
+                  <a:outerShdw dist="35921" dir="2700000" algn="ctr" rotWithShape="0">
+                    <a:schemeClr val="bg2"/>
+                  </a:outerShdw>
+                </a:effectLst>
+              </a14:hiddenEffects>
+            </a:ext>
+          </a:extLst>
+        </p:spPr>
+        <p:txBody>
+          <a:bodyPr vert="horz" wrap="none" lIns="91440" tIns="45720" rIns="91440" bIns="45720" numCol="1" anchor="ctr" anchorCtr="0" compatLnSpc="1">
+            <a:prstTxWarp prst="textNoShape">
+              <a:avLst/>
+            </a:prstTxWarp>
+            <a:spAutoFit/>
+          </a:bodyPr>
+          <a:lstStyle/>
+          <a:p>
+            <a:pPr marL="0" marR="0" lvl="0" indent="0" algn="l" defTabSz="914400" rtl="0" eaLnBrk="0" fontAlgn="base" latinLnBrk="0" hangingPunct="0">
+              <a:lnSpc>
+                <a:spcPct val="100000"/>
+              </a:lnSpc>
+              <a:spcBef>
+                <a:spcPct val="0"/>
+              </a:spcBef>
+              <a:spcAft>
+                <a:spcPct val="0"/>
+              </a:spcAft>
+              <a:buClrTx/>
+              <a:buSzTx/>
+              <a:buFontTx/>
+              <a:buNone/>
+              <a:tabLst/>
             </a:pPr>
-            <a:endParaRPr lang="en-US" dirty="0"/>
+            <a:r>
+              <a:rPr kumimoji="0" lang="en-US" altLang="en-US" sz="1600" b="0" i="0" u="none" strike="noStrike" cap="none" normalizeH="0" baseline="0" dirty="0" err="1" smtClean="0">
+                <a:ln>
+                  <a:noFill/>
+                </a:ln>
+                <a:solidFill>
+                  <a:srgbClr val="000000"/>
+                </a:solidFill>
+                <a:effectLst/>
+                <a:latin typeface="Consolas" panose="020B0609020204030204" pitchFamily="49" charset="0"/>
+                <a:cs typeface="Consolas" panose="020B0609020204030204" pitchFamily="49" charset="0"/>
+              </a:rPr>
+              <a:t>Q.fcall</a:t>
+            </a:r>
+            <a:r>
+              <a:rPr kumimoji="0" lang="en-US" altLang="en-US" sz="1600" b="0" i="0" u="none" strike="noStrike" cap="none" normalizeH="0" baseline="0" dirty="0" smtClean="0">
+                <a:ln>
+                  <a:noFill/>
+                </a:ln>
+                <a:solidFill>
+                  <a:srgbClr val="000000"/>
+                </a:solidFill>
+                <a:effectLst/>
+                <a:latin typeface="Consolas" panose="020B0609020204030204" pitchFamily="49" charset="0"/>
+                <a:cs typeface="Consolas" panose="020B0609020204030204" pitchFamily="49" charset="0"/>
+              </a:rPr>
+              <a:t>(promisedStep1)</a:t>
+            </a:r>
+          </a:p>
+          <a:p>
+            <a:pPr marL="0" marR="0" lvl="0" indent="0" algn="l" defTabSz="914400" rtl="0" eaLnBrk="0" fontAlgn="base" latinLnBrk="0" hangingPunct="0">
+              <a:lnSpc>
+                <a:spcPct val="100000"/>
+              </a:lnSpc>
+              <a:spcBef>
+                <a:spcPct val="0"/>
+              </a:spcBef>
+              <a:spcAft>
+                <a:spcPct val="0"/>
+              </a:spcAft>
+              <a:buClrTx/>
+              <a:buSzTx/>
+              <a:buFontTx/>
+              <a:buNone/>
+              <a:tabLst/>
+            </a:pPr>
+            <a:r>
+              <a:rPr kumimoji="0" lang="en-US" altLang="en-US" sz="1600" b="0" i="0" u="none" strike="noStrike" cap="none" normalizeH="0" baseline="0" dirty="0" smtClean="0">
+                <a:ln>
+                  <a:noFill/>
+                </a:ln>
+                <a:solidFill>
+                  <a:srgbClr val="000000"/>
+                </a:solidFill>
+                <a:effectLst/>
+                <a:latin typeface="Consolas" panose="020B0609020204030204" pitchFamily="49" charset="0"/>
+                <a:cs typeface="Consolas" panose="020B0609020204030204" pitchFamily="49" charset="0"/>
+              </a:rPr>
+              <a:t> .then(promisedStep2)</a:t>
+            </a:r>
+          </a:p>
+          <a:p>
+            <a:pPr marL="0" marR="0" lvl="0" indent="0" algn="l" defTabSz="914400" rtl="0" eaLnBrk="0" fontAlgn="base" latinLnBrk="0" hangingPunct="0">
+              <a:lnSpc>
+                <a:spcPct val="100000"/>
+              </a:lnSpc>
+              <a:spcBef>
+                <a:spcPct val="0"/>
+              </a:spcBef>
+              <a:spcAft>
+                <a:spcPct val="0"/>
+              </a:spcAft>
+              <a:buClrTx/>
+              <a:buSzTx/>
+              <a:buFontTx/>
+              <a:buNone/>
+              <a:tabLst/>
+            </a:pPr>
+            <a:r>
+              <a:rPr kumimoji="0" lang="en-US" altLang="en-US" sz="1600" b="0" i="0" u="none" strike="noStrike" cap="none" normalizeH="0" baseline="0" dirty="0" smtClean="0">
+                <a:ln>
+                  <a:noFill/>
+                </a:ln>
+                <a:solidFill>
+                  <a:srgbClr val="000000"/>
+                </a:solidFill>
+                <a:effectLst/>
+                <a:latin typeface="Consolas" panose="020B0609020204030204" pitchFamily="49" charset="0"/>
+                <a:cs typeface="Consolas" panose="020B0609020204030204" pitchFamily="49" charset="0"/>
+              </a:rPr>
+              <a:t> .then(promisedStep3)</a:t>
+            </a:r>
+          </a:p>
+          <a:p>
+            <a:pPr marL="0" marR="0" lvl="0" indent="0" algn="l" defTabSz="914400" rtl="0" eaLnBrk="0" fontAlgn="base" latinLnBrk="0" hangingPunct="0">
+              <a:lnSpc>
+                <a:spcPct val="100000"/>
+              </a:lnSpc>
+              <a:spcBef>
+                <a:spcPct val="0"/>
+              </a:spcBef>
+              <a:spcAft>
+                <a:spcPct val="0"/>
+              </a:spcAft>
+              <a:buClrTx/>
+              <a:buSzTx/>
+              <a:buFontTx/>
+              <a:buNone/>
+              <a:tabLst/>
+            </a:pPr>
+            <a:r>
+              <a:rPr kumimoji="0" lang="en-US" altLang="en-US" sz="1600" b="0" i="0" u="none" strike="noStrike" cap="none" normalizeH="0" baseline="0" dirty="0" smtClean="0">
+                <a:ln>
+                  <a:noFill/>
+                </a:ln>
+                <a:solidFill>
+                  <a:srgbClr val="000000"/>
+                </a:solidFill>
+                <a:effectLst/>
+                <a:latin typeface="Consolas" panose="020B0609020204030204" pitchFamily="49" charset="0"/>
+                <a:cs typeface="Consolas" panose="020B0609020204030204" pitchFamily="49" charset="0"/>
+              </a:rPr>
+              <a:t> .then(promisedStep4)</a:t>
+            </a:r>
+          </a:p>
+          <a:p>
+            <a:pPr marL="0" marR="0" lvl="0" indent="0" algn="l" defTabSz="914400" rtl="0" eaLnBrk="0" fontAlgn="base" latinLnBrk="0" hangingPunct="0">
+              <a:lnSpc>
+                <a:spcPct val="100000"/>
+              </a:lnSpc>
+              <a:spcBef>
+                <a:spcPct val="0"/>
+              </a:spcBef>
+              <a:spcAft>
+                <a:spcPct val="0"/>
+              </a:spcAft>
+              <a:buClrTx/>
+              <a:buSzTx/>
+              <a:buFontTx/>
+              <a:buNone/>
+              <a:tabLst/>
+            </a:pPr>
+            <a:r>
+              <a:rPr kumimoji="0" lang="en-US" altLang="en-US" sz="1600" b="0" i="0" u="none" strike="noStrike" cap="none" normalizeH="0" baseline="0" dirty="0" smtClean="0">
+                <a:ln>
+                  <a:noFill/>
+                </a:ln>
+                <a:solidFill>
+                  <a:srgbClr val="000000"/>
+                </a:solidFill>
+                <a:effectLst/>
+                <a:latin typeface="Consolas" panose="020B0609020204030204" pitchFamily="49" charset="0"/>
+                <a:cs typeface="Consolas" panose="020B0609020204030204" pitchFamily="49" charset="0"/>
+              </a:rPr>
+              <a:t> .then(</a:t>
+            </a:r>
+            <a:r>
+              <a:rPr kumimoji="0" lang="en-US" altLang="en-US" sz="1600" b="0" i="0" u="none" strike="noStrike" cap="none" normalizeH="0" baseline="0" dirty="0" smtClean="0">
+                <a:ln>
+                  <a:noFill/>
+                </a:ln>
+                <a:solidFill>
+                  <a:srgbClr val="0000FF"/>
+                </a:solidFill>
+                <a:effectLst/>
+                <a:latin typeface="Consolas" panose="020B0609020204030204" pitchFamily="49" charset="0"/>
+                <a:cs typeface="Consolas" panose="020B0609020204030204" pitchFamily="49" charset="0"/>
+              </a:rPr>
+              <a:t>function</a:t>
+            </a:r>
+            <a:r>
+              <a:rPr kumimoji="0" lang="en-US" altLang="en-US" sz="1600" b="0" i="0" u="none" strike="noStrike" cap="none" normalizeH="0" baseline="0" dirty="0" smtClean="0">
+                <a:ln>
+                  <a:noFill/>
+                </a:ln>
+                <a:solidFill>
+                  <a:srgbClr val="000000"/>
+                </a:solidFill>
+                <a:effectLst/>
+                <a:latin typeface="Consolas" panose="020B0609020204030204" pitchFamily="49" charset="0"/>
+                <a:cs typeface="Consolas" panose="020B0609020204030204" pitchFamily="49" charset="0"/>
+              </a:rPr>
+              <a:t> (value4) {</a:t>
+            </a:r>
+          </a:p>
+          <a:p>
+            <a:pPr marL="0" marR="0" lvl="0" indent="0" algn="l" defTabSz="914400" rtl="0" eaLnBrk="0" fontAlgn="base" latinLnBrk="0" hangingPunct="0">
+              <a:lnSpc>
+                <a:spcPct val="100000"/>
+              </a:lnSpc>
+              <a:spcBef>
+                <a:spcPct val="0"/>
+              </a:spcBef>
+              <a:spcAft>
+                <a:spcPct val="0"/>
+              </a:spcAft>
+              <a:buClrTx/>
+              <a:buSzTx/>
+              <a:buFontTx/>
+              <a:buNone/>
+              <a:tabLst/>
+            </a:pPr>
+            <a:r>
+              <a:rPr kumimoji="0" lang="en-US" altLang="en-US" sz="1600" b="0" i="0" u="none" strike="noStrike" cap="none" normalizeH="0" baseline="0" dirty="0" smtClean="0">
+                <a:ln>
+                  <a:noFill/>
+                </a:ln>
+                <a:solidFill>
+                  <a:srgbClr val="000000"/>
+                </a:solidFill>
+                <a:effectLst/>
+                <a:latin typeface="Consolas" panose="020B0609020204030204" pitchFamily="49" charset="0"/>
+                <a:cs typeface="Consolas" panose="020B0609020204030204" pitchFamily="49" charset="0"/>
+              </a:rPr>
+              <a:t>     </a:t>
+            </a:r>
+            <a:r>
+              <a:rPr kumimoji="0" lang="en-US" altLang="en-US" sz="1600" b="0" i="0" u="none" strike="noStrike" cap="none" normalizeH="0" baseline="0" dirty="0" smtClean="0">
+                <a:ln>
+                  <a:noFill/>
+                </a:ln>
+                <a:solidFill>
+                  <a:srgbClr val="008000"/>
+                </a:solidFill>
+                <a:effectLst/>
+                <a:latin typeface="Consolas" panose="020B0609020204030204" pitchFamily="49" charset="0"/>
+                <a:cs typeface="Consolas" panose="020B0609020204030204" pitchFamily="49" charset="0"/>
+              </a:rPr>
+              <a:t>// Do something with value4</a:t>
+            </a:r>
+          </a:p>
+          <a:p>
+            <a:pPr marL="0" marR="0" lvl="0" indent="0" algn="l" defTabSz="914400" rtl="0" eaLnBrk="0" fontAlgn="base" latinLnBrk="0" hangingPunct="0">
+              <a:lnSpc>
+                <a:spcPct val="100000"/>
+              </a:lnSpc>
+              <a:spcBef>
+                <a:spcPct val="0"/>
+              </a:spcBef>
+              <a:spcAft>
+                <a:spcPct val="0"/>
+              </a:spcAft>
+              <a:buClrTx/>
+              <a:buSzTx/>
+              <a:buFontTx/>
+              <a:buNone/>
+              <a:tabLst/>
+            </a:pPr>
+            <a:r>
+              <a:rPr kumimoji="0" lang="en-US" altLang="en-US" sz="1600" b="0" i="0" u="none" strike="noStrike" cap="none" normalizeH="0" baseline="0" dirty="0" smtClean="0">
+                <a:ln>
+                  <a:noFill/>
+                </a:ln>
+                <a:solidFill>
+                  <a:srgbClr val="000000"/>
+                </a:solidFill>
+                <a:effectLst/>
+                <a:latin typeface="Consolas" panose="020B0609020204030204" pitchFamily="49" charset="0"/>
+                <a:cs typeface="Consolas" panose="020B0609020204030204" pitchFamily="49" charset="0"/>
+              </a:rPr>
+              <a:t> }) </a:t>
+            </a:r>
+          </a:p>
+          <a:p>
+            <a:pPr marL="0" marR="0" lvl="0" indent="0" algn="l" defTabSz="914400" rtl="0" eaLnBrk="0" fontAlgn="base" latinLnBrk="0" hangingPunct="0">
+              <a:lnSpc>
+                <a:spcPct val="100000"/>
+              </a:lnSpc>
+              <a:spcBef>
+                <a:spcPct val="0"/>
+              </a:spcBef>
+              <a:spcAft>
+                <a:spcPct val="0"/>
+              </a:spcAft>
+              <a:buClrTx/>
+              <a:buSzTx/>
+              <a:buFontTx/>
+              <a:buNone/>
+              <a:tabLst/>
+            </a:pPr>
+            <a:r>
+              <a:rPr lang="en-US" altLang="en-US" sz="1600" dirty="0">
+                <a:solidFill>
+                  <a:srgbClr val="000000"/>
+                </a:solidFill>
+                <a:latin typeface="Consolas" panose="020B0609020204030204" pitchFamily="49" charset="0"/>
+                <a:cs typeface="Consolas" panose="020B0609020204030204" pitchFamily="49" charset="0"/>
+              </a:rPr>
+              <a:t> </a:t>
+            </a:r>
+            <a:r>
+              <a:rPr kumimoji="0" lang="en-US" altLang="en-US" sz="1600" b="0" i="0" u="none" strike="noStrike" cap="none" normalizeH="0" baseline="0" dirty="0" smtClean="0">
+                <a:ln>
+                  <a:noFill/>
+                </a:ln>
+                <a:solidFill>
+                  <a:srgbClr val="000000"/>
+                </a:solidFill>
+                <a:effectLst/>
+                <a:latin typeface="Consolas" panose="020B0609020204030204" pitchFamily="49" charset="0"/>
+                <a:cs typeface="Consolas" panose="020B0609020204030204" pitchFamily="49" charset="0"/>
+              </a:rPr>
+              <a:t>.</a:t>
+            </a:r>
+            <a:r>
+              <a:rPr kumimoji="0" lang="en-US" altLang="en-US" sz="1600" b="0" i="0" u="none" strike="noStrike" cap="none" normalizeH="0" baseline="0" dirty="0" smtClean="0">
+                <a:ln>
+                  <a:noFill/>
+                </a:ln>
+                <a:solidFill>
+                  <a:srgbClr val="0000FF"/>
+                </a:solidFill>
+                <a:effectLst/>
+                <a:latin typeface="Consolas" panose="020B0609020204030204" pitchFamily="49" charset="0"/>
+                <a:cs typeface="Consolas" panose="020B0609020204030204" pitchFamily="49" charset="0"/>
+              </a:rPr>
+              <a:t>catch</a:t>
+            </a:r>
+            <a:r>
+              <a:rPr kumimoji="0" lang="en-US" altLang="en-US" sz="1600" b="0" i="0" u="none" strike="noStrike" cap="none" normalizeH="0" baseline="0" dirty="0" smtClean="0">
+                <a:ln>
+                  <a:noFill/>
+                </a:ln>
+                <a:solidFill>
+                  <a:srgbClr val="000000"/>
+                </a:solidFill>
+                <a:effectLst/>
+                <a:latin typeface="Consolas" panose="020B0609020204030204" pitchFamily="49" charset="0"/>
+                <a:cs typeface="Consolas" panose="020B0609020204030204" pitchFamily="49" charset="0"/>
+              </a:rPr>
+              <a:t>(</a:t>
+            </a:r>
+            <a:r>
+              <a:rPr kumimoji="0" lang="en-US" altLang="en-US" sz="1600" b="0" i="0" u="none" strike="noStrike" cap="none" normalizeH="0" baseline="0" dirty="0" smtClean="0">
+                <a:ln>
+                  <a:noFill/>
+                </a:ln>
+                <a:solidFill>
+                  <a:srgbClr val="0000FF"/>
+                </a:solidFill>
+                <a:effectLst/>
+                <a:latin typeface="Consolas" panose="020B0609020204030204" pitchFamily="49" charset="0"/>
+                <a:cs typeface="Consolas" panose="020B0609020204030204" pitchFamily="49" charset="0"/>
+              </a:rPr>
+              <a:t>function</a:t>
+            </a:r>
+            <a:r>
+              <a:rPr kumimoji="0" lang="en-US" altLang="en-US" sz="1600" b="0" i="0" u="none" strike="noStrike" cap="none" normalizeH="0" baseline="0" dirty="0" smtClean="0">
+                <a:ln>
+                  <a:noFill/>
+                </a:ln>
+                <a:solidFill>
+                  <a:srgbClr val="000000"/>
+                </a:solidFill>
+                <a:effectLst/>
+                <a:latin typeface="Consolas" panose="020B0609020204030204" pitchFamily="49" charset="0"/>
+                <a:cs typeface="Consolas" panose="020B0609020204030204" pitchFamily="49" charset="0"/>
+              </a:rPr>
+              <a:t> (error) {</a:t>
+            </a:r>
+          </a:p>
+          <a:p>
+            <a:pPr marL="0" marR="0" lvl="0" indent="0" algn="l" defTabSz="914400" rtl="0" eaLnBrk="0" fontAlgn="base" latinLnBrk="0" hangingPunct="0">
+              <a:lnSpc>
+                <a:spcPct val="100000"/>
+              </a:lnSpc>
+              <a:spcBef>
+                <a:spcPct val="0"/>
+              </a:spcBef>
+              <a:spcAft>
+                <a:spcPct val="0"/>
+              </a:spcAft>
+              <a:buClrTx/>
+              <a:buSzTx/>
+              <a:buFontTx/>
+              <a:buNone/>
+              <a:tabLst/>
+            </a:pPr>
+            <a:r>
+              <a:rPr kumimoji="0" lang="en-US" altLang="en-US" sz="1600" b="0" i="0" u="none" strike="noStrike" cap="none" normalizeH="0" baseline="0" dirty="0" smtClean="0">
+                <a:ln>
+                  <a:noFill/>
+                </a:ln>
+                <a:solidFill>
+                  <a:srgbClr val="000000"/>
+                </a:solidFill>
+                <a:effectLst/>
+                <a:latin typeface="Consolas" panose="020B0609020204030204" pitchFamily="49" charset="0"/>
+                <a:cs typeface="Consolas" panose="020B0609020204030204" pitchFamily="49" charset="0"/>
+              </a:rPr>
+              <a:t>     </a:t>
+            </a:r>
+            <a:r>
+              <a:rPr kumimoji="0" lang="en-US" altLang="en-US" sz="1600" b="0" i="0" u="none" strike="noStrike" cap="none" normalizeH="0" baseline="0" dirty="0" smtClean="0">
+                <a:ln>
+                  <a:noFill/>
+                </a:ln>
+                <a:solidFill>
+                  <a:srgbClr val="008000"/>
+                </a:solidFill>
+                <a:effectLst/>
+                <a:latin typeface="Consolas" panose="020B0609020204030204" pitchFamily="49" charset="0"/>
+                <a:cs typeface="Consolas" panose="020B0609020204030204" pitchFamily="49" charset="0"/>
+              </a:rPr>
+              <a:t>// Handle any error from all above steps</a:t>
+            </a:r>
+            <a:r>
+              <a:rPr kumimoji="0" lang="en-US" altLang="en-US" sz="1600" b="0" i="0" u="none" strike="noStrike" cap="none" normalizeH="0" baseline="0" dirty="0" smtClean="0">
+                <a:ln>
+                  <a:noFill/>
+                </a:ln>
+                <a:solidFill>
+                  <a:srgbClr val="000000"/>
+                </a:solidFill>
+                <a:effectLst/>
+                <a:latin typeface="Consolas" panose="020B0609020204030204" pitchFamily="49" charset="0"/>
+                <a:cs typeface="Consolas" panose="020B0609020204030204" pitchFamily="49" charset="0"/>
+              </a:rPr>
+              <a:t> </a:t>
+            </a:r>
+          </a:p>
+          <a:p>
+            <a:pPr marL="0" marR="0" lvl="0" indent="0" algn="l" defTabSz="914400" rtl="0" eaLnBrk="0" fontAlgn="base" latinLnBrk="0" hangingPunct="0">
+              <a:lnSpc>
+                <a:spcPct val="100000"/>
+              </a:lnSpc>
+              <a:spcBef>
+                <a:spcPct val="0"/>
+              </a:spcBef>
+              <a:spcAft>
+                <a:spcPct val="0"/>
+              </a:spcAft>
+              <a:buClrTx/>
+              <a:buSzTx/>
+              <a:buFontTx/>
+              <a:buNone/>
+              <a:tabLst/>
+            </a:pPr>
+            <a:r>
+              <a:rPr kumimoji="0" lang="en-US" altLang="en-US" sz="1600" b="0" i="0" u="none" strike="noStrike" cap="none" normalizeH="0" baseline="0" dirty="0" smtClean="0">
+                <a:ln>
+                  <a:noFill/>
+                </a:ln>
+                <a:solidFill>
+                  <a:srgbClr val="000000"/>
+                </a:solidFill>
+                <a:effectLst/>
+                <a:latin typeface="Consolas" panose="020B0609020204030204" pitchFamily="49" charset="0"/>
+                <a:cs typeface="Consolas" panose="020B0609020204030204" pitchFamily="49" charset="0"/>
+              </a:rPr>
+              <a:t> })</a:t>
+            </a:r>
+          </a:p>
+          <a:p>
+            <a:pPr marL="0" marR="0" lvl="0" indent="0" algn="l" defTabSz="914400" rtl="0" eaLnBrk="0" fontAlgn="base" latinLnBrk="0" hangingPunct="0">
+              <a:lnSpc>
+                <a:spcPct val="100000"/>
+              </a:lnSpc>
+              <a:spcBef>
+                <a:spcPct val="0"/>
+              </a:spcBef>
+              <a:spcAft>
+                <a:spcPct val="0"/>
+              </a:spcAft>
+              <a:buClrTx/>
+              <a:buSzTx/>
+              <a:buFontTx/>
+              <a:buNone/>
+              <a:tabLst/>
+            </a:pPr>
+            <a:r>
+              <a:rPr kumimoji="0" lang="en-US" altLang="en-US" sz="1600" b="0" i="0" u="none" strike="noStrike" cap="none" normalizeH="0" baseline="0" dirty="0" smtClean="0">
+                <a:ln>
+                  <a:noFill/>
+                </a:ln>
+                <a:solidFill>
+                  <a:srgbClr val="000000"/>
+                </a:solidFill>
+                <a:effectLst/>
+                <a:latin typeface="Consolas" panose="020B0609020204030204" pitchFamily="49" charset="0"/>
+                <a:cs typeface="Consolas" panose="020B0609020204030204" pitchFamily="49" charset="0"/>
+              </a:rPr>
+              <a:t> .done();</a:t>
+            </a:r>
+            <a:endParaRPr kumimoji="0" lang="en-US" altLang="en-US" sz="4000" b="0" i="0" u="none" strike="noStrike" cap="none" normalizeH="0" baseline="0" dirty="0" smtClean="0">
+              <a:ln>
+                <a:noFill/>
+              </a:ln>
+              <a:solidFill>
+                <a:schemeClr val="tx1"/>
+              </a:solidFill>
+              <a:effectLst/>
+              <a:latin typeface="Arial" panose="020B0604020202020204" pitchFamily="34" charset="0"/>
+            </a:endParaRPr>
           </a:p>
         </p:txBody>
       </p:sp>
     </p:spTree>
     <p:extLst>
       <p:ext uri="{BB962C8B-B14F-4D97-AF65-F5344CB8AC3E}">
-        <p14:creationId xmlns:p14="http://schemas.microsoft.com/office/powerpoint/2010/main" val="308955883"/>
+        <p14:creationId xmlns:p14="http://schemas.microsoft.com/office/powerpoint/2010/main" val="2360282316"/>
       </p:ext>
     </p:extLst>
   </p:cSld>
   <p:clrMapOvr>
     <a:masterClrMapping/>
   </p:clrMapOvr>
-  <p:timing>
-    <p:tnLst>
-      <p:par>
-        <p:cTn id="1" dur="indefinite" restart="never" nodeType="tmRoot"/>
-      </p:par>
-    </p:tnLst>
-  </p:timing>
+  <mc:AlternateContent xmlns:mc="http://schemas.openxmlformats.org/markup-compatibility/2006" xmlns:p14="http://schemas.microsoft.com/office/powerpoint/2010/main">
+    <mc:Choice Requires="p14">
+      <p:transition spd="slow" p14:dur="2000"/>
+    </mc:Choice>
+    <mc:Fallback xmlns="">
+      <p:transition spd="slow"/>
+    </mc:Fallback>
+  </mc:AlternateContent>
 </p:sld>
 </file>
 
@@ -7690,48 +8667,8 @@
           <a:p>
             <a:r>
               <a:rPr lang="en-US" dirty="0" smtClean="0"/>
-              <a:t>Callback Style Programming</a:t>
-            </a:r>
-            <a:endParaRPr lang="en-US" dirty="0"/>
-          </a:p>
-        </p:txBody>
-      </p:sp>
-      <p:sp>
-        <p:nvSpPr>
-          <p:cNvPr id="3" name="Content Placeholder 2"/>
-          <p:cNvSpPr>
-            <a:spLocks noGrp="1"/>
-          </p:cNvSpPr>
-          <p:nvPr>
-            <p:ph sz="quarter" idx="10"/>
-          </p:nvPr>
-        </p:nvSpPr>
-        <p:spPr/>
-        <p:txBody>
-          <a:bodyPr/>
-          <a:lstStyle/>
-          <a:p>
-            <a:r>
-              <a:rPr lang="en-US" sz="2800" dirty="0"/>
-              <a:t>Event loops result in callback-style programming where you break apart a program into its underlying data flow. </a:t>
-            </a:r>
-          </a:p>
-          <a:p>
-            <a:r>
-              <a:rPr lang="en-US" sz="2800" dirty="0"/>
-              <a:t>In other words, you end up splitting your program into smaller and smaller chunks until each chuck is mapped to operation with data.</a:t>
-            </a:r>
-          </a:p>
-          <a:p>
-            <a:r>
-              <a:rPr lang="en-US" sz="2800" dirty="0"/>
-              <a:t>Why? So that you don’t freeze the event loop on long-running operations (such as disk or network I/O).</a:t>
-            </a:r>
-          </a:p>
-          <a:p>
-            <a:pPr marL="0" indent="0">
-              <a:buNone/>
-            </a:pPr>
+              <a:t>Basic TCP Demo</a:t>
+            </a:r>
             <a:endParaRPr lang="en-US" dirty="0"/>
           </a:p>
         </p:txBody>
@@ -7739,20 +8676,13 @@
     </p:spTree>
     <p:extLst>
       <p:ext uri="{BB962C8B-B14F-4D97-AF65-F5344CB8AC3E}">
-        <p14:creationId xmlns:p14="http://schemas.microsoft.com/office/powerpoint/2010/main" val="3701053772"/>
+        <p14:creationId xmlns:p14="http://schemas.microsoft.com/office/powerpoint/2010/main" val="3454770079"/>
       </p:ext>
     </p:extLst>
   </p:cSld>
   <p:clrMapOvr>
     <a:masterClrMapping/>
   </p:clrMapOvr>
-  <p:timing>
-    <p:tnLst>
-      <p:par>
-        <p:cTn id="1" dur="indefinite" restart="never" nodeType="tmRoot"/>
-      </p:par>
-    </p:tnLst>
-  </p:timing>
 </p:sld>
 </file>
 
@@ -7790,40 +8720,72 @@
           <a:p>
             <a:r>
               <a:rPr lang="en-US" dirty="0" smtClean="0"/>
-              <a:t>Callback Insanity</a:t>
+              <a:t>Event Emitters</a:t>
             </a:r>
             <a:endParaRPr lang="en-US" dirty="0"/>
           </a:p>
         </p:txBody>
       </p:sp>
-      <p:pic>
-        <p:nvPicPr>
-          <p:cNvPr id="5" name="Picture 4"/>
-          <p:cNvPicPr>
-            <a:picLocks noChangeAspect="1"/>
-          </p:cNvPicPr>
-          <p:nvPr/>
-        </p:nvPicPr>
-        <p:blipFill>
-          <a:blip r:embed="rId2"/>
-          <a:stretch>
-            <a:fillRect/>
-          </a:stretch>
-        </p:blipFill>
+      <p:sp>
+        <p:nvSpPr>
+          <p:cNvPr id="3" name="Content Placeholder 2"/>
+          <p:cNvSpPr>
+            <a:spLocks noGrp="1"/>
+          </p:cNvSpPr>
+          <p:nvPr>
+            <p:ph idx="4294967295"/>
+          </p:nvPr>
+        </p:nvSpPr>
         <p:spPr>
           <a:xfrm>
-            <a:off x="559088" y="1245702"/>
-            <a:ext cx="10649331" cy="5159855"/>
+            <a:off x="570914" y="1245702"/>
+            <a:ext cx="10515600" cy="4351338"/>
           </a:xfrm>
           <a:prstGeom prst="rect">
             <a:avLst/>
           </a:prstGeom>
         </p:spPr>
-      </p:pic>
+        <p:txBody>
+          <a:bodyPr/>
+          <a:lstStyle/>
+          <a:p>
+            <a:r>
+              <a:rPr lang="en-US" b="0" dirty="0" smtClean="0"/>
+              <a:t>Allows you to listen for “events” and assign functions to run when events occur. </a:t>
+            </a:r>
+          </a:p>
+          <a:p>
+            <a:r>
+              <a:rPr lang="en-US" b="0" dirty="0" smtClean="0"/>
+              <a:t>Each emitter can emit different types of events.</a:t>
+            </a:r>
+          </a:p>
+          <a:p>
+            <a:r>
+              <a:rPr lang="en-US" b="0" dirty="0" smtClean="0"/>
+              <a:t>The “error” event is special.</a:t>
+            </a:r>
+            <a:endParaRPr lang="en-US" b="0" dirty="0"/>
+          </a:p>
+          <a:p>
+            <a:r>
+              <a:rPr lang="en-US" b="0" dirty="0"/>
+              <a:t>Read More: </a:t>
+            </a:r>
+            <a:r>
+              <a:rPr lang="en-US" b="0" dirty="0">
+                <a:hlinkClick r:id="rId2"/>
+              </a:rPr>
+              <a:t>http://code.tutsplus.com/tutorials/using-nodes-event-module--net-35941</a:t>
+            </a:r>
+            <a:endParaRPr lang="en-US" b="0" dirty="0" smtClean="0"/>
+          </a:p>
+        </p:txBody>
+      </p:sp>
     </p:spTree>
     <p:extLst>
       <p:ext uri="{BB962C8B-B14F-4D97-AF65-F5344CB8AC3E}">
-        <p14:creationId xmlns:p14="http://schemas.microsoft.com/office/powerpoint/2010/main" val="1986031114"/>
+        <p14:creationId xmlns:p14="http://schemas.microsoft.com/office/powerpoint/2010/main" val="1168617705"/>
       </p:ext>
     </p:extLst>
   </p:cSld>
@@ -7874,7 +8836,7 @@
           <a:p>
             <a:r>
               <a:rPr lang="en-US" dirty="0" smtClean="0"/>
-              <a:t>Promises </a:t>
+              <a:t>Streams</a:t>
             </a:r>
             <a:endParaRPr lang="en-US" dirty="0"/>
           </a:p>
@@ -7887,91 +8849,442 @@
             <a:spLocks noGrp="1"/>
           </p:cNvSpPr>
           <p:nvPr>
-            <p:ph sz="quarter" idx="10"/>
+            <p:ph idx="4294967295"/>
           </p:nvPr>
         </p:nvSpPr>
-        <p:spPr/>
+        <p:spPr>
+          <a:xfrm>
+            <a:off x="486508" y="1245702"/>
+            <a:ext cx="10515600" cy="4351338"/>
+          </a:xfrm>
+          <a:prstGeom prst="rect">
+            <a:avLst/>
+          </a:prstGeom>
+        </p:spPr>
         <p:txBody>
-          <a:bodyPr/>
+          <a:bodyPr>
+            <a:normAutofit/>
+          </a:bodyPr>
           <a:lstStyle/>
           <a:p>
             <a:r>
-              <a:rPr lang="en-US" sz="2800" dirty="0"/>
-              <a:t>A function will return a promise for an object in the future. </a:t>
-            </a:r>
-          </a:p>
-          <a:p>
-            <a:r>
-              <a:rPr lang="en-US" sz="2800" dirty="0" smtClean="0"/>
-              <a:t>Promises can be chained together. </a:t>
-            </a:r>
-          </a:p>
-          <a:p>
-            <a:r>
-              <a:rPr lang="en-US" sz="2800" dirty="0" smtClean="0"/>
-              <a:t>Simplify </a:t>
-            </a:r>
-            <a:r>
-              <a:rPr lang="en-US" sz="2800" dirty="0"/>
-              <a:t>programming of </a:t>
-            </a:r>
-            <a:r>
-              <a:rPr lang="en-US" sz="2800" dirty="0" err="1"/>
-              <a:t>async</a:t>
-            </a:r>
-            <a:r>
-              <a:rPr lang="en-US" sz="2800" dirty="0"/>
-              <a:t> systems.</a:t>
-            </a:r>
+              <a:rPr lang="en-US" b="0" dirty="0" smtClean="0"/>
+              <a:t>Streams represent data streams such as I/O. </a:t>
+            </a:r>
+          </a:p>
+          <a:p>
+            <a:r>
+              <a:rPr lang="en-US" b="0" dirty="0" smtClean="0"/>
+              <a:t>Streams can be piped together like in Unix. </a:t>
+            </a:r>
+          </a:p>
+          <a:p>
+            <a:endParaRPr lang="en-US" sz="2400" b="0" dirty="0"/>
+          </a:p>
+          <a:p>
+            <a:pPr marL="0" lvl="0" indent="0">
+              <a:spcBef>
+                <a:spcPts val="0"/>
+              </a:spcBef>
+              <a:buNone/>
+            </a:pPr>
+            <a:r>
+              <a:rPr lang="en-US" altLang="en-US" sz="2400" b="0" dirty="0">
+                <a:solidFill>
+                  <a:srgbClr val="0000FF"/>
+                </a:solidFill>
+                <a:latin typeface="Consolas" panose="020B0609020204030204" pitchFamily="49" charset="0"/>
+                <a:cs typeface="Consolas" panose="020B0609020204030204" pitchFamily="49" charset="0"/>
+              </a:rPr>
+              <a:t>var</a:t>
+            </a:r>
+            <a:r>
+              <a:rPr lang="en-US" altLang="en-US" sz="2400" b="0" dirty="0">
+                <a:solidFill>
+                  <a:srgbClr val="000000"/>
+                </a:solidFill>
+                <a:latin typeface="Consolas" panose="020B0609020204030204" pitchFamily="49" charset="0"/>
+                <a:cs typeface="Consolas" panose="020B0609020204030204" pitchFamily="49" charset="0"/>
+              </a:rPr>
+              <a:t> fs = require(</a:t>
+            </a:r>
+            <a:r>
+              <a:rPr lang="en-US" altLang="en-US" sz="2400" b="0" dirty="0">
+                <a:solidFill>
+                  <a:srgbClr val="A31515"/>
+                </a:solidFill>
+                <a:latin typeface="Consolas" panose="020B0609020204030204" pitchFamily="49" charset="0"/>
+                <a:cs typeface="Consolas" panose="020B0609020204030204" pitchFamily="49" charset="0"/>
+              </a:rPr>
+              <a:t>"fs</a:t>
+            </a:r>
+            <a:r>
+              <a:rPr lang="en-US" altLang="en-US" sz="2400" b="0" dirty="0" smtClean="0">
+                <a:solidFill>
+                  <a:srgbClr val="A31515"/>
+                </a:solidFill>
+                <a:latin typeface="Consolas" panose="020B0609020204030204" pitchFamily="49" charset="0"/>
+                <a:cs typeface="Consolas" panose="020B0609020204030204" pitchFamily="49" charset="0"/>
+              </a:rPr>
+              <a:t>"</a:t>
+            </a:r>
+            <a:r>
+              <a:rPr lang="en-US" altLang="en-US" sz="2400" b="0" dirty="0" smtClean="0">
+                <a:solidFill>
+                  <a:srgbClr val="000000"/>
+                </a:solidFill>
+                <a:latin typeface="Consolas" panose="020B0609020204030204" pitchFamily="49" charset="0"/>
+                <a:cs typeface="Consolas" panose="020B0609020204030204" pitchFamily="49" charset="0"/>
+              </a:rPr>
+              <a:t>);</a:t>
+            </a:r>
+          </a:p>
+          <a:p>
+            <a:pPr marL="0" lvl="0" indent="0">
+              <a:spcBef>
+                <a:spcPts val="0"/>
+              </a:spcBef>
+              <a:buNone/>
+            </a:pPr>
+            <a:r>
+              <a:rPr lang="en-US" altLang="en-US" sz="2400" b="0" dirty="0" smtClean="0">
+                <a:solidFill>
+                  <a:srgbClr val="008000"/>
+                </a:solidFill>
+                <a:latin typeface="Consolas" panose="020B0609020204030204" pitchFamily="49" charset="0"/>
+                <a:cs typeface="Consolas" panose="020B0609020204030204" pitchFamily="49" charset="0"/>
+              </a:rPr>
+              <a:t>//</a:t>
+            </a:r>
+            <a:r>
+              <a:rPr lang="en-US" altLang="en-US" sz="2400" b="0" dirty="0">
+                <a:solidFill>
+                  <a:srgbClr val="008000"/>
+                </a:solidFill>
+                <a:latin typeface="Consolas" panose="020B0609020204030204" pitchFamily="49" charset="0"/>
+                <a:cs typeface="Consolas" panose="020B0609020204030204" pitchFamily="49" charset="0"/>
+              </a:rPr>
+              <a:t> Read </a:t>
+            </a:r>
+            <a:r>
+              <a:rPr lang="en-US" altLang="en-US" sz="2400" b="0" dirty="0" smtClean="0">
+                <a:solidFill>
+                  <a:srgbClr val="008000"/>
+                </a:solidFill>
+                <a:latin typeface="Consolas" panose="020B0609020204030204" pitchFamily="49" charset="0"/>
+                <a:cs typeface="Consolas" panose="020B0609020204030204" pitchFamily="49" charset="0"/>
+              </a:rPr>
+              <a:t>File</a:t>
+            </a:r>
+          </a:p>
+          <a:p>
+            <a:pPr marL="0" lvl="0" indent="0">
+              <a:spcBef>
+                <a:spcPts val="0"/>
+              </a:spcBef>
+              <a:buNone/>
+            </a:pPr>
+            <a:r>
+              <a:rPr lang="en-US" altLang="en-US" sz="2400" b="0" dirty="0" err="1" smtClean="0">
+                <a:solidFill>
+                  <a:srgbClr val="000000"/>
+                </a:solidFill>
+                <a:latin typeface="Consolas" panose="020B0609020204030204" pitchFamily="49" charset="0"/>
+                <a:cs typeface="Consolas" panose="020B0609020204030204" pitchFamily="49" charset="0"/>
+              </a:rPr>
+              <a:t>fs.createReadStream</a:t>
+            </a:r>
+            <a:r>
+              <a:rPr lang="en-US" altLang="en-US" sz="2400" b="0" dirty="0">
+                <a:solidFill>
+                  <a:srgbClr val="000000"/>
+                </a:solidFill>
+                <a:latin typeface="Consolas" panose="020B0609020204030204" pitchFamily="49" charset="0"/>
+                <a:cs typeface="Consolas" panose="020B0609020204030204" pitchFamily="49" charset="0"/>
+              </a:rPr>
+              <a:t>(</a:t>
+            </a:r>
+            <a:r>
+              <a:rPr lang="en-US" altLang="en-US" sz="2400" b="0" dirty="0">
+                <a:solidFill>
+                  <a:srgbClr val="A31515"/>
+                </a:solidFill>
+                <a:latin typeface="Consolas" panose="020B0609020204030204" pitchFamily="49" charset="0"/>
+                <a:cs typeface="Consolas" panose="020B0609020204030204" pitchFamily="49" charset="0"/>
+              </a:rPr>
+              <a:t>"</a:t>
+            </a:r>
+            <a:r>
+              <a:rPr lang="en-US" altLang="en-US" sz="2400" b="0" dirty="0" err="1">
+                <a:solidFill>
+                  <a:srgbClr val="A31515"/>
+                </a:solidFill>
+                <a:latin typeface="Consolas" panose="020B0609020204030204" pitchFamily="49" charset="0"/>
+                <a:cs typeface="Consolas" panose="020B0609020204030204" pitchFamily="49" charset="0"/>
+              </a:rPr>
+              <a:t>package.json</a:t>
+            </a:r>
+            <a:r>
+              <a:rPr lang="en-US" altLang="en-US" sz="2400" b="0" dirty="0" smtClean="0">
+                <a:solidFill>
+                  <a:srgbClr val="A31515"/>
+                </a:solidFill>
+                <a:latin typeface="Consolas" panose="020B0609020204030204" pitchFamily="49" charset="0"/>
+                <a:cs typeface="Consolas" panose="020B0609020204030204" pitchFamily="49" charset="0"/>
+              </a:rPr>
+              <a:t>"</a:t>
+            </a:r>
+            <a:r>
+              <a:rPr lang="en-US" altLang="en-US" sz="2400" b="0" dirty="0" smtClean="0">
+                <a:solidFill>
+                  <a:srgbClr val="000000"/>
+                </a:solidFill>
+                <a:latin typeface="Consolas" panose="020B0609020204030204" pitchFamily="49" charset="0"/>
+                <a:cs typeface="Consolas" panose="020B0609020204030204" pitchFamily="49" charset="0"/>
+              </a:rPr>
+              <a:t>)</a:t>
+            </a:r>
+          </a:p>
+          <a:p>
+            <a:pPr marL="0" lvl="0" indent="0">
+              <a:spcBef>
+                <a:spcPts val="0"/>
+              </a:spcBef>
+              <a:buNone/>
+            </a:pPr>
+            <a:r>
+              <a:rPr lang="en-US" altLang="en-US" sz="2400" b="0" dirty="0" smtClean="0">
+                <a:solidFill>
+                  <a:srgbClr val="000000"/>
+                </a:solidFill>
+                <a:latin typeface="Consolas" panose="020B0609020204030204" pitchFamily="49" charset="0"/>
+                <a:cs typeface="Consolas" panose="020B0609020204030204" pitchFamily="49" charset="0"/>
+              </a:rPr>
+              <a:t> </a:t>
+            </a:r>
+            <a:r>
+              <a:rPr lang="en-US" altLang="en-US" sz="2400" b="0" dirty="0">
+                <a:solidFill>
+                  <a:srgbClr val="000000"/>
+                </a:solidFill>
+                <a:latin typeface="Consolas" panose="020B0609020204030204" pitchFamily="49" charset="0"/>
+                <a:cs typeface="Consolas" panose="020B0609020204030204" pitchFamily="49" charset="0"/>
+              </a:rPr>
+              <a:t>    </a:t>
+            </a:r>
+            <a:r>
+              <a:rPr lang="en-US" altLang="en-US" sz="2400" b="0" dirty="0">
+                <a:solidFill>
+                  <a:srgbClr val="008000"/>
+                </a:solidFill>
+                <a:latin typeface="Consolas" panose="020B0609020204030204" pitchFamily="49" charset="0"/>
+                <a:cs typeface="Consolas" panose="020B0609020204030204" pitchFamily="49" charset="0"/>
+              </a:rPr>
+              <a:t>// Write </a:t>
+            </a:r>
+            <a:r>
+              <a:rPr lang="en-US" altLang="en-US" sz="2400" b="0" dirty="0" smtClean="0">
+                <a:solidFill>
+                  <a:srgbClr val="008000"/>
+                </a:solidFill>
+                <a:latin typeface="Consolas" panose="020B0609020204030204" pitchFamily="49" charset="0"/>
+                <a:cs typeface="Consolas" panose="020B0609020204030204" pitchFamily="49" charset="0"/>
+              </a:rPr>
+              <a:t>File</a:t>
+            </a:r>
+          </a:p>
+          <a:p>
+            <a:pPr marL="0" lvl="0" indent="0">
+              <a:spcBef>
+                <a:spcPts val="0"/>
+              </a:spcBef>
+              <a:buNone/>
+            </a:pPr>
+            <a:r>
+              <a:rPr lang="en-US" altLang="en-US" sz="2400" b="0" dirty="0" smtClean="0">
+                <a:solidFill>
+                  <a:srgbClr val="000000"/>
+                </a:solidFill>
+                <a:latin typeface="Consolas" panose="020B0609020204030204" pitchFamily="49" charset="0"/>
+                <a:cs typeface="Consolas" panose="020B0609020204030204" pitchFamily="49" charset="0"/>
+              </a:rPr>
+              <a:t> </a:t>
+            </a:r>
+            <a:r>
+              <a:rPr lang="en-US" altLang="en-US" sz="2400" b="0" dirty="0">
+                <a:solidFill>
+                  <a:srgbClr val="000000"/>
+                </a:solidFill>
+                <a:latin typeface="Consolas" panose="020B0609020204030204" pitchFamily="49" charset="0"/>
+                <a:cs typeface="Consolas" panose="020B0609020204030204" pitchFamily="49" charset="0"/>
+              </a:rPr>
+              <a:t>    .pipe(</a:t>
+            </a:r>
+            <a:r>
+              <a:rPr lang="en-US" altLang="en-US" sz="2400" b="0" dirty="0" err="1">
+                <a:solidFill>
+                  <a:srgbClr val="000000"/>
+                </a:solidFill>
+                <a:latin typeface="Consolas" panose="020B0609020204030204" pitchFamily="49" charset="0"/>
+                <a:cs typeface="Consolas" panose="020B0609020204030204" pitchFamily="49" charset="0"/>
+              </a:rPr>
+              <a:t>fs.createWriteStream</a:t>
+            </a:r>
+            <a:r>
+              <a:rPr lang="en-US" altLang="en-US" sz="2400" b="0" dirty="0">
+                <a:solidFill>
+                  <a:srgbClr val="000000"/>
+                </a:solidFill>
+                <a:latin typeface="Consolas" panose="020B0609020204030204" pitchFamily="49" charset="0"/>
+                <a:cs typeface="Consolas" panose="020B0609020204030204" pitchFamily="49" charset="0"/>
+              </a:rPr>
+              <a:t>(</a:t>
+            </a:r>
+            <a:r>
+              <a:rPr lang="en-US" altLang="en-US" sz="2400" b="0" dirty="0">
+                <a:solidFill>
+                  <a:srgbClr val="A31515"/>
+                </a:solidFill>
+                <a:latin typeface="Consolas" panose="020B0609020204030204" pitchFamily="49" charset="0"/>
+                <a:cs typeface="Consolas" panose="020B0609020204030204" pitchFamily="49" charset="0"/>
+              </a:rPr>
+              <a:t>"</a:t>
+            </a:r>
+            <a:r>
+              <a:rPr lang="en-US" altLang="en-US" sz="2400" b="0" dirty="0" err="1" smtClean="0">
+                <a:solidFill>
+                  <a:srgbClr val="A31515"/>
+                </a:solidFill>
+                <a:latin typeface="Consolas" panose="020B0609020204030204" pitchFamily="49" charset="0"/>
+                <a:cs typeface="Consolas" panose="020B0609020204030204" pitchFamily="49" charset="0"/>
+              </a:rPr>
+              <a:t>out.json</a:t>
+            </a:r>
+            <a:r>
+              <a:rPr lang="en-US" altLang="en-US" sz="2400" b="0" dirty="0">
+                <a:solidFill>
+                  <a:srgbClr val="A31515"/>
+                </a:solidFill>
+                <a:latin typeface="Consolas" panose="020B0609020204030204" pitchFamily="49" charset="0"/>
+                <a:cs typeface="Consolas" panose="020B0609020204030204" pitchFamily="49" charset="0"/>
+              </a:rPr>
+              <a:t>"</a:t>
+            </a:r>
+            <a:r>
+              <a:rPr lang="en-US" altLang="en-US" sz="2400" b="0" dirty="0">
+                <a:solidFill>
+                  <a:srgbClr val="000000"/>
+                </a:solidFill>
+                <a:latin typeface="Consolas" panose="020B0609020204030204" pitchFamily="49" charset="0"/>
+                <a:cs typeface="Consolas" panose="020B0609020204030204" pitchFamily="49" charset="0"/>
+              </a:rPr>
+              <a:t>)); </a:t>
+            </a:r>
+            <a:endParaRPr lang="en-US" altLang="en-US" sz="2400" b="0" dirty="0">
+              <a:latin typeface="Arial" panose="020B0604020202020204" pitchFamily="34" charset="0"/>
+            </a:endParaRPr>
           </a:p>
           <a:p>
             <a:pPr marL="0" indent="0">
               <a:buNone/>
             </a:pPr>
-            <a:endParaRPr lang="en-US" sz="2800" dirty="0"/>
-          </a:p>
-          <a:p>
-            <a:pPr marL="0" indent="0">
-              <a:buNone/>
+            <a:endParaRPr lang="en-US" sz="2400" b="0" dirty="0"/>
+          </a:p>
+        </p:txBody>
+      </p:sp>
+      <p:sp>
+        <p:nvSpPr>
+          <p:cNvPr id="4" name="Rectangle 1"/>
+          <p:cNvSpPr>
+            <a:spLocks noChangeArrowheads="1"/>
+          </p:cNvSpPr>
+          <p:nvPr/>
+        </p:nvSpPr>
+        <p:spPr bwMode="auto">
+          <a:xfrm>
+            <a:off x="0" y="43934"/>
+            <a:ext cx="184731" cy="369332"/>
+          </a:xfrm>
+          <a:prstGeom prst="rect">
+            <a:avLst/>
+          </a:prstGeom>
+          <a:solidFill>
+            <a:srgbClr val="FFFFFF"/>
+          </a:solidFill>
+          <a:ln>
+            <a:noFill/>
+          </a:ln>
+          <a:effectLst/>
+          <a:extLst>
+            <a:ext uri="{91240B29-F687-4F45-9708-019B960494DF}">
+              <a14:hiddenLine xmlns:a14="http://schemas.microsoft.com/office/drawing/2010/main" w="9525">
+                <a:solidFill>
+                  <a:schemeClr val="tx1"/>
+                </a:solidFill>
+                <a:miter lim="800000"/>
+                <a:headEnd/>
+                <a:tailEnd/>
+              </a14:hiddenLine>
+            </a:ext>
+            <a:ext uri="{AF507438-7753-43E0-B8FC-AC1667EBCBE1}">
+              <a14:hiddenEffects xmlns:a14="http://schemas.microsoft.com/office/drawing/2010/main">
+                <a:effectLst>
+                  <a:outerShdw dist="35921" dir="2700000" algn="ctr" rotWithShape="0">
+                    <a:schemeClr val="bg2"/>
+                  </a:outerShdw>
+                </a:effectLst>
+              </a14:hiddenEffects>
+            </a:ext>
+          </a:extLst>
+        </p:spPr>
+        <p:txBody>
+          <a:bodyPr vert="horz" wrap="none" lIns="91440" tIns="45720" rIns="91440" bIns="45720" numCol="1" anchor="ctr" anchorCtr="0" compatLnSpc="1">
+            <a:prstTxWarp prst="textNoShape">
+              <a:avLst/>
+            </a:prstTxWarp>
+            <a:spAutoFit/>
+          </a:bodyPr>
+          <a:lstStyle/>
+          <a:p>
+            <a:pPr marL="0" marR="0" lvl="0" indent="0" algn="l" defTabSz="914400" rtl="0" eaLnBrk="0" fontAlgn="base" latinLnBrk="0" hangingPunct="0">
+              <a:lnSpc>
+                <a:spcPct val="100000"/>
+              </a:lnSpc>
+              <a:spcBef>
+                <a:spcPct val="0"/>
+              </a:spcBef>
+              <a:spcAft>
+                <a:spcPct val="0"/>
+              </a:spcAft>
+              <a:buClrTx/>
+              <a:buSzTx/>
+              <a:buFontTx/>
+              <a:buNone/>
+              <a:tabLst/>
             </a:pPr>
-            <a:r>
-              <a:rPr lang="en-US" sz="2800" dirty="0"/>
-              <a:t>Read More: </a:t>
-            </a:r>
-            <a:r>
-              <a:rPr lang="en-US" sz="2800" dirty="0">
-                <a:hlinkClick r:id="rId2"/>
-              </a:rPr>
-              <a:t>http://spin.atomicobject.com/2012/03/14/nodejs-and-asynchronous-programming-with-promises/</a:t>
-            </a:r>
-            <a:endParaRPr lang="en-US" sz="2800" dirty="0"/>
-          </a:p>
-          <a:p>
-            <a:pPr marL="0" indent="0">
-              <a:buNone/>
-            </a:pPr>
-            <a:endParaRPr lang="en-US" dirty="0"/>
+            <a:endParaRPr kumimoji="0" lang="en-US" altLang="en-US" sz="1800" b="0" i="0" u="none" strike="noStrike" cap="none" normalizeH="0" baseline="0" dirty="0" smtClean="0">
+              <a:ln>
+                <a:noFill/>
+              </a:ln>
+              <a:solidFill>
+                <a:schemeClr val="tx1"/>
+              </a:solidFill>
+              <a:effectLst/>
+              <a:latin typeface="Arial" panose="020B0604020202020204" pitchFamily="34" charset="0"/>
+            </a:endParaRPr>
           </a:p>
         </p:txBody>
       </p:sp>
     </p:spTree>
     <p:extLst>
       <p:ext uri="{BB962C8B-B14F-4D97-AF65-F5344CB8AC3E}">
-        <p14:creationId xmlns:p14="http://schemas.microsoft.com/office/powerpoint/2010/main" val="2940283024"/>
+        <p14:creationId xmlns:p14="http://schemas.microsoft.com/office/powerpoint/2010/main" val="612772129"/>
       </p:ext>
     </p:extLst>
   </p:cSld>
   <p:clrMapOvr>
     <a:masterClrMapping/>
   </p:clrMapOvr>
-  <mc:AlternateContent xmlns:mc="http://schemas.openxmlformats.org/markup-compatibility/2006" xmlns:p14="http://schemas.microsoft.com/office/powerpoint/2010/main">
-    <mc:Choice Requires="p14">
-      <p:transition spd="slow" p14:dur="2000"/>
-    </mc:Choice>
-    <mc:Fallback xmlns="">
-      <p:transition spd="slow"/>
-    </mc:Fallback>
-  </mc:AlternateContent>
   <p:timing>
     <p:tnLst>
       <p:par>
@@ -8016,7 +9329,7 @@
           <a:p>
             <a:r>
               <a:rPr lang="en-US" dirty="0" smtClean="0"/>
-              <a:t>Q Library </a:t>
+              <a:t>Modules and Exports</a:t>
             </a:r>
             <a:endParaRPr lang="en-US" dirty="0"/>
           </a:p>
@@ -8024,1072 +9337,55 @@
       </p:sp>
       <p:sp>
         <p:nvSpPr>
-          <p:cNvPr id="5" name="Content Placeholder 4"/>
-          <p:cNvSpPr>
-            <a:spLocks noGrp="1" noChangeArrowheads="1"/>
+          <p:cNvPr id="3" name="Content Placeholder 2"/>
+          <p:cNvSpPr>
+            <a:spLocks noGrp="1"/>
           </p:cNvSpPr>
           <p:nvPr>
-            <p:ph sz="half" idx="4294967295"/>
+            <p:ph sz="quarter" idx="10"/>
           </p:nvPr>
         </p:nvSpPr>
-        <p:spPr bwMode="auto">
-          <a:xfrm>
-            <a:off x="368379" y="1825625"/>
-            <a:ext cx="5346335" cy="2308324"/>
-          </a:xfrm>
-          <a:prstGeom prst="rect">
-            <a:avLst/>
-          </a:prstGeom>
-          <a:solidFill>
-            <a:srgbClr val="FFFFFF"/>
-          </a:solidFill>
-          <a:ln>
-            <a:noFill/>
-          </a:ln>
-          <a:effectLst/>
-          <a:extLst>
-            <a:ext uri="{91240B29-F687-4F45-9708-019B960494DF}">
-              <a14:hiddenLine xmlns:a14="http://schemas.microsoft.com/office/drawing/2010/main" w="9525">
-                <a:solidFill>
-                  <a:schemeClr val="tx1"/>
-                </a:solidFill>
-                <a:miter lim="800000"/>
-                <a:headEnd/>
-                <a:tailEnd/>
-              </a14:hiddenLine>
-            </a:ext>
-            <a:ext uri="{AF507438-7753-43E0-B8FC-AC1667EBCBE1}">
-              <a14:hiddenEffects xmlns:a14="http://schemas.microsoft.com/office/drawing/2010/main">
-                <a:effectLst>
-                  <a:outerShdw dist="35921" dir="2700000" algn="ctr" rotWithShape="0">
-                    <a:schemeClr val="bg2"/>
-                  </a:outerShdw>
-                </a:effectLst>
-              </a14:hiddenEffects>
-            </a:ext>
-          </a:extLst>
-        </p:spPr>
+        <p:spPr/>
         <p:txBody>
-          <a:bodyPr vert="horz" wrap="none" lIns="91440" tIns="45720" rIns="91440" bIns="45720" numCol="1" anchor="ctr" anchorCtr="0" compatLnSpc="1">
-            <a:prstTxWarp prst="textNoShape">
-              <a:avLst/>
-            </a:prstTxWarp>
-            <a:spAutoFit/>
-          </a:bodyPr>
+          <a:bodyPr/>
           <a:lstStyle/>
           <a:p>
-            <a:pPr marL="0" marR="0" lvl="0" indent="0" algn="l" defTabSz="914400" rtl="0" eaLnBrk="0" fontAlgn="base" latinLnBrk="0" hangingPunct="0">
-              <a:lnSpc>
-                <a:spcPct val="100000"/>
-              </a:lnSpc>
-              <a:spcBef>
-                <a:spcPct val="0"/>
-              </a:spcBef>
-              <a:spcAft>
-                <a:spcPct val="0"/>
-              </a:spcAft>
-              <a:buClrTx/>
-              <a:buSzTx/>
-              <a:buFontTx/>
-              <a:buNone/>
-              <a:tabLst/>
+            <a:r>
+              <a:rPr lang="en-US" dirty="0"/>
+              <a:t>Node.js has a simple module and dependencies loading system. </a:t>
+            </a:r>
+          </a:p>
+          <a:p>
+            <a:r>
+              <a:rPr lang="en-US" dirty="0"/>
+              <a:t>Unix philosophy -&gt; Node philosophy</a:t>
+            </a:r>
+          </a:p>
+          <a:p>
+            <a:pPr lvl="1"/>
+            <a:r>
+              <a:rPr lang="en-US" dirty="0"/>
+              <a:t>Write programs that do one thing and do it well -&gt; Write modules that do one thing and do it well.</a:t>
+            </a:r>
+          </a:p>
+          <a:p>
+            <a:pPr marL="0" indent="0">
+              <a:buNone/>
             </a:pPr>
-            <a:r>
-              <a:rPr kumimoji="0" lang="en-US" altLang="en-US" sz="1600" b="0" i="0" u="none" strike="noStrike" cap="none" normalizeH="0" baseline="0" dirty="0" smtClean="0">
-                <a:ln>
-                  <a:noFill/>
-                </a:ln>
-                <a:solidFill>
-                  <a:srgbClr val="000000"/>
-                </a:solidFill>
-                <a:effectLst/>
-                <a:latin typeface="Consolas" panose="020B0609020204030204" pitchFamily="49" charset="0"/>
-                <a:cs typeface="Consolas" panose="020B0609020204030204" pitchFamily="49" charset="0"/>
-              </a:rPr>
-              <a:t>step1(</a:t>
-            </a:r>
-            <a:r>
-              <a:rPr kumimoji="0" lang="en-US" altLang="en-US" sz="1600" b="0" i="0" u="none" strike="noStrike" cap="none" normalizeH="0" baseline="0" dirty="0" smtClean="0">
-                <a:ln>
-                  <a:noFill/>
-                </a:ln>
-                <a:solidFill>
-                  <a:srgbClr val="0000FF"/>
-                </a:solidFill>
-                <a:effectLst/>
-                <a:latin typeface="Consolas" panose="020B0609020204030204" pitchFamily="49" charset="0"/>
-                <a:cs typeface="Consolas" panose="020B0609020204030204" pitchFamily="49" charset="0"/>
-              </a:rPr>
-              <a:t>function</a:t>
-            </a:r>
-            <a:r>
-              <a:rPr kumimoji="0" lang="en-US" altLang="en-US" sz="1600" b="0" i="0" u="none" strike="noStrike" cap="none" normalizeH="0" baseline="0" dirty="0" smtClean="0">
-                <a:ln>
-                  <a:noFill/>
-                </a:ln>
-                <a:solidFill>
-                  <a:srgbClr val="000000"/>
-                </a:solidFill>
-                <a:effectLst/>
-                <a:latin typeface="Consolas" panose="020B0609020204030204" pitchFamily="49" charset="0"/>
-                <a:cs typeface="Consolas" panose="020B0609020204030204" pitchFamily="49" charset="0"/>
-              </a:rPr>
-              <a:t> (value1) {</a:t>
-            </a:r>
-          </a:p>
-          <a:p>
-            <a:pPr marL="0" marR="0" lvl="0" indent="0" algn="l" defTabSz="914400" rtl="0" eaLnBrk="0" fontAlgn="base" latinLnBrk="0" hangingPunct="0">
-              <a:lnSpc>
-                <a:spcPct val="100000"/>
-              </a:lnSpc>
-              <a:spcBef>
-                <a:spcPct val="0"/>
-              </a:spcBef>
-              <a:spcAft>
-                <a:spcPct val="0"/>
-              </a:spcAft>
-              <a:buClrTx/>
-              <a:buSzTx/>
-              <a:buFontTx/>
-              <a:buNone/>
-              <a:tabLst/>
-            </a:pPr>
-            <a:r>
-              <a:rPr kumimoji="0" lang="en-US" altLang="en-US" sz="1600" b="0" i="0" u="none" strike="noStrike" cap="none" normalizeH="0" baseline="0" dirty="0" smtClean="0">
-                <a:ln>
-                  <a:noFill/>
-                </a:ln>
-                <a:solidFill>
-                  <a:srgbClr val="000000"/>
-                </a:solidFill>
-                <a:effectLst/>
-                <a:latin typeface="Consolas" panose="020B0609020204030204" pitchFamily="49" charset="0"/>
-                <a:cs typeface="Consolas" panose="020B0609020204030204" pitchFamily="49" charset="0"/>
-              </a:rPr>
-              <a:t>     step2(value1, </a:t>
-            </a:r>
-            <a:r>
-              <a:rPr kumimoji="0" lang="en-US" altLang="en-US" sz="1600" b="0" i="0" u="none" strike="noStrike" cap="none" normalizeH="0" baseline="0" dirty="0" smtClean="0">
-                <a:ln>
-                  <a:noFill/>
-                </a:ln>
-                <a:solidFill>
-                  <a:srgbClr val="0000FF"/>
-                </a:solidFill>
-                <a:effectLst/>
-                <a:latin typeface="Consolas" panose="020B0609020204030204" pitchFamily="49" charset="0"/>
-                <a:cs typeface="Consolas" panose="020B0609020204030204" pitchFamily="49" charset="0"/>
-              </a:rPr>
-              <a:t>function</a:t>
-            </a:r>
-            <a:r>
-              <a:rPr kumimoji="0" lang="en-US" altLang="en-US" sz="1600" b="0" i="0" u="none" strike="noStrike" cap="none" normalizeH="0" baseline="0" dirty="0" smtClean="0">
-                <a:ln>
-                  <a:noFill/>
-                </a:ln>
-                <a:solidFill>
-                  <a:srgbClr val="000000"/>
-                </a:solidFill>
-                <a:effectLst/>
-                <a:latin typeface="Consolas" panose="020B0609020204030204" pitchFamily="49" charset="0"/>
-                <a:cs typeface="Consolas" panose="020B0609020204030204" pitchFamily="49" charset="0"/>
-              </a:rPr>
-              <a:t> (value2) {</a:t>
-            </a:r>
-          </a:p>
-          <a:p>
-            <a:pPr marL="0" marR="0" lvl="0" indent="0" algn="l" defTabSz="914400" rtl="0" eaLnBrk="0" fontAlgn="base" latinLnBrk="0" hangingPunct="0">
-              <a:lnSpc>
-                <a:spcPct val="100000"/>
-              </a:lnSpc>
-              <a:spcBef>
-                <a:spcPct val="0"/>
-              </a:spcBef>
-              <a:spcAft>
-                <a:spcPct val="0"/>
-              </a:spcAft>
-              <a:buClrTx/>
-              <a:buSzTx/>
-              <a:buFontTx/>
-              <a:buNone/>
-              <a:tabLst/>
-            </a:pPr>
-            <a:r>
-              <a:rPr kumimoji="0" lang="en-US" altLang="en-US" sz="1600" b="0" i="0" u="none" strike="noStrike" cap="none" normalizeH="0" baseline="0" dirty="0" smtClean="0">
-                <a:ln>
-                  <a:noFill/>
-                </a:ln>
-                <a:solidFill>
-                  <a:srgbClr val="000000"/>
-                </a:solidFill>
-                <a:effectLst/>
-                <a:latin typeface="Consolas" panose="020B0609020204030204" pitchFamily="49" charset="0"/>
-                <a:cs typeface="Consolas" panose="020B0609020204030204" pitchFamily="49" charset="0"/>
-              </a:rPr>
-              <a:t>         step3(value2, </a:t>
-            </a:r>
-            <a:r>
-              <a:rPr kumimoji="0" lang="en-US" altLang="en-US" sz="1600" b="0" i="0" u="none" strike="noStrike" cap="none" normalizeH="0" baseline="0" dirty="0" smtClean="0">
-                <a:ln>
-                  <a:noFill/>
-                </a:ln>
-                <a:solidFill>
-                  <a:srgbClr val="0000FF"/>
-                </a:solidFill>
-                <a:effectLst/>
-                <a:latin typeface="Consolas" panose="020B0609020204030204" pitchFamily="49" charset="0"/>
-                <a:cs typeface="Consolas" panose="020B0609020204030204" pitchFamily="49" charset="0"/>
-              </a:rPr>
-              <a:t>function</a:t>
-            </a:r>
-            <a:r>
-              <a:rPr kumimoji="0" lang="en-US" altLang="en-US" sz="1600" b="0" i="0" u="none" strike="noStrike" cap="none" normalizeH="0" baseline="0" dirty="0" smtClean="0">
-                <a:ln>
-                  <a:noFill/>
-                </a:ln>
-                <a:solidFill>
-                  <a:srgbClr val="000000"/>
-                </a:solidFill>
-                <a:effectLst/>
-                <a:latin typeface="Consolas" panose="020B0609020204030204" pitchFamily="49" charset="0"/>
-                <a:cs typeface="Consolas" panose="020B0609020204030204" pitchFamily="49" charset="0"/>
-              </a:rPr>
-              <a:t> (value3) {</a:t>
-            </a:r>
-          </a:p>
-          <a:p>
-            <a:pPr marL="0" marR="0" lvl="0" indent="0" algn="l" defTabSz="914400" rtl="0" eaLnBrk="0" fontAlgn="base" latinLnBrk="0" hangingPunct="0">
-              <a:lnSpc>
-                <a:spcPct val="100000"/>
-              </a:lnSpc>
-              <a:spcBef>
-                <a:spcPct val="0"/>
-              </a:spcBef>
-              <a:spcAft>
-                <a:spcPct val="0"/>
-              </a:spcAft>
-              <a:buClrTx/>
-              <a:buSzTx/>
-              <a:buFontTx/>
-              <a:buNone/>
-              <a:tabLst/>
-            </a:pPr>
-            <a:r>
-              <a:rPr kumimoji="0" lang="en-US" altLang="en-US" sz="1600" b="0" i="0" u="none" strike="noStrike" cap="none" normalizeH="0" baseline="0" dirty="0" smtClean="0">
-                <a:ln>
-                  <a:noFill/>
-                </a:ln>
-                <a:solidFill>
-                  <a:srgbClr val="000000"/>
-                </a:solidFill>
-                <a:effectLst/>
-                <a:latin typeface="Consolas" panose="020B0609020204030204" pitchFamily="49" charset="0"/>
-                <a:cs typeface="Consolas" panose="020B0609020204030204" pitchFamily="49" charset="0"/>
-              </a:rPr>
-              <a:t>             step4(value3, </a:t>
-            </a:r>
-            <a:r>
-              <a:rPr kumimoji="0" lang="en-US" altLang="en-US" sz="1600" b="0" i="0" u="none" strike="noStrike" cap="none" normalizeH="0" baseline="0" dirty="0" smtClean="0">
-                <a:ln>
-                  <a:noFill/>
-                </a:ln>
-                <a:solidFill>
-                  <a:srgbClr val="0000FF"/>
-                </a:solidFill>
-                <a:effectLst/>
-                <a:latin typeface="Consolas" panose="020B0609020204030204" pitchFamily="49" charset="0"/>
-                <a:cs typeface="Consolas" panose="020B0609020204030204" pitchFamily="49" charset="0"/>
-              </a:rPr>
-              <a:t>function</a:t>
-            </a:r>
-            <a:r>
-              <a:rPr kumimoji="0" lang="en-US" altLang="en-US" sz="1600" b="0" i="0" u="none" strike="noStrike" cap="none" normalizeH="0" baseline="0" dirty="0" smtClean="0">
-                <a:ln>
-                  <a:noFill/>
-                </a:ln>
-                <a:solidFill>
-                  <a:srgbClr val="000000"/>
-                </a:solidFill>
-                <a:effectLst/>
-                <a:latin typeface="Consolas" panose="020B0609020204030204" pitchFamily="49" charset="0"/>
-                <a:cs typeface="Consolas" panose="020B0609020204030204" pitchFamily="49" charset="0"/>
-              </a:rPr>
-              <a:t> (value4) {</a:t>
-            </a:r>
-          </a:p>
-          <a:p>
-            <a:pPr marL="0" marR="0" lvl="0" indent="0" algn="l" defTabSz="914400" rtl="0" eaLnBrk="0" fontAlgn="base" latinLnBrk="0" hangingPunct="0">
-              <a:lnSpc>
-                <a:spcPct val="100000"/>
-              </a:lnSpc>
-              <a:spcBef>
-                <a:spcPct val="0"/>
-              </a:spcBef>
-              <a:spcAft>
-                <a:spcPct val="0"/>
-              </a:spcAft>
-              <a:buClrTx/>
-              <a:buSzTx/>
-              <a:buFontTx/>
-              <a:buNone/>
-              <a:tabLst/>
-            </a:pPr>
-            <a:r>
-              <a:rPr kumimoji="0" lang="en-US" altLang="en-US" sz="1600" b="0" i="0" u="none" strike="noStrike" cap="none" normalizeH="0" baseline="0" dirty="0" smtClean="0">
-                <a:ln>
-                  <a:noFill/>
-                </a:ln>
-                <a:solidFill>
-                  <a:srgbClr val="000000"/>
-                </a:solidFill>
-                <a:effectLst/>
-                <a:latin typeface="Consolas" panose="020B0609020204030204" pitchFamily="49" charset="0"/>
-                <a:cs typeface="Consolas" panose="020B0609020204030204" pitchFamily="49" charset="0"/>
-              </a:rPr>
-              <a:t>                 </a:t>
-            </a:r>
-            <a:r>
-              <a:rPr kumimoji="0" lang="en-US" altLang="en-US" sz="1600" b="0" i="0" u="none" strike="noStrike" cap="none" normalizeH="0" baseline="0" dirty="0" smtClean="0">
-                <a:ln>
-                  <a:noFill/>
-                </a:ln>
-                <a:solidFill>
-                  <a:srgbClr val="008000"/>
-                </a:solidFill>
-                <a:effectLst/>
-                <a:latin typeface="Consolas" panose="020B0609020204030204" pitchFamily="49" charset="0"/>
-                <a:cs typeface="Consolas" panose="020B0609020204030204" pitchFamily="49" charset="0"/>
-              </a:rPr>
-              <a:t>// Do something with value4</a:t>
-            </a:r>
-          </a:p>
-          <a:p>
-            <a:pPr marL="0" marR="0" lvl="0" indent="0" algn="l" defTabSz="914400" rtl="0" eaLnBrk="0" fontAlgn="base" latinLnBrk="0" hangingPunct="0">
-              <a:lnSpc>
-                <a:spcPct val="100000"/>
-              </a:lnSpc>
-              <a:spcBef>
-                <a:spcPct val="0"/>
-              </a:spcBef>
-              <a:spcAft>
-                <a:spcPct val="0"/>
-              </a:spcAft>
-              <a:buClrTx/>
-              <a:buSzTx/>
-              <a:buFontTx/>
-              <a:buNone/>
-              <a:tabLst/>
-            </a:pPr>
-            <a:r>
-              <a:rPr kumimoji="0" lang="en-US" altLang="en-US" sz="1600" b="0" i="0" u="none" strike="noStrike" cap="none" normalizeH="0" baseline="0" dirty="0" smtClean="0">
-                <a:ln>
-                  <a:noFill/>
-                </a:ln>
-                <a:solidFill>
-                  <a:srgbClr val="000000"/>
-                </a:solidFill>
-                <a:effectLst/>
-                <a:latin typeface="Consolas" panose="020B0609020204030204" pitchFamily="49" charset="0"/>
-                <a:cs typeface="Consolas" panose="020B0609020204030204" pitchFamily="49" charset="0"/>
-              </a:rPr>
-              <a:t>             });</a:t>
-            </a:r>
-          </a:p>
-          <a:p>
-            <a:pPr marL="0" marR="0" lvl="0" indent="0" algn="l" defTabSz="914400" rtl="0" eaLnBrk="0" fontAlgn="base" latinLnBrk="0" hangingPunct="0">
-              <a:lnSpc>
-                <a:spcPct val="100000"/>
-              </a:lnSpc>
-              <a:spcBef>
-                <a:spcPct val="0"/>
-              </a:spcBef>
-              <a:spcAft>
-                <a:spcPct val="0"/>
-              </a:spcAft>
-              <a:buClrTx/>
-              <a:buSzTx/>
-              <a:buFontTx/>
-              <a:buNone/>
-              <a:tabLst/>
-            </a:pPr>
-            <a:r>
-              <a:rPr kumimoji="0" lang="en-US" altLang="en-US" sz="1600" b="0" i="0" u="none" strike="noStrike" cap="none" normalizeH="0" baseline="0" dirty="0" smtClean="0">
-                <a:ln>
-                  <a:noFill/>
-                </a:ln>
-                <a:solidFill>
-                  <a:srgbClr val="000000"/>
-                </a:solidFill>
-                <a:effectLst/>
-                <a:latin typeface="Consolas" panose="020B0609020204030204" pitchFamily="49" charset="0"/>
-                <a:cs typeface="Consolas" panose="020B0609020204030204" pitchFamily="49" charset="0"/>
-              </a:rPr>
-              <a:t>         });</a:t>
-            </a:r>
-          </a:p>
-          <a:p>
-            <a:pPr marL="0" marR="0" lvl="0" indent="0" algn="l" defTabSz="914400" rtl="0" eaLnBrk="0" fontAlgn="base" latinLnBrk="0" hangingPunct="0">
-              <a:lnSpc>
-                <a:spcPct val="100000"/>
-              </a:lnSpc>
-              <a:spcBef>
-                <a:spcPct val="0"/>
-              </a:spcBef>
-              <a:spcAft>
-                <a:spcPct val="0"/>
-              </a:spcAft>
-              <a:buClrTx/>
-              <a:buSzTx/>
-              <a:buFontTx/>
-              <a:buNone/>
-              <a:tabLst/>
-            </a:pPr>
-            <a:r>
-              <a:rPr kumimoji="0" lang="en-US" altLang="en-US" sz="1600" b="0" i="0" u="none" strike="noStrike" cap="none" normalizeH="0" baseline="0" dirty="0" smtClean="0">
-                <a:ln>
-                  <a:noFill/>
-                </a:ln>
-                <a:solidFill>
-                  <a:srgbClr val="000000"/>
-                </a:solidFill>
-                <a:effectLst/>
-                <a:latin typeface="Consolas" panose="020B0609020204030204" pitchFamily="49" charset="0"/>
-                <a:cs typeface="Consolas" panose="020B0609020204030204" pitchFamily="49" charset="0"/>
-              </a:rPr>
-              <a:t>     });</a:t>
-            </a:r>
-          </a:p>
-          <a:p>
-            <a:pPr marL="0" marR="0" lvl="0" indent="0" algn="l" defTabSz="914400" rtl="0" eaLnBrk="0" fontAlgn="base" latinLnBrk="0" hangingPunct="0">
-              <a:lnSpc>
-                <a:spcPct val="100000"/>
-              </a:lnSpc>
-              <a:spcBef>
-                <a:spcPct val="0"/>
-              </a:spcBef>
-              <a:spcAft>
-                <a:spcPct val="0"/>
-              </a:spcAft>
-              <a:buClrTx/>
-              <a:buSzTx/>
-              <a:buFontTx/>
-              <a:buNone/>
-              <a:tabLst/>
-            </a:pPr>
-            <a:r>
-              <a:rPr kumimoji="0" lang="en-US" altLang="en-US" sz="1600" b="0" i="0" u="none" strike="noStrike" cap="none" normalizeH="0" baseline="0" dirty="0" smtClean="0">
-                <a:ln>
-                  <a:noFill/>
-                </a:ln>
-                <a:solidFill>
-                  <a:srgbClr val="000000"/>
-                </a:solidFill>
-                <a:effectLst/>
-                <a:latin typeface="Consolas" panose="020B0609020204030204" pitchFamily="49" charset="0"/>
-                <a:cs typeface="Consolas" panose="020B0609020204030204" pitchFamily="49" charset="0"/>
-              </a:rPr>
-              <a:t>}); </a:t>
-            </a:r>
-            <a:endParaRPr kumimoji="0" lang="en-US" altLang="en-US" sz="4000" b="0" i="0" u="none" strike="noStrike" cap="none" normalizeH="0" baseline="0" dirty="0" smtClean="0">
-              <a:ln>
-                <a:noFill/>
-              </a:ln>
-              <a:solidFill>
-                <a:schemeClr val="tx1"/>
-              </a:solidFill>
-              <a:effectLst/>
-              <a:latin typeface="Arial" panose="020B0604020202020204" pitchFamily="34" charset="0"/>
-            </a:endParaRPr>
-          </a:p>
-        </p:txBody>
-      </p:sp>
-      <p:sp>
-        <p:nvSpPr>
-          <p:cNvPr id="6" name="Rectangle 6"/>
-          <p:cNvSpPr>
-            <a:spLocks noGrp="1" noChangeArrowheads="1"/>
-          </p:cNvSpPr>
-          <p:nvPr>
-            <p:ph sz="half" idx="4294967295"/>
-          </p:nvPr>
-        </p:nvSpPr>
-        <p:spPr bwMode="auto">
-          <a:xfrm>
-            <a:off x="6063737" y="1825625"/>
-            <a:ext cx="5346335" cy="2800767"/>
-          </a:xfrm>
-          <a:prstGeom prst="rect">
-            <a:avLst/>
-          </a:prstGeom>
-          <a:solidFill>
-            <a:srgbClr val="FFFFFF"/>
-          </a:solidFill>
-          <a:ln>
-            <a:noFill/>
-          </a:ln>
-          <a:effectLst/>
-          <a:extLst>
-            <a:ext uri="{91240B29-F687-4F45-9708-019B960494DF}">
-              <a14:hiddenLine xmlns:a14="http://schemas.microsoft.com/office/drawing/2010/main" w="9525">
-                <a:solidFill>
-                  <a:schemeClr val="tx1"/>
-                </a:solidFill>
-                <a:miter lim="800000"/>
-                <a:headEnd/>
-                <a:tailEnd/>
-              </a14:hiddenLine>
-            </a:ext>
-            <a:ext uri="{AF507438-7753-43E0-B8FC-AC1667EBCBE1}">
-              <a14:hiddenEffects xmlns:a14="http://schemas.microsoft.com/office/drawing/2010/main">
-                <a:effectLst>
-                  <a:outerShdw dist="35921" dir="2700000" algn="ctr" rotWithShape="0">
-                    <a:schemeClr val="bg2"/>
-                  </a:outerShdw>
-                </a:effectLst>
-              </a14:hiddenEffects>
-            </a:ext>
-          </a:extLst>
-        </p:spPr>
-        <p:txBody>
-          <a:bodyPr vert="horz" wrap="none" lIns="91440" tIns="45720" rIns="91440" bIns="45720" numCol="1" anchor="ctr" anchorCtr="0" compatLnSpc="1">
-            <a:prstTxWarp prst="textNoShape">
-              <a:avLst/>
-            </a:prstTxWarp>
-            <a:spAutoFit/>
-          </a:bodyPr>
-          <a:lstStyle/>
-          <a:p>
-            <a:pPr marL="0" marR="0" lvl="0" indent="0" algn="l" defTabSz="914400" rtl="0" eaLnBrk="0" fontAlgn="base" latinLnBrk="0" hangingPunct="0">
-              <a:lnSpc>
-                <a:spcPct val="100000"/>
-              </a:lnSpc>
-              <a:spcBef>
-                <a:spcPct val="0"/>
-              </a:spcBef>
-              <a:spcAft>
-                <a:spcPct val="0"/>
-              </a:spcAft>
-              <a:buClrTx/>
-              <a:buSzTx/>
-              <a:buFontTx/>
-              <a:buNone/>
-              <a:tabLst/>
-            </a:pPr>
-            <a:r>
-              <a:rPr kumimoji="0" lang="en-US" altLang="en-US" sz="1600" b="0" i="0" u="none" strike="noStrike" cap="none" normalizeH="0" baseline="0" dirty="0" err="1" smtClean="0">
-                <a:ln>
-                  <a:noFill/>
-                </a:ln>
-                <a:solidFill>
-                  <a:srgbClr val="000000"/>
-                </a:solidFill>
-                <a:effectLst/>
-                <a:latin typeface="Consolas" panose="020B0609020204030204" pitchFamily="49" charset="0"/>
-                <a:cs typeface="Consolas" panose="020B0609020204030204" pitchFamily="49" charset="0"/>
-              </a:rPr>
-              <a:t>Q.fcall</a:t>
-            </a:r>
-            <a:r>
-              <a:rPr kumimoji="0" lang="en-US" altLang="en-US" sz="1600" b="0" i="0" u="none" strike="noStrike" cap="none" normalizeH="0" baseline="0" dirty="0" smtClean="0">
-                <a:ln>
-                  <a:noFill/>
-                </a:ln>
-                <a:solidFill>
-                  <a:srgbClr val="000000"/>
-                </a:solidFill>
-                <a:effectLst/>
-                <a:latin typeface="Consolas" panose="020B0609020204030204" pitchFamily="49" charset="0"/>
-                <a:cs typeface="Consolas" panose="020B0609020204030204" pitchFamily="49" charset="0"/>
-              </a:rPr>
-              <a:t>(promisedStep1)</a:t>
-            </a:r>
-          </a:p>
-          <a:p>
-            <a:pPr marL="0" marR="0" lvl="0" indent="0" algn="l" defTabSz="914400" rtl="0" eaLnBrk="0" fontAlgn="base" latinLnBrk="0" hangingPunct="0">
-              <a:lnSpc>
-                <a:spcPct val="100000"/>
-              </a:lnSpc>
-              <a:spcBef>
-                <a:spcPct val="0"/>
-              </a:spcBef>
-              <a:spcAft>
-                <a:spcPct val="0"/>
-              </a:spcAft>
-              <a:buClrTx/>
-              <a:buSzTx/>
-              <a:buFontTx/>
-              <a:buNone/>
-              <a:tabLst/>
-            </a:pPr>
-            <a:r>
-              <a:rPr kumimoji="0" lang="en-US" altLang="en-US" sz="1600" b="0" i="0" u="none" strike="noStrike" cap="none" normalizeH="0" baseline="0" dirty="0" smtClean="0">
-                <a:ln>
-                  <a:noFill/>
-                </a:ln>
-                <a:solidFill>
-                  <a:srgbClr val="000000"/>
-                </a:solidFill>
-                <a:effectLst/>
-                <a:latin typeface="Consolas" panose="020B0609020204030204" pitchFamily="49" charset="0"/>
-                <a:cs typeface="Consolas" panose="020B0609020204030204" pitchFamily="49" charset="0"/>
-              </a:rPr>
-              <a:t> .then(promisedStep2)</a:t>
-            </a:r>
-          </a:p>
-          <a:p>
-            <a:pPr marL="0" marR="0" lvl="0" indent="0" algn="l" defTabSz="914400" rtl="0" eaLnBrk="0" fontAlgn="base" latinLnBrk="0" hangingPunct="0">
-              <a:lnSpc>
-                <a:spcPct val="100000"/>
-              </a:lnSpc>
-              <a:spcBef>
-                <a:spcPct val="0"/>
-              </a:spcBef>
-              <a:spcAft>
-                <a:spcPct val="0"/>
-              </a:spcAft>
-              <a:buClrTx/>
-              <a:buSzTx/>
-              <a:buFontTx/>
-              <a:buNone/>
-              <a:tabLst/>
-            </a:pPr>
-            <a:r>
-              <a:rPr kumimoji="0" lang="en-US" altLang="en-US" sz="1600" b="0" i="0" u="none" strike="noStrike" cap="none" normalizeH="0" baseline="0" dirty="0" smtClean="0">
-                <a:ln>
-                  <a:noFill/>
-                </a:ln>
-                <a:solidFill>
-                  <a:srgbClr val="000000"/>
-                </a:solidFill>
-                <a:effectLst/>
-                <a:latin typeface="Consolas" panose="020B0609020204030204" pitchFamily="49" charset="0"/>
-                <a:cs typeface="Consolas" panose="020B0609020204030204" pitchFamily="49" charset="0"/>
-              </a:rPr>
-              <a:t> .then(promisedStep3)</a:t>
-            </a:r>
-          </a:p>
-          <a:p>
-            <a:pPr marL="0" marR="0" lvl="0" indent="0" algn="l" defTabSz="914400" rtl="0" eaLnBrk="0" fontAlgn="base" latinLnBrk="0" hangingPunct="0">
-              <a:lnSpc>
-                <a:spcPct val="100000"/>
-              </a:lnSpc>
-              <a:spcBef>
-                <a:spcPct val="0"/>
-              </a:spcBef>
-              <a:spcAft>
-                <a:spcPct val="0"/>
-              </a:spcAft>
-              <a:buClrTx/>
-              <a:buSzTx/>
-              <a:buFontTx/>
-              <a:buNone/>
-              <a:tabLst/>
-            </a:pPr>
-            <a:r>
-              <a:rPr kumimoji="0" lang="en-US" altLang="en-US" sz="1600" b="0" i="0" u="none" strike="noStrike" cap="none" normalizeH="0" baseline="0" dirty="0" smtClean="0">
-                <a:ln>
-                  <a:noFill/>
-                </a:ln>
-                <a:solidFill>
-                  <a:srgbClr val="000000"/>
-                </a:solidFill>
-                <a:effectLst/>
-                <a:latin typeface="Consolas" panose="020B0609020204030204" pitchFamily="49" charset="0"/>
-                <a:cs typeface="Consolas" panose="020B0609020204030204" pitchFamily="49" charset="0"/>
-              </a:rPr>
-              <a:t> .then(promisedStep4)</a:t>
-            </a:r>
-          </a:p>
-          <a:p>
-            <a:pPr marL="0" marR="0" lvl="0" indent="0" algn="l" defTabSz="914400" rtl="0" eaLnBrk="0" fontAlgn="base" latinLnBrk="0" hangingPunct="0">
-              <a:lnSpc>
-                <a:spcPct val="100000"/>
-              </a:lnSpc>
-              <a:spcBef>
-                <a:spcPct val="0"/>
-              </a:spcBef>
-              <a:spcAft>
-                <a:spcPct val="0"/>
-              </a:spcAft>
-              <a:buClrTx/>
-              <a:buSzTx/>
-              <a:buFontTx/>
-              <a:buNone/>
-              <a:tabLst/>
-            </a:pPr>
-            <a:r>
-              <a:rPr kumimoji="0" lang="en-US" altLang="en-US" sz="1600" b="0" i="0" u="none" strike="noStrike" cap="none" normalizeH="0" baseline="0" dirty="0" smtClean="0">
-                <a:ln>
-                  <a:noFill/>
-                </a:ln>
-                <a:solidFill>
-                  <a:srgbClr val="000000"/>
-                </a:solidFill>
-                <a:effectLst/>
-                <a:latin typeface="Consolas" panose="020B0609020204030204" pitchFamily="49" charset="0"/>
-                <a:cs typeface="Consolas" panose="020B0609020204030204" pitchFamily="49" charset="0"/>
-              </a:rPr>
-              <a:t> .then(</a:t>
-            </a:r>
-            <a:r>
-              <a:rPr kumimoji="0" lang="en-US" altLang="en-US" sz="1600" b="0" i="0" u="none" strike="noStrike" cap="none" normalizeH="0" baseline="0" dirty="0" smtClean="0">
-                <a:ln>
-                  <a:noFill/>
-                </a:ln>
-                <a:solidFill>
-                  <a:srgbClr val="0000FF"/>
-                </a:solidFill>
-                <a:effectLst/>
-                <a:latin typeface="Consolas" panose="020B0609020204030204" pitchFamily="49" charset="0"/>
-                <a:cs typeface="Consolas" panose="020B0609020204030204" pitchFamily="49" charset="0"/>
-              </a:rPr>
-              <a:t>function</a:t>
-            </a:r>
-            <a:r>
-              <a:rPr kumimoji="0" lang="en-US" altLang="en-US" sz="1600" b="0" i="0" u="none" strike="noStrike" cap="none" normalizeH="0" baseline="0" dirty="0" smtClean="0">
-                <a:ln>
-                  <a:noFill/>
-                </a:ln>
-                <a:solidFill>
-                  <a:srgbClr val="000000"/>
-                </a:solidFill>
-                <a:effectLst/>
-                <a:latin typeface="Consolas" panose="020B0609020204030204" pitchFamily="49" charset="0"/>
-                <a:cs typeface="Consolas" panose="020B0609020204030204" pitchFamily="49" charset="0"/>
-              </a:rPr>
-              <a:t> (value4) {</a:t>
-            </a:r>
-          </a:p>
-          <a:p>
-            <a:pPr marL="0" marR="0" lvl="0" indent="0" algn="l" defTabSz="914400" rtl="0" eaLnBrk="0" fontAlgn="base" latinLnBrk="0" hangingPunct="0">
-              <a:lnSpc>
-                <a:spcPct val="100000"/>
-              </a:lnSpc>
-              <a:spcBef>
-                <a:spcPct val="0"/>
-              </a:spcBef>
-              <a:spcAft>
-                <a:spcPct val="0"/>
-              </a:spcAft>
-              <a:buClrTx/>
-              <a:buSzTx/>
-              <a:buFontTx/>
-              <a:buNone/>
-              <a:tabLst/>
-            </a:pPr>
-            <a:r>
-              <a:rPr kumimoji="0" lang="en-US" altLang="en-US" sz="1600" b="0" i="0" u="none" strike="noStrike" cap="none" normalizeH="0" baseline="0" dirty="0" smtClean="0">
-                <a:ln>
-                  <a:noFill/>
-                </a:ln>
-                <a:solidFill>
-                  <a:srgbClr val="000000"/>
-                </a:solidFill>
-                <a:effectLst/>
-                <a:latin typeface="Consolas" panose="020B0609020204030204" pitchFamily="49" charset="0"/>
-                <a:cs typeface="Consolas" panose="020B0609020204030204" pitchFamily="49" charset="0"/>
-              </a:rPr>
-              <a:t>     </a:t>
-            </a:r>
-            <a:r>
-              <a:rPr kumimoji="0" lang="en-US" altLang="en-US" sz="1600" b="0" i="0" u="none" strike="noStrike" cap="none" normalizeH="0" baseline="0" dirty="0" smtClean="0">
-                <a:ln>
-                  <a:noFill/>
-                </a:ln>
-                <a:solidFill>
-                  <a:srgbClr val="008000"/>
-                </a:solidFill>
-                <a:effectLst/>
-                <a:latin typeface="Consolas" panose="020B0609020204030204" pitchFamily="49" charset="0"/>
-                <a:cs typeface="Consolas" panose="020B0609020204030204" pitchFamily="49" charset="0"/>
-              </a:rPr>
-              <a:t>// Do something with value4</a:t>
-            </a:r>
-          </a:p>
-          <a:p>
-            <a:pPr marL="0" marR="0" lvl="0" indent="0" algn="l" defTabSz="914400" rtl="0" eaLnBrk="0" fontAlgn="base" latinLnBrk="0" hangingPunct="0">
-              <a:lnSpc>
-                <a:spcPct val="100000"/>
-              </a:lnSpc>
-              <a:spcBef>
-                <a:spcPct val="0"/>
-              </a:spcBef>
-              <a:spcAft>
-                <a:spcPct val="0"/>
-              </a:spcAft>
-              <a:buClrTx/>
-              <a:buSzTx/>
-              <a:buFontTx/>
-              <a:buNone/>
-              <a:tabLst/>
-            </a:pPr>
-            <a:r>
-              <a:rPr kumimoji="0" lang="en-US" altLang="en-US" sz="1600" b="0" i="0" u="none" strike="noStrike" cap="none" normalizeH="0" baseline="0" dirty="0" smtClean="0">
-                <a:ln>
-                  <a:noFill/>
-                </a:ln>
-                <a:solidFill>
-                  <a:srgbClr val="000000"/>
-                </a:solidFill>
-                <a:effectLst/>
-                <a:latin typeface="Consolas" panose="020B0609020204030204" pitchFamily="49" charset="0"/>
-                <a:cs typeface="Consolas" panose="020B0609020204030204" pitchFamily="49" charset="0"/>
-              </a:rPr>
-              <a:t> }) </a:t>
-            </a:r>
-          </a:p>
-          <a:p>
-            <a:pPr marL="0" marR="0" lvl="0" indent="0" algn="l" defTabSz="914400" rtl="0" eaLnBrk="0" fontAlgn="base" latinLnBrk="0" hangingPunct="0">
-              <a:lnSpc>
-                <a:spcPct val="100000"/>
-              </a:lnSpc>
-              <a:spcBef>
-                <a:spcPct val="0"/>
-              </a:spcBef>
-              <a:spcAft>
-                <a:spcPct val="0"/>
-              </a:spcAft>
-              <a:buClrTx/>
-              <a:buSzTx/>
-              <a:buFontTx/>
-              <a:buNone/>
-              <a:tabLst/>
-            </a:pPr>
-            <a:r>
-              <a:rPr lang="en-US" altLang="en-US" sz="1600" dirty="0">
-                <a:solidFill>
-                  <a:srgbClr val="000000"/>
-                </a:solidFill>
-                <a:latin typeface="Consolas" panose="020B0609020204030204" pitchFamily="49" charset="0"/>
-                <a:cs typeface="Consolas" panose="020B0609020204030204" pitchFamily="49" charset="0"/>
-              </a:rPr>
-              <a:t> </a:t>
-            </a:r>
-            <a:r>
-              <a:rPr kumimoji="0" lang="en-US" altLang="en-US" sz="1600" b="0" i="0" u="none" strike="noStrike" cap="none" normalizeH="0" baseline="0" dirty="0" smtClean="0">
-                <a:ln>
-                  <a:noFill/>
-                </a:ln>
-                <a:solidFill>
-                  <a:srgbClr val="000000"/>
-                </a:solidFill>
-                <a:effectLst/>
-                <a:latin typeface="Consolas" panose="020B0609020204030204" pitchFamily="49" charset="0"/>
-                <a:cs typeface="Consolas" panose="020B0609020204030204" pitchFamily="49" charset="0"/>
-              </a:rPr>
-              <a:t>.</a:t>
-            </a:r>
-            <a:r>
-              <a:rPr kumimoji="0" lang="en-US" altLang="en-US" sz="1600" b="0" i="0" u="none" strike="noStrike" cap="none" normalizeH="0" baseline="0" dirty="0" smtClean="0">
-                <a:ln>
-                  <a:noFill/>
-                </a:ln>
-                <a:solidFill>
-                  <a:srgbClr val="0000FF"/>
-                </a:solidFill>
-                <a:effectLst/>
-                <a:latin typeface="Consolas" panose="020B0609020204030204" pitchFamily="49" charset="0"/>
-                <a:cs typeface="Consolas" panose="020B0609020204030204" pitchFamily="49" charset="0"/>
-              </a:rPr>
-              <a:t>catch</a:t>
-            </a:r>
-            <a:r>
-              <a:rPr kumimoji="0" lang="en-US" altLang="en-US" sz="1600" b="0" i="0" u="none" strike="noStrike" cap="none" normalizeH="0" baseline="0" dirty="0" smtClean="0">
-                <a:ln>
-                  <a:noFill/>
-                </a:ln>
-                <a:solidFill>
-                  <a:srgbClr val="000000"/>
-                </a:solidFill>
-                <a:effectLst/>
-                <a:latin typeface="Consolas" panose="020B0609020204030204" pitchFamily="49" charset="0"/>
-                <a:cs typeface="Consolas" panose="020B0609020204030204" pitchFamily="49" charset="0"/>
-              </a:rPr>
-              <a:t>(</a:t>
-            </a:r>
-            <a:r>
-              <a:rPr kumimoji="0" lang="en-US" altLang="en-US" sz="1600" b="0" i="0" u="none" strike="noStrike" cap="none" normalizeH="0" baseline="0" dirty="0" smtClean="0">
-                <a:ln>
-                  <a:noFill/>
-                </a:ln>
-                <a:solidFill>
-                  <a:srgbClr val="0000FF"/>
-                </a:solidFill>
-                <a:effectLst/>
-                <a:latin typeface="Consolas" panose="020B0609020204030204" pitchFamily="49" charset="0"/>
-                <a:cs typeface="Consolas" panose="020B0609020204030204" pitchFamily="49" charset="0"/>
-              </a:rPr>
-              <a:t>function</a:t>
-            </a:r>
-            <a:r>
-              <a:rPr kumimoji="0" lang="en-US" altLang="en-US" sz="1600" b="0" i="0" u="none" strike="noStrike" cap="none" normalizeH="0" baseline="0" dirty="0" smtClean="0">
-                <a:ln>
-                  <a:noFill/>
-                </a:ln>
-                <a:solidFill>
-                  <a:srgbClr val="000000"/>
-                </a:solidFill>
-                <a:effectLst/>
-                <a:latin typeface="Consolas" panose="020B0609020204030204" pitchFamily="49" charset="0"/>
-                <a:cs typeface="Consolas" panose="020B0609020204030204" pitchFamily="49" charset="0"/>
-              </a:rPr>
-              <a:t> (error) {</a:t>
-            </a:r>
-          </a:p>
-          <a:p>
-            <a:pPr marL="0" marR="0" lvl="0" indent="0" algn="l" defTabSz="914400" rtl="0" eaLnBrk="0" fontAlgn="base" latinLnBrk="0" hangingPunct="0">
-              <a:lnSpc>
-                <a:spcPct val="100000"/>
-              </a:lnSpc>
-              <a:spcBef>
-                <a:spcPct val="0"/>
-              </a:spcBef>
-              <a:spcAft>
-                <a:spcPct val="0"/>
-              </a:spcAft>
-              <a:buClrTx/>
-              <a:buSzTx/>
-              <a:buFontTx/>
-              <a:buNone/>
-              <a:tabLst/>
-            </a:pPr>
-            <a:r>
-              <a:rPr kumimoji="0" lang="en-US" altLang="en-US" sz="1600" b="0" i="0" u="none" strike="noStrike" cap="none" normalizeH="0" baseline="0" dirty="0" smtClean="0">
-                <a:ln>
-                  <a:noFill/>
-                </a:ln>
-                <a:solidFill>
-                  <a:srgbClr val="000000"/>
-                </a:solidFill>
-                <a:effectLst/>
-                <a:latin typeface="Consolas" panose="020B0609020204030204" pitchFamily="49" charset="0"/>
-                <a:cs typeface="Consolas" panose="020B0609020204030204" pitchFamily="49" charset="0"/>
-              </a:rPr>
-              <a:t>     </a:t>
-            </a:r>
-            <a:r>
-              <a:rPr kumimoji="0" lang="en-US" altLang="en-US" sz="1600" b="0" i="0" u="none" strike="noStrike" cap="none" normalizeH="0" baseline="0" dirty="0" smtClean="0">
-                <a:ln>
-                  <a:noFill/>
-                </a:ln>
-                <a:solidFill>
-                  <a:srgbClr val="008000"/>
-                </a:solidFill>
-                <a:effectLst/>
-                <a:latin typeface="Consolas" panose="020B0609020204030204" pitchFamily="49" charset="0"/>
-                <a:cs typeface="Consolas" panose="020B0609020204030204" pitchFamily="49" charset="0"/>
-              </a:rPr>
-              <a:t>// Handle any error from all above steps</a:t>
-            </a:r>
-            <a:r>
-              <a:rPr kumimoji="0" lang="en-US" altLang="en-US" sz="1600" b="0" i="0" u="none" strike="noStrike" cap="none" normalizeH="0" baseline="0" dirty="0" smtClean="0">
-                <a:ln>
-                  <a:noFill/>
-                </a:ln>
-                <a:solidFill>
-                  <a:srgbClr val="000000"/>
-                </a:solidFill>
-                <a:effectLst/>
-                <a:latin typeface="Consolas" panose="020B0609020204030204" pitchFamily="49" charset="0"/>
-                <a:cs typeface="Consolas" panose="020B0609020204030204" pitchFamily="49" charset="0"/>
-              </a:rPr>
-              <a:t> </a:t>
-            </a:r>
-          </a:p>
-          <a:p>
-            <a:pPr marL="0" marR="0" lvl="0" indent="0" algn="l" defTabSz="914400" rtl="0" eaLnBrk="0" fontAlgn="base" latinLnBrk="0" hangingPunct="0">
-              <a:lnSpc>
-                <a:spcPct val="100000"/>
-              </a:lnSpc>
-              <a:spcBef>
-                <a:spcPct val="0"/>
-              </a:spcBef>
-              <a:spcAft>
-                <a:spcPct val="0"/>
-              </a:spcAft>
-              <a:buClrTx/>
-              <a:buSzTx/>
-              <a:buFontTx/>
-              <a:buNone/>
-              <a:tabLst/>
-            </a:pPr>
-            <a:r>
-              <a:rPr kumimoji="0" lang="en-US" altLang="en-US" sz="1600" b="0" i="0" u="none" strike="noStrike" cap="none" normalizeH="0" baseline="0" dirty="0" smtClean="0">
-                <a:ln>
-                  <a:noFill/>
-                </a:ln>
-                <a:solidFill>
-                  <a:srgbClr val="000000"/>
-                </a:solidFill>
-                <a:effectLst/>
-                <a:latin typeface="Consolas" panose="020B0609020204030204" pitchFamily="49" charset="0"/>
-                <a:cs typeface="Consolas" panose="020B0609020204030204" pitchFamily="49" charset="0"/>
-              </a:rPr>
-              <a:t> })</a:t>
-            </a:r>
-          </a:p>
-          <a:p>
-            <a:pPr marL="0" marR="0" lvl="0" indent="0" algn="l" defTabSz="914400" rtl="0" eaLnBrk="0" fontAlgn="base" latinLnBrk="0" hangingPunct="0">
-              <a:lnSpc>
-                <a:spcPct val="100000"/>
-              </a:lnSpc>
-              <a:spcBef>
-                <a:spcPct val="0"/>
-              </a:spcBef>
-              <a:spcAft>
-                <a:spcPct val="0"/>
-              </a:spcAft>
-              <a:buClrTx/>
-              <a:buSzTx/>
-              <a:buFontTx/>
-              <a:buNone/>
-              <a:tabLst/>
-            </a:pPr>
-            <a:r>
-              <a:rPr kumimoji="0" lang="en-US" altLang="en-US" sz="1600" b="0" i="0" u="none" strike="noStrike" cap="none" normalizeH="0" baseline="0" dirty="0" smtClean="0">
-                <a:ln>
-                  <a:noFill/>
-                </a:ln>
-                <a:solidFill>
-                  <a:srgbClr val="000000"/>
-                </a:solidFill>
-                <a:effectLst/>
-                <a:latin typeface="Consolas" panose="020B0609020204030204" pitchFamily="49" charset="0"/>
-                <a:cs typeface="Consolas" panose="020B0609020204030204" pitchFamily="49" charset="0"/>
-              </a:rPr>
-              <a:t> .done();</a:t>
-            </a:r>
-            <a:endParaRPr kumimoji="0" lang="en-US" altLang="en-US" sz="4000" b="0" i="0" u="none" strike="noStrike" cap="none" normalizeH="0" baseline="0" dirty="0" smtClean="0">
-              <a:ln>
-                <a:noFill/>
-              </a:ln>
-              <a:solidFill>
-                <a:schemeClr val="tx1"/>
-              </a:solidFill>
-              <a:effectLst/>
-              <a:latin typeface="Arial" panose="020B0604020202020204" pitchFamily="34" charset="0"/>
-            </a:endParaRPr>
+            <a:endParaRPr lang="en-US" dirty="0"/>
           </a:p>
         </p:txBody>
       </p:sp>
     </p:spTree>
     <p:extLst>
       <p:ext uri="{BB962C8B-B14F-4D97-AF65-F5344CB8AC3E}">
-        <p14:creationId xmlns:p14="http://schemas.microsoft.com/office/powerpoint/2010/main" val="2360282316"/>
+        <p14:creationId xmlns:p14="http://schemas.microsoft.com/office/powerpoint/2010/main" val="1685046158"/>
       </p:ext>
     </p:extLst>
   </p:cSld>
   <p:clrMapOvr>
     <a:masterClrMapping/>
   </p:clrMapOvr>
-  <mc:AlternateContent xmlns:mc="http://schemas.openxmlformats.org/markup-compatibility/2006" xmlns:p14="http://schemas.microsoft.com/office/powerpoint/2010/main">
-    <mc:Choice Requires="p14">
-      <p:transition spd="slow" p14:dur="2000"/>
-    </mc:Choice>
-    <mc:Fallback xmlns="">
-      <p:transition spd="slow"/>
-    </mc:Fallback>
-  </mc:AlternateContent>
 </p:sld>
 </file>
 
@@ -9127,8 +9423,102 @@
           <a:p>
             <a:r>
               <a:rPr lang="en-US" dirty="0" smtClean="0"/>
-              <a:t>Basic TCP Demo</a:t>
-            </a:r>
+              <a:t>Require() Module Loading System</a:t>
+            </a:r>
+            <a:endParaRPr lang="en-US" dirty="0"/>
+          </a:p>
+        </p:txBody>
+      </p:sp>
+      <p:sp>
+        <p:nvSpPr>
+          <p:cNvPr id="3" name="Content Placeholder 2"/>
+          <p:cNvSpPr>
+            <a:spLocks noGrp="1"/>
+          </p:cNvSpPr>
+          <p:nvPr>
+            <p:ph sz="quarter" idx="10"/>
+          </p:nvPr>
+        </p:nvSpPr>
+        <p:spPr/>
+        <p:txBody>
+          <a:bodyPr/>
+          <a:lstStyle/>
+          <a:p>
+            <a:r>
+              <a:rPr lang="en-US" dirty="0"/>
+              <a:t>Call the function “require” with the path of the file or directory containing the module you would like to load.</a:t>
+            </a:r>
+          </a:p>
+          <a:p>
+            <a:r>
+              <a:rPr lang="en-US" dirty="0"/>
+              <a:t>Returns a variable containing all the exported functions.</a:t>
+            </a:r>
+          </a:p>
+          <a:p>
+            <a:pPr marL="0" lvl="0" indent="0">
+              <a:buNone/>
+            </a:pPr>
+            <a:endParaRPr lang="en-US" altLang="en-US" dirty="0" smtClean="0">
+              <a:solidFill>
+                <a:srgbClr val="0000FF"/>
+              </a:solidFill>
+              <a:latin typeface="Consolas" panose="020B0609020204030204" pitchFamily="49" charset="0"/>
+              <a:cs typeface="Consolas" panose="020B0609020204030204" pitchFamily="49" charset="0"/>
+            </a:endParaRPr>
+          </a:p>
+          <a:p>
+            <a:pPr marL="0" lvl="0" indent="0">
+              <a:buNone/>
+            </a:pPr>
+            <a:r>
+              <a:rPr lang="en-US" altLang="en-US" dirty="0" err="1" smtClean="0">
+                <a:solidFill>
+                  <a:srgbClr val="0000FF"/>
+                </a:solidFill>
+                <a:latin typeface="Consolas" panose="020B0609020204030204" pitchFamily="49" charset="0"/>
+                <a:cs typeface="Consolas" panose="020B0609020204030204" pitchFamily="49" charset="0"/>
+              </a:rPr>
+              <a:t>var</a:t>
+            </a:r>
+            <a:r>
+              <a:rPr lang="en-US" altLang="en-US" dirty="0">
+                <a:solidFill>
+                  <a:srgbClr val="000000"/>
+                </a:solidFill>
+                <a:latin typeface="Consolas" panose="020B0609020204030204" pitchFamily="49" charset="0"/>
+                <a:cs typeface="Consolas" panose="020B0609020204030204" pitchFamily="49" charset="0"/>
+              </a:rPr>
+              <a:t> fs = require(</a:t>
+            </a:r>
+            <a:r>
+              <a:rPr lang="en-US" altLang="en-US" dirty="0">
+                <a:solidFill>
+                  <a:srgbClr val="A31515"/>
+                </a:solidFill>
+                <a:latin typeface="Consolas" panose="020B0609020204030204" pitchFamily="49" charset="0"/>
+                <a:cs typeface="Consolas" panose="020B0609020204030204" pitchFamily="49" charset="0"/>
+              </a:rPr>
+              <a:t>"fs"</a:t>
+            </a:r>
+            <a:r>
+              <a:rPr lang="en-US" altLang="en-US" dirty="0">
+                <a:solidFill>
+                  <a:srgbClr val="000000"/>
+                </a:solidFill>
+                <a:latin typeface="Consolas" panose="020B0609020204030204" pitchFamily="49" charset="0"/>
+                <a:cs typeface="Consolas" panose="020B0609020204030204" pitchFamily="49" charset="0"/>
+              </a:rPr>
+              <a:t>); </a:t>
+            </a:r>
+            <a:endParaRPr lang="en-US" altLang="en-US" sz="6600" dirty="0">
+              <a:latin typeface="Arial" panose="020B0604020202020204" pitchFamily="34" charset="0"/>
+            </a:endParaRPr>
+          </a:p>
+          <a:p>
+            <a:pPr marL="0" indent="0">
+              <a:buNone/>
+            </a:pPr>
             <a:endParaRPr lang="en-US" dirty="0"/>
           </a:p>
         </p:txBody>
@@ -9136,7 +9526,7 @@
     </p:spTree>
     <p:extLst>
       <p:ext uri="{BB962C8B-B14F-4D97-AF65-F5344CB8AC3E}">
-        <p14:creationId xmlns:p14="http://schemas.microsoft.com/office/powerpoint/2010/main" val="3454770079"/>
+        <p14:creationId xmlns:p14="http://schemas.microsoft.com/office/powerpoint/2010/main" val="2310303828"/>
       </p:ext>
     </p:extLst>
   </p:cSld>
@@ -9165,87 +9555,81 @@
       </p:grpSpPr>
       <p:sp>
         <p:nvSpPr>
-          <p:cNvPr id="2" name="Title 1"/>
+          <p:cNvPr id="5" name="Text Placeholder 4"/>
           <p:cNvSpPr>
             <a:spLocks noGrp="1"/>
           </p:cNvSpPr>
           <p:nvPr>
-            <p:ph type="title"/>
+            <p:ph type="body" sz="quarter" idx="10"/>
           </p:nvPr>
         </p:nvSpPr>
-        <p:spPr/>
-        <p:txBody>
-          <a:bodyPr/>
-          <a:lstStyle/>
-          <a:p>
-            <a:r>
-              <a:rPr lang="en-US" dirty="0" smtClean="0"/>
-              <a:t>Event Emitters</a:t>
-            </a:r>
-            <a:endParaRPr lang="en-US" dirty="0"/>
-          </a:p>
-        </p:txBody>
-      </p:sp>
-      <p:sp>
-        <p:nvSpPr>
-          <p:cNvPr id="3" name="Content Placeholder 2"/>
-          <p:cNvSpPr>
-            <a:spLocks noGrp="1"/>
-          </p:cNvSpPr>
-          <p:nvPr>
-            <p:ph idx="4294967295"/>
-          </p:nvPr>
-        </p:nvSpPr>
         <p:spPr>
-          <a:xfrm>
-            <a:off x="570914" y="1245702"/>
-            <a:ext cx="10515600" cy="4351338"/>
-          </a:xfrm>
-          <a:prstGeom prst="rect">
-            <a:avLst/>
-          </a:prstGeom>
+          <a:solidFill>
+            <a:srgbClr val="007233"/>
+          </a:solidFill>
+          <a:ln>
+            <a:noFill/>
+          </a:ln>
         </p:spPr>
         <p:txBody>
           <a:bodyPr/>
           <a:lstStyle/>
           <a:p>
-            <a:r>
-              <a:rPr lang="en-US" b="0" dirty="0" smtClean="0"/>
-              <a:t>Allows you to listen for “events” and assign functions to run when events occur. </a:t>
-            </a:r>
-          </a:p>
-          <a:p>
-            <a:r>
-              <a:rPr lang="en-US" b="0" dirty="0" smtClean="0"/>
-              <a:t>Each emitter can emit different types of events.</a:t>
-            </a:r>
-          </a:p>
-          <a:p>
-            <a:r>
-              <a:rPr lang="en-US" b="0" dirty="0" smtClean="0"/>
-              <a:t>The “error” event is special.</a:t>
-            </a:r>
-            <a:endParaRPr lang="en-US" b="0" dirty="0"/>
-          </a:p>
-          <a:p>
-            <a:r>
-              <a:rPr lang="en-US" b="0" dirty="0"/>
-              <a:t>Read More: </a:t>
-            </a:r>
-            <a:r>
-              <a:rPr lang="en-US" b="0" dirty="0">
-                <a:hlinkClick r:id="rId2"/>
-              </a:rPr>
-              <a:t>http://code.tutsplus.com/tutorials/using-nodes-event-module--net-35941</a:t>
-            </a:r>
-            <a:endParaRPr lang="en-US" b="0" dirty="0" smtClean="0"/>
+            <a:pPr marL="914400" indent="-914400"/>
+            <a:r>
+              <a:rPr lang="en-US" dirty="0" smtClean="0"/>
+              <a:t>01 | Node Package Manager (NPM)</a:t>
+            </a:r>
+            <a:endParaRPr lang="en-US" dirty="0"/>
+          </a:p>
+        </p:txBody>
+      </p:sp>
+      <p:sp>
+        <p:nvSpPr>
+          <p:cNvPr id="8" name="Subtitle 3"/>
+          <p:cNvSpPr>
+            <a:spLocks noGrp="1"/>
+          </p:cNvSpPr>
+          <p:nvPr>
+            <p:ph type="subTitle" idx="1"/>
+          </p:nvPr>
+        </p:nvSpPr>
+        <p:spPr>
+          <a:xfrm>
+            <a:off x="193271" y="5132437"/>
+            <a:ext cx="8579886" cy="1460779"/>
+          </a:xfrm>
+        </p:spPr>
+        <p:txBody>
+          <a:bodyPr/>
+          <a:lstStyle/>
+          <a:p>
+            <a:r>
+              <a:rPr lang="en-US" dirty="0" smtClean="0"/>
+              <a:t>Stacey Mulcahy </a:t>
+            </a:r>
+            <a:r>
+              <a:rPr lang="en-US" dirty="0"/>
+              <a:t>| </a:t>
+            </a:r>
+            <a:r>
+              <a:rPr lang="en-US" dirty="0" smtClean="0"/>
+              <a:t>Technical Evangelist</a:t>
+            </a:r>
+          </a:p>
+          <a:p>
+            <a:r>
+              <a:rPr lang="en-US" dirty="0" smtClean="0"/>
+              <a:t>Rami Sayar | Technical Evangelist </a:t>
+            </a:r>
+            <a:endParaRPr lang="en-US" dirty="0"/>
           </a:p>
         </p:txBody>
       </p:sp>
     </p:spTree>
     <p:extLst>
       <p:ext uri="{BB962C8B-B14F-4D97-AF65-F5344CB8AC3E}">
-        <p14:creationId xmlns:p14="http://schemas.microsoft.com/office/powerpoint/2010/main" val="1168617705"/>
+        <p14:creationId xmlns:p14="http://schemas.microsoft.com/office/powerpoint/2010/main" val="360177016"/>
       </p:ext>
     </p:extLst>
   </p:cSld>
@@ -9296,7 +9680,7 @@
           <a:p>
             <a:r>
               <a:rPr lang="en-US" dirty="0" smtClean="0"/>
-              <a:t>Streams</a:t>
+              <a:t>What is NPM? </a:t>
             </a:r>
             <a:endParaRPr lang="en-US" dirty="0"/>
           </a:p>
@@ -9307,363 +9691,150 @@
           <p:cNvPr id="3" name="Content Placeholder 2"/>
           <p:cNvSpPr>
             <a:spLocks noGrp="1"/>
+          </p:cNvSpPr>
+          <p:nvPr>
+            <p:ph sz="quarter" idx="10"/>
+          </p:nvPr>
+        </p:nvSpPr>
+        <p:spPr/>
+        <p:txBody>
+          <a:bodyPr/>
+          <a:lstStyle/>
+          <a:p>
+            <a:r>
+              <a:rPr lang="en-US" dirty="0"/>
+              <a:t>Official package manager for Node.</a:t>
+            </a:r>
+          </a:p>
+          <a:p>
+            <a:r>
+              <a:rPr lang="en-US" dirty="0"/>
+              <a:t>Bundled and installed automatically with the environment.</a:t>
+            </a:r>
+          </a:p>
+          <a:p>
+            <a:pPr marL="0" indent="0">
+              <a:buNone/>
+            </a:pPr>
+            <a:endParaRPr lang="en-US" dirty="0"/>
+          </a:p>
+          <a:p>
+            <a:pPr marL="0" indent="0">
+              <a:buNone/>
+            </a:pPr>
+            <a:r>
+              <a:rPr lang="en-US" dirty="0"/>
+              <a:t>Frequent Usage:</a:t>
+            </a:r>
+          </a:p>
+          <a:p>
+            <a:r>
+              <a:rPr lang="en-US" dirty="0" err="1"/>
+              <a:t>npm</a:t>
+            </a:r>
+            <a:r>
+              <a:rPr lang="en-US" dirty="0"/>
+              <a:t> install --save </a:t>
+            </a:r>
+            <a:r>
+              <a:rPr lang="en-US" i="1" dirty="0" err="1"/>
+              <a:t>package_name</a:t>
+            </a:r>
+            <a:endParaRPr lang="en-US" i="1" dirty="0"/>
+          </a:p>
+          <a:p>
+            <a:r>
+              <a:rPr lang="en-US" dirty="0" err="1"/>
+              <a:t>npm</a:t>
+            </a:r>
+            <a:r>
+              <a:rPr lang="en-US" dirty="0"/>
+              <a:t> update</a:t>
+            </a:r>
+          </a:p>
+          <a:p>
+            <a:pPr marL="0" indent="0">
+              <a:buNone/>
+            </a:pPr>
+            <a:endParaRPr lang="en-US" dirty="0"/>
+          </a:p>
+        </p:txBody>
+      </p:sp>
+    </p:spTree>
+    <p:extLst>
+      <p:ext uri="{BB962C8B-B14F-4D97-AF65-F5344CB8AC3E}">
+        <p14:creationId xmlns:p14="http://schemas.microsoft.com/office/powerpoint/2010/main" val="387868293"/>
+      </p:ext>
+    </p:extLst>
+  </p:cSld>
+  <p:clrMapOvr>
+    <a:masterClrMapping/>
+  </p:clrMapOvr>
+</p:sld>
+</file>
+
+<file path=ppt/slides/slide38.xml><?xml version="1.0" encoding="utf-8"?>
+<p:sld xmlns:a="http://schemas.openxmlformats.org/drawingml/2006/main" xmlns:r="http://schemas.openxmlformats.org/officeDocument/2006/relationships" xmlns:p="http://schemas.openxmlformats.org/presentationml/2006/main">
+  <p:cSld>
+    <p:spTree>
+      <p:nvGrpSpPr>
+        <p:cNvPr id="1" name=""/>
+        <p:cNvGrpSpPr/>
+        <p:nvPr/>
+      </p:nvGrpSpPr>
+      <p:grpSpPr>
+        <a:xfrm>
+          <a:off x="0" y="0"/>
+          <a:ext cx="0" cy="0"/>
+          <a:chOff x="0" y="0"/>
+          <a:chExt cx="0" cy="0"/>
+        </a:xfrm>
+      </p:grpSpPr>
+      <p:sp>
+        <p:nvSpPr>
+          <p:cNvPr id="2" name="Title 1"/>
+          <p:cNvSpPr>
+            <a:spLocks noGrp="1"/>
+          </p:cNvSpPr>
+          <p:nvPr>
+            <p:ph type="title"/>
+          </p:nvPr>
+        </p:nvSpPr>
+        <p:spPr/>
+        <p:txBody>
+          <a:bodyPr/>
+          <a:lstStyle/>
+          <a:p>
+            <a:r>
+              <a:rPr lang="en-US" dirty="0" smtClean="0"/>
+              <a:t>What is a </a:t>
+            </a:r>
+            <a:r>
+              <a:rPr lang="en-US" dirty="0" err="1" smtClean="0"/>
+              <a:t>package.json</a:t>
+            </a:r>
+            <a:r>
+              <a:rPr lang="en-US" dirty="0" smtClean="0"/>
+              <a:t>?</a:t>
+            </a:r>
+            <a:endParaRPr lang="en-US" dirty="0"/>
+          </a:p>
+        </p:txBody>
+      </p:sp>
+      <p:sp>
+        <p:nvSpPr>
+          <p:cNvPr id="5" name="Rectangle 2"/>
+          <p:cNvSpPr>
+            <a:spLocks noGrp="1" noChangeArrowheads="1"/>
           </p:cNvSpPr>
           <p:nvPr>
             <p:ph idx="4294967295"/>
           </p:nvPr>
         </p:nvSpPr>
-        <p:spPr>
-          <a:xfrm>
-            <a:off x="486508" y="1245702"/>
-            <a:ext cx="10515600" cy="4351338"/>
-          </a:xfrm>
-          <a:prstGeom prst="rect">
-            <a:avLst/>
-          </a:prstGeom>
-        </p:spPr>
-        <p:txBody>
-          <a:bodyPr>
-            <a:normAutofit/>
-          </a:bodyPr>
-          <a:lstStyle/>
-          <a:p>
-            <a:r>
-              <a:rPr lang="en-US" b="0" dirty="0" smtClean="0"/>
-              <a:t>Streams represent data streams such as I/O. </a:t>
-            </a:r>
-          </a:p>
-          <a:p>
-            <a:r>
-              <a:rPr lang="en-US" b="0" dirty="0" smtClean="0"/>
-              <a:t>Streams can be piped together like in Unix. </a:t>
-            </a:r>
-          </a:p>
-          <a:p>
-            <a:endParaRPr lang="en-US" sz="2400" b="0" dirty="0"/>
-          </a:p>
-          <a:p>
-            <a:pPr marL="0" lvl="0" indent="0">
-              <a:spcBef>
-                <a:spcPts val="0"/>
-              </a:spcBef>
-              <a:buNone/>
-            </a:pPr>
-            <a:r>
-              <a:rPr lang="en-US" altLang="en-US" sz="2400" b="0" dirty="0">
-                <a:solidFill>
-                  <a:srgbClr val="0000FF"/>
-                </a:solidFill>
-                <a:latin typeface="Consolas" panose="020B0609020204030204" pitchFamily="49" charset="0"/>
-                <a:cs typeface="Consolas" panose="020B0609020204030204" pitchFamily="49" charset="0"/>
-              </a:rPr>
-              <a:t>var</a:t>
-            </a:r>
-            <a:r>
-              <a:rPr lang="en-US" altLang="en-US" sz="2400" b="0" dirty="0">
-                <a:solidFill>
-                  <a:srgbClr val="000000"/>
-                </a:solidFill>
-                <a:latin typeface="Consolas" panose="020B0609020204030204" pitchFamily="49" charset="0"/>
-                <a:cs typeface="Consolas" panose="020B0609020204030204" pitchFamily="49" charset="0"/>
-              </a:rPr>
-              <a:t> fs = require(</a:t>
-            </a:r>
-            <a:r>
-              <a:rPr lang="en-US" altLang="en-US" sz="2400" b="0" dirty="0">
-                <a:solidFill>
-                  <a:srgbClr val="A31515"/>
-                </a:solidFill>
-                <a:latin typeface="Consolas" panose="020B0609020204030204" pitchFamily="49" charset="0"/>
-                <a:cs typeface="Consolas" panose="020B0609020204030204" pitchFamily="49" charset="0"/>
-              </a:rPr>
-              <a:t>"fs</a:t>
-            </a:r>
-            <a:r>
-              <a:rPr lang="en-US" altLang="en-US" sz="2400" b="0" dirty="0" smtClean="0">
-                <a:solidFill>
-                  <a:srgbClr val="A31515"/>
-                </a:solidFill>
-                <a:latin typeface="Consolas" panose="020B0609020204030204" pitchFamily="49" charset="0"/>
-                <a:cs typeface="Consolas" panose="020B0609020204030204" pitchFamily="49" charset="0"/>
-              </a:rPr>
-              <a:t>"</a:t>
-            </a:r>
-            <a:r>
-              <a:rPr lang="en-US" altLang="en-US" sz="2400" b="0" dirty="0" smtClean="0">
-                <a:solidFill>
-                  <a:srgbClr val="000000"/>
-                </a:solidFill>
-                <a:latin typeface="Consolas" panose="020B0609020204030204" pitchFamily="49" charset="0"/>
-                <a:cs typeface="Consolas" panose="020B0609020204030204" pitchFamily="49" charset="0"/>
-              </a:rPr>
-              <a:t>);</a:t>
-            </a:r>
-          </a:p>
-          <a:p>
-            <a:pPr marL="0" lvl="0" indent="0">
-              <a:spcBef>
-                <a:spcPts val="0"/>
-              </a:spcBef>
-              <a:buNone/>
-            </a:pPr>
-            <a:r>
-              <a:rPr lang="en-US" altLang="en-US" sz="2400" b="0" dirty="0" smtClean="0">
-                <a:solidFill>
-                  <a:srgbClr val="008000"/>
-                </a:solidFill>
-                <a:latin typeface="Consolas" panose="020B0609020204030204" pitchFamily="49" charset="0"/>
-                <a:cs typeface="Consolas" panose="020B0609020204030204" pitchFamily="49" charset="0"/>
-              </a:rPr>
-              <a:t>//</a:t>
-            </a:r>
-            <a:r>
-              <a:rPr lang="en-US" altLang="en-US" sz="2400" b="0" dirty="0">
-                <a:solidFill>
-                  <a:srgbClr val="008000"/>
-                </a:solidFill>
-                <a:latin typeface="Consolas" panose="020B0609020204030204" pitchFamily="49" charset="0"/>
-                <a:cs typeface="Consolas" panose="020B0609020204030204" pitchFamily="49" charset="0"/>
-              </a:rPr>
-              <a:t> Read </a:t>
-            </a:r>
-            <a:r>
-              <a:rPr lang="en-US" altLang="en-US" sz="2400" b="0" dirty="0" smtClean="0">
-                <a:solidFill>
-                  <a:srgbClr val="008000"/>
-                </a:solidFill>
-                <a:latin typeface="Consolas" panose="020B0609020204030204" pitchFamily="49" charset="0"/>
-                <a:cs typeface="Consolas" panose="020B0609020204030204" pitchFamily="49" charset="0"/>
-              </a:rPr>
-              <a:t>File</a:t>
-            </a:r>
-          </a:p>
-          <a:p>
-            <a:pPr marL="0" lvl="0" indent="0">
-              <a:spcBef>
-                <a:spcPts val="0"/>
-              </a:spcBef>
-              <a:buNone/>
-            </a:pPr>
-            <a:r>
-              <a:rPr lang="en-US" altLang="en-US" sz="2400" b="0" dirty="0" err="1" smtClean="0">
-                <a:solidFill>
-                  <a:srgbClr val="000000"/>
-                </a:solidFill>
-                <a:latin typeface="Consolas" panose="020B0609020204030204" pitchFamily="49" charset="0"/>
-                <a:cs typeface="Consolas" panose="020B0609020204030204" pitchFamily="49" charset="0"/>
-              </a:rPr>
-              <a:t>fs.createReadStream</a:t>
-            </a:r>
-            <a:r>
-              <a:rPr lang="en-US" altLang="en-US" sz="2400" b="0" dirty="0">
-                <a:solidFill>
-                  <a:srgbClr val="000000"/>
-                </a:solidFill>
-                <a:latin typeface="Consolas" panose="020B0609020204030204" pitchFamily="49" charset="0"/>
-                <a:cs typeface="Consolas" panose="020B0609020204030204" pitchFamily="49" charset="0"/>
-              </a:rPr>
-              <a:t>(</a:t>
-            </a:r>
-            <a:r>
-              <a:rPr lang="en-US" altLang="en-US" sz="2400" b="0" dirty="0">
-                <a:solidFill>
-                  <a:srgbClr val="A31515"/>
-                </a:solidFill>
-                <a:latin typeface="Consolas" panose="020B0609020204030204" pitchFamily="49" charset="0"/>
-                <a:cs typeface="Consolas" panose="020B0609020204030204" pitchFamily="49" charset="0"/>
-              </a:rPr>
-              <a:t>"</a:t>
-            </a:r>
-            <a:r>
-              <a:rPr lang="en-US" altLang="en-US" sz="2400" b="0" dirty="0" err="1">
-                <a:solidFill>
-                  <a:srgbClr val="A31515"/>
-                </a:solidFill>
-                <a:latin typeface="Consolas" panose="020B0609020204030204" pitchFamily="49" charset="0"/>
-                <a:cs typeface="Consolas" panose="020B0609020204030204" pitchFamily="49" charset="0"/>
-              </a:rPr>
-              <a:t>package.json</a:t>
-            </a:r>
-            <a:r>
-              <a:rPr lang="en-US" altLang="en-US" sz="2400" b="0" dirty="0" smtClean="0">
-                <a:solidFill>
-                  <a:srgbClr val="A31515"/>
-                </a:solidFill>
-                <a:latin typeface="Consolas" panose="020B0609020204030204" pitchFamily="49" charset="0"/>
-                <a:cs typeface="Consolas" panose="020B0609020204030204" pitchFamily="49" charset="0"/>
-              </a:rPr>
-              <a:t>"</a:t>
-            </a:r>
-            <a:r>
-              <a:rPr lang="en-US" altLang="en-US" sz="2400" b="0" dirty="0" smtClean="0">
-                <a:solidFill>
-                  <a:srgbClr val="000000"/>
-                </a:solidFill>
-                <a:latin typeface="Consolas" panose="020B0609020204030204" pitchFamily="49" charset="0"/>
-                <a:cs typeface="Consolas" panose="020B0609020204030204" pitchFamily="49" charset="0"/>
-              </a:rPr>
-              <a:t>)</a:t>
-            </a:r>
-          </a:p>
-          <a:p>
-            <a:pPr marL="0" lvl="0" indent="0">
-              <a:spcBef>
-                <a:spcPts val="0"/>
-              </a:spcBef>
-              <a:buNone/>
-            </a:pPr>
-            <a:r>
-              <a:rPr lang="en-US" altLang="en-US" sz="2400" b="0" dirty="0" smtClean="0">
-                <a:solidFill>
-                  <a:srgbClr val="000000"/>
-                </a:solidFill>
-                <a:latin typeface="Consolas" panose="020B0609020204030204" pitchFamily="49" charset="0"/>
-                <a:cs typeface="Consolas" panose="020B0609020204030204" pitchFamily="49" charset="0"/>
-              </a:rPr>
-              <a:t> </a:t>
-            </a:r>
-            <a:r>
-              <a:rPr lang="en-US" altLang="en-US" sz="2400" b="0" dirty="0">
-                <a:solidFill>
-                  <a:srgbClr val="000000"/>
-                </a:solidFill>
-                <a:latin typeface="Consolas" panose="020B0609020204030204" pitchFamily="49" charset="0"/>
-                <a:cs typeface="Consolas" panose="020B0609020204030204" pitchFamily="49" charset="0"/>
-              </a:rPr>
-              <a:t>    </a:t>
-            </a:r>
-            <a:r>
-              <a:rPr lang="en-US" altLang="en-US" sz="2400" b="0" dirty="0">
-                <a:solidFill>
-                  <a:srgbClr val="008000"/>
-                </a:solidFill>
-                <a:latin typeface="Consolas" panose="020B0609020204030204" pitchFamily="49" charset="0"/>
-                <a:cs typeface="Consolas" panose="020B0609020204030204" pitchFamily="49" charset="0"/>
-              </a:rPr>
-              <a:t>// Write </a:t>
-            </a:r>
-            <a:r>
-              <a:rPr lang="en-US" altLang="en-US" sz="2400" b="0" dirty="0" smtClean="0">
-                <a:solidFill>
-                  <a:srgbClr val="008000"/>
-                </a:solidFill>
-                <a:latin typeface="Consolas" panose="020B0609020204030204" pitchFamily="49" charset="0"/>
-                <a:cs typeface="Consolas" panose="020B0609020204030204" pitchFamily="49" charset="0"/>
-              </a:rPr>
-              <a:t>File</a:t>
-            </a:r>
-          </a:p>
-          <a:p>
-            <a:pPr marL="0" lvl="0" indent="0">
-              <a:spcBef>
-                <a:spcPts val="0"/>
-              </a:spcBef>
-              <a:buNone/>
-            </a:pPr>
-            <a:r>
-              <a:rPr lang="en-US" altLang="en-US" sz="2400" b="0" dirty="0" smtClean="0">
-                <a:solidFill>
-                  <a:srgbClr val="000000"/>
-                </a:solidFill>
-                <a:latin typeface="Consolas" panose="020B0609020204030204" pitchFamily="49" charset="0"/>
-                <a:cs typeface="Consolas" panose="020B0609020204030204" pitchFamily="49" charset="0"/>
-              </a:rPr>
-              <a:t> </a:t>
-            </a:r>
-            <a:r>
-              <a:rPr lang="en-US" altLang="en-US" sz="2400" b="0" dirty="0">
-                <a:solidFill>
-                  <a:srgbClr val="000000"/>
-                </a:solidFill>
-                <a:latin typeface="Consolas" panose="020B0609020204030204" pitchFamily="49" charset="0"/>
-                <a:cs typeface="Consolas" panose="020B0609020204030204" pitchFamily="49" charset="0"/>
-              </a:rPr>
-              <a:t>    .pipe(</a:t>
-            </a:r>
-            <a:r>
-              <a:rPr lang="en-US" altLang="en-US" sz="2400" b="0" dirty="0" err="1">
-                <a:solidFill>
-                  <a:srgbClr val="000000"/>
-                </a:solidFill>
-                <a:latin typeface="Consolas" panose="020B0609020204030204" pitchFamily="49" charset="0"/>
-                <a:cs typeface="Consolas" panose="020B0609020204030204" pitchFamily="49" charset="0"/>
-              </a:rPr>
-              <a:t>fs.createWriteStream</a:t>
-            </a:r>
-            <a:r>
-              <a:rPr lang="en-US" altLang="en-US" sz="2400" b="0" dirty="0">
-                <a:solidFill>
-                  <a:srgbClr val="000000"/>
-                </a:solidFill>
-                <a:latin typeface="Consolas" panose="020B0609020204030204" pitchFamily="49" charset="0"/>
-                <a:cs typeface="Consolas" panose="020B0609020204030204" pitchFamily="49" charset="0"/>
-              </a:rPr>
-              <a:t>(</a:t>
-            </a:r>
-            <a:r>
-              <a:rPr lang="en-US" altLang="en-US" sz="2400" b="0" dirty="0">
-                <a:solidFill>
-                  <a:srgbClr val="A31515"/>
-                </a:solidFill>
-                <a:latin typeface="Consolas" panose="020B0609020204030204" pitchFamily="49" charset="0"/>
-                <a:cs typeface="Consolas" panose="020B0609020204030204" pitchFamily="49" charset="0"/>
-              </a:rPr>
-              <a:t>"</a:t>
-            </a:r>
-            <a:r>
-              <a:rPr lang="en-US" altLang="en-US" sz="2400" b="0" dirty="0" err="1" smtClean="0">
-                <a:solidFill>
-                  <a:srgbClr val="A31515"/>
-                </a:solidFill>
-                <a:latin typeface="Consolas" panose="020B0609020204030204" pitchFamily="49" charset="0"/>
-                <a:cs typeface="Consolas" panose="020B0609020204030204" pitchFamily="49" charset="0"/>
-              </a:rPr>
-              <a:t>out.json</a:t>
-            </a:r>
-            <a:r>
-              <a:rPr lang="en-US" altLang="en-US" sz="2400" b="0" dirty="0">
-                <a:solidFill>
-                  <a:srgbClr val="A31515"/>
-                </a:solidFill>
-                <a:latin typeface="Consolas" panose="020B0609020204030204" pitchFamily="49" charset="0"/>
-                <a:cs typeface="Consolas" panose="020B0609020204030204" pitchFamily="49" charset="0"/>
-              </a:rPr>
-              <a:t>"</a:t>
-            </a:r>
-            <a:r>
-              <a:rPr lang="en-US" altLang="en-US" sz="2400" b="0" dirty="0">
-                <a:solidFill>
-                  <a:srgbClr val="000000"/>
-                </a:solidFill>
-                <a:latin typeface="Consolas" panose="020B0609020204030204" pitchFamily="49" charset="0"/>
-                <a:cs typeface="Consolas" panose="020B0609020204030204" pitchFamily="49" charset="0"/>
-              </a:rPr>
-              <a:t>)); </a:t>
-            </a:r>
-            <a:endParaRPr lang="en-US" altLang="en-US" sz="2400" b="0" dirty="0">
-              <a:latin typeface="Arial" panose="020B0604020202020204" pitchFamily="34" charset="0"/>
-            </a:endParaRPr>
-          </a:p>
-          <a:p>
-            <a:pPr marL="0" indent="0">
-              <a:buNone/>
-            </a:pPr>
-            <a:endParaRPr lang="en-US" sz="2400" b="0" dirty="0"/>
-          </a:p>
-        </p:txBody>
-      </p:sp>
-      <p:sp>
-        <p:nvSpPr>
-          <p:cNvPr id="4" name="Rectangle 1"/>
-          <p:cNvSpPr>
-            <a:spLocks noChangeArrowheads="1"/>
-          </p:cNvSpPr>
-          <p:nvPr/>
-        </p:nvSpPr>
         <p:spPr bwMode="auto">
           <a:xfrm>
-            <a:off x="0" y="43934"/>
-            <a:ext cx="184731" cy="369332"/>
+            <a:off x="379514" y="937926"/>
+            <a:ext cx="9677649" cy="5016758"/>
           </a:xfrm>
           <a:prstGeom prst="rect">
             <a:avLst/>
@@ -9722,7 +9893,668 @@
               <a:buNone/>
               <a:tabLst/>
             </a:pPr>
-            <a:endParaRPr kumimoji="0" lang="en-US" altLang="en-US" sz="1800" b="0" i="0" u="none" strike="noStrike" cap="none" normalizeH="0" baseline="0" dirty="0" smtClean="0">
+            <a:r>
+              <a:rPr kumimoji="0" lang="en-US" altLang="en-US" b="0" i="0" u="none" strike="noStrike" cap="none" normalizeH="0" baseline="0" dirty="0" smtClean="0">
+                <a:ln>
+                  <a:noFill/>
+                </a:ln>
+                <a:solidFill>
+                  <a:srgbClr val="000000"/>
+                </a:solidFill>
+                <a:effectLst/>
+                <a:latin typeface="Consolas" panose="020B0609020204030204" pitchFamily="49" charset="0"/>
+                <a:cs typeface="Consolas" panose="020B0609020204030204" pitchFamily="49" charset="0"/>
+              </a:rPr>
+              <a:t>{</a:t>
+            </a:r>
+          </a:p>
+          <a:p>
+            <a:pPr marL="0" marR="0" lvl="0" indent="0" algn="l" defTabSz="914400" rtl="0" eaLnBrk="0" fontAlgn="base" latinLnBrk="0" hangingPunct="0">
+              <a:lnSpc>
+                <a:spcPct val="100000"/>
+              </a:lnSpc>
+              <a:spcBef>
+                <a:spcPct val="0"/>
+              </a:spcBef>
+              <a:spcAft>
+                <a:spcPct val="0"/>
+              </a:spcAft>
+              <a:buClrTx/>
+              <a:buSzTx/>
+              <a:buFontTx/>
+              <a:buNone/>
+              <a:tabLst/>
+            </a:pPr>
+            <a:r>
+              <a:rPr kumimoji="0" lang="en-US" altLang="en-US" b="0" i="0" u="none" strike="noStrike" cap="none" normalizeH="0" baseline="0" dirty="0" smtClean="0">
+                <a:ln>
+                  <a:noFill/>
+                </a:ln>
+                <a:solidFill>
+                  <a:srgbClr val="000000"/>
+                </a:solidFill>
+                <a:effectLst/>
+                <a:latin typeface="Consolas" panose="020B0609020204030204" pitchFamily="49" charset="0"/>
+                <a:cs typeface="Consolas" panose="020B0609020204030204" pitchFamily="49" charset="0"/>
+              </a:rPr>
+              <a:t>   </a:t>
+            </a:r>
+            <a:r>
+              <a:rPr kumimoji="0" lang="en-US" altLang="en-US" b="0" i="0" u="none" strike="noStrike" cap="none" normalizeH="0" baseline="0" dirty="0" smtClean="0">
+                <a:ln>
+                  <a:noFill/>
+                </a:ln>
+                <a:solidFill>
+                  <a:srgbClr val="2E75B6"/>
+                </a:solidFill>
+                <a:effectLst/>
+                <a:latin typeface="Consolas" panose="020B0609020204030204" pitchFamily="49" charset="0"/>
+                <a:cs typeface="Consolas" panose="020B0609020204030204" pitchFamily="49" charset="0"/>
+              </a:rPr>
+              <a:t>"name"</a:t>
+            </a:r>
+            <a:r>
+              <a:rPr kumimoji="0" lang="en-US" altLang="en-US" b="0" i="0" u="none" strike="noStrike" cap="none" normalizeH="0" baseline="0" dirty="0" smtClean="0">
+                <a:ln>
+                  <a:noFill/>
+                </a:ln>
+                <a:solidFill>
+                  <a:srgbClr val="000000"/>
+                </a:solidFill>
+                <a:effectLst/>
+                <a:latin typeface="Consolas" panose="020B0609020204030204" pitchFamily="49" charset="0"/>
+                <a:cs typeface="Consolas" panose="020B0609020204030204" pitchFamily="49" charset="0"/>
+              </a:rPr>
+              <a:t>: </a:t>
+            </a:r>
+            <a:r>
+              <a:rPr kumimoji="0" lang="en-US" altLang="en-US" b="0" i="0" u="none" strike="noStrike" cap="none" normalizeH="0" baseline="0" dirty="0" smtClean="0">
+                <a:ln>
+                  <a:noFill/>
+                </a:ln>
+                <a:solidFill>
+                  <a:srgbClr val="A31515"/>
+                </a:solidFill>
+                <a:effectLst/>
+                <a:latin typeface="Consolas" panose="020B0609020204030204" pitchFamily="49" charset="0"/>
+                <a:cs typeface="Consolas" panose="020B0609020204030204" pitchFamily="49" charset="0"/>
+              </a:rPr>
+              <a:t>"Node101"</a:t>
+            </a:r>
+            <a:r>
+              <a:rPr kumimoji="0" lang="en-US" altLang="en-US" b="0" i="0" u="none" strike="noStrike" cap="none" normalizeH="0" baseline="0" dirty="0" smtClean="0">
+                <a:ln>
+                  <a:noFill/>
+                </a:ln>
+                <a:solidFill>
+                  <a:srgbClr val="000000"/>
+                </a:solidFill>
+                <a:effectLst/>
+                <a:latin typeface="Consolas" panose="020B0609020204030204" pitchFamily="49" charset="0"/>
+                <a:cs typeface="Consolas" panose="020B0609020204030204" pitchFamily="49" charset="0"/>
+              </a:rPr>
+              <a:t>,</a:t>
+            </a:r>
+          </a:p>
+          <a:p>
+            <a:pPr marL="0" marR="0" lvl="0" indent="0" algn="l" defTabSz="914400" rtl="0" eaLnBrk="0" fontAlgn="base" latinLnBrk="0" hangingPunct="0">
+              <a:lnSpc>
+                <a:spcPct val="100000"/>
+              </a:lnSpc>
+              <a:spcBef>
+                <a:spcPct val="0"/>
+              </a:spcBef>
+              <a:spcAft>
+                <a:spcPct val="0"/>
+              </a:spcAft>
+              <a:buClrTx/>
+              <a:buSzTx/>
+              <a:buFontTx/>
+              <a:buNone/>
+              <a:tabLst/>
+            </a:pPr>
+            <a:r>
+              <a:rPr kumimoji="0" lang="en-US" altLang="en-US" b="0" i="0" u="none" strike="noStrike" cap="none" normalizeH="0" baseline="0" dirty="0" smtClean="0">
+                <a:ln>
+                  <a:noFill/>
+                </a:ln>
+                <a:solidFill>
+                  <a:srgbClr val="000000"/>
+                </a:solidFill>
+                <a:effectLst/>
+                <a:latin typeface="Consolas" panose="020B0609020204030204" pitchFamily="49" charset="0"/>
+                <a:cs typeface="Consolas" panose="020B0609020204030204" pitchFamily="49" charset="0"/>
+              </a:rPr>
+              <a:t>   </a:t>
+            </a:r>
+            <a:r>
+              <a:rPr kumimoji="0" lang="en-US" altLang="en-US" b="0" i="0" u="none" strike="noStrike" cap="none" normalizeH="0" baseline="0" dirty="0" smtClean="0">
+                <a:ln>
+                  <a:noFill/>
+                </a:ln>
+                <a:solidFill>
+                  <a:srgbClr val="2E75B6"/>
+                </a:solidFill>
+                <a:effectLst/>
+                <a:latin typeface="Consolas" panose="020B0609020204030204" pitchFamily="49" charset="0"/>
+                <a:cs typeface="Consolas" panose="020B0609020204030204" pitchFamily="49" charset="0"/>
+              </a:rPr>
+              <a:t>"version"</a:t>
+            </a:r>
+            <a:r>
+              <a:rPr kumimoji="0" lang="en-US" altLang="en-US" b="0" i="0" u="none" strike="noStrike" cap="none" normalizeH="0" baseline="0" dirty="0" smtClean="0">
+                <a:ln>
+                  <a:noFill/>
+                </a:ln>
+                <a:solidFill>
+                  <a:srgbClr val="000000"/>
+                </a:solidFill>
+                <a:effectLst/>
+                <a:latin typeface="Consolas" panose="020B0609020204030204" pitchFamily="49" charset="0"/>
+                <a:cs typeface="Consolas" panose="020B0609020204030204" pitchFamily="49" charset="0"/>
+              </a:rPr>
+              <a:t>: </a:t>
+            </a:r>
+            <a:r>
+              <a:rPr kumimoji="0" lang="en-US" altLang="en-US" b="0" i="0" u="none" strike="noStrike" cap="none" normalizeH="0" baseline="0" dirty="0" smtClean="0">
+                <a:ln>
+                  <a:noFill/>
+                </a:ln>
+                <a:solidFill>
+                  <a:srgbClr val="A31515"/>
+                </a:solidFill>
+                <a:effectLst/>
+                <a:latin typeface="Consolas" panose="020B0609020204030204" pitchFamily="49" charset="0"/>
+                <a:cs typeface="Consolas" panose="020B0609020204030204" pitchFamily="49" charset="0"/>
+              </a:rPr>
+              <a:t>"0.1.0"</a:t>
+            </a:r>
+            <a:r>
+              <a:rPr kumimoji="0" lang="en-US" altLang="en-US" b="0" i="0" u="none" strike="noStrike" cap="none" normalizeH="0" baseline="0" dirty="0" smtClean="0">
+                <a:ln>
+                  <a:noFill/>
+                </a:ln>
+                <a:solidFill>
+                  <a:srgbClr val="000000"/>
+                </a:solidFill>
+                <a:effectLst/>
+                <a:latin typeface="Consolas" panose="020B0609020204030204" pitchFamily="49" charset="0"/>
+                <a:cs typeface="Consolas" panose="020B0609020204030204" pitchFamily="49" charset="0"/>
+              </a:rPr>
+              <a:t>,</a:t>
+            </a:r>
+          </a:p>
+          <a:p>
+            <a:pPr marL="0" lvl="0" indent="0" eaLnBrk="0" fontAlgn="base" hangingPunct="0">
+              <a:lnSpc>
+                <a:spcPct val="100000"/>
+              </a:lnSpc>
+              <a:spcBef>
+                <a:spcPct val="0"/>
+              </a:spcBef>
+              <a:spcAft>
+                <a:spcPct val="0"/>
+              </a:spcAft>
+              <a:buNone/>
+            </a:pPr>
+            <a:r>
+              <a:rPr kumimoji="0" lang="en-US" altLang="en-US" b="0" i="0" u="none" strike="noStrike" cap="none" normalizeH="0" baseline="0" dirty="0" smtClean="0">
+                <a:ln>
+                  <a:noFill/>
+                </a:ln>
+                <a:solidFill>
+                  <a:srgbClr val="000000"/>
+                </a:solidFill>
+                <a:effectLst/>
+                <a:latin typeface="Consolas" panose="020B0609020204030204" pitchFamily="49" charset="0"/>
+                <a:cs typeface="Consolas" panose="020B0609020204030204" pitchFamily="49" charset="0"/>
+              </a:rPr>
+              <a:t>   </a:t>
+            </a:r>
+            <a:r>
+              <a:rPr kumimoji="0" lang="en-US" altLang="en-US" b="0" i="0" u="none" strike="noStrike" cap="none" normalizeH="0" baseline="0" dirty="0" smtClean="0">
+                <a:ln>
+                  <a:noFill/>
+                </a:ln>
+                <a:solidFill>
+                  <a:srgbClr val="2E75B6"/>
+                </a:solidFill>
+                <a:effectLst/>
+                <a:latin typeface="Consolas" panose="020B0609020204030204" pitchFamily="49" charset="0"/>
+                <a:cs typeface="Consolas" panose="020B0609020204030204" pitchFamily="49" charset="0"/>
+              </a:rPr>
+              <a:t>"description"</a:t>
+            </a:r>
+            <a:r>
+              <a:rPr kumimoji="0" lang="en-US" altLang="en-US" b="0" i="0" u="none" strike="noStrike" cap="none" normalizeH="0" baseline="0" dirty="0" smtClean="0">
+                <a:ln>
+                  <a:noFill/>
+                </a:ln>
+                <a:solidFill>
+                  <a:srgbClr val="000000"/>
+                </a:solidFill>
+                <a:effectLst/>
+                <a:latin typeface="Consolas" panose="020B0609020204030204" pitchFamily="49" charset="0"/>
+                <a:cs typeface="Consolas" panose="020B0609020204030204" pitchFamily="49" charset="0"/>
+              </a:rPr>
+              <a:t>: </a:t>
+            </a:r>
+            <a:r>
+              <a:rPr lang="en-US" altLang="en-US" dirty="0" smtClean="0">
+                <a:solidFill>
+                  <a:srgbClr val="A31515"/>
+                </a:solidFill>
+                <a:latin typeface="Consolas" panose="020B0609020204030204" pitchFamily="49" charset="0"/>
+                <a:cs typeface="Consolas" panose="020B0609020204030204" pitchFamily="49" charset="0"/>
+              </a:rPr>
+              <a:t>“MVA Presentation Code</a:t>
+            </a:r>
+            <a:r>
+              <a:rPr kumimoji="0" lang="en-US" altLang="en-US" b="0" i="0" u="none" strike="noStrike" cap="none" normalizeH="0" baseline="0" dirty="0" smtClean="0">
+                <a:ln>
+                  <a:noFill/>
+                </a:ln>
+                <a:solidFill>
+                  <a:srgbClr val="A31515"/>
+                </a:solidFill>
+                <a:effectLst/>
+                <a:latin typeface="Consolas" panose="020B0609020204030204" pitchFamily="49" charset="0"/>
+                <a:cs typeface="Consolas" panose="020B0609020204030204" pitchFamily="49" charset="0"/>
+              </a:rPr>
+              <a:t>"</a:t>
+            </a:r>
+            <a:r>
+              <a:rPr kumimoji="0" lang="en-US" altLang="en-US" b="0" i="0" u="none" strike="noStrike" cap="none" normalizeH="0" baseline="0" dirty="0" smtClean="0">
+                <a:ln>
+                  <a:noFill/>
+                </a:ln>
+                <a:solidFill>
+                  <a:srgbClr val="000000"/>
+                </a:solidFill>
+                <a:effectLst/>
+                <a:latin typeface="Consolas" panose="020B0609020204030204" pitchFamily="49" charset="0"/>
+                <a:cs typeface="Consolas" panose="020B0609020204030204" pitchFamily="49" charset="0"/>
+              </a:rPr>
+              <a:t>,</a:t>
+            </a:r>
+          </a:p>
+          <a:p>
+            <a:pPr marL="0" marR="0" lvl="0" indent="0" algn="l" defTabSz="914400" rtl="0" eaLnBrk="0" fontAlgn="base" latinLnBrk="0" hangingPunct="0">
+              <a:lnSpc>
+                <a:spcPct val="100000"/>
+              </a:lnSpc>
+              <a:spcBef>
+                <a:spcPct val="0"/>
+              </a:spcBef>
+              <a:spcAft>
+                <a:spcPct val="0"/>
+              </a:spcAft>
+              <a:buClrTx/>
+              <a:buSzTx/>
+              <a:buFontTx/>
+              <a:buNone/>
+              <a:tabLst/>
+            </a:pPr>
+            <a:r>
+              <a:rPr kumimoji="0" lang="en-US" altLang="en-US" b="0" i="0" u="none" strike="noStrike" cap="none" normalizeH="0" baseline="0" dirty="0" smtClean="0">
+                <a:ln>
+                  <a:noFill/>
+                </a:ln>
+                <a:solidFill>
+                  <a:srgbClr val="000000"/>
+                </a:solidFill>
+                <a:effectLst/>
+                <a:latin typeface="Consolas" panose="020B0609020204030204" pitchFamily="49" charset="0"/>
+                <a:cs typeface="Consolas" panose="020B0609020204030204" pitchFamily="49" charset="0"/>
+              </a:rPr>
+              <a:t>   </a:t>
+            </a:r>
+            <a:r>
+              <a:rPr kumimoji="0" lang="en-US" altLang="en-US" b="0" i="0" u="none" strike="noStrike" cap="none" normalizeH="0" baseline="0" dirty="0" smtClean="0">
+                <a:ln>
+                  <a:noFill/>
+                </a:ln>
+                <a:solidFill>
+                  <a:srgbClr val="2E75B6"/>
+                </a:solidFill>
+                <a:effectLst/>
+                <a:latin typeface="Consolas" panose="020B0609020204030204" pitchFamily="49" charset="0"/>
+                <a:cs typeface="Consolas" panose="020B0609020204030204" pitchFamily="49" charset="0"/>
+              </a:rPr>
+              <a:t>"main"</a:t>
+            </a:r>
+            <a:r>
+              <a:rPr kumimoji="0" lang="en-US" altLang="en-US" b="0" i="0" u="none" strike="noStrike" cap="none" normalizeH="0" baseline="0" dirty="0" smtClean="0">
+                <a:ln>
+                  <a:noFill/>
+                </a:ln>
+                <a:solidFill>
+                  <a:srgbClr val="000000"/>
+                </a:solidFill>
+                <a:effectLst/>
+                <a:latin typeface="Consolas" panose="020B0609020204030204" pitchFamily="49" charset="0"/>
+                <a:cs typeface="Consolas" panose="020B0609020204030204" pitchFamily="49" charset="0"/>
+              </a:rPr>
+              <a:t>: </a:t>
+            </a:r>
+            <a:r>
+              <a:rPr kumimoji="0" lang="en-US" altLang="en-US" b="0" i="0" u="none" strike="noStrike" cap="none" normalizeH="0" baseline="0" dirty="0" smtClean="0">
+                <a:ln>
+                  <a:noFill/>
+                </a:ln>
+                <a:solidFill>
+                  <a:srgbClr val="A31515"/>
+                </a:solidFill>
+                <a:effectLst/>
+                <a:latin typeface="Consolas" panose="020B0609020204030204" pitchFamily="49" charset="0"/>
+                <a:cs typeface="Consolas" panose="020B0609020204030204" pitchFamily="49" charset="0"/>
+              </a:rPr>
+              <a:t>"1_hello_world.js"</a:t>
+            </a:r>
+            <a:r>
+              <a:rPr kumimoji="0" lang="en-US" altLang="en-US" b="0" i="0" u="none" strike="noStrike" cap="none" normalizeH="0" baseline="0" dirty="0" smtClean="0">
+                <a:ln>
+                  <a:noFill/>
+                </a:ln>
+                <a:solidFill>
+                  <a:srgbClr val="000000"/>
+                </a:solidFill>
+                <a:effectLst/>
+                <a:latin typeface="Consolas" panose="020B0609020204030204" pitchFamily="49" charset="0"/>
+                <a:cs typeface="Consolas" panose="020B0609020204030204" pitchFamily="49" charset="0"/>
+              </a:rPr>
+              <a:t>,</a:t>
+            </a:r>
+          </a:p>
+          <a:p>
+            <a:pPr marL="0" marR="0" lvl="0" indent="0" algn="l" defTabSz="914400" rtl="0" eaLnBrk="0" fontAlgn="base" latinLnBrk="0" hangingPunct="0">
+              <a:lnSpc>
+                <a:spcPct val="100000"/>
+              </a:lnSpc>
+              <a:spcBef>
+                <a:spcPct val="0"/>
+              </a:spcBef>
+              <a:spcAft>
+                <a:spcPct val="0"/>
+              </a:spcAft>
+              <a:buClrTx/>
+              <a:buSzTx/>
+              <a:buFontTx/>
+              <a:buNone/>
+              <a:tabLst/>
+            </a:pPr>
+            <a:r>
+              <a:rPr kumimoji="0" lang="en-US" altLang="en-US" b="0" i="0" u="none" strike="noStrike" cap="none" normalizeH="0" baseline="0" dirty="0" smtClean="0">
+                <a:ln>
+                  <a:noFill/>
+                </a:ln>
+                <a:solidFill>
+                  <a:srgbClr val="000000"/>
+                </a:solidFill>
+                <a:effectLst/>
+                <a:latin typeface="Consolas" panose="020B0609020204030204" pitchFamily="49" charset="0"/>
+                <a:cs typeface="Consolas" panose="020B0609020204030204" pitchFamily="49" charset="0"/>
+              </a:rPr>
+              <a:t>   </a:t>
+            </a:r>
+            <a:r>
+              <a:rPr kumimoji="0" lang="en-US" altLang="en-US" b="0" i="0" u="none" strike="noStrike" cap="none" normalizeH="0" baseline="0" dirty="0" smtClean="0">
+                <a:ln>
+                  <a:noFill/>
+                </a:ln>
+                <a:solidFill>
+                  <a:srgbClr val="2E75B6"/>
+                </a:solidFill>
+                <a:effectLst/>
+                <a:latin typeface="Consolas" panose="020B0609020204030204" pitchFamily="49" charset="0"/>
+                <a:cs typeface="Consolas" panose="020B0609020204030204" pitchFamily="49" charset="0"/>
+              </a:rPr>
+              <a:t>"author"</a:t>
+            </a:r>
+            <a:r>
+              <a:rPr kumimoji="0" lang="en-US" altLang="en-US" b="0" i="0" u="none" strike="noStrike" cap="none" normalizeH="0" baseline="0" dirty="0" smtClean="0">
+                <a:ln>
+                  <a:noFill/>
+                </a:ln>
+                <a:solidFill>
+                  <a:srgbClr val="000000"/>
+                </a:solidFill>
+                <a:effectLst/>
+                <a:latin typeface="Consolas" panose="020B0609020204030204" pitchFamily="49" charset="0"/>
+                <a:cs typeface="Consolas" panose="020B0609020204030204" pitchFamily="49" charset="0"/>
+              </a:rPr>
+              <a:t>: {</a:t>
+            </a:r>
+          </a:p>
+          <a:p>
+            <a:pPr marL="0" marR="0" lvl="0" indent="0" algn="l" defTabSz="914400" rtl="0" eaLnBrk="0" fontAlgn="base" latinLnBrk="0" hangingPunct="0">
+              <a:lnSpc>
+                <a:spcPct val="100000"/>
+              </a:lnSpc>
+              <a:spcBef>
+                <a:spcPct val="0"/>
+              </a:spcBef>
+              <a:spcAft>
+                <a:spcPct val="0"/>
+              </a:spcAft>
+              <a:buClrTx/>
+              <a:buSzTx/>
+              <a:buFontTx/>
+              <a:buNone/>
+              <a:tabLst/>
+            </a:pPr>
+            <a:r>
+              <a:rPr kumimoji="0" lang="en-US" altLang="en-US" b="0" i="0" u="none" strike="noStrike" cap="none" normalizeH="0" baseline="0" dirty="0" smtClean="0">
+                <a:ln>
+                  <a:noFill/>
+                </a:ln>
+                <a:solidFill>
+                  <a:srgbClr val="000000"/>
+                </a:solidFill>
+                <a:effectLst/>
+                <a:latin typeface="Consolas" panose="020B0609020204030204" pitchFamily="49" charset="0"/>
+                <a:cs typeface="Consolas" panose="020B0609020204030204" pitchFamily="49" charset="0"/>
+              </a:rPr>
+              <a:t>     </a:t>
+            </a:r>
+            <a:r>
+              <a:rPr kumimoji="0" lang="en-US" altLang="en-US" b="0" i="0" u="none" strike="noStrike" cap="none" normalizeH="0" baseline="0" dirty="0" smtClean="0">
+                <a:ln>
+                  <a:noFill/>
+                </a:ln>
+                <a:solidFill>
+                  <a:srgbClr val="2E75B6"/>
+                </a:solidFill>
+                <a:effectLst/>
+                <a:latin typeface="Consolas" panose="020B0609020204030204" pitchFamily="49" charset="0"/>
+                <a:cs typeface="Consolas" panose="020B0609020204030204" pitchFamily="49" charset="0"/>
+              </a:rPr>
+              <a:t>"name"</a:t>
+            </a:r>
+            <a:r>
+              <a:rPr kumimoji="0" lang="en-US" altLang="en-US" b="0" i="0" u="none" strike="noStrike" cap="none" normalizeH="0" baseline="0" dirty="0" smtClean="0">
+                <a:ln>
+                  <a:noFill/>
+                </a:ln>
+                <a:solidFill>
+                  <a:srgbClr val="000000"/>
+                </a:solidFill>
+                <a:effectLst/>
+                <a:latin typeface="Consolas" panose="020B0609020204030204" pitchFamily="49" charset="0"/>
+                <a:cs typeface="Consolas" panose="020B0609020204030204" pitchFamily="49" charset="0"/>
+              </a:rPr>
+              <a:t>: </a:t>
+            </a:r>
+            <a:r>
+              <a:rPr kumimoji="0" lang="en-US" altLang="en-US" b="0" i="0" u="none" strike="noStrike" cap="none" normalizeH="0" baseline="0" dirty="0" smtClean="0">
+                <a:ln>
+                  <a:noFill/>
+                </a:ln>
+                <a:solidFill>
+                  <a:srgbClr val="A31515"/>
+                </a:solidFill>
+                <a:effectLst/>
+                <a:latin typeface="Consolas" panose="020B0609020204030204" pitchFamily="49" charset="0"/>
+                <a:cs typeface="Consolas" panose="020B0609020204030204" pitchFamily="49" charset="0"/>
+              </a:rPr>
+              <a:t>"Rami Sayar"</a:t>
+            </a:r>
+            <a:r>
+              <a:rPr kumimoji="0" lang="en-US" altLang="en-US" b="0" i="0" u="none" strike="noStrike" cap="none" normalizeH="0" baseline="0" dirty="0" smtClean="0">
+                <a:ln>
+                  <a:noFill/>
+                </a:ln>
+                <a:solidFill>
+                  <a:srgbClr val="000000"/>
+                </a:solidFill>
+                <a:effectLst/>
+                <a:latin typeface="Consolas" panose="020B0609020204030204" pitchFamily="49" charset="0"/>
+                <a:cs typeface="Consolas" panose="020B0609020204030204" pitchFamily="49" charset="0"/>
+              </a:rPr>
+              <a:t>,</a:t>
+            </a:r>
+          </a:p>
+          <a:p>
+            <a:pPr marL="0" lvl="0" indent="0" eaLnBrk="0" fontAlgn="base" hangingPunct="0">
+              <a:lnSpc>
+                <a:spcPct val="100000"/>
+              </a:lnSpc>
+              <a:spcBef>
+                <a:spcPct val="0"/>
+              </a:spcBef>
+              <a:spcAft>
+                <a:spcPct val="0"/>
+              </a:spcAft>
+              <a:buNone/>
+            </a:pPr>
+            <a:r>
+              <a:rPr kumimoji="0" lang="en-US" altLang="en-US" b="0" i="0" u="none" strike="noStrike" cap="none" normalizeH="0" baseline="0" dirty="0" smtClean="0">
+                <a:ln>
+                  <a:noFill/>
+                </a:ln>
+                <a:solidFill>
+                  <a:srgbClr val="000000"/>
+                </a:solidFill>
+                <a:effectLst/>
+                <a:latin typeface="Consolas" panose="020B0609020204030204" pitchFamily="49" charset="0"/>
+                <a:cs typeface="Consolas" panose="020B0609020204030204" pitchFamily="49" charset="0"/>
+              </a:rPr>
+              <a:t>     </a:t>
+            </a:r>
+            <a:r>
+              <a:rPr kumimoji="0" lang="en-US" altLang="en-US" b="0" i="0" u="none" strike="noStrike" cap="none" normalizeH="0" baseline="0" dirty="0" smtClean="0">
+                <a:ln>
+                  <a:noFill/>
+                </a:ln>
+                <a:solidFill>
+                  <a:srgbClr val="2E75B6"/>
+                </a:solidFill>
+                <a:effectLst/>
+                <a:latin typeface="Consolas" panose="020B0609020204030204" pitchFamily="49" charset="0"/>
+                <a:cs typeface="Consolas" panose="020B0609020204030204" pitchFamily="49" charset="0"/>
+              </a:rPr>
+              <a:t>"email"</a:t>
+            </a:r>
+            <a:r>
+              <a:rPr kumimoji="0" lang="en-US" altLang="en-US" b="0" i="0" u="none" strike="noStrike" cap="none" normalizeH="0" baseline="0" dirty="0" smtClean="0">
+                <a:ln>
+                  <a:noFill/>
+                </a:ln>
+                <a:solidFill>
+                  <a:srgbClr val="000000"/>
+                </a:solidFill>
+                <a:effectLst/>
+                <a:latin typeface="Consolas" panose="020B0609020204030204" pitchFamily="49" charset="0"/>
+                <a:cs typeface="Consolas" panose="020B0609020204030204" pitchFamily="49" charset="0"/>
+              </a:rPr>
+              <a:t>: </a:t>
+            </a:r>
+            <a:r>
+              <a:rPr lang="en-US" altLang="en-US" dirty="0" smtClean="0">
+                <a:solidFill>
+                  <a:srgbClr val="A31515"/>
+                </a:solidFill>
+                <a:latin typeface="Consolas" panose="020B0609020204030204" pitchFamily="49" charset="0"/>
+                <a:cs typeface="Consolas" panose="020B0609020204030204" pitchFamily="49" charset="0"/>
+              </a:rPr>
+              <a:t>""</a:t>
+            </a:r>
+            <a:endParaRPr kumimoji="0" lang="en-US" altLang="en-US" b="0" i="0" u="none" strike="noStrike" cap="none" normalizeH="0" baseline="0" dirty="0" smtClean="0">
+              <a:ln>
+                <a:noFill/>
+              </a:ln>
+              <a:solidFill>
+                <a:srgbClr val="A31515"/>
+              </a:solidFill>
+              <a:effectLst/>
+              <a:latin typeface="Consolas" panose="020B0609020204030204" pitchFamily="49" charset="0"/>
+              <a:cs typeface="Consolas" panose="020B0609020204030204" pitchFamily="49" charset="0"/>
+            </a:endParaRPr>
+          </a:p>
+          <a:p>
+            <a:pPr marL="0" marR="0" lvl="0" indent="0" algn="l" defTabSz="914400" rtl="0" eaLnBrk="0" fontAlgn="base" latinLnBrk="0" hangingPunct="0">
+              <a:lnSpc>
+                <a:spcPct val="100000"/>
+              </a:lnSpc>
+              <a:spcBef>
+                <a:spcPct val="0"/>
+              </a:spcBef>
+              <a:spcAft>
+                <a:spcPct val="0"/>
+              </a:spcAft>
+              <a:buClrTx/>
+              <a:buSzTx/>
+              <a:buFontTx/>
+              <a:buNone/>
+              <a:tabLst/>
+            </a:pPr>
+            <a:r>
+              <a:rPr kumimoji="0" lang="en-US" altLang="en-US" b="0" i="0" u="none" strike="noStrike" cap="none" normalizeH="0" baseline="0" dirty="0" smtClean="0">
+                <a:ln>
+                  <a:noFill/>
+                </a:ln>
+                <a:solidFill>
+                  <a:srgbClr val="000000"/>
+                </a:solidFill>
+                <a:effectLst/>
+                <a:latin typeface="Consolas" panose="020B0609020204030204" pitchFamily="49" charset="0"/>
+                <a:cs typeface="Consolas" panose="020B0609020204030204" pitchFamily="49" charset="0"/>
+              </a:rPr>
+              <a:t>   }</a:t>
+            </a:r>
+          </a:p>
+          <a:p>
+            <a:pPr marL="0" marR="0" lvl="0" indent="0" algn="l" defTabSz="914400" rtl="0" eaLnBrk="0" fontAlgn="base" latinLnBrk="0" hangingPunct="0">
+              <a:lnSpc>
+                <a:spcPct val="100000"/>
+              </a:lnSpc>
+              <a:spcBef>
+                <a:spcPct val="0"/>
+              </a:spcBef>
+              <a:spcAft>
+                <a:spcPct val="0"/>
+              </a:spcAft>
+              <a:buClrTx/>
+              <a:buSzTx/>
+              <a:buFontTx/>
+              <a:buNone/>
+              <a:tabLst/>
+            </a:pPr>
+            <a:r>
+              <a:rPr kumimoji="0" lang="en-US" altLang="en-US" b="0" i="0" u="none" strike="noStrike" cap="none" normalizeH="0" baseline="0" dirty="0" smtClean="0">
+                <a:ln>
+                  <a:noFill/>
+                </a:ln>
+                <a:solidFill>
+                  <a:srgbClr val="000000"/>
+                </a:solidFill>
+                <a:effectLst/>
+                <a:latin typeface="Consolas" panose="020B0609020204030204" pitchFamily="49" charset="0"/>
+                <a:cs typeface="Consolas" panose="020B0609020204030204" pitchFamily="49" charset="0"/>
+              </a:rPr>
+              <a:t>} </a:t>
+            </a:r>
+            <a:endParaRPr kumimoji="0" lang="en-US" altLang="en-US" sz="6000" b="0" i="0" u="none" strike="noStrike" cap="none" normalizeH="0" baseline="0" dirty="0" smtClean="0">
               <a:ln>
                 <a:noFill/>
               </a:ln>
@@ -9738,108 +10570,7 @@
     </p:spTree>
     <p:extLst>
       <p:ext uri="{BB962C8B-B14F-4D97-AF65-F5344CB8AC3E}">
-        <p14:creationId xmlns:p14="http://schemas.microsoft.com/office/powerpoint/2010/main" val="612772129"/>
-      </p:ext>
-    </p:extLst>
-  </p:cSld>
-  <p:clrMapOvr>
-    <a:masterClrMapping/>
-  </p:clrMapOvr>
-  <p:timing>
-    <p:tnLst>
-      <p:par>
-        <p:cTn id="1" dur="indefinite" restart="never" nodeType="tmRoot"/>
-      </p:par>
-    </p:tnLst>
-  </p:timing>
-</p:sld>
-</file>
-
-<file path=ppt/slides/slide38.xml><?xml version="1.0" encoding="utf-8"?>
-<p:sld xmlns:a="http://schemas.openxmlformats.org/drawingml/2006/main" xmlns:r="http://schemas.openxmlformats.org/officeDocument/2006/relationships" xmlns:p="http://schemas.openxmlformats.org/presentationml/2006/main">
-  <p:cSld>
-    <p:spTree>
-      <p:nvGrpSpPr>
-        <p:cNvPr id="1" name=""/>
-        <p:cNvGrpSpPr/>
-        <p:nvPr/>
-      </p:nvGrpSpPr>
-      <p:grpSpPr>
-        <a:xfrm>
-          <a:off x="0" y="0"/>
-          <a:ext cx="0" cy="0"/>
-          <a:chOff x="0" y="0"/>
-          <a:chExt cx="0" cy="0"/>
-        </a:xfrm>
-      </p:grpSpPr>
-      <p:sp>
-        <p:nvSpPr>
-          <p:cNvPr id="2" name="Title 1"/>
-          <p:cNvSpPr>
-            <a:spLocks noGrp="1"/>
-          </p:cNvSpPr>
-          <p:nvPr>
-            <p:ph type="title"/>
-          </p:nvPr>
-        </p:nvSpPr>
-        <p:spPr/>
-        <p:txBody>
-          <a:bodyPr/>
-          <a:lstStyle/>
-          <a:p>
-            <a:r>
-              <a:rPr lang="en-US" dirty="0" smtClean="0"/>
-              <a:t>Modules and Exports</a:t>
-            </a:r>
-            <a:endParaRPr lang="en-US" dirty="0"/>
-          </a:p>
-        </p:txBody>
-      </p:sp>
-      <p:sp>
-        <p:nvSpPr>
-          <p:cNvPr id="3" name="Content Placeholder 2"/>
-          <p:cNvSpPr>
-            <a:spLocks noGrp="1"/>
-          </p:cNvSpPr>
-          <p:nvPr>
-            <p:ph sz="quarter" idx="10"/>
-          </p:nvPr>
-        </p:nvSpPr>
-        <p:spPr/>
-        <p:txBody>
-          <a:bodyPr/>
-          <a:lstStyle/>
-          <a:p>
-            <a:r>
-              <a:rPr lang="en-US" dirty="0"/>
-              <a:t>Node.js has a simple module and dependencies loading system. </a:t>
-            </a:r>
-          </a:p>
-          <a:p>
-            <a:r>
-              <a:rPr lang="en-US" dirty="0"/>
-              <a:t>Unix philosophy -&gt; Node philosophy</a:t>
-            </a:r>
-          </a:p>
-          <a:p>
-            <a:pPr lvl="1"/>
-            <a:r>
-              <a:rPr lang="en-US" dirty="0"/>
-              <a:t>Write programs that do one thing and do it well -&gt; Write modules that do one thing and do it well.</a:t>
-            </a:r>
-          </a:p>
-          <a:p>
-            <a:pPr marL="0" indent="0">
-              <a:buNone/>
-            </a:pPr>
-            <a:endParaRPr lang="en-US" dirty="0"/>
-          </a:p>
-        </p:txBody>
-      </p:sp>
-    </p:spTree>
-    <p:extLst>
-      <p:ext uri="{BB962C8B-B14F-4D97-AF65-F5344CB8AC3E}">
-        <p14:creationId xmlns:p14="http://schemas.microsoft.com/office/powerpoint/2010/main" val="1685046158"/>
+        <p14:creationId xmlns:p14="http://schemas.microsoft.com/office/powerpoint/2010/main" val="770490445"/>
       </p:ext>
     </p:extLst>
   </p:cSld>
@@ -9883,7 +10614,7 @@
           <a:p>
             <a:r>
               <a:rPr lang="en-US" dirty="0" smtClean="0"/>
-              <a:t>Require() Module Loading System</a:t>
+              <a:t>Popular NPM Modules</a:t>
             </a:r>
             <a:endParaRPr lang="en-US" dirty="0"/>
           </a:p>
@@ -9904,76 +10635,117 @@
           <a:bodyPr/>
           <a:lstStyle/>
           <a:p>
-            <a:r>
-              <a:rPr lang="en-US" dirty="0"/>
-              <a:t>Call the function “require” with the path of the file or directory containing the module you would like to load.</a:t>
-            </a:r>
-          </a:p>
-          <a:p>
-            <a:r>
-              <a:rPr lang="en-US" dirty="0"/>
-              <a:t>Returns a variable containing all the exported functions.</a:t>
-            </a:r>
-          </a:p>
-          <a:p>
-            <a:pPr marL="0" lvl="0" indent="0">
+            <a:pPr marL="0" indent="0">
               <a:buNone/>
             </a:pPr>
-            <a:endParaRPr lang="en-US" altLang="en-US" dirty="0" smtClean="0">
-              <a:solidFill>
-                <a:srgbClr val="0000FF"/>
-              </a:solidFill>
-              <a:latin typeface="Consolas" panose="020B0609020204030204" pitchFamily="49" charset="0"/>
-              <a:cs typeface="Consolas" panose="020B0609020204030204" pitchFamily="49" charset="0"/>
-            </a:endParaRPr>
-          </a:p>
-          <a:p>
-            <a:pPr marL="0" lvl="0" indent="0">
-              <a:buNone/>
-            </a:pPr>
-            <a:r>
-              <a:rPr lang="en-US" altLang="en-US" dirty="0" err="1" smtClean="0">
-                <a:solidFill>
-                  <a:srgbClr val="0000FF"/>
-                </a:solidFill>
-                <a:latin typeface="Consolas" panose="020B0609020204030204" pitchFamily="49" charset="0"/>
-                <a:cs typeface="Consolas" panose="020B0609020204030204" pitchFamily="49" charset="0"/>
-              </a:rPr>
-              <a:t>var</a:t>
-            </a:r>
-            <a:r>
-              <a:rPr lang="en-US" altLang="en-US" dirty="0">
-                <a:solidFill>
-                  <a:srgbClr val="000000"/>
-                </a:solidFill>
-                <a:latin typeface="Consolas" panose="020B0609020204030204" pitchFamily="49" charset="0"/>
-                <a:cs typeface="Consolas" panose="020B0609020204030204" pitchFamily="49" charset="0"/>
-              </a:rPr>
-              <a:t> fs = require(</a:t>
-            </a:r>
-            <a:r>
-              <a:rPr lang="en-US" altLang="en-US" dirty="0">
-                <a:solidFill>
-                  <a:srgbClr val="A31515"/>
-                </a:solidFill>
-                <a:latin typeface="Consolas" panose="020B0609020204030204" pitchFamily="49" charset="0"/>
-                <a:cs typeface="Consolas" panose="020B0609020204030204" pitchFamily="49" charset="0"/>
-              </a:rPr>
-              <a:t>"fs"</a:t>
-            </a:r>
-            <a:r>
-              <a:rPr lang="en-US" altLang="en-US" dirty="0">
-                <a:solidFill>
-                  <a:srgbClr val="000000"/>
-                </a:solidFill>
-                <a:latin typeface="Consolas" panose="020B0609020204030204" pitchFamily="49" charset="0"/>
-                <a:cs typeface="Consolas" panose="020B0609020204030204" pitchFamily="49" charset="0"/>
-              </a:rPr>
-              <a:t>); </a:t>
-            </a:r>
-            <a:endParaRPr lang="en-US" altLang="en-US" sz="6600" dirty="0">
-              <a:latin typeface="Arial" panose="020B0604020202020204" pitchFamily="34" charset="0"/>
-            </a:endParaRPr>
+            <a:r>
+              <a:rPr lang="en-US" sz="2800" b="1" dirty="0"/>
+              <a:t>Most Depended Upon</a:t>
+            </a:r>
+          </a:p>
+          <a:p>
+            <a:r>
+              <a:rPr lang="en-US" sz="2800" dirty="0"/>
+              <a:t>7053 </a:t>
+            </a:r>
+            <a:r>
+              <a:rPr lang="en-US" sz="2800" dirty="0">
+                <a:hlinkClick r:id="rId2"/>
+              </a:rPr>
+              <a:t>underscore</a:t>
+            </a:r>
+            <a:endParaRPr lang="en-US" sz="2800" dirty="0"/>
+          </a:p>
+          <a:p>
+            <a:r>
+              <a:rPr lang="en-US" sz="2800" dirty="0"/>
+              <a:t>6458 </a:t>
+            </a:r>
+            <a:r>
+              <a:rPr lang="en-US" sz="2800" dirty="0" err="1">
+                <a:hlinkClick r:id="rId3"/>
+              </a:rPr>
+              <a:t>async</a:t>
+            </a:r>
+            <a:endParaRPr lang="en-US" sz="2800" dirty="0"/>
+          </a:p>
+          <a:p>
+            <a:r>
+              <a:rPr lang="en-US" sz="2800" dirty="0"/>
+              <a:t>5591 </a:t>
+            </a:r>
+            <a:r>
+              <a:rPr lang="en-US" sz="2800" dirty="0">
+                <a:hlinkClick r:id="rId4"/>
+              </a:rPr>
+              <a:t>request</a:t>
+            </a:r>
+            <a:endParaRPr lang="en-US" sz="2800" dirty="0"/>
+          </a:p>
+          <a:p>
+            <a:r>
+              <a:rPr lang="en-US" sz="2800" dirty="0"/>
+              <a:t>4931 </a:t>
+            </a:r>
+            <a:r>
+              <a:rPr lang="en-US" sz="2800" dirty="0" err="1">
+                <a:hlinkClick r:id="rId5"/>
+              </a:rPr>
+              <a:t>lodash</a:t>
+            </a:r>
+            <a:endParaRPr lang="en-US" sz="2800" dirty="0"/>
+          </a:p>
+          <a:p>
+            <a:r>
+              <a:rPr lang="en-US" sz="2800" dirty="0"/>
+              <a:t>3630 </a:t>
+            </a:r>
+            <a:r>
+              <a:rPr lang="en-US" sz="2800" dirty="0">
+                <a:hlinkClick r:id="rId6"/>
+              </a:rPr>
+              <a:t>commander</a:t>
+            </a:r>
+            <a:endParaRPr lang="en-US" sz="2800" dirty="0"/>
+          </a:p>
+          <a:p>
+            <a:r>
+              <a:rPr lang="en-US" sz="2800" dirty="0"/>
+              <a:t>3543 </a:t>
+            </a:r>
+            <a:r>
+              <a:rPr lang="en-US" sz="2800" dirty="0">
+                <a:hlinkClick r:id="rId7"/>
+              </a:rPr>
+              <a:t>express</a:t>
+            </a:r>
+            <a:endParaRPr lang="en-US" sz="2800" dirty="0"/>
+          </a:p>
+          <a:p>
+            <a:r>
+              <a:rPr lang="en-US" sz="2800" dirty="0"/>
+              <a:t>2708 </a:t>
+            </a:r>
+            <a:r>
+              <a:rPr lang="en-US" sz="2800" dirty="0">
+                <a:hlinkClick r:id="rId8"/>
+              </a:rPr>
+              <a:t>optimist</a:t>
+            </a:r>
+            <a:endParaRPr lang="en-US" sz="2800" dirty="0"/>
+          </a:p>
+          <a:p>
+            <a:r>
+              <a:rPr lang="en-US" sz="2800" dirty="0"/>
+              <a:t>2634 </a:t>
+            </a:r>
+            <a:r>
+              <a:rPr lang="en-US" sz="2800" dirty="0">
+                <a:hlinkClick r:id="rId9"/>
+              </a:rPr>
+              <a:t>coffee-script</a:t>
+            </a:r>
+            <a:endParaRPr lang="en-US" sz="2800" dirty="0"/>
           </a:p>
           <a:p>
             <a:pPr marL="0" indent="0">
@@ -9986,7 +10758,7 @@
     </p:spTree>
     <p:extLst>
       <p:ext uri="{BB962C8B-B14F-4D97-AF65-F5344CB8AC3E}">
-        <p14:creationId xmlns:p14="http://schemas.microsoft.com/office/powerpoint/2010/main" val="2310303828"/>
+        <p14:creationId xmlns:p14="http://schemas.microsoft.com/office/powerpoint/2010/main" val="1474797870"/>
       </p:ext>
     </p:extLst>
   </p:cSld>
@@ -10068,14 +10840,14 @@
                 <a:gridCol w="5762625">
                   <a:extLst>
                     <a:ext uri="{9D8B030D-6E8A-4147-A177-3AD203B41FA5}">
-                      <a16:colId xmlns="" xmlns:a16="http://schemas.microsoft.com/office/drawing/2014/main" val="1632794655"/>
+                      <a16:colId xmlns:a16="http://schemas.microsoft.com/office/drawing/2014/main" val="1632794655"/>
                     </a:ext>
                   </a:extLst>
                 </a:gridCol>
                 <a:gridCol w="5762625">
                   <a:extLst>
                     <a:ext uri="{9D8B030D-6E8A-4147-A177-3AD203B41FA5}">
-                      <a16:colId xmlns="" xmlns:a16="http://schemas.microsoft.com/office/drawing/2014/main" val="2011313899"/>
+                      <a16:colId xmlns:a16="http://schemas.microsoft.com/office/drawing/2014/main" val="2011313899"/>
                     </a:ext>
                   </a:extLst>
                 </a:gridCol>
@@ -10110,7 +10882,7 @@
                 </a:tc>
                 <a:extLst>
                   <a:ext uri="{0D108BD9-81ED-4DB2-BD59-A6C34878D82A}">
-                    <a16:rowId xmlns="" xmlns:a16="http://schemas.microsoft.com/office/drawing/2014/main" val="1789177411"/>
+                    <a16:rowId xmlns:a16="http://schemas.microsoft.com/office/drawing/2014/main" val="1789177411"/>
                   </a:ext>
                 </a:extLst>
               </a:tr>
@@ -10177,7 +10949,7 @@
                 </a:tc>
                 <a:extLst>
                   <a:ext uri="{0D108BD9-81ED-4DB2-BD59-A6C34878D82A}">
-                    <a16:rowId xmlns="" xmlns:a16="http://schemas.microsoft.com/office/drawing/2014/main" val="3842815335"/>
+                    <a16:rowId xmlns:a16="http://schemas.microsoft.com/office/drawing/2014/main" val="3842815335"/>
                   </a:ext>
                 </a:extLst>
               </a:tr>
@@ -10255,7 +11027,7 @@
                 </a:tc>
                 <a:extLst>
                   <a:ext uri="{0D108BD9-81ED-4DB2-BD59-A6C34878D82A}">
-                    <a16:rowId xmlns="" xmlns:a16="http://schemas.microsoft.com/office/drawing/2014/main" val="321066646"/>
+                    <a16:rowId xmlns:a16="http://schemas.microsoft.com/office/drawing/2014/main" val="321066646"/>
                   </a:ext>
                 </a:extLst>
               </a:tr>
@@ -10339,7 +11111,7 @@
                 </a:tc>
                 <a:extLst>
                   <a:ext uri="{0D108BD9-81ED-4DB2-BD59-A6C34878D82A}">
-                    <a16:rowId xmlns="" xmlns:a16="http://schemas.microsoft.com/office/drawing/2014/main" val="3812060533"/>
+                    <a16:rowId xmlns:a16="http://schemas.microsoft.com/office/drawing/2014/main" val="3812060533"/>
                   </a:ext>
                 </a:extLst>
               </a:tr>
@@ -10394,30 +11166,22 @@
       </p:grpSpPr>
       <p:sp>
         <p:nvSpPr>
-          <p:cNvPr id="5" name="Text Placeholder 4"/>
+          <p:cNvPr id="2" name="Title 1"/>
           <p:cNvSpPr>
             <a:spLocks noGrp="1"/>
           </p:cNvSpPr>
           <p:nvPr>
-            <p:ph type="body" sz="quarter" idx="10"/>
+            <p:ph type="title"/>
           </p:nvPr>
         </p:nvSpPr>
-        <p:spPr>
-          <a:solidFill>
-            <a:srgbClr val="007233"/>
-          </a:solidFill>
-          <a:ln>
-            <a:noFill/>
-          </a:ln>
-        </p:spPr>
+        <p:spPr/>
         <p:txBody>
           <a:bodyPr/>
           <a:lstStyle/>
           <a:p>
-            <a:pPr marL="914400" indent="-914400"/>
-            <a:r>
-              <a:rPr lang="en-US" dirty="0" smtClean="0"/>
-              <a:t>01 | Node Package Manager (NPM)</a:t>
+            <a:r>
+              <a:rPr lang="en-US" dirty="0" smtClean="0"/>
+              <a:t>How does it work? </a:t>
             </a:r>
             <a:endParaRPr lang="en-US" dirty="0"/>
           </a:p>
@@ -10425,42 +11189,84 @@
       </p:sp>
       <p:sp>
         <p:nvSpPr>
-          <p:cNvPr id="8" name="Subtitle 3"/>
+          <p:cNvPr id="3" name="Content Placeholder 2"/>
           <p:cNvSpPr>
             <a:spLocks noGrp="1"/>
           </p:cNvSpPr>
           <p:nvPr>
-            <p:ph type="subTitle" idx="1"/>
+            <p:ph sz="quarter" idx="10"/>
           </p:nvPr>
         </p:nvSpPr>
-        <p:spPr>
-          <a:xfrm>
-            <a:off x="193271" y="5132437"/>
-            <a:ext cx="8579886" cy="1460779"/>
-          </a:xfrm>
-        </p:spPr>
+        <p:spPr/>
         <p:txBody>
           <a:bodyPr/>
           <a:lstStyle/>
           <a:p>
             <a:r>
-              <a:rPr lang="en-US" dirty="0" smtClean="0"/>
-              <a:t>Stacey Mulcahy </a:t>
-            </a:r>
-            <a:r>
               <a:rPr lang="en-US" dirty="0"/>
-              <a:t>| </a:t>
-            </a:r>
-            <a:r>
-              <a:rPr lang="en-US" dirty="0" smtClean="0"/>
-              <a:t>Technical Evangelist</a:t>
-            </a:r>
-          </a:p>
-          <a:p>
-            <a:r>
-              <a:rPr lang="en-US" dirty="0" smtClean="0"/>
-              <a:t>Rami Sayar | Technical Evangelist </a:t>
-            </a:r>
+              <a:t>Reads </a:t>
+            </a:r>
+            <a:r>
+              <a:rPr lang="en-US" dirty="0" err="1"/>
+              <a:t>package.json</a:t>
+            </a:r>
+            <a:endParaRPr lang="en-US" dirty="0"/>
+          </a:p>
+          <a:p>
+            <a:r>
+              <a:rPr lang="en-US" dirty="0"/>
+              <a:t>Installs the dependencies in the local </a:t>
+            </a:r>
+            <a:r>
+              <a:rPr lang="en-US" dirty="0" err="1"/>
+              <a:t>node_modules</a:t>
+            </a:r>
+            <a:r>
+              <a:rPr lang="en-US" dirty="0"/>
+              <a:t> folder</a:t>
+            </a:r>
+          </a:p>
+          <a:p>
+            <a:r>
+              <a:rPr lang="en-US" dirty="0"/>
+              <a:t>In global mode, it makes a node module accessible to all.</a:t>
+            </a:r>
+          </a:p>
+          <a:p>
+            <a:endParaRPr lang="en-US" dirty="0"/>
+          </a:p>
+          <a:p>
+            <a:r>
+              <a:rPr lang="en-US" dirty="0"/>
+              <a:t>Can install from a folder, </a:t>
+            </a:r>
+            <a:r>
+              <a:rPr lang="en-US" dirty="0" err="1"/>
+              <a:t>tarball</a:t>
+            </a:r>
+            <a:r>
+              <a:rPr lang="en-US" dirty="0"/>
+              <a:t>, web, etc… </a:t>
+            </a:r>
+          </a:p>
+          <a:p>
+            <a:r>
+              <a:rPr lang="en-US" dirty="0"/>
+              <a:t>Can specify </a:t>
+            </a:r>
+            <a:r>
+              <a:rPr lang="en-US" dirty="0" err="1"/>
+              <a:t>dev</a:t>
+            </a:r>
+            <a:r>
+              <a:rPr lang="en-US" dirty="0"/>
+              <a:t> or optional dependencies. </a:t>
+            </a:r>
+          </a:p>
+          <a:p>
+            <a:pPr marL="0" indent="0">
+              <a:buNone/>
+            </a:pPr>
             <a:endParaRPr lang="en-US" dirty="0"/>
           </a:p>
         </p:txBody>
@@ -10468,20 +11274,13 @@
     </p:spTree>
     <p:extLst>
       <p:ext uri="{BB962C8B-B14F-4D97-AF65-F5344CB8AC3E}">
-        <p14:creationId xmlns:p14="http://schemas.microsoft.com/office/powerpoint/2010/main" val="360177016"/>
+        <p14:creationId xmlns:p14="http://schemas.microsoft.com/office/powerpoint/2010/main" val="3719254297"/>
       </p:ext>
     </p:extLst>
   </p:cSld>
   <p:clrMapOvr>
     <a:masterClrMapping/>
   </p:clrMapOvr>
-  <p:timing>
-    <p:tnLst>
-      <p:par>
-        <p:cTn id="1" dur="indefinite" restart="never" nodeType="tmRoot"/>
-      </p:par>
-    </p:tnLst>
-  </p:timing>
 </p:sld>
 </file>
 
@@ -10518,8 +11317,12 @@
           <a:lstStyle/>
           <a:p>
             <a:r>
-              <a:rPr lang="en-US" dirty="0" smtClean="0"/>
-              <a:t>What is NPM? </a:t>
+              <a:rPr lang="en-US" dirty="0" err="1" smtClean="0"/>
+              <a:t>Async</a:t>
+            </a:r>
+            <a:r>
+              <a:rPr lang="en-US" dirty="0" smtClean="0"/>
+              <a:t> Module</a:t>
             </a:r>
             <a:endParaRPr lang="en-US" dirty="0"/>
           </a:p>
@@ -10540,16 +11343,638 @@
           <a:bodyPr/>
           <a:lstStyle/>
           <a:p>
+            <a:pPr marL="0" indent="0">
+              <a:buNone/>
+            </a:pPr>
+            <a:r>
+              <a:rPr lang="en-US" dirty="0" err="1"/>
+              <a:t>Async</a:t>
+            </a:r>
             <a:r>
               <a:rPr lang="en-US" dirty="0"/>
-              <a:t>Official package manager for Node.</a:t>
-            </a:r>
-          </a:p>
-          <a:p>
-            <a:r>
-              <a:rPr lang="en-US" dirty="0"/>
-              <a:t>Bundled and installed automatically with the environment.</a:t>
-            </a:r>
+              <a:t> is a utility module which provides straight-forward, powerful functions for working with asynchronous JavaScript.</a:t>
+            </a:r>
+          </a:p>
+          <a:p>
+            <a:pPr marL="0" lvl="0" indent="0">
+              <a:spcBef>
+                <a:spcPts val="0"/>
+              </a:spcBef>
+              <a:buNone/>
+            </a:pPr>
+            <a:r>
+              <a:rPr lang="en-US" altLang="en-US" sz="2000" dirty="0" err="1" smtClean="0">
+                <a:solidFill>
+                  <a:srgbClr val="000000"/>
+                </a:solidFill>
+                <a:latin typeface="Consolas" panose="020B0609020204030204" pitchFamily="49" charset="0"/>
+                <a:cs typeface="Consolas" panose="020B0609020204030204" pitchFamily="49" charset="0"/>
+              </a:rPr>
+              <a:t>async.map</a:t>
+            </a:r>
+            <a:r>
+              <a:rPr lang="en-US" altLang="en-US" sz="2000" dirty="0">
+                <a:solidFill>
+                  <a:srgbClr val="000000"/>
+                </a:solidFill>
+                <a:latin typeface="Consolas" panose="020B0609020204030204" pitchFamily="49" charset="0"/>
+                <a:cs typeface="Consolas" panose="020B0609020204030204" pitchFamily="49" charset="0"/>
+              </a:rPr>
+              <a:t>([</a:t>
+            </a:r>
+            <a:r>
+              <a:rPr lang="en-US" altLang="en-US" sz="2000" dirty="0">
+                <a:solidFill>
+                  <a:srgbClr val="A31515"/>
+                </a:solidFill>
+                <a:latin typeface="Consolas" panose="020B0609020204030204" pitchFamily="49" charset="0"/>
+                <a:cs typeface="Consolas" panose="020B0609020204030204" pitchFamily="49" charset="0"/>
+              </a:rPr>
+              <a:t>'file1'</a:t>
+            </a:r>
+            <a:r>
+              <a:rPr lang="en-US" altLang="en-US" sz="2000" dirty="0">
+                <a:solidFill>
+                  <a:srgbClr val="000000"/>
+                </a:solidFill>
+                <a:latin typeface="Consolas" panose="020B0609020204030204" pitchFamily="49" charset="0"/>
+                <a:cs typeface="Consolas" panose="020B0609020204030204" pitchFamily="49" charset="0"/>
+              </a:rPr>
+              <a:t>,</a:t>
+            </a:r>
+            <a:r>
+              <a:rPr lang="en-US" altLang="en-US" sz="2000" dirty="0">
+                <a:solidFill>
+                  <a:srgbClr val="A31515"/>
+                </a:solidFill>
+                <a:latin typeface="Consolas" panose="020B0609020204030204" pitchFamily="49" charset="0"/>
+                <a:cs typeface="Consolas" panose="020B0609020204030204" pitchFamily="49" charset="0"/>
+              </a:rPr>
+              <a:t>'file2'</a:t>
+            </a:r>
+            <a:r>
+              <a:rPr lang="en-US" altLang="en-US" sz="2000" dirty="0">
+                <a:solidFill>
+                  <a:srgbClr val="000000"/>
+                </a:solidFill>
+                <a:latin typeface="Consolas" panose="020B0609020204030204" pitchFamily="49" charset="0"/>
+                <a:cs typeface="Consolas" panose="020B0609020204030204" pitchFamily="49" charset="0"/>
+              </a:rPr>
+              <a:t>,</a:t>
+            </a:r>
+            <a:r>
+              <a:rPr lang="en-US" altLang="en-US" sz="2000" dirty="0">
+                <a:solidFill>
+                  <a:srgbClr val="A31515"/>
+                </a:solidFill>
+                <a:latin typeface="Consolas" panose="020B0609020204030204" pitchFamily="49" charset="0"/>
+                <a:cs typeface="Consolas" panose="020B0609020204030204" pitchFamily="49" charset="0"/>
+              </a:rPr>
+              <a:t>'file3'</a:t>
+            </a:r>
+            <a:r>
+              <a:rPr lang="en-US" altLang="en-US" sz="2000" dirty="0">
+                <a:solidFill>
+                  <a:srgbClr val="000000"/>
+                </a:solidFill>
+                <a:latin typeface="Consolas" panose="020B0609020204030204" pitchFamily="49" charset="0"/>
+                <a:cs typeface="Consolas" panose="020B0609020204030204" pitchFamily="49" charset="0"/>
+              </a:rPr>
+              <a:t>], </a:t>
+            </a:r>
+            <a:r>
+              <a:rPr lang="en-US" altLang="en-US" sz="2000" dirty="0" err="1">
+                <a:solidFill>
+                  <a:srgbClr val="000000"/>
+                </a:solidFill>
+                <a:latin typeface="Consolas" panose="020B0609020204030204" pitchFamily="49" charset="0"/>
+                <a:cs typeface="Consolas" panose="020B0609020204030204" pitchFamily="49" charset="0"/>
+              </a:rPr>
+              <a:t>fs.stat</a:t>
+            </a:r>
+            <a:r>
+              <a:rPr lang="en-US" altLang="en-US" sz="2000" dirty="0">
+                <a:solidFill>
+                  <a:srgbClr val="000000"/>
+                </a:solidFill>
+                <a:latin typeface="Consolas" panose="020B0609020204030204" pitchFamily="49" charset="0"/>
+                <a:cs typeface="Consolas" panose="020B0609020204030204" pitchFamily="49" charset="0"/>
+              </a:rPr>
+              <a:t>, </a:t>
+            </a:r>
+            <a:r>
+              <a:rPr lang="en-US" altLang="en-US" sz="2000" dirty="0">
+                <a:solidFill>
+                  <a:srgbClr val="0000FF"/>
+                </a:solidFill>
+                <a:latin typeface="Consolas" panose="020B0609020204030204" pitchFamily="49" charset="0"/>
+                <a:cs typeface="Consolas" panose="020B0609020204030204" pitchFamily="49" charset="0"/>
+              </a:rPr>
+              <a:t>function</a:t>
+            </a:r>
+            <a:r>
+              <a:rPr lang="en-US" altLang="en-US" sz="2000" dirty="0">
+                <a:solidFill>
+                  <a:srgbClr val="000000"/>
+                </a:solidFill>
+                <a:latin typeface="Consolas" panose="020B0609020204030204" pitchFamily="49" charset="0"/>
+                <a:cs typeface="Consolas" panose="020B0609020204030204" pitchFamily="49" charset="0"/>
+              </a:rPr>
+              <a:t> (err, results) {</a:t>
+            </a:r>
+          </a:p>
+          <a:p>
+            <a:pPr marL="0" lvl="0" indent="0">
+              <a:spcBef>
+                <a:spcPts val="0"/>
+              </a:spcBef>
+              <a:buNone/>
+            </a:pPr>
+            <a:r>
+              <a:rPr lang="en-US" altLang="en-US" sz="2000" dirty="0">
+                <a:solidFill>
+                  <a:srgbClr val="000000"/>
+                </a:solidFill>
+                <a:latin typeface="Consolas" panose="020B0609020204030204" pitchFamily="49" charset="0"/>
+                <a:cs typeface="Consolas" panose="020B0609020204030204" pitchFamily="49" charset="0"/>
+              </a:rPr>
+              <a:t>     </a:t>
+            </a:r>
+            <a:r>
+              <a:rPr lang="en-US" altLang="en-US" sz="2000" dirty="0">
+                <a:solidFill>
+                  <a:srgbClr val="008000"/>
+                </a:solidFill>
+                <a:latin typeface="Consolas" panose="020B0609020204030204" pitchFamily="49" charset="0"/>
+                <a:cs typeface="Consolas" panose="020B0609020204030204" pitchFamily="49" charset="0"/>
+              </a:rPr>
+              <a:t>// results is now an array of stats for each file</a:t>
+            </a:r>
+            <a:r>
+              <a:rPr lang="en-US" altLang="en-US" sz="2000" dirty="0">
+                <a:solidFill>
+                  <a:srgbClr val="000000"/>
+                </a:solidFill>
+                <a:latin typeface="Consolas" panose="020B0609020204030204" pitchFamily="49" charset="0"/>
+                <a:cs typeface="Consolas" panose="020B0609020204030204" pitchFamily="49" charset="0"/>
+              </a:rPr>
+              <a:t> </a:t>
+            </a:r>
+          </a:p>
+          <a:p>
+            <a:pPr marL="0" lvl="0" indent="0">
+              <a:spcBef>
+                <a:spcPts val="0"/>
+              </a:spcBef>
+              <a:buNone/>
+            </a:pPr>
+            <a:r>
+              <a:rPr lang="en-US" altLang="en-US" sz="2000" dirty="0">
+                <a:solidFill>
+                  <a:srgbClr val="000000"/>
+                </a:solidFill>
+                <a:latin typeface="Consolas" panose="020B0609020204030204" pitchFamily="49" charset="0"/>
+                <a:cs typeface="Consolas" panose="020B0609020204030204" pitchFamily="49" charset="0"/>
+              </a:rPr>
+              <a:t>});</a:t>
+            </a:r>
+          </a:p>
+          <a:p>
+            <a:pPr marL="0" lvl="0" indent="0">
+              <a:spcBef>
+                <a:spcPts val="0"/>
+              </a:spcBef>
+              <a:buNone/>
+            </a:pPr>
+            <a:r>
+              <a:rPr lang="en-US" altLang="en-US" sz="2000" dirty="0" err="1">
+                <a:solidFill>
+                  <a:srgbClr val="000000"/>
+                </a:solidFill>
+                <a:latin typeface="Consolas" panose="020B0609020204030204" pitchFamily="49" charset="0"/>
+                <a:cs typeface="Consolas" panose="020B0609020204030204" pitchFamily="49" charset="0"/>
+              </a:rPr>
+              <a:t>async.filter</a:t>
+            </a:r>
+            <a:r>
+              <a:rPr lang="en-US" altLang="en-US" sz="2000" dirty="0">
+                <a:solidFill>
+                  <a:srgbClr val="000000"/>
+                </a:solidFill>
+                <a:latin typeface="Consolas" panose="020B0609020204030204" pitchFamily="49" charset="0"/>
+                <a:cs typeface="Consolas" panose="020B0609020204030204" pitchFamily="49" charset="0"/>
+              </a:rPr>
+              <a:t>([</a:t>
+            </a:r>
+            <a:r>
+              <a:rPr lang="en-US" altLang="en-US" sz="2000" dirty="0">
+                <a:solidFill>
+                  <a:srgbClr val="A31515"/>
+                </a:solidFill>
+                <a:latin typeface="Consolas" panose="020B0609020204030204" pitchFamily="49" charset="0"/>
+                <a:cs typeface="Consolas" panose="020B0609020204030204" pitchFamily="49" charset="0"/>
+              </a:rPr>
+              <a:t>'file1'</a:t>
+            </a:r>
+            <a:r>
+              <a:rPr lang="en-US" altLang="en-US" sz="2000" dirty="0">
+                <a:solidFill>
+                  <a:srgbClr val="000000"/>
+                </a:solidFill>
+                <a:latin typeface="Consolas" panose="020B0609020204030204" pitchFamily="49" charset="0"/>
+                <a:cs typeface="Consolas" panose="020B0609020204030204" pitchFamily="49" charset="0"/>
+              </a:rPr>
+              <a:t>,</a:t>
+            </a:r>
+            <a:r>
+              <a:rPr lang="en-US" altLang="en-US" sz="2000" dirty="0">
+                <a:solidFill>
+                  <a:srgbClr val="A31515"/>
+                </a:solidFill>
+                <a:latin typeface="Consolas" panose="020B0609020204030204" pitchFamily="49" charset="0"/>
+                <a:cs typeface="Consolas" panose="020B0609020204030204" pitchFamily="49" charset="0"/>
+              </a:rPr>
+              <a:t>'file2'</a:t>
+            </a:r>
+            <a:r>
+              <a:rPr lang="en-US" altLang="en-US" sz="2000" dirty="0">
+                <a:solidFill>
+                  <a:srgbClr val="000000"/>
+                </a:solidFill>
+                <a:latin typeface="Consolas" panose="020B0609020204030204" pitchFamily="49" charset="0"/>
+                <a:cs typeface="Consolas" panose="020B0609020204030204" pitchFamily="49" charset="0"/>
+              </a:rPr>
+              <a:t>,</a:t>
+            </a:r>
+            <a:r>
+              <a:rPr lang="en-US" altLang="en-US" sz="2000" dirty="0">
+                <a:solidFill>
+                  <a:srgbClr val="A31515"/>
+                </a:solidFill>
+                <a:latin typeface="Consolas" panose="020B0609020204030204" pitchFamily="49" charset="0"/>
+                <a:cs typeface="Consolas" panose="020B0609020204030204" pitchFamily="49" charset="0"/>
+              </a:rPr>
+              <a:t>'file3'</a:t>
+            </a:r>
+            <a:r>
+              <a:rPr lang="en-US" altLang="en-US" sz="2000" dirty="0">
+                <a:solidFill>
+                  <a:srgbClr val="000000"/>
+                </a:solidFill>
+                <a:latin typeface="Consolas" panose="020B0609020204030204" pitchFamily="49" charset="0"/>
+                <a:cs typeface="Consolas" panose="020B0609020204030204" pitchFamily="49" charset="0"/>
+              </a:rPr>
+              <a:t>], </a:t>
+            </a:r>
+            <a:r>
+              <a:rPr lang="en-US" altLang="en-US" sz="2000" dirty="0" err="1">
+                <a:solidFill>
+                  <a:srgbClr val="000000"/>
+                </a:solidFill>
+                <a:latin typeface="Consolas" panose="020B0609020204030204" pitchFamily="49" charset="0"/>
+                <a:cs typeface="Consolas" panose="020B0609020204030204" pitchFamily="49" charset="0"/>
+              </a:rPr>
+              <a:t>fs.exists</a:t>
+            </a:r>
+            <a:r>
+              <a:rPr lang="en-US" altLang="en-US" sz="2000" dirty="0">
+                <a:solidFill>
+                  <a:srgbClr val="000000"/>
+                </a:solidFill>
+                <a:latin typeface="Consolas" panose="020B0609020204030204" pitchFamily="49" charset="0"/>
+                <a:cs typeface="Consolas" panose="020B0609020204030204" pitchFamily="49" charset="0"/>
+              </a:rPr>
+              <a:t>, </a:t>
+            </a:r>
+            <a:r>
+              <a:rPr lang="en-US" altLang="en-US" sz="2000" dirty="0">
+                <a:solidFill>
+                  <a:srgbClr val="0000FF"/>
+                </a:solidFill>
+                <a:latin typeface="Consolas" panose="020B0609020204030204" pitchFamily="49" charset="0"/>
+                <a:cs typeface="Consolas" panose="020B0609020204030204" pitchFamily="49" charset="0"/>
+              </a:rPr>
+              <a:t>function</a:t>
+            </a:r>
+            <a:r>
+              <a:rPr lang="en-US" altLang="en-US" sz="2000" dirty="0">
+                <a:solidFill>
+                  <a:srgbClr val="000000"/>
+                </a:solidFill>
+                <a:latin typeface="Consolas" panose="020B0609020204030204" pitchFamily="49" charset="0"/>
+                <a:cs typeface="Consolas" panose="020B0609020204030204" pitchFamily="49" charset="0"/>
+              </a:rPr>
+              <a:t> (results) {     </a:t>
+            </a:r>
+          </a:p>
+          <a:p>
+            <a:pPr marL="0" lvl="0" indent="0">
+              <a:spcBef>
+                <a:spcPts val="0"/>
+              </a:spcBef>
+              <a:buNone/>
+            </a:pPr>
+            <a:r>
+              <a:rPr lang="en-US" altLang="en-US" sz="2000" dirty="0">
+                <a:solidFill>
+                  <a:srgbClr val="008000"/>
+                </a:solidFill>
+                <a:latin typeface="Consolas" panose="020B0609020204030204" pitchFamily="49" charset="0"/>
+                <a:cs typeface="Consolas" panose="020B0609020204030204" pitchFamily="49" charset="0"/>
+              </a:rPr>
+              <a:t>     // results now equals an array of the existing files</a:t>
+            </a:r>
+            <a:r>
+              <a:rPr lang="en-US" altLang="en-US" sz="2000" dirty="0">
+                <a:solidFill>
+                  <a:srgbClr val="000000"/>
+                </a:solidFill>
+                <a:latin typeface="Consolas" panose="020B0609020204030204" pitchFamily="49" charset="0"/>
+                <a:cs typeface="Consolas" panose="020B0609020204030204" pitchFamily="49" charset="0"/>
+              </a:rPr>
+              <a:t> </a:t>
+            </a:r>
+          </a:p>
+          <a:p>
+            <a:pPr marL="0" lvl="0" indent="0">
+              <a:spcBef>
+                <a:spcPts val="0"/>
+              </a:spcBef>
+              <a:buNone/>
+            </a:pPr>
+            <a:r>
+              <a:rPr lang="en-US" altLang="en-US" sz="2000" dirty="0">
+                <a:solidFill>
+                  <a:srgbClr val="000000"/>
+                </a:solidFill>
+                <a:latin typeface="Consolas" panose="020B0609020204030204" pitchFamily="49" charset="0"/>
+                <a:cs typeface="Consolas" panose="020B0609020204030204" pitchFamily="49" charset="0"/>
+              </a:rPr>
+              <a:t>}); </a:t>
+            </a:r>
+          </a:p>
+          <a:p>
+            <a:pPr marL="0" lvl="0" indent="0">
+              <a:spcBef>
+                <a:spcPts val="0"/>
+              </a:spcBef>
+              <a:buNone/>
+            </a:pPr>
+            <a:r>
+              <a:rPr lang="en-US" altLang="en-US" sz="2000" dirty="0" err="1" smtClean="0">
+                <a:solidFill>
+                  <a:srgbClr val="000000"/>
+                </a:solidFill>
+                <a:latin typeface="Consolas" panose="020B0609020204030204" pitchFamily="49" charset="0"/>
+                <a:cs typeface="Consolas" panose="020B0609020204030204" pitchFamily="49" charset="0"/>
+              </a:rPr>
+              <a:t>async.parallel</a:t>
+            </a:r>
+            <a:r>
+              <a:rPr lang="en-US" altLang="en-US" sz="2000" dirty="0" smtClean="0">
+                <a:solidFill>
+                  <a:srgbClr val="000000"/>
+                </a:solidFill>
+                <a:latin typeface="Consolas" panose="020B0609020204030204" pitchFamily="49" charset="0"/>
+                <a:cs typeface="Consolas" panose="020B0609020204030204" pitchFamily="49" charset="0"/>
+              </a:rPr>
+              <a:t>([</a:t>
+            </a:r>
+          </a:p>
+          <a:p>
+            <a:pPr marL="0" lvl="0" indent="0">
+              <a:spcBef>
+                <a:spcPts val="0"/>
+              </a:spcBef>
+              <a:buNone/>
+            </a:pPr>
+            <a:r>
+              <a:rPr lang="en-US" altLang="en-US" sz="2000" dirty="0" smtClean="0">
+                <a:solidFill>
+                  <a:srgbClr val="000000"/>
+                </a:solidFill>
+                <a:latin typeface="Consolas" panose="020B0609020204030204" pitchFamily="49" charset="0"/>
+                <a:cs typeface="Consolas" panose="020B0609020204030204" pitchFamily="49" charset="0"/>
+              </a:rPr>
+              <a:t> </a:t>
+            </a:r>
+            <a:r>
+              <a:rPr lang="en-US" altLang="en-US" sz="2000" dirty="0">
+                <a:solidFill>
+                  <a:srgbClr val="000000"/>
+                </a:solidFill>
+                <a:latin typeface="Consolas" panose="020B0609020204030204" pitchFamily="49" charset="0"/>
+                <a:cs typeface="Consolas" panose="020B0609020204030204" pitchFamily="49" charset="0"/>
+              </a:rPr>
+              <a:t>    </a:t>
+            </a:r>
+            <a:r>
+              <a:rPr lang="en-US" altLang="en-US" sz="2000" dirty="0">
+                <a:solidFill>
+                  <a:srgbClr val="0000FF"/>
+                </a:solidFill>
+                <a:latin typeface="Consolas" panose="020B0609020204030204" pitchFamily="49" charset="0"/>
+                <a:cs typeface="Consolas" panose="020B0609020204030204" pitchFamily="49" charset="0"/>
+              </a:rPr>
+              <a:t>function</a:t>
+            </a:r>
+            <a:r>
+              <a:rPr lang="en-US" altLang="en-US" sz="2000" dirty="0">
+                <a:solidFill>
+                  <a:srgbClr val="000000"/>
+                </a:solidFill>
+                <a:latin typeface="Consolas" panose="020B0609020204030204" pitchFamily="49" charset="0"/>
+                <a:cs typeface="Consolas" panose="020B0609020204030204" pitchFamily="49" charset="0"/>
+              </a:rPr>
+              <a:t> () {  },</a:t>
+            </a:r>
+          </a:p>
+          <a:p>
+            <a:pPr marL="0" lvl="0" indent="0">
+              <a:spcBef>
+                <a:spcPts val="0"/>
+              </a:spcBef>
+              <a:buNone/>
+            </a:pPr>
+            <a:r>
+              <a:rPr lang="en-US" altLang="en-US" sz="2000" dirty="0">
+                <a:solidFill>
+                  <a:srgbClr val="000000"/>
+                </a:solidFill>
+                <a:latin typeface="Consolas" panose="020B0609020204030204" pitchFamily="49" charset="0"/>
+                <a:cs typeface="Consolas" panose="020B0609020204030204" pitchFamily="49" charset="0"/>
+              </a:rPr>
+              <a:t>     </a:t>
+            </a:r>
+            <a:r>
+              <a:rPr lang="en-US" altLang="en-US" sz="2000" dirty="0">
+                <a:solidFill>
+                  <a:srgbClr val="0000FF"/>
+                </a:solidFill>
+                <a:latin typeface="Consolas" panose="020B0609020204030204" pitchFamily="49" charset="0"/>
+                <a:cs typeface="Consolas" panose="020B0609020204030204" pitchFamily="49" charset="0"/>
+              </a:rPr>
+              <a:t>function</a:t>
+            </a:r>
+            <a:r>
+              <a:rPr lang="en-US" altLang="en-US" sz="2000" dirty="0">
+                <a:solidFill>
+                  <a:srgbClr val="000000"/>
+                </a:solidFill>
+                <a:latin typeface="Consolas" panose="020B0609020204030204" pitchFamily="49" charset="0"/>
+                <a:cs typeface="Consolas" panose="020B0609020204030204" pitchFamily="49" charset="0"/>
+              </a:rPr>
+              <a:t> () {  }</a:t>
+            </a:r>
+          </a:p>
+          <a:p>
+            <a:pPr marL="0" lvl="0" indent="0">
+              <a:spcBef>
+                <a:spcPts val="0"/>
+              </a:spcBef>
+              <a:buNone/>
+            </a:pPr>
+            <a:r>
+              <a:rPr lang="en-US" altLang="en-US" sz="2000" dirty="0">
+                <a:solidFill>
+                  <a:srgbClr val="000000"/>
+                </a:solidFill>
+                <a:latin typeface="Consolas" panose="020B0609020204030204" pitchFamily="49" charset="0"/>
+                <a:cs typeface="Consolas" panose="020B0609020204030204" pitchFamily="49" charset="0"/>
+              </a:rPr>
+              <a:t>], callback);</a:t>
+            </a:r>
+          </a:p>
+          <a:p>
+            <a:pPr marL="0" lvl="0" indent="0">
+              <a:spcBef>
+                <a:spcPts val="0"/>
+              </a:spcBef>
+              <a:buNone/>
+            </a:pPr>
+            <a:r>
+              <a:rPr lang="en-US" altLang="en-US" sz="2000" dirty="0" err="1">
+                <a:solidFill>
+                  <a:srgbClr val="000000"/>
+                </a:solidFill>
+                <a:latin typeface="Consolas" panose="020B0609020204030204" pitchFamily="49" charset="0"/>
+                <a:cs typeface="Consolas" panose="020B0609020204030204" pitchFamily="49" charset="0"/>
+              </a:rPr>
+              <a:t>async.series</a:t>
+            </a:r>
+            <a:r>
+              <a:rPr lang="en-US" altLang="en-US" sz="2000" dirty="0">
+                <a:solidFill>
+                  <a:srgbClr val="000000"/>
+                </a:solidFill>
+                <a:latin typeface="Consolas" panose="020B0609020204030204" pitchFamily="49" charset="0"/>
+                <a:cs typeface="Consolas" panose="020B0609020204030204" pitchFamily="49" charset="0"/>
+              </a:rPr>
+              <a:t>([</a:t>
+            </a:r>
+          </a:p>
+          <a:p>
+            <a:pPr marL="0" lvl="0" indent="0">
+              <a:spcBef>
+                <a:spcPts val="0"/>
+              </a:spcBef>
+              <a:buNone/>
+            </a:pPr>
+            <a:r>
+              <a:rPr lang="en-US" altLang="en-US" sz="2000" dirty="0">
+                <a:solidFill>
+                  <a:srgbClr val="000000"/>
+                </a:solidFill>
+                <a:latin typeface="Consolas" panose="020B0609020204030204" pitchFamily="49" charset="0"/>
+                <a:cs typeface="Consolas" panose="020B0609020204030204" pitchFamily="49" charset="0"/>
+              </a:rPr>
+              <a:t>     </a:t>
+            </a:r>
+            <a:r>
+              <a:rPr lang="en-US" altLang="en-US" sz="2000" dirty="0">
+                <a:solidFill>
+                  <a:srgbClr val="0000FF"/>
+                </a:solidFill>
+                <a:latin typeface="Consolas" panose="020B0609020204030204" pitchFamily="49" charset="0"/>
+                <a:cs typeface="Consolas" panose="020B0609020204030204" pitchFamily="49" charset="0"/>
+              </a:rPr>
+              <a:t>function</a:t>
+            </a:r>
+            <a:r>
+              <a:rPr lang="en-US" altLang="en-US" sz="2000" dirty="0">
+                <a:solidFill>
+                  <a:srgbClr val="000000"/>
+                </a:solidFill>
+                <a:latin typeface="Consolas" panose="020B0609020204030204" pitchFamily="49" charset="0"/>
+                <a:cs typeface="Consolas" panose="020B0609020204030204" pitchFamily="49" charset="0"/>
+              </a:rPr>
+              <a:t> () {  },</a:t>
+            </a:r>
+          </a:p>
+          <a:p>
+            <a:pPr marL="0" lvl="0" indent="0">
+              <a:spcBef>
+                <a:spcPts val="0"/>
+              </a:spcBef>
+              <a:buNone/>
+            </a:pPr>
+            <a:r>
+              <a:rPr lang="en-US" altLang="en-US" sz="2000" dirty="0">
+                <a:solidFill>
+                  <a:srgbClr val="000000"/>
+                </a:solidFill>
+                <a:latin typeface="Consolas" panose="020B0609020204030204" pitchFamily="49" charset="0"/>
+                <a:cs typeface="Consolas" panose="020B0609020204030204" pitchFamily="49" charset="0"/>
+              </a:rPr>
+              <a:t>     </a:t>
+            </a:r>
+            <a:r>
+              <a:rPr lang="en-US" altLang="en-US" sz="2000" dirty="0">
+                <a:solidFill>
+                  <a:srgbClr val="0000FF"/>
+                </a:solidFill>
+                <a:latin typeface="Consolas" panose="020B0609020204030204" pitchFamily="49" charset="0"/>
+                <a:cs typeface="Consolas" panose="020B0609020204030204" pitchFamily="49" charset="0"/>
+              </a:rPr>
+              <a:t>function</a:t>
+            </a:r>
+            <a:r>
+              <a:rPr lang="en-US" altLang="en-US" sz="2000" dirty="0">
+                <a:solidFill>
+                  <a:srgbClr val="000000"/>
+                </a:solidFill>
+                <a:latin typeface="Consolas" panose="020B0609020204030204" pitchFamily="49" charset="0"/>
+                <a:cs typeface="Consolas" panose="020B0609020204030204" pitchFamily="49" charset="0"/>
+              </a:rPr>
+              <a:t> () {  }</a:t>
+            </a:r>
+          </a:p>
+          <a:p>
+            <a:pPr marL="0" lvl="0" indent="0">
+              <a:spcBef>
+                <a:spcPts val="0"/>
+              </a:spcBef>
+              <a:buNone/>
+            </a:pPr>
+            <a:r>
+              <a:rPr lang="en-US" altLang="en-US" sz="2000" dirty="0">
+                <a:solidFill>
+                  <a:srgbClr val="000000"/>
+                </a:solidFill>
+                <a:latin typeface="Consolas" panose="020B0609020204030204" pitchFamily="49" charset="0"/>
+                <a:cs typeface="Consolas" panose="020B0609020204030204" pitchFamily="49" charset="0"/>
+              </a:rPr>
+              <a:t>]);</a:t>
+            </a:r>
+            <a:endParaRPr lang="en-US" altLang="en-US" sz="2000" dirty="0">
+              <a:latin typeface="Arial" panose="020B0604020202020204" pitchFamily="34" charset="0"/>
+            </a:endParaRPr>
+          </a:p>
+          <a:p>
+            <a:pPr marL="0" indent="0">
+              <a:buNone/>
+            </a:pPr>
+            <a:endParaRPr lang="en-US" sz="1800" dirty="0"/>
           </a:p>
           <a:p>
             <a:pPr marL="0" indent="0">
@@ -10558,38 +11983,10 @@
             <a:endParaRPr lang="en-US" dirty="0"/>
           </a:p>
           <a:p>
-            <a:pPr marL="0" indent="0">
-              <a:buNone/>
-            </a:pPr>
-            <a:r>
-              <a:rPr lang="en-US" dirty="0"/>
-              <a:t>Frequent Usage:</a:t>
-            </a:r>
-          </a:p>
-          <a:p>
-            <a:r>
-              <a:rPr lang="en-US" dirty="0" err="1"/>
-              <a:t>npm</a:t>
-            </a:r>
-            <a:r>
-              <a:rPr lang="en-US" dirty="0"/>
-              <a:t> install --save </a:t>
-            </a:r>
-            <a:r>
-              <a:rPr lang="en-US" i="1" dirty="0" err="1"/>
-              <a:t>package_name</a:t>
-            </a:r>
-            <a:endParaRPr lang="en-US" i="1" dirty="0"/>
-          </a:p>
-          <a:p>
-            <a:r>
-              <a:rPr lang="en-US" dirty="0" err="1"/>
-              <a:t>npm</a:t>
-            </a:r>
-            <a:r>
-              <a:rPr lang="en-US" dirty="0"/>
-              <a:t> update</a:t>
-            </a:r>
+            <a:endParaRPr lang="en-US" dirty="0"/>
+          </a:p>
+          <a:p>
+            <a:endParaRPr lang="en-US" dirty="0"/>
           </a:p>
           <a:p>
             <a:pPr marL="0" indent="0">
@@ -10602,7 +11999,7 @@
     </p:spTree>
     <p:extLst>
       <p:ext uri="{BB962C8B-B14F-4D97-AF65-F5344CB8AC3E}">
-        <p14:creationId xmlns:p14="http://schemas.microsoft.com/office/powerpoint/2010/main" val="387868293"/>
+        <p14:creationId xmlns:p14="http://schemas.microsoft.com/office/powerpoint/2010/main" val="3981174589"/>
       </p:ext>
     </p:extLst>
   </p:cSld>
@@ -10646,15 +12043,7 @@
           <a:p>
             <a:r>
               <a:rPr lang="en-US" dirty="0" smtClean="0"/>
-              <a:t>What is a </a:t>
-            </a:r>
-            <a:r>
-              <a:rPr lang="en-US" dirty="0" err="1" smtClean="0"/>
-              <a:t>package.json</a:t>
-            </a:r>
-            <a:r>
-              <a:rPr lang="en-US" dirty="0" smtClean="0"/>
-              <a:t>?</a:t>
+              <a:t>Request Module</a:t>
             </a:r>
             <a:endParaRPr lang="en-US" dirty="0"/>
           </a:p>
@@ -10662,754 +12051,263 @@
       </p:sp>
       <p:sp>
         <p:nvSpPr>
-          <p:cNvPr id="5" name="Rectangle 2"/>
-          <p:cNvSpPr>
-            <a:spLocks noGrp="1" noChangeArrowheads="1"/>
+          <p:cNvPr id="3" name="Content Placeholder 2"/>
+          <p:cNvSpPr>
+            <a:spLocks noGrp="1"/>
           </p:cNvSpPr>
           <p:nvPr>
-            <p:ph idx="4294967295"/>
+            <p:ph sz="quarter" idx="10"/>
           </p:nvPr>
         </p:nvSpPr>
-        <p:spPr bwMode="auto">
-          <a:xfrm>
-            <a:off x="379514" y="937926"/>
-            <a:ext cx="9677649" cy="5016758"/>
-          </a:xfrm>
-          <a:prstGeom prst="rect">
-            <a:avLst/>
-          </a:prstGeom>
-          <a:solidFill>
-            <a:srgbClr val="FFFFFF"/>
-          </a:solidFill>
-          <a:ln>
-            <a:noFill/>
-          </a:ln>
-          <a:effectLst/>
-          <a:extLst>
-            <a:ext uri="{91240B29-F687-4F45-9708-019B960494DF}">
-              <a14:hiddenLine xmlns:a14="http://schemas.microsoft.com/office/drawing/2010/main" w="9525">
-                <a:solidFill>
-                  <a:schemeClr val="tx1"/>
-                </a:solidFill>
-                <a:miter lim="800000"/>
-                <a:headEnd/>
-                <a:tailEnd/>
-              </a14:hiddenLine>
-            </a:ext>
-            <a:ext uri="{AF507438-7753-43E0-B8FC-AC1667EBCBE1}">
-              <a14:hiddenEffects xmlns:a14="http://schemas.microsoft.com/office/drawing/2010/main">
-                <a:effectLst>
-                  <a:outerShdw dist="35921" dir="2700000" algn="ctr" rotWithShape="0">
-                    <a:schemeClr val="bg2"/>
-                  </a:outerShdw>
-                </a:effectLst>
-              </a14:hiddenEffects>
-            </a:ext>
-          </a:extLst>
-        </p:spPr>
+        <p:spPr/>
         <p:txBody>
-          <a:bodyPr vert="horz" wrap="none" lIns="91440" tIns="45720" rIns="91440" bIns="45720" numCol="1" anchor="ctr" anchorCtr="0" compatLnSpc="1">
-            <a:prstTxWarp prst="textNoShape">
-              <a:avLst/>
-            </a:prstTxWarp>
-            <a:spAutoFit/>
-          </a:bodyPr>
+          <a:bodyPr/>
           <a:lstStyle/>
           <a:p>
-            <a:pPr marL="0" marR="0" lvl="0" indent="0" algn="l" defTabSz="914400" rtl="0" eaLnBrk="0" fontAlgn="base" latinLnBrk="0" hangingPunct="0">
+            <a:pPr marL="0" indent="0">
+              <a:buNone/>
+            </a:pPr>
+            <a:r>
+              <a:rPr lang="en-US" dirty="0"/>
+              <a:t>Request is designed to be the simplest way possible to make http calls. It supports HTTPS, streaming and follows redirects by default.</a:t>
+            </a:r>
+          </a:p>
+          <a:p>
+            <a:pPr marL="0" indent="0">
+              <a:buNone/>
+            </a:pPr>
+            <a:endParaRPr lang="en-US" dirty="0"/>
+          </a:p>
+          <a:p>
+            <a:pPr marL="0" lvl="0" indent="0">
               <a:lnSpc>
-                <a:spcPct val="100000"/>
+                <a:spcPct val="110000"/>
               </a:lnSpc>
               <a:spcBef>
-                <a:spcPct val="0"/>
+                <a:spcPts val="0"/>
               </a:spcBef>
-              <a:spcAft>
-                <a:spcPct val="0"/>
-              </a:spcAft>
-              <a:buClrTx/>
-              <a:buSzTx/>
-              <a:buFontTx/>
-              <a:buNone/>
-              <a:tabLst/>
+              <a:buNone/>
             </a:pPr>
             <a:r>
-              <a:rPr kumimoji="0" lang="en-US" altLang="en-US" b="0" i="0" u="none" strike="noStrike" cap="none" normalizeH="0" baseline="0" dirty="0" smtClean="0">
-                <a:ln>
-                  <a:noFill/>
-                </a:ln>
+              <a:rPr lang="en-US" altLang="en-US" sz="2400" dirty="0" err="1">
+                <a:solidFill>
+                  <a:srgbClr val="0000FF"/>
+                </a:solidFill>
+                <a:latin typeface="Consolas" panose="020B0609020204030204" pitchFamily="49" charset="0"/>
+                <a:cs typeface="Consolas" panose="020B0609020204030204" pitchFamily="49" charset="0"/>
+              </a:rPr>
+              <a:t>var</a:t>
+            </a:r>
+            <a:r>
+              <a:rPr lang="en-US" altLang="en-US" sz="2400" dirty="0">
                 <a:solidFill>
                   <a:srgbClr val="000000"/>
                 </a:solidFill>
-                <a:effectLst/>
-                <a:latin typeface="Consolas" panose="020B0609020204030204" pitchFamily="49" charset="0"/>
-                <a:cs typeface="Consolas" panose="020B0609020204030204" pitchFamily="49" charset="0"/>
-              </a:rPr>
-              <a:t>{</a:t>
-            </a:r>
-          </a:p>
-          <a:p>
-            <a:pPr marL="0" marR="0" lvl="0" indent="0" algn="l" defTabSz="914400" rtl="0" eaLnBrk="0" fontAlgn="base" latinLnBrk="0" hangingPunct="0">
+                <a:latin typeface="Consolas" panose="020B0609020204030204" pitchFamily="49" charset="0"/>
+                <a:cs typeface="Consolas" panose="020B0609020204030204" pitchFamily="49" charset="0"/>
+              </a:rPr>
+              <a:t> request = require(</a:t>
+            </a:r>
+            <a:r>
+              <a:rPr lang="en-US" altLang="en-US" sz="2400" dirty="0">
+                <a:solidFill>
+                  <a:srgbClr val="A31515"/>
+                </a:solidFill>
+                <a:latin typeface="Consolas" panose="020B0609020204030204" pitchFamily="49" charset="0"/>
+                <a:cs typeface="Consolas" panose="020B0609020204030204" pitchFamily="49" charset="0"/>
+              </a:rPr>
+              <a:t>'request'</a:t>
+            </a:r>
+            <a:r>
+              <a:rPr lang="en-US" altLang="en-US" sz="2400" dirty="0">
+                <a:solidFill>
+                  <a:srgbClr val="000000"/>
+                </a:solidFill>
+                <a:latin typeface="Consolas" panose="020B0609020204030204" pitchFamily="49" charset="0"/>
+                <a:cs typeface="Consolas" panose="020B0609020204030204" pitchFamily="49" charset="0"/>
+              </a:rPr>
+              <a:t>); request(</a:t>
+            </a:r>
+            <a:r>
+              <a:rPr lang="en-US" altLang="en-US" sz="2400" dirty="0">
+                <a:solidFill>
+                  <a:srgbClr val="A31515"/>
+                </a:solidFill>
+                <a:latin typeface="Consolas" panose="020B0609020204030204" pitchFamily="49" charset="0"/>
+                <a:cs typeface="Consolas" panose="020B0609020204030204" pitchFamily="49" charset="0"/>
+              </a:rPr>
+              <a:t>'http://www.microsoft.com'</a:t>
+            </a:r>
+            <a:r>
+              <a:rPr lang="en-US" altLang="en-US" sz="2400" dirty="0">
+                <a:solidFill>
+                  <a:srgbClr val="000000"/>
+                </a:solidFill>
+                <a:latin typeface="Consolas" panose="020B0609020204030204" pitchFamily="49" charset="0"/>
+                <a:cs typeface="Consolas" panose="020B0609020204030204" pitchFamily="49" charset="0"/>
+              </a:rPr>
+              <a:t>, </a:t>
+            </a:r>
+            <a:r>
+              <a:rPr lang="en-US" altLang="en-US" sz="2400" dirty="0">
+                <a:solidFill>
+                  <a:srgbClr val="0000FF"/>
+                </a:solidFill>
+                <a:latin typeface="Consolas" panose="020B0609020204030204" pitchFamily="49" charset="0"/>
+                <a:cs typeface="Consolas" panose="020B0609020204030204" pitchFamily="49" charset="0"/>
+              </a:rPr>
+              <a:t>function</a:t>
+            </a:r>
+            <a:r>
+              <a:rPr lang="en-US" altLang="en-US" sz="2400" dirty="0">
+                <a:solidFill>
+                  <a:srgbClr val="000000"/>
+                </a:solidFill>
+                <a:latin typeface="Consolas" panose="020B0609020204030204" pitchFamily="49" charset="0"/>
+                <a:cs typeface="Consolas" panose="020B0609020204030204" pitchFamily="49" charset="0"/>
+              </a:rPr>
+              <a:t> (error, response, body) {</a:t>
+            </a:r>
+          </a:p>
+          <a:p>
+            <a:pPr marL="0" lvl="0" indent="0">
               <a:lnSpc>
-                <a:spcPct val="100000"/>
+                <a:spcPct val="110000"/>
               </a:lnSpc>
               <a:spcBef>
-                <a:spcPct val="0"/>
+                <a:spcPts val="0"/>
               </a:spcBef>
-              <a:spcAft>
-                <a:spcPct val="0"/>
-              </a:spcAft>
-              <a:buClrTx/>
-              <a:buSzTx/>
-              <a:buFontTx/>
-              <a:buNone/>
-              <a:tabLst/>
+              <a:buNone/>
             </a:pPr>
             <a:r>
-              <a:rPr kumimoji="0" lang="en-US" altLang="en-US" b="0" i="0" u="none" strike="noStrike" cap="none" normalizeH="0" baseline="0" dirty="0" smtClean="0">
-                <a:ln>
-                  <a:noFill/>
-                </a:ln>
+              <a:rPr lang="en-US" altLang="en-US" sz="2400" dirty="0">
                 <a:solidFill>
                   <a:srgbClr val="000000"/>
                 </a:solidFill>
-                <a:effectLst/>
-                <a:latin typeface="Consolas" panose="020B0609020204030204" pitchFamily="49" charset="0"/>
-                <a:cs typeface="Consolas" panose="020B0609020204030204" pitchFamily="49" charset="0"/>
-              </a:rPr>
-              <a:t>   </a:t>
-            </a:r>
-            <a:r>
-              <a:rPr kumimoji="0" lang="en-US" altLang="en-US" b="0" i="0" u="none" strike="noStrike" cap="none" normalizeH="0" baseline="0" dirty="0" smtClean="0">
-                <a:ln>
-                  <a:noFill/>
-                </a:ln>
-                <a:solidFill>
-                  <a:srgbClr val="2E75B6"/>
-                </a:solidFill>
-                <a:effectLst/>
-                <a:latin typeface="Consolas" panose="020B0609020204030204" pitchFamily="49" charset="0"/>
-                <a:cs typeface="Consolas" panose="020B0609020204030204" pitchFamily="49" charset="0"/>
-              </a:rPr>
-              <a:t>"name"</a:t>
-            </a:r>
-            <a:r>
-              <a:rPr kumimoji="0" lang="en-US" altLang="en-US" b="0" i="0" u="none" strike="noStrike" cap="none" normalizeH="0" baseline="0" dirty="0" smtClean="0">
-                <a:ln>
-                  <a:noFill/>
-                </a:ln>
+                <a:latin typeface="Consolas" panose="020B0609020204030204" pitchFamily="49" charset="0"/>
+                <a:cs typeface="Consolas" panose="020B0609020204030204" pitchFamily="49" charset="0"/>
+              </a:rPr>
+              <a:t>     </a:t>
+            </a:r>
+            <a:r>
+              <a:rPr lang="en-US" altLang="en-US" sz="2400" dirty="0">
+                <a:solidFill>
+                  <a:srgbClr val="0000FF"/>
+                </a:solidFill>
+                <a:latin typeface="Consolas" panose="020B0609020204030204" pitchFamily="49" charset="0"/>
+                <a:cs typeface="Consolas" panose="020B0609020204030204" pitchFamily="49" charset="0"/>
+              </a:rPr>
+              <a:t>if</a:t>
+            </a:r>
+            <a:r>
+              <a:rPr lang="en-US" altLang="en-US" sz="2400" dirty="0">
                 <a:solidFill>
                   <a:srgbClr val="000000"/>
                 </a:solidFill>
-                <a:effectLst/>
-                <a:latin typeface="Consolas" panose="020B0609020204030204" pitchFamily="49" charset="0"/>
-                <a:cs typeface="Consolas" panose="020B0609020204030204" pitchFamily="49" charset="0"/>
-              </a:rPr>
-              <a:t>: </a:t>
-            </a:r>
-            <a:r>
-              <a:rPr kumimoji="0" lang="en-US" altLang="en-US" b="0" i="0" u="none" strike="noStrike" cap="none" normalizeH="0" baseline="0" dirty="0" smtClean="0">
-                <a:ln>
-                  <a:noFill/>
-                </a:ln>
-                <a:solidFill>
-                  <a:srgbClr val="A31515"/>
-                </a:solidFill>
-                <a:effectLst/>
-                <a:latin typeface="Consolas" panose="020B0609020204030204" pitchFamily="49" charset="0"/>
-                <a:cs typeface="Consolas" panose="020B0609020204030204" pitchFamily="49" charset="0"/>
-              </a:rPr>
-              <a:t>"Node101"</a:t>
-            </a:r>
-            <a:r>
-              <a:rPr kumimoji="0" lang="en-US" altLang="en-US" b="0" i="0" u="none" strike="noStrike" cap="none" normalizeH="0" baseline="0" dirty="0" smtClean="0">
-                <a:ln>
-                  <a:noFill/>
-                </a:ln>
+                <a:latin typeface="Consolas" panose="020B0609020204030204" pitchFamily="49" charset="0"/>
+                <a:cs typeface="Consolas" panose="020B0609020204030204" pitchFamily="49" charset="0"/>
+              </a:rPr>
+              <a:t> (!error &amp;&amp; </a:t>
+            </a:r>
+            <a:r>
+              <a:rPr lang="en-US" altLang="en-US" sz="2400" dirty="0" err="1">
                 <a:solidFill>
                   <a:srgbClr val="000000"/>
                 </a:solidFill>
-                <a:effectLst/>
-                <a:latin typeface="Consolas" panose="020B0609020204030204" pitchFamily="49" charset="0"/>
-                <a:cs typeface="Consolas" panose="020B0609020204030204" pitchFamily="49" charset="0"/>
-              </a:rPr>
-              <a:t>,</a:t>
-            </a:r>
-          </a:p>
-          <a:p>
-            <a:pPr marL="0" marR="0" lvl="0" indent="0" algn="l" defTabSz="914400" rtl="0" eaLnBrk="0" fontAlgn="base" latinLnBrk="0" hangingPunct="0">
+                <a:latin typeface="Consolas" panose="020B0609020204030204" pitchFamily="49" charset="0"/>
+                <a:cs typeface="Consolas" panose="020B0609020204030204" pitchFamily="49" charset="0"/>
+              </a:rPr>
+              <a:t>response.statusCode</a:t>
+            </a:r>
+            <a:r>
+              <a:rPr lang="en-US" altLang="en-US" sz="2400" dirty="0">
+                <a:solidFill>
+                  <a:srgbClr val="000000"/>
+                </a:solidFill>
+                <a:latin typeface="Consolas" panose="020B0609020204030204" pitchFamily="49" charset="0"/>
+                <a:cs typeface="Consolas" panose="020B0609020204030204" pitchFamily="49" charset="0"/>
+              </a:rPr>
+              <a:t> == 200) {</a:t>
+            </a:r>
+          </a:p>
+          <a:p>
+            <a:pPr marL="0" lvl="0" indent="0">
               <a:lnSpc>
-                <a:spcPct val="100000"/>
+                <a:spcPct val="110000"/>
               </a:lnSpc>
               <a:spcBef>
-                <a:spcPct val="0"/>
+                <a:spcPts val="0"/>
               </a:spcBef>
-              <a:spcAft>
-                <a:spcPct val="0"/>
-              </a:spcAft>
-              <a:buClrTx/>
-              <a:buSzTx/>
-              <a:buFontTx/>
-              <a:buNone/>
-              <a:tabLst/>
+              <a:buNone/>
             </a:pPr>
             <a:r>
-              <a:rPr kumimoji="0" lang="en-US" altLang="en-US" b="0" i="0" u="none" strike="noStrike" cap="none" normalizeH="0" baseline="0" dirty="0" smtClean="0">
-                <a:ln>
-                  <a:noFill/>
-                </a:ln>
+              <a:rPr lang="en-US" altLang="en-US" sz="2400" dirty="0">
                 <a:solidFill>
                   <a:srgbClr val="000000"/>
                 </a:solidFill>
-                <a:effectLst/>
-                <a:latin typeface="Consolas" panose="020B0609020204030204" pitchFamily="49" charset="0"/>
-                <a:cs typeface="Consolas" panose="020B0609020204030204" pitchFamily="49" charset="0"/>
-              </a:rPr>
-              <a:t>   </a:t>
-            </a:r>
-            <a:r>
-              <a:rPr kumimoji="0" lang="en-US" altLang="en-US" b="0" i="0" u="none" strike="noStrike" cap="none" normalizeH="0" baseline="0" dirty="0" smtClean="0">
-                <a:ln>
-                  <a:noFill/>
-                </a:ln>
-                <a:solidFill>
-                  <a:srgbClr val="2E75B6"/>
-                </a:solidFill>
-                <a:effectLst/>
-                <a:latin typeface="Consolas" panose="020B0609020204030204" pitchFamily="49" charset="0"/>
-                <a:cs typeface="Consolas" panose="020B0609020204030204" pitchFamily="49" charset="0"/>
-              </a:rPr>
-              <a:t>"version"</a:t>
-            </a:r>
-            <a:r>
-              <a:rPr kumimoji="0" lang="en-US" altLang="en-US" b="0" i="0" u="none" strike="noStrike" cap="none" normalizeH="0" baseline="0" dirty="0" smtClean="0">
-                <a:ln>
-                  <a:noFill/>
-                </a:ln>
-                <a:solidFill>
-                  <a:srgbClr val="000000"/>
-                </a:solidFill>
-                <a:effectLst/>
-                <a:latin typeface="Consolas" panose="020B0609020204030204" pitchFamily="49" charset="0"/>
-                <a:cs typeface="Consolas" panose="020B0609020204030204" pitchFamily="49" charset="0"/>
-              </a:rPr>
-              <a:t>: </a:t>
-            </a:r>
-            <a:r>
-              <a:rPr kumimoji="0" lang="en-US" altLang="en-US" b="0" i="0" u="none" strike="noStrike" cap="none" normalizeH="0" baseline="0" dirty="0" smtClean="0">
-                <a:ln>
-                  <a:noFill/>
-                </a:ln>
-                <a:solidFill>
-                  <a:srgbClr val="A31515"/>
-                </a:solidFill>
-                <a:effectLst/>
-                <a:latin typeface="Consolas" panose="020B0609020204030204" pitchFamily="49" charset="0"/>
-                <a:cs typeface="Consolas" panose="020B0609020204030204" pitchFamily="49" charset="0"/>
-              </a:rPr>
-              <a:t>"0.1.0"</a:t>
-            </a:r>
-            <a:r>
-              <a:rPr kumimoji="0" lang="en-US" altLang="en-US" b="0" i="0" u="none" strike="noStrike" cap="none" normalizeH="0" baseline="0" dirty="0" smtClean="0">
-                <a:ln>
-                  <a:noFill/>
-                </a:ln>
-                <a:solidFill>
-                  <a:srgbClr val="000000"/>
-                </a:solidFill>
-                <a:effectLst/>
-                <a:latin typeface="Consolas" panose="020B0609020204030204" pitchFamily="49" charset="0"/>
-                <a:cs typeface="Consolas" panose="020B0609020204030204" pitchFamily="49" charset="0"/>
-              </a:rPr>
-              <a:t>,</a:t>
-            </a:r>
-          </a:p>
-          <a:p>
-            <a:pPr marL="0" lvl="0" indent="0" eaLnBrk="0" fontAlgn="base" hangingPunct="0">
+                <a:latin typeface="Consolas" panose="020B0609020204030204" pitchFamily="49" charset="0"/>
+                <a:cs typeface="Consolas" panose="020B0609020204030204" pitchFamily="49" charset="0"/>
+              </a:rPr>
+              <a:t>		console.log(body);</a:t>
+            </a:r>
+          </a:p>
+          <a:p>
+            <a:pPr marL="0" lvl="0" indent="0">
               <a:lnSpc>
-                <a:spcPct val="100000"/>
+                <a:spcPct val="110000"/>
               </a:lnSpc>
               <a:spcBef>
-                <a:spcPct val="0"/>
+                <a:spcPts val="0"/>
               </a:spcBef>
-              <a:spcAft>
-                <a:spcPct val="0"/>
-              </a:spcAft>
               <a:buNone/>
             </a:pPr>
             <a:r>
-              <a:rPr kumimoji="0" lang="en-US" altLang="en-US" b="0" i="0" u="none" strike="noStrike" cap="none" normalizeH="0" baseline="0" dirty="0" smtClean="0">
-                <a:ln>
-                  <a:noFill/>
-                </a:ln>
+              <a:rPr lang="en-US" altLang="en-US" sz="2400" dirty="0">
                 <a:solidFill>
                   <a:srgbClr val="000000"/>
                 </a:solidFill>
-                <a:effectLst/>
-                <a:latin typeface="Consolas" panose="020B0609020204030204" pitchFamily="49" charset="0"/>
-                <a:cs typeface="Consolas" panose="020B0609020204030204" pitchFamily="49" charset="0"/>
-              </a:rPr>
-              <a:t>   </a:t>
-            </a:r>
-            <a:r>
-              <a:rPr kumimoji="0" lang="en-US" altLang="en-US" b="0" i="0" u="none" strike="noStrike" cap="none" normalizeH="0" baseline="0" dirty="0" smtClean="0">
-                <a:ln>
-                  <a:noFill/>
-                </a:ln>
-                <a:solidFill>
-                  <a:srgbClr val="2E75B6"/>
-                </a:solidFill>
-                <a:effectLst/>
-                <a:latin typeface="Consolas" panose="020B0609020204030204" pitchFamily="49" charset="0"/>
-                <a:cs typeface="Consolas" panose="020B0609020204030204" pitchFamily="49" charset="0"/>
-              </a:rPr>
-              <a:t>"description"</a:t>
-            </a:r>
-            <a:r>
-              <a:rPr kumimoji="0" lang="en-US" altLang="en-US" b="0" i="0" u="none" strike="noStrike" cap="none" normalizeH="0" baseline="0" dirty="0" smtClean="0">
-                <a:ln>
-                  <a:noFill/>
-                </a:ln>
-                <a:solidFill>
-                  <a:srgbClr val="000000"/>
-                </a:solidFill>
-                <a:effectLst/>
-                <a:latin typeface="Consolas" panose="020B0609020204030204" pitchFamily="49" charset="0"/>
-                <a:cs typeface="Consolas" panose="020B0609020204030204" pitchFamily="49" charset="0"/>
-              </a:rPr>
-              <a:t>: </a:t>
-            </a:r>
-            <a:r>
-              <a:rPr lang="en-US" altLang="en-US" dirty="0" smtClean="0">
-                <a:solidFill>
-                  <a:srgbClr val="A31515"/>
-                </a:solidFill>
-                <a:latin typeface="Consolas" panose="020B0609020204030204" pitchFamily="49" charset="0"/>
-                <a:cs typeface="Consolas" panose="020B0609020204030204" pitchFamily="49" charset="0"/>
-              </a:rPr>
-              <a:t>“MVA Presentation Code</a:t>
-            </a:r>
-            <a:r>
-              <a:rPr kumimoji="0" lang="en-US" altLang="en-US" b="0" i="0" u="none" strike="noStrike" cap="none" normalizeH="0" baseline="0" dirty="0" smtClean="0">
-                <a:ln>
-                  <a:noFill/>
-                </a:ln>
-                <a:solidFill>
-                  <a:srgbClr val="A31515"/>
-                </a:solidFill>
-                <a:effectLst/>
-                <a:latin typeface="Consolas" panose="020B0609020204030204" pitchFamily="49" charset="0"/>
-                <a:cs typeface="Consolas" panose="020B0609020204030204" pitchFamily="49" charset="0"/>
-              </a:rPr>
-              <a:t>"</a:t>
-            </a:r>
-            <a:r>
-              <a:rPr kumimoji="0" lang="en-US" altLang="en-US" b="0" i="0" u="none" strike="noStrike" cap="none" normalizeH="0" baseline="0" dirty="0" smtClean="0">
-                <a:ln>
-                  <a:noFill/>
-                </a:ln>
-                <a:solidFill>
-                  <a:srgbClr val="000000"/>
-                </a:solidFill>
-                <a:effectLst/>
-                <a:latin typeface="Consolas" panose="020B0609020204030204" pitchFamily="49" charset="0"/>
-                <a:cs typeface="Consolas" panose="020B0609020204030204" pitchFamily="49" charset="0"/>
-              </a:rPr>
-              <a:t>,</a:t>
-            </a:r>
-          </a:p>
-          <a:p>
-            <a:pPr marL="0" marR="0" lvl="0" indent="0" algn="l" defTabSz="914400" rtl="0" eaLnBrk="0" fontAlgn="base" latinLnBrk="0" hangingPunct="0">
+                <a:latin typeface="Consolas" panose="020B0609020204030204" pitchFamily="49" charset="0"/>
+                <a:cs typeface="Consolas" panose="020B0609020204030204" pitchFamily="49" charset="0"/>
+              </a:rPr>
+              <a:t>     }</a:t>
+            </a:r>
+          </a:p>
+          <a:p>
+            <a:pPr marL="0" lvl="0" indent="0">
               <a:lnSpc>
-                <a:spcPct val="100000"/>
+                <a:spcPct val="110000"/>
               </a:lnSpc>
               <a:spcBef>
-                <a:spcPct val="0"/>
+                <a:spcPts val="0"/>
               </a:spcBef>
-              <a:spcAft>
-                <a:spcPct val="0"/>
-              </a:spcAft>
-              <a:buClrTx/>
-              <a:buSzTx/>
-              <a:buFontTx/>
-              <a:buNone/>
-              <a:tabLst/>
+              <a:buNone/>
             </a:pPr>
             <a:r>
-              <a:rPr kumimoji="0" lang="en-US" altLang="en-US" b="0" i="0" u="none" strike="noStrike" cap="none" normalizeH="0" baseline="0" dirty="0" smtClean="0">
-                <a:ln>
-                  <a:noFill/>
-                </a:ln>
+              <a:rPr lang="en-US" altLang="en-US" sz="2400" dirty="0">
                 <a:solidFill>
                   <a:srgbClr val="000000"/>
                 </a:solidFill>
-                <a:effectLst/>
-                <a:latin typeface="Consolas" panose="020B0609020204030204" pitchFamily="49" charset="0"/>
-                <a:cs typeface="Consolas" panose="020B0609020204030204" pitchFamily="49" charset="0"/>
-              </a:rPr>
-              <a:t>   </a:t>
-            </a:r>
-            <a:r>
-              <a:rPr kumimoji="0" lang="en-US" altLang="en-US" b="0" i="0" u="none" strike="noStrike" cap="none" normalizeH="0" baseline="0" dirty="0" smtClean="0">
-                <a:ln>
-                  <a:noFill/>
-                </a:ln>
-                <a:solidFill>
-                  <a:srgbClr val="2E75B6"/>
-                </a:solidFill>
-                <a:effectLst/>
-                <a:latin typeface="Consolas" panose="020B0609020204030204" pitchFamily="49" charset="0"/>
-                <a:cs typeface="Consolas" panose="020B0609020204030204" pitchFamily="49" charset="0"/>
-              </a:rPr>
-              <a:t>"main"</a:t>
-            </a:r>
-            <a:r>
-              <a:rPr kumimoji="0" lang="en-US" altLang="en-US" b="0" i="0" u="none" strike="noStrike" cap="none" normalizeH="0" baseline="0" dirty="0" smtClean="0">
-                <a:ln>
-                  <a:noFill/>
-                </a:ln>
-                <a:solidFill>
-                  <a:srgbClr val="000000"/>
-                </a:solidFill>
-                <a:effectLst/>
-                <a:latin typeface="Consolas" panose="020B0609020204030204" pitchFamily="49" charset="0"/>
-                <a:cs typeface="Consolas" panose="020B0609020204030204" pitchFamily="49" charset="0"/>
-              </a:rPr>
-              <a:t>: </a:t>
-            </a:r>
-            <a:r>
-              <a:rPr kumimoji="0" lang="en-US" altLang="en-US" b="0" i="0" u="none" strike="noStrike" cap="none" normalizeH="0" baseline="0" dirty="0" smtClean="0">
-                <a:ln>
-                  <a:noFill/>
-                </a:ln>
-                <a:solidFill>
-                  <a:srgbClr val="A31515"/>
-                </a:solidFill>
-                <a:effectLst/>
-                <a:latin typeface="Consolas" panose="020B0609020204030204" pitchFamily="49" charset="0"/>
-                <a:cs typeface="Consolas" panose="020B0609020204030204" pitchFamily="49" charset="0"/>
-              </a:rPr>
-              <a:t>"1_hello_world.js"</a:t>
-            </a:r>
-            <a:r>
-              <a:rPr kumimoji="0" lang="en-US" altLang="en-US" b="0" i="0" u="none" strike="noStrike" cap="none" normalizeH="0" baseline="0" dirty="0" smtClean="0">
-                <a:ln>
-                  <a:noFill/>
-                </a:ln>
-                <a:solidFill>
-                  <a:srgbClr val="000000"/>
-                </a:solidFill>
-                <a:effectLst/>
-                <a:latin typeface="Consolas" panose="020B0609020204030204" pitchFamily="49" charset="0"/>
-                <a:cs typeface="Consolas" panose="020B0609020204030204" pitchFamily="49" charset="0"/>
-              </a:rPr>
-              <a:t>,</a:t>
-            </a:r>
-          </a:p>
-          <a:p>
-            <a:pPr marL="0" marR="0" lvl="0" indent="0" algn="l" defTabSz="914400" rtl="0" eaLnBrk="0" fontAlgn="base" latinLnBrk="0" hangingPunct="0">
-              <a:lnSpc>
-                <a:spcPct val="100000"/>
-              </a:lnSpc>
-              <a:spcBef>
-                <a:spcPct val="0"/>
-              </a:spcBef>
-              <a:spcAft>
-                <a:spcPct val="0"/>
-              </a:spcAft>
-              <a:buClrTx/>
-              <a:buSzTx/>
-              <a:buFontTx/>
-              <a:buNone/>
-              <a:tabLst/>
-            </a:pPr>
-            <a:r>
-              <a:rPr kumimoji="0" lang="en-US" altLang="en-US" b="0" i="0" u="none" strike="noStrike" cap="none" normalizeH="0" baseline="0" dirty="0" smtClean="0">
-                <a:ln>
-                  <a:noFill/>
-                </a:ln>
-                <a:solidFill>
-                  <a:srgbClr val="000000"/>
-                </a:solidFill>
-                <a:effectLst/>
-                <a:latin typeface="Consolas" panose="020B0609020204030204" pitchFamily="49" charset="0"/>
-                <a:cs typeface="Consolas" panose="020B0609020204030204" pitchFamily="49" charset="0"/>
-              </a:rPr>
-              <a:t>   </a:t>
-            </a:r>
-            <a:r>
-              <a:rPr kumimoji="0" lang="en-US" altLang="en-US" b="0" i="0" u="none" strike="noStrike" cap="none" normalizeH="0" baseline="0" dirty="0" smtClean="0">
-                <a:ln>
-                  <a:noFill/>
-                </a:ln>
-                <a:solidFill>
-                  <a:srgbClr val="2E75B6"/>
-                </a:solidFill>
-                <a:effectLst/>
-                <a:latin typeface="Consolas" panose="020B0609020204030204" pitchFamily="49" charset="0"/>
-                <a:cs typeface="Consolas" panose="020B0609020204030204" pitchFamily="49" charset="0"/>
-              </a:rPr>
-              <a:t>"author"</a:t>
-            </a:r>
-            <a:r>
-              <a:rPr kumimoji="0" lang="en-US" altLang="en-US" b="0" i="0" u="none" strike="noStrike" cap="none" normalizeH="0" baseline="0" dirty="0" smtClean="0">
-                <a:ln>
-                  <a:noFill/>
-                </a:ln>
-                <a:solidFill>
-                  <a:srgbClr val="000000"/>
-                </a:solidFill>
-                <a:effectLst/>
-                <a:latin typeface="Consolas" panose="020B0609020204030204" pitchFamily="49" charset="0"/>
-                <a:cs typeface="Consolas" panose="020B0609020204030204" pitchFamily="49" charset="0"/>
-              </a:rPr>
-              <a:t>: {</a:t>
-            </a:r>
-          </a:p>
-          <a:p>
-            <a:pPr marL="0" marR="0" lvl="0" indent="0" algn="l" defTabSz="914400" rtl="0" eaLnBrk="0" fontAlgn="base" latinLnBrk="0" hangingPunct="0">
-              <a:lnSpc>
-                <a:spcPct val="100000"/>
-              </a:lnSpc>
-              <a:spcBef>
-                <a:spcPct val="0"/>
-              </a:spcBef>
-              <a:spcAft>
-                <a:spcPct val="0"/>
-              </a:spcAft>
-              <a:buClrTx/>
-              <a:buSzTx/>
-              <a:buFontTx/>
-              <a:buNone/>
-              <a:tabLst/>
-            </a:pPr>
-            <a:r>
-              <a:rPr kumimoji="0" lang="en-US" altLang="en-US" b="0" i="0" u="none" strike="noStrike" cap="none" normalizeH="0" baseline="0" dirty="0" smtClean="0">
-                <a:ln>
-                  <a:noFill/>
-                </a:ln>
-                <a:solidFill>
-                  <a:srgbClr val="000000"/>
-                </a:solidFill>
-                <a:effectLst/>
-                <a:latin typeface="Consolas" panose="020B0609020204030204" pitchFamily="49" charset="0"/>
-                <a:cs typeface="Consolas" panose="020B0609020204030204" pitchFamily="49" charset="0"/>
-              </a:rPr>
-              <a:t>     </a:t>
-            </a:r>
-            <a:r>
-              <a:rPr kumimoji="0" lang="en-US" altLang="en-US" b="0" i="0" u="none" strike="noStrike" cap="none" normalizeH="0" baseline="0" dirty="0" smtClean="0">
-                <a:ln>
-                  <a:noFill/>
-                </a:ln>
-                <a:solidFill>
-                  <a:srgbClr val="2E75B6"/>
-                </a:solidFill>
-                <a:effectLst/>
-                <a:latin typeface="Consolas" panose="020B0609020204030204" pitchFamily="49" charset="0"/>
-                <a:cs typeface="Consolas" panose="020B0609020204030204" pitchFamily="49" charset="0"/>
-              </a:rPr>
-              <a:t>"name"</a:t>
-            </a:r>
-            <a:r>
-              <a:rPr kumimoji="0" lang="en-US" altLang="en-US" b="0" i="0" u="none" strike="noStrike" cap="none" normalizeH="0" baseline="0" dirty="0" smtClean="0">
-                <a:ln>
-                  <a:noFill/>
-                </a:ln>
-                <a:solidFill>
-                  <a:srgbClr val="000000"/>
-                </a:solidFill>
-                <a:effectLst/>
-                <a:latin typeface="Consolas" panose="020B0609020204030204" pitchFamily="49" charset="0"/>
-                <a:cs typeface="Consolas" panose="020B0609020204030204" pitchFamily="49" charset="0"/>
-              </a:rPr>
-              <a:t>: </a:t>
-            </a:r>
-            <a:r>
-              <a:rPr kumimoji="0" lang="en-US" altLang="en-US" b="0" i="0" u="none" strike="noStrike" cap="none" normalizeH="0" baseline="0" dirty="0" smtClean="0">
-                <a:ln>
-                  <a:noFill/>
-                </a:ln>
-                <a:solidFill>
-                  <a:srgbClr val="A31515"/>
-                </a:solidFill>
-                <a:effectLst/>
-                <a:latin typeface="Consolas" panose="020B0609020204030204" pitchFamily="49" charset="0"/>
-                <a:cs typeface="Consolas" panose="020B0609020204030204" pitchFamily="49" charset="0"/>
-              </a:rPr>
-              <a:t>"Rami Sayar"</a:t>
-            </a:r>
-            <a:r>
-              <a:rPr kumimoji="0" lang="en-US" altLang="en-US" b="0" i="0" u="none" strike="noStrike" cap="none" normalizeH="0" baseline="0" dirty="0" smtClean="0">
-                <a:ln>
-                  <a:noFill/>
-                </a:ln>
-                <a:solidFill>
-                  <a:srgbClr val="000000"/>
-                </a:solidFill>
-                <a:effectLst/>
-                <a:latin typeface="Consolas" panose="020B0609020204030204" pitchFamily="49" charset="0"/>
-                <a:cs typeface="Consolas" panose="020B0609020204030204" pitchFamily="49" charset="0"/>
-              </a:rPr>
-              <a:t>,</a:t>
-            </a:r>
-          </a:p>
-          <a:p>
-            <a:pPr marL="0" lvl="0" indent="0" eaLnBrk="0" fontAlgn="base" hangingPunct="0">
-              <a:lnSpc>
-                <a:spcPct val="100000"/>
-              </a:lnSpc>
-              <a:spcBef>
-                <a:spcPct val="0"/>
-              </a:spcBef>
-              <a:spcAft>
-                <a:spcPct val="0"/>
-              </a:spcAft>
-              <a:buNone/>
-            </a:pPr>
-            <a:r>
-              <a:rPr kumimoji="0" lang="en-US" altLang="en-US" b="0" i="0" u="none" strike="noStrike" cap="none" normalizeH="0" baseline="0" dirty="0" smtClean="0">
-                <a:ln>
-                  <a:noFill/>
-                </a:ln>
-                <a:solidFill>
-                  <a:srgbClr val="000000"/>
-                </a:solidFill>
-                <a:effectLst/>
-                <a:latin typeface="Consolas" panose="020B0609020204030204" pitchFamily="49" charset="0"/>
-                <a:cs typeface="Consolas" panose="020B0609020204030204" pitchFamily="49" charset="0"/>
-              </a:rPr>
-              <a:t>     </a:t>
-            </a:r>
-            <a:r>
-              <a:rPr kumimoji="0" lang="en-US" altLang="en-US" b="0" i="0" u="none" strike="noStrike" cap="none" normalizeH="0" baseline="0" dirty="0" smtClean="0">
-                <a:ln>
-                  <a:noFill/>
-                </a:ln>
-                <a:solidFill>
-                  <a:srgbClr val="2E75B6"/>
-                </a:solidFill>
-                <a:effectLst/>
-                <a:latin typeface="Consolas" panose="020B0609020204030204" pitchFamily="49" charset="0"/>
-                <a:cs typeface="Consolas" panose="020B0609020204030204" pitchFamily="49" charset="0"/>
-              </a:rPr>
-              <a:t>"email"</a:t>
-            </a:r>
-            <a:r>
-              <a:rPr kumimoji="0" lang="en-US" altLang="en-US" b="0" i="0" u="none" strike="noStrike" cap="none" normalizeH="0" baseline="0" dirty="0" smtClean="0">
-                <a:ln>
-                  <a:noFill/>
-                </a:ln>
-                <a:solidFill>
-                  <a:srgbClr val="000000"/>
-                </a:solidFill>
-                <a:effectLst/>
-                <a:latin typeface="Consolas" panose="020B0609020204030204" pitchFamily="49" charset="0"/>
-                <a:cs typeface="Consolas" panose="020B0609020204030204" pitchFamily="49" charset="0"/>
-              </a:rPr>
-              <a:t>: </a:t>
-            </a:r>
-            <a:r>
-              <a:rPr lang="en-US" altLang="en-US" dirty="0" smtClean="0">
-                <a:solidFill>
-                  <a:srgbClr val="A31515"/>
-                </a:solidFill>
-                <a:latin typeface="Consolas" panose="020B0609020204030204" pitchFamily="49" charset="0"/>
-                <a:cs typeface="Consolas" panose="020B0609020204030204" pitchFamily="49" charset="0"/>
-              </a:rPr>
-              <a:t>""</a:t>
-            </a:r>
-            <a:endParaRPr kumimoji="0" lang="en-US" altLang="en-US" b="0" i="0" u="none" strike="noStrike" cap="none" normalizeH="0" baseline="0" dirty="0" smtClean="0">
-              <a:ln>
-                <a:noFill/>
-              </a:ln>
-              <a:solidFill>
-                <a:srgbClr val="A31515"/>
-              </a:solidFill>
-              <a:effectLst/>
-              <a:latin typeface="Consolas" panose="020B0609020204030204" pitchFamily="49" charset="0"/>
-              <a:cs typeface="Consolas" panose="020B0609020204030204" pitchFamily="49" charset="0"/>
-            </a:endParaRPr>
-          </a:p>
-          <a:p>
-            <a:pPr marL="0" marR="0" lvl="0" indent="0" algn="l" defTabSz="914400" rtl="0" eaLnBrk="0" fontAlgn="base" latinLnBrk="0" hangingPunct="0">
-              <a:lnSpc>
-                <a:spcPct val="100000"/>
-              </a:lnSpc>
-              <a:spcBef>
-                <a:spcPct val="0"/>
-              </a:spcBef>
-              <a:spcAft>
-                <a:spcPct val="0"/>
-              </a:spcAft>
-              <a:buClrTx/>
-              <a:buSzTx/>
-              <a:buFontTx/>
-              <a:buNone/>
-              <a:tabLst/>
-            </a:pPr>
-            <a:r>
-              <a:rPr kumimoji="0" lang="en-US" altLang="en-US" b="0" i="0" u="none" strike="noStrike" cap="none" normalizeH="0" baseline="0" dirty="0" smtClean="0">
-                <a:ln>
-                  <a:noFill/>
-                </a:ln>
-                <a:solidFill>
-                  <a:srgbClr val="000000"/>
-                </a:solidFill>
-                <a:effectLst/>
-                <a:latin typeface="Consolas" panose="020B0609020204030204" pitchFamily="49" charset="0"/>
-                <a:cs typeface="Consolas" panose="020B0609020204030204" pitchFamily="49" charset="0"/>
-              </a:rPr>
-              <a:t>   }</a:t>
-            </a:r>
-          </a:p>
-          <a:p>
-            <a:pPr marL="0" marR="0" lvl="0" indent="0" algn="l" defTabSz="914400" rtl="0" eaLnBrk="0" fontAlgn="base" latinLnBrk="0" hangingPunct="0">
-              <a:lnSpc>
-                <a:spcPct val="100000"/>
-              </a:lnSpc>
-              <a:spcBef>
-                <a:spcPct val="0"/>
-              </a:spcBef>
-              <a:spcAft>
-                <a:spcPct val="0"/>
-              </a:spcAft>
-              <a:buClrTx/>
-              <a:buSzTx/>
-              <a:buFontTx/>
-              <a:buNone/>
-              <a:tabLst/>
-            </a:pPr>
-            <a:r>
-              <a:rPr kumimoji="0" lang="en-US" altLang="en-US" b="0" i="0" u="none" strike="noStrike" cap="none" normalizeH="0" baseline="0" dirty="0" smtClean="0">
-                <a:ln>
-                  <a:noFill/>
-                </a:ln>
-                <a:solidFill>
-                  <a:srgbClr val="000000"/>
-                </a:solidFill>
-                <a:effectLst/>
-                <a:latin typeface="Consolas" panose="020B0609020204030204" pitchFamily="49" charset="0"/>
-                <a:cs typeface="Consolas" panose="020B0609020204030204" pitchFamily="49" charset="0"/>
-              </a:rPr>
-              <a:t>} </a:t>
-            </a:r>
-            <a:endParaRPr kumimoji="0" lang="en-US" altLang="en-US" sz="6000" b="0" i="0" u="none" strike="noStrike" cap="none" normalizeH="0" baseline="0" dirty="0" smtClean="0">
-              <a:ln>
-                <a:noFill/>
-              </a:ln>
-              <a:solidFill>
-                <a:schemeClr val="tx1"/>
-              </a:solidFill>
-              <a:effectLst/>
+                <a:latin typeface="Consolas" panose="020B0609020204030204" pitchFamily="49" charset="0"/>
+                <a:cs typeface="Consolas" panose="020B0609020204030204" pitchFamily="49" charset="0"/>
+              </a:rPr>
+              <a:t>});</a:t>
+            </a:r>
+            <a:endParaRPr lang="en-US" altLang="en-US" sz="2400" dirty="0">
               <a:latin typeface="Arial" panose="020B0604020202020204" pitchFamily="34" charset="0"/>
             </a:endParaRPr>
+          </a:p>
+          <a:p>
+            <a:pPr marL="0" indent="0">
+              <a:buNone/>
+            </a:pPr>
+            <a:endParaRPr lang="en-US" dirty="0"/>
           </a:p>
         </p:txBody>
       </p:sp>
     </p:spTree>
     <p:extLst>
       <p:ext uri="{BB962C8B-B14F-4D97-AF65-F5344CB8AC3E}">
-        <p14:creationId xmlns:p14="http://schemas.microsoft.com/office/powerpoint/2010/main" val="770490445"/>
+        <p14:creationId xmlns:p14="http://schemas.microsoft.com/office/powerpoint/2010/main" val="1082084413"/>
       </p:ext>
     </p:extLst>
   </p:cSld>
@@ -11453,143 +12351,12 @@
           <a:p>
             <a:r>
               <a:rPr lang="en-US" dirty="0" smtClean="0"/>
-              <a:t>Popular NPM Modules</a:t>
-            </a:r>
-            <a:endParaRPr lang="en-US" dirty="0"/>
-          </a:p>
-        </p:txBody>
-      </p:sp>
-      <p:sp>
-        <p:nvSpPr>
-          <p:cNvPr id="3" name="Content Placeholder 2"/>
-          <p:cNvSpPr>
-            <a:spLocks noGrp="1"/>
-          </p:cNvSpPr>
-          <p:nvPr>
-            <p:ph sz="quarter" idx="10"/>
-          </p:nvPr>
-        </p:nvSpPr>
-        <p:spPr/>
-        <p:txBody>
-          <a:bodyPr/>
-          <a:lstStyle/>
-          <a:p>
-            <a:pPr marL="0" indent="0">
-              <a:buNone/>
-            </a:pPr>
-            <a:r>
-              <a:rPr lang="en-US" sz="2800" b="1" dirty="0"/>
-              <a:t>Most Depended Upon</a:t>
-            </a:r>
-          </a:p>
-          <a:p>
-            <a:r>
-              <a:rPr lang="en-US" sz="2800" dirty="0"/>
-              <a:t>7053 </a:t>
-            </a:r>
-            <a:r>
-              <a:rPr lang="en-US" sz="2800" dirty="0">
-                <a:hlinkClick r:id="rId2"/>
-              </a:rPr>
-              <a:t>underscore</a:t>
-            </a:r>
-            <a:endParaRPr lang="en-US" sz="2800" dirty="0"/>
-          </a:p>
-          <a:p>
-            <a:r>
-              <a:rPr lang="en-US" sz="2800" dirty="0"/>
-              <a:t>6458 </a:t>
-            </a:r>
-            <a:r>
-              <a:rPr lang="en-US" sz="2800" dirty="0" err="1">
-                <a:hlinkClick r:id="rId3"/>
-              </a:rPr>
-              <a:t>async</a:t>
-            </a:r>
-            <a:endParaRPr lang="en-US" sz="2800" dirty="0"/>
-          </a:p>
-          <a:p>
-            <a:r>
-              <a:rPr lang="en-US" sz="2800" dirty="0"/>
-              <a:t>5591 </a:t>
-            </a:r>
-            <a:r>
-              <a:rPr lang="en-US" sz="2800" dirty="0">
-                <a:hlinkClick r:id="rId4"/>
-              </a:rPr>
-              <a:t>request</a:t>
-            </a:r>
-            <a:endParaRPr lang="en-US" sz="2800" dirty="0"/>
-          </a:p>
-          <a:p>
-            <a:r>
-              <a:rPr lang="en-US" sz="2800" dirty="0"/>
-              <a:t>4931 </a:t>
-            </a:r>
-            <a:r>
-              <a:rPr lang="en-US" sz="2800" dirty="0" err="1">
-                <a:hlinkClick r:id="rId5"/>
-              </a:rPr>
-              <a:t>lodash</a:t>
-            </a:r>
-            <a:endParaRPr lang="en-US" sz="2800" dirty="0"/>
-          </a:p>
-          <a:p>
-            <a:r>
-              <a:rPr lang="en-US" sz="2800" dirty="0"/>
-              <a:t>3630 </a:t>
-            </a:r>
-            <a:r>
-              <a:rPr lang="en-US" sz="2800" dirty="0">
-                <a:hlinkClick r:id="rId6"/>
-              </a:rPr>
-              <a:t>commander</a:t>
-            </a:r>
-            <a:endParaRPr lang="en-US" sz="2800" dirty="0"/>
-          </a:p>
-          <a:p>
-            <a:r>
-              <a:rPr lang="en-US" sz="2800" dirty="0"/>
-              <a:t>3543 </a:t>
-            </a:r>
-            <a:r>
-              <a:rPr lang="en-US" sz="2800" dirty="0">
-                <a:hlinkClick r:id="rId7"/>
-              </a:rPr>
-              <a:t>express</a:t>
-            </a:r>
-            <a:endParaRPr lang="en-US" sz="2800" dirty="0"/>
-          </a:p>
-          <a:p>
-            <a:r>
-              <a:rPr lang="en-US" sz="2800" dirty="0"/>
-              <a:t>2708 </a:t>
-            </a:r>
-            <a:r>
-              <a:rPr lang="en-US" sz="2800" dirty="0">
-                <a:hlinkClick r:id="rId8"/>
-              </a:rPr>
-              <a:t>optimist</a:t>
-            </a:r>
-            <a:endParaRPr lang="en-US" sz="2800" dirty="0"/>
-          </a:p>
-          <a:p>
-            <a:r>
-              <a:rPr lang="en-US" sz="2800" dirty="0"/>
-              <a:t>2634 </a:t>
-            </a:r>
-            <a:r>
-              <a:rPr lang="en-US" sz="2800" dirty="0">
-                <a:hlinkClick r:id="rId9"/>
-              </a:rPr>
-              <a:t>coffee-script</a:t>
-            </a:r>
-            <a:endParaRPr lang="en-US" sz="2800" dirty="0"/>
-          </a:p>
-          <a:p>
-            <a:pPr marL="0" indent="0">
-              <a:buNone/>
-            </a:pPr>
+              <a:t>Using the </a:t>
+            </a:r>
+            <a:r>
+              <a:rPr lang="en-US" smtClean="0"/>
+              <a:t>Q Library</a:t>
+            </a:r>
             <a:endParaRPr lang="en-US" dirty="0"/>
           </a:p>
         </p:txBody>
@@ -11597,7 +12364,7 @@
     </p:spTree>
     <p:extLst>
       <p:ext uri="{BB962C8B-B14F-4D97-AF65-F5344CB8AC3E}">
-        <p14:creationId xmlns:p14="http://schemas.microsoft.com/office/powerpoint/2010/main" val="1474797870"/>
+        <p14:creationId xmlns:p14="http://schemas.microsoft.com/office/powerpoint/2010/main" val="738310281"/>
       </p:ext>
     </p:extLst>
   </p:cSld>
@@ -11641,1233 +12408,6 @@
           <a:p>
             <a:r>
               <a:rPr lang="en-US" dirty="0" smtClean="0"/>
-              <a:t>How does it work? </a:t>
-            </a:r>
-            <a:endParaRPr lang="en-US" dirty="0"/>
-          </a:p>
-        </p:txBody>
-      </p:sp>
-      <p:sp>
-        <p:nvSpPr>
-          <p:cNvPr id="3" name="Content Placeholder 2"/>
-          <p:cNvSpPr>
-            <a:spLocks noGrp="1"/>
-          </p:cNvSpPr>
-          <p:nvPr>
-            <p:ph sz="quarter" idx="10"/>
-          </p:nvPr>
-        </p:nvSpPr>
-        <p:spPr/>
-        <p:txBody>
-          <a:bodyPr/>
-          <a:lstStyle/>
-          <a:p>
-            <a:r>
-              <a:rPr lang="en-US" dirty="0"/>
-              <a:t>Reads </a:t>
-            </a:r>
-            <a:r>
-              <a:rPr lang="en-US" dirty="0" err="1"/>
-              <a:t>package.json</a:t>
-            </a:r>
-            <a:endParaRPr lang="en-US" dirty="0"/>
-          </a:p>
-          <a:p>
-            <a:r>
-              <a:rPr lang="en-US" dirty="0"/>
-              <a:t>Installs the dependencies in the local </a:t>
-            </a:r>
-            <a:r>
-              <a:rPr lang="en-US" dirty="0" err="1"/>
-              <a:t>node_modules</a:t>
-            </a:r>
-            <a:r>
-              <a:rPr lang="en-US" dirty="0"/>
-              <a:t> folder</a:t>
-            </a:r>
-          </a:p>
-          <a:p>
-            <a:r>
-              <a:rPr lang="en-US" dirty="0"/>
-              <a:t>In global mode, it makes a node module accessible to all.</a:t>
-            </a:r>
-          </a:p>
-          <a:p>
-            <a:endParaRPr lang="en-US" dirty="0"/>
-          </a:p>
-          <a:p>
-            <a:r>
-              <a:rPr lang="en-US" dirty="0"/>
-              <a:t>Can install from a folder, </a:t>
-            </a:r>
-            <a:r>
-              <a:rPr lang="en-US" dirty="0" err="1"/>
-              <a:t>tarball</a:t>
-            </a:r>
-            <a:r>
-              <a:rPr lang="en-US" dirty="0"/>
-              <a:t>, web, etc… </a:t>
-            </a:r>
-          </a:p>
-          <a:p>
-            <a:r>
-              <a:rPr lang="en-US" dirty="0"/>
-              <a:t>Can specify </a:t>
-            </a:r>
-            <a:r>
-              <a:rPr lang="en-US" dirty="0" err="1"/>
-              <a:t>dev</a:t>
-            </a:r>
-            <a:r>
-              <a:rPr lang="en-US" dirty="0"/>
-              <a:t> or optional dependencies. </a:t>
-            </a:r>
-          </a:p>
-          <a:p>
-            <a:pPr marL="0" indent="0">
-              <a:buNone/>
-            </a:pPr>
-            <a:endParaRPr lang="en-US" dirty="0"/>
-          </a:p>
-        </p:txBody>
-      </p:sp>
-    </p:spTree>
-    <p:extLst>
-      <p:ext uri="{BB962C8B-B14F-4D97-AF65-F5344CB8AC3E}">
-        <p14:creationId xmlns:p14="http://schemas.microsoft.com/office/powerpoint/2010/main" val="3719254297"/>
-      </p:ext>
-    </p:extLst>
-  </p:cSld>
-  <p:clrMapOvr>
-    <a:masterClrMapping/>
-  </p:clrMapOvr>
-</p:sld>
-</file>
-
-<file path=ppt/slides/slide45.xml><?xml version="1.0" encoding="utf-8"?>
-<p:sld xmlns:a="http://schemas.openxmlformats.org/drawingml/2006/main" xmlns:r="http://schemas.openxmlformats.org/officeDocument/2006/relationships" xmlns:p="http://schemas.openxmlformats.org/presentationml/2006/main">
-  <p:cSld>
-    <p:spTree>
-      <p:nvGrpSpPr>
-        <p:cNvPr id="1" name=""/>
-        <p:cNvGrpSpPr/>
-        <p:nvPr/>
-      </p:nvGrpSpPr>
-      <p:grpSpPr>
-        <a:xfrm>
-          <a:off x="0" y="0"/>
-          <a:ext cx="0" cy="0"/>
-          <a:chOff x="0" y="0"/>
-          <a:chExt cx="0" cy="0"/>
-        </a:xfrm>
-      </p:grpSpPr>
-      <p:sp>
-        <p:nvSpPr>
-          <p:cNvPr id="2" name="Title 1"/>
-          <p:cNvSpPr>
-            <a:spLocks noGrp="1"/>
-          </p:cNvSpPr>
-          <p:nvPr>
-            <p:ph type="title"/>
-          </p:nvPr>
-        </p:nvSpPr>
-        <p:spPr/>
-        <p:txBody>
-          <a:bodyPr/>
-          <a:lstStyle/>
-          <a:p>
-            <a:r>
-              <a:rPr lang="en-US" dirty="0" err="1" smtClean="0"/>
-              <a:t>Async</a:t>
-            </a:r>
-            <a:r>
-              <a:rPr lang="en-US" dirty="0" smtClean="0"/>
-              <a:t> Module</a:t>
-            </a:r>
-            <a:endParaRPr lang="en-US" dirty="0"/>
-          </a:p>
-        </p:txBody>
-      </p:sp>
-      <p:sp>
-        <p:nvSpPr>
-          <p:cNvPr id="3" name="Content Placeholder 2"/>
-          <p:cNvSpPr>
-            <a:spLocks noGrp="1"/>
-          </p:cNvSpPr>
-          <p:nvPr>
-            <p:ph sz="quarter" idx="10"/>
-          </p:nvPr>
-        </p:nvSpPr>
-        <p:spPr/>
-        <p:txBody>
-          <a:bodyPr/>
-          <a:lstStyle/>
-          <a:p>
-            <a:pPr marL="0" indent="0">
-              <a:buNone/>
-            </a:pPr>
-            <a:r>
-              <a:rPr lang="en-US" dirty="0" err="1"/>
-              <a:t>Async</a:t>
-            </a:r>
-            <a:r>
-              <a:rPr lang="en-US" dirty="0"/>
-              <a:t> is a utility module which provides straight-forward, powerful functions for working with asynchronous JavaScript.</a:t>
-            </a:r>
-          </a:p>
-          <a:p>
-            <a:pPr marL="0" lvl="0" indent="0">
-              <a:spcBef>
-                <a:spcPts val="0"/>
-              </a:spcBef>
-              <a:buNone/>
-            </a:pPr>
-            <a:r>
-              <a:rPr lang="en-US" altLang="en-US" sz="2000" dirty="0" err="1" smtClean="0">
-                <a:solidFill>
-                  <a:srgbClr val="000000"/>
-                </a:solidFill>
-                <a:latin typeface="Consolas" panose="020B0609020204030204" pitchFamily="49" charset="0"/>
-                <a:cs typeface="Consolas" panose="020B0609020204030204" pitchFamily="49" charset="0"/>
-              </a:rPr>
-              <a:t>async.map</a:t>
-            </a:r>
-            <a:r>
-              <a:rPr lang="en-US" altLang="en-US" sz="2000" dirty="0">
-                <a:solidFill>
-                  <a:srgbClr val="000000"/>
-                </a:solidFill>
-                <a:latin typeface="Consolas" panose="020B0609020204030204" pitchFamily="49" charset="0"/>
-                <a:cs typeface="Consolas" panose="020B0609020204030204" pitchFamily="49" charset="0"/>
-              </a:rPr>
-              <a:t>([</a:t>
-            </a:r>
-            <a:r>
-              <a:rPr lang="en-US" altLang="en-US" sz="2000" dirty="0">
-                <a:solidFill>
-                  <a:srgbClr val="A31515"/>
-                </a:solidFill>
-                <a:latin typeface="Consolas" panose="020B0609020204030204" pitchFamily="49" charset="0"/>
-                <a:cs typeface="Consolas" panose="020B0609020204030204" pitchFamily="49" charset="0"/>
-              </a:rPr>
-              <a:t>'file1'</a:t>
-            </a:r>
-            <a:r>
-              <a:rPr lang="en-US" altLang="en-US" sz="2000" dirty="0">
-                <a:solidFill>
-                  <a:srgbClr val="000000"/>
-                </a:solidFill>
-                <a:latin typeface="Consolas" panose="020B0609020204030204" pitchFamily="49" charset="0"/>
-                <a:cs typeface="Consolas" panose="020B0609020204030204" pitchFamily="49" charset="0"/>
-              </a:rPr>
-              <a:t>,</a:t>
-            </a:r>
-            <a:r>
-              <a:rPr lang="en-US" altLang="en-US" sz="2000" dirty="0">
-                <a:solidFill>
-                  <a:srgbClr val="A31515"/>
-                </a:solidFill>
-                <a:latin typeface="Consolas" panose="020B0609020204030204" pitchFamily="49" charset="0"/>
-                <a:cs typeface="Consolas" panose="020B0609020204030204" pitchFamily="49" charset="0"/>
-              </a:rPr>
-              <a:t>'file2'</a:t>
-            </a:r>
-            <a:r>
-              <a:rPr lang="en-US" altLang="en-US" sz="2000" dirty="0">
-                <a:solidFill>
-                  <a:srgbClr val="000000"/>
-                </a:solidFill>
-                <a:latin typeface="Consolas" panose="020B0609020204030204" pitchFamily="49" charset="0"/>
-                <a:cs typeface="Consolas" panose="020B0609020204030204" pitchFamily="49" charset="0"/>
-              </a:rPr>
-              <a:t>,</a:t>
-            </a:r>
-            <a:r>
-              <a:rPr lang="en-US" altLang="en-US" sz="2000" dirty="0">
-                <a:solidFill>
-                  <a:srgbClr val="A31515"/>
-                </a:solidFill>
-                <a:latin typeface="Consolas" panose="020B0609020204030204" pitchFamily="49" charset="0"/>
-                <a:cs typeface="Consolas" panose="020B0609020204030204" pitchFamily="49" charset="0"/>
-              </a:rPr>
-              <a:t>'file3'</a:t>
-            </a:r>
-            <a:r>
-              <a:rPr lang="en-US" altLang="en-US" sz="2000" dirty="0">
-                <a:solidFill>
-                  <a:srgbClr val="000000"/>
-                </a:solidFill>
-                <a:latin typeface="Consolas" panose="020B0609020204030204" pitchFamily="49" charset="0"/>
-                <a:cs typeface="Consolas" panose="020B0609020204030204" pitchFamily="49" charset="0"/>
-              </a:rPr>
-              <a:t>], </a:t>
-            </a:r>
-            <a:r>
-              <a:rPr lang="en-US" altLang="en-US" sz="2000" dirty="0" err="1">
-                <a:solidFill>
-                  <a:srgbClr val="000000"/>
-                </a:solidFill>
-                <a:latin typeface="Consolas" panose="020B0609020204030204" pitchFamily="49" charset="0"/>
-                <a:cs typeface="Consolas" panose="020B0609020204030204" pitchFamily="49" charset="0"/>
-              </a:rPr>
-              <a:t>fs.stat</a:t>
-            </a:r>
-            <a:r>
-              <a:rPr lang="en-US" altLang="en-US" sz="2000" dirty="0">
-                <a:solidFill>
-                  <a:srgbClr val="000000"/>
-                </a:solidFill>
-                <a:latin typeface="Consolas" panose="020B0609020204030204" pitchFamily="49" charset="0"/>
-                <a:cs typeface="Consolas" panose="020B0609020204030204" pitchFamily="49" charset="0"/>
-              </a:rPr>
-              <a:t>, </a:t>
-            </a:r>
-            <a:r>
-              <a:rPr lang="en-US" altLang="en-US" sz="2000" dirty="0">
-                <a:solidFill>
-                  <a:srgbClr val="0000FF"/>
-                </a:solidFill>
-                <a:latin typeface="Consolas" panose="020B0609020204030204" pitchFamily="49" charset="0"/>
-                <a:cs typeface="Consolas" panose="020B0609020204030204" pitchFamily="49" charset="0"/>
-              </a:rPr>
-              <a:t>function</a:t>
-            </a:r>
-            <a:r>
-              <a:rPr lang="en-US" altLang="en-US" sz="2000" dirty="0">
-                <a:solidFill>
-                  <a:srgbClr val="000000"/>
-                </a:solidFill>
-                <a:latin typeface="Consolas" panose="020B0609020204030204" pitchFamily="49" charset="0"/>
-                <a:cs typeface="Consolas" panose="020B0609020204030204" pitchFamily="49" charset="0"/>
-              </a:rPr>
-              <a:t> (err, results) {</a:t>
-            </a:r>
-          </a:p>
-          <a:p>
-            <a:pPr marL="0" lvl="0" indent="0">
-              <a:spcBef>
-                <a:spcPts val="0"/>
-              </a:spcBef>
-              <a:buNone/>
-            </a:pPr>
-            <a:r>
-              <a:rPr lang="en-US" altLang="en-US" sz="2000" dirty="0">
-                <a:solidFill>
-                  <a:srgbClr val="000000"/>
-                </a:solidFill>
-                <a:latin typeface="Consolas" panose="020B0609020204030204" pitchFamily="49" charset="0"/>
-                <a:cs typeface="Consolas" panose="020B0609020204030204" pitchFamily="49" charset="0"/>
-              </a:rPr>
-              <a:t>     </a:t>
-            </a:r>
-            <a:r>
-              <a:rPr lang="en-US" altLang="en-US" sz="2000" dirty="0">
-                <a:solidFill>
-                  <a:srgbClr val="008000"/>
-                </a:solidFill>
-                <a:latin typeface="Consolas" panose="020B0609020204030204" pitchFamily="49" charset="0"/>
-                <a:cs typeface="Consolas" panose="020B0609020204030204" pitchFamily="49" charset="0"/>
-              </a:rPr>
-              <a:t>// results is now an array of stats for each file</a:t>
-            </a:r>
-            <a:r>
-              <a:rPr lang="en-US" altLang="en-US" sz="2000" dirty="0">
-                <a:solidFill>
-                  <a:srgbClr val="000000"/>
-                </a:solidFill>
-                <a:latin typeface="Consolas" panose="020B0609020204030204" pitchFamily="49" charset="0"/>
-                <a:cs typeface="Consolas" panose="020B0609020204030204" pitchFamily="49" charset="0"/>
-              </a:rPr>
-              <a:t> </a:t>
-            </a:r>
-          </a:p>
-          <a:p>
-            <a:pPr marL="0" lvl="0" indent="0">
-              <a:spcBef>
-                <a:spcPts val="0"/>
-              </a:spcBef>
-              <a:buNone/>
-            </a:pPr>
-            <a:r>
-              <a:rPr lang="en-US" altLang="en-US" sz="2000" dirty="0">
-                <a:solidFill>
-                  <a:srgbClr val="000000"/>
-                </a:solidFill>
-                <a:latin typeface="Consolas" panose="020B0609020204030204" pitchFamily="49" charset="0"/>
-                <a:cs typeface="Consolas" panose="020B0609020204030204" pitchFamily="49" charset="0"/>
-              </a:rPr>
-              <a:t>});</a:t>
-            </a:r>
-          </a:p>
-          <a:p>
-            <a:pPr marL="0" lvl="0" indent="0">
-              <a:spcBef>
-                <a:spcPts val="0"/>
-              </a:spcBef>
-              <a:buNone/>
-            </a:pPr>
-            <a:r>
-              <a:rPr lang="en-US" altLang="en-US" sz="2000" dirty="0" err="1">
-                <a:solidFill>
-                  <a:srgbClr val="000000"/>
-                </a:solidFill>
-                <a:latin typeface="Consolas" panose="020B0609020204030204" pitchFamily="49" charset="0"/>
-                <a:cs typeface="Consolas" panose="020B0609020204030204" pitchFamily="49" charset="0"/>
-              </a:rPr>
-              <a:t>async.filter</a:t>
-            </a:r>
-            <a:r>
-              <a:rPr lang="en-US" altLang="en-US" sz="2000" dirty="0">
-                <a:solidFill>
-                  <a:srgbClr val="000000"/>
-                </a:solidFill>
-                <a:latin typeface="Consolas" panose="020B0609020204030204" pitchFamily="49" charset="0"/>
-                <a:cs typeface="Consolas" panose="020B0609020204030204" pitchFamily="49" charset="0"/>
-              </a:rPr>
-              <a:t>([</a:t>
-            </a:r>
-            <a:r>
-              <a:rPr lang="en-US" altLang="en-US" sz="2000" dirty="0">
-                <a:solidFill>
-                  <a:srgbClr val="A31515"/>
-                </a:solidFill>
-                <a:latin typeface="Consolas" panose="020B0609020204030204" pitchFamily="49" charset="0"/>
-                <a:cs typeface="Consolas" panose="020B0609020204030204" pitchFamily="49" charset="0"/>
-              </a:rPr>
-              <a:t>'file1'</a:t>
-            </a:r>
-            <a:r>
-              <a:rPr lang="en-US" altLang="en-US" sz="2000" dirty="0">
-                <a:solidFill>
-                  <a:srgbClr val="000000"/>
-                </a:solidFill>
-                <a:latin typeface="Consolas" panose="020B0609020204030204" pitchFamily="49" charset="0"/>
-                <a:cs typeface="Consolas" panose="020B0609020204030204" pitchFamily="49" charset="0"/>
-              </a:rPr>
-              <a:t>,</a:t>
-            </a:r>
-            <a:r>
-              <a:rPr lang="en-US" altLang="en-US" sz="2000" dirty="0">
-                <a:solidFill>
-                  <a:srgbClr val="A31515"/>
-                </a:solidFill>
-                <a:latin typeface="Consolas" panose="020B0609020204030204" pitchFamily="49" charset="0"/>
-                <a:cs typeface="Consolas" panose="020B0609020204030204" pitchFamily="49" charset="0"/>
-              </a:rPr>
-              <a:t>'file2'</a:t>
-            </a:r>
-            <a:r>
-              <a:rPr lang="en-US" altLang="en-US" sz="2000" dirty="0">
-                <a:solidFill>
-                  <a:srgbClr val="000000"/>
-                </a:solidFill>
-                <a:latin typeface="Consolas" panose="020B0609020204030204" pitchFamily="49" charset="0"/>
-                <a:cs typeface="Consolas" panose="020B0609020204030204" pitchFamily="49" charset="0"/>
-              </a:rPr>
-              <a:t>,</a:t>
-            </a:r>
-            <a:r>
-              <a:rPr lang="en-US" altLang="en-US" sz="2000" dirty="0">
-                <a:solidFill>
-                  <a:srgbClr val="A31515"/>
-                </a:solidFill>
-                <a:latin typeface="Consolas" panose="020B0609020204030204" pitchFamily="49" charset="0"/>
-                <a:cs typeface="Consolas" panose="020B0609020204030204" pitchFamily="49" charset="0"/>
-              </a:rPr>
-              <a:t>'file3'</a:t>
-            </a:r>
-            <a:r>
-              <a:rPr lang="en-US" altLang="en-US" sz="2000" dirty="0">
-                <a:solidFill>
-                  <a:srgbClr val="000000"/>
-                </a:solidFill>
-                <a:latin typeface="Consolas" panose="020B0609020204030204" pitchFamily="49" charset="0"/>
-                <a:cs typeface="Consolas" panose="020B0609020204030204" pitchFamily="49" charset="0"/>
-              </a:rPr>
-              <a:t>], </a:t>
-            </a:r>
-            <a:r>
-              <a:rPr lang="en-US" altLang="en-US" sz="2000" dirty="0" err="1">
-                <a:solidFill>
-                  <a:srgbClr val="000000"/>
-                </a:solidFill>
-                <a:latin typeface="Consolas" panose="020B0609020204030204" pitchFamily="49" charset="0"/>
-                <a:cs typeface="Consolas" panose="020B0609020204030204" pitchFamily="49" charset="0"/>
-              </a:rPr>
-              <a:t>fs.exists</a:t>
-            </a:r>
-            <a:r>
-              <a:rPr lang="en-US" altLang="en-US" sz="2000" dirty="0">
-                <a:solidFill>
-                  <a:srgbClr val="000000"/>
-                </a:solidFill>
-                <a:latin typeface="Consolas" panose="020B0609020204030204" pitchFamily="49" charset="0"/>
-                <a:cs typeface="Consolas" panose="020B0609020204030204" pitchFamily="49" charset="0"/>
-              </a:rPr>
-              <a:t>, </a:t>
-            </a:r>
-            <a:r>
-              <a:rPr lang="en-US" altLang="en-US" sz="2000" dirty="0">
-                <a:solidFill>
-                  <a:srgbClr val="0000FF"/>
-                </a:solidFill>
-                <a:latin typeface="Consolas" panose="020B0609020204030204" pitchFamily="49" charset="0"/>
-                <a:cs typeface="Consolas" panose="020B0609020204030204" pitchFamily="49" charset="0"/>
-              </a:rPr>
-              <a:t>function</a:t>
-            </a:r>
-            <a:r>
-              <a:rPr lang="en-US" altLang="en-US" sz="2000" dirty="0">
-                <a:solidFill>
-                  <a:srgbClr val="000000"/>
-                </a:solidFill>
-                <a:latin typeface="Consolas" panose="020B0609020204030204" pitchFamily="49" charset="0"/>
-                <a:cs typeface="Consolas" panose="020B0609020204030204" pitchFamily="49" charset="0"/>
-              </a:rPr>
-              <a:t> (results) {     </a:t>
-            </a:r>
-          </a:p>
-          <a:p>
-            <a:pPr marL="0" lvl="0" indent="0">
-              <a:spcBef>
-                <a:spcPts val="0"/>
-              </a:spcBef>
-              <a:buNone/>
-            </a:pPr>
-            <a:r>
-              <a:rPr lang="en-US" altLang="en-US" sz="2000" dirty="0">
-                <a:solidFill>
-                  <a:srgbClr val="008000"/>
-                </a:solidFill>
-                <a:latin typeface="Consolas" panose="020B0609020204030204" pitchFamily="49" charset="0"/>
-                <a:cs typeface="Consolas" panose="020B0609020204030204" pitchFamily="49" charset="0"/>
-              </a:rPr>
-              <a:t>     // results now equals an array of the existing files</a:t>
-            </a:r>
-            <a:r>
-              <a:rPr lang="en-US" altLang="en-US" sz="2000" dirty="0">
-                <a:solidFill>
-                  <a:srgbClr val="000000"/>
-                </a:solidFill>
-                <a:latin typeface="Consolas" panose="020B0609020204030204" pitchFamily="49" charset="0"/>
-                <a:cs typeface="Consolas" panose="020B0609020204030204" pitchFamily="49" charset="0"/>
-              </a:rPr>
-              <a:t> </a:t>
-            </a:r>
-          </a:p>
-          <a:p>
-            <a:pPr marL="0" lvl="0" indent="0">
-              <a:spcBef>
-                <a:spcPts val="0"/>
-              </a:spcBef>
-              <a:buNone/>
-            </a:pPr>
-            <a:r>
-              <a:rPr lang="en-US" altLang="en-US" sz="2000" dirty="0">
-                <a:solidFill>
-                  <a:srgbClr val="000000"/>
-                </a:solidFill>
-                <a:latin typeface="Consolas" panose="020B0609020204030204" pitchFamily="49" charset="0"/>
-                <a:cs typeface="Consolas" panose="020B0609020204030204" pitchFamily="49" charset="0"/>
-              </a:rPr>
-              <a:t>}); </a:t>
-            </a:r>
-          </a:p>
-          <a:p>
-            <a:pPr marL="0" lvl="0" indent="0">
-              <a:spcBef>
-                <a:spcPts val="0"/>
-              </a:spcBef>
-              <a:buNone/>
-            </a:pPr>
-            <a:r>
-              <a:rPr lang="en-US" altLang="en-US" sz="2000" dirty="0" err="1" smtClean="0">
-                <a:solidFill>
-                  <a:srgbClr val="000000"/>
-                </a:solidFill>
-                <a:latin typeface="Consolas" panose="020B0609020204030204" pitchFamily="49" charset="0"/>
-                <a:cs typeface="Consolas" panose="020B0609020204030204" pitchFamily="49" charset="0"/>
-              </a:rPr>
-              <a:t>async.parallel</a:t>
-            </a:r>
-            <a:r>
-              <a:rPr lang="en-US" altLang="en-US" sz="2000" dirty="0" smtClean="0">
-                <a:solidFill>
-                  <a:srgbClr val="000000"/>
-                </a:solidFill>
-                <a:latin typeface="Consolas" panose="020B0609020204030204" pitchFamily="49" charset="0"/>
-                <a:cs typeface="Consolas" panose="020B0609020204030204" pitchFamily="49" charset="0"/>
-              </a:rPr>
-              <a:t>([</a:t>
-            </a:r>
-          </a:p>
-          <a:p>
-            <a:pPr marL="0" lvl="0" indent="0">
-              <a:spcBef>
-                <a:spcPts val="0"/>
-              </a:spcBef>
-              <a:buNone/>
-            </a:pPr>
-            <a:r>
-              <a:rPr lang="en-US" altLang="en-US" sz="2000" dirty="0" smtClean="0">
-                <a:solidFill>
-                  <a:srgbClr val="000000"/>
-                </a:solidFill>
-                <a:latin typeface="Consolas" panose="020B0609020204030204" pitchFamily="49" charset="0"/>
-                <a:cs typeface="Consolas" panose="020B0609020204030204" pitchFamily="49" charset="0"/>
-              </a:rPr>
-              <a:t> </a:t>
-            </a:r>
-            <a:r>
-              <a:rPr lang="en-US" altLang="en-US" sz="2000" dirty="0">
-                <a:solidFill>
-                  <a:srgbClr val="000000"/>
-                </a:solidFill>
-                <a:latin typeface="Consolas" panose="020B0609020204030204" pitchFamily="49" charset="0"/>
-                <a:cs typeface="Consolas" panose="020B0609020204030204" pitchFamily="49" charset="0"/>
-              </a:rPr>
-              <a:t>    </a:t>
-            </a:r>
-            <a:r>
-              <a:rPr lang="en-US" altLang="en-US" sz="2000" dirty="0">
-                <a:solidFill>
-                  <a:srgbClr val="0000FF"/>
-                </a:solidFill>
-                <a:latin typeface="Consolas" panose="020B0609020204030204" pitchFamily="49" charset="0"/>
-                <a:cs typeface="Consolas" panose="020B0609020204030204" pitchFamily="49" charset="0"/>
-              </a:rPr>
-              <a:t>function</a:t>
-            </a:r>
-            <a:r>
-              <a:rPr lang="en-US" altLang="en-US" sz="2000" dirty="0">
-                <a:solidFill>
-                  <a:srgbClr val="000000"/>
-                </a:solidFill>
-                <a:latin typeface="Consolas" panose="020B0609020204030204" pitchFamily="49" charset="0"/>
-                <a:cs typeface="Consolas" panose="020B0609020204030204" pitchFamily="49" charset="0"/>
-              </a:rPr>
-              <a:t> () {  },</a:t>
-            </a:r>
-          </a:p>
-          <a:p>
-            <a:pPr marL="0" lvl="0" indent="0">
-              <a:spcBef>
-                <a:spcPts val="0"/>
-              </a:spcBef>
-              <a:buNone/>
-            </a:pPr>
-            <a:r>
-              <a:rPr lang="en-US" altLang="en-US" sz="2000" dirty="0">
-                <a:solidFill>
-                  <a:srgbClr val="000000"/>
-                </a:solidFill>
-                <a:latin typeface="Consolas" panose="020B0609020204030204" pitchFamily="49" charset="0"/>
-                <a:cs typeface="Consolas" panose="020B0609020204030204" pitchFamily="49" charset="0"/>
-              </a:rPr>
-              <a:t>     </a:t>
-            </a:r>
-            <a:r>
-              <a:rPr lang="en-US" altLang="en-US" sz="2000" dirty="0">
-                <a:solidFill>
-                  <a:srgbClr val="0000FF"/>
-                </a:solidFill>
-                <a:latin typeface="Consolas" panose="020B0609020204030204" pitchFamily="49" charset="0"/>
-                <a:cs typeface="Consolas" panose="020B0609020204030204" pitchFamily="49" charset="0"/>
-              </a:rPr>
-              <a:t>function</a:t>
-            </a:r>
-            <a:r>
-              <a:rPr lang="en-US" altLang="en-US" sz="2000" dirty="0">
-                <a:solidFill>
-                  <a:srgbClr val="000000"/>
-                </a:solidFill>
-                <a:latin typeface="Consolas" panose="020B0609020204030204" pitchFamily="49" charset="0"/>
-                <a:cs typeface="Consolas" panose="020B0609020204030204" pitchFamily="49" charset="0"/>
-              </a:rPr>
-              <a:t> () {  }</a:t>
-            </a:r>
-          </a:p>
-          <a:p>
-            <a:pPr marL="0" lvl="0" indent="0">
-              <a:spcBef>
-                <a:spcPts val="0"/>
-              </a:spcBef>
-              <a:buNone/>
-            </a:pPr>
-            <a:r>
-              <a:rPr lang="en-US" altLang="en-US" sz="2000" dirty="0">
-                <a:solidFill>
-                  <a:srgbClr val="000000"/>
-                </a:solidFill>
-                <a:latin typeface="Consolas" panose="020B0609020204030204" pitchFamily="49" charset="0"/>
-                <a:cs typeface="Consolas" panose="020B0609020204030204" pitchFamily="49" charset="0"/>
-              </a:rPr>
-              <a:t>], callback);</a:t>
-            </a:r>
-          </a:p>
-          <a:p>
-            <a:pPr marL="0" lvl="0" indent="0">
-              <a:spcBef>
-                <a:spcPts val="0"/>
-              </a:spcBef>
-              <a:buNone/>
-            </a:pPr>
-            <a:r>
-              <a:rPr lang="en-US" altLang="en-US" sz="2000" dirty="0" err="1">
-                <a:solidFill>
-                  <a:srgbClr val="000000"/>
-                </a:solidFill>
-                <a:latin typeface="Consolas" panose="020B0609020204030204" pitchFamily="49" charset="0"/>
-                <a:cs typeface="Consolas" panose="020B0609020204030204" pitchFamily="49" charset="0"/>
-              </a:rPr>
-              <a:t>async.series</a:t>
-            </a:r>
-            <a:r>
-              <a:rPr lang="en-US" altLang="en-US" sz="2000" dirty="0">
-                <a:solidFill>
-                  <a:srgbClr val="000000"/>
-                </a:solidFill>
-                <a:latin typeface="Consolas" panose="020B0609020204030204" pitchFamily="49" charset="0"/>
-                <a:cs typeface="Consolas" panose="020B0609020204030204" pitchFamily="49" charset="0"/>
-              </a:rPr>
-              <a:t>([</a:t>
-            </a:r>
-          </a:p>
-          <a:p>
-            <a:pPr marL="0" lvl="0" indent="0">
-              <a:spcBef>
-                <a:spcPts val="0"/>
-              </a:spcBef>
-              <a:buNone/>
-            </a:pPr>
-            <a:r>
-              <a:rPr lang="en-US" altLang="en-US" sz="2000" dirty="0">
-                <a:solidFill>
-                  <a:srgbClr val="000000"/>
-                </a:solidFill>
-                <a:latin typeface="Consolas" panose="020B0609020204030204" pitchFamily="49" charset="0"/>
-                <a:cs typeface="Consolas" panose="020B0609020204030204" pitchFamily="49" charset="0"/>
-              </a:rPr>
-              <a:t>     </a:t>
-            </a:r>
-            <a:r>
-              <a:rPr lang="en-US" altLang="en-US" sz="2000" dirty="0">
-                <a:solidFill>
-                  <a:srgbClr val="0000FF"/>
-                </a:solidFill>
-                <a:latin typeface="Consolas" panose="020B0609020204030204" pitchFamily="49" charset="0"/>
-                <a:cs typeface="Consolas" panose="020B0609020204030204" pitchFamily="49" charset="0"/>
-              </a:rPr>
-              <a:t>function</a:t>
-            </a:r>
-            <a:r>
-              <a:rPr lang="en-US" altLang="en-US" sz="2000" dirty="0">
-                <a:solidFill>
-                  <a:srgbClr val="000000"/>
-                </a:solidFill>
-                <a:latin typeface="Consolas" panose="020B0609020204030204" pitchFamily="49" charset="0"/>
-                <a:cs typeface="Consolas" panose="020B0609020204030204" pitchFamily="49" charset="0"/>
-              </a:rPr>
-              <a:t> () {  },</a:t>
-            </a:r>
-          </a:p>
-          <a:p>
-            <a:pPr marL="0" lvl="0" indent="0">
-              <a:spcBef>
-                <a:spcPts val="0"/>
-              </a:spcBef>
-              <a:buNone/>
-            </a:pPr>
-            <a:r>
-              <a:rPr lang="en-US" altLang="en-US" sz="2000" dirty="0">
-                <a:solidFill>
-                  <a:srgbClr val="000000"/>
-                </a:solidFill>
-                <a:latin typeface="Consolas" panose="020B0609020204030204" pitchFamily="49" charset="0"/>
-                <a:cs typeface="Consolas" panose="020B0609020204030204" pitchFamily="49" charset="0"/>
-              </a:rPr>
-              <a:t>     </a:t>
-            </a:r>
-            <a:r>
-              <a:rPr lang="en-US" altLang="en-US" sz="2000" dirty="0">
-                <a:solidFill>
-                  <a:srgbClr val="0000FF"/>
-                </a:solidFill>
-                <a:latin typeface="Consolas" panose="020B0609020204030204" pitchFamily="49" charset="0"/>
-                <a:cs typeface="Consolas" panose="020B0609020204030204" pitchFamily="49" charset="0"/>
-              </a:rPr>
-              <a:t>function</a:t>
-            </a:r>
-            <a:r>
-              <a:rPr lang="en-US" altLang="en-US" sz="2000" dirty="0">
-                <a:solidFill>
-                  <a:srgbClr val="000000"/>
-                </a:solidFill>
-                <a:latin typeface="Consolas" panose="020B0609020204030204" pitchFamily="49" charset="0"/>
-                <a:cs typeface="Consolas" panose="020B0609020204030204" pitchFamily="49" charset="0"/>
-              </a:rPr>
-              <a:t> () {  }</a:t>
-            </a:r>
-          </a:p>
-          <a:p>
-            <a:pPr marL="0" lvl="0" indent="0">
-              <a:spcBef>
-                <a:spcPts val="0"/>
-              </a:spcBef>
-              <a:buNone/>
-            </a:pPr>
-            <a:r>
-              <a:rPr lang="en-US" altLang="en-US" sz="2000" dirty="0">
-                <a:solidFill>
-                  <a:srgbClr val="000000"/>
-                </a:solidFill>
-                <a:latin typeface="Consolas" panose="020B0609020204030204" pitchFamily="49" charset="0"/>
-                <a:cs typeface="Consolas" panose="020B0609020204030204" pitchFamily="49" charset="0"/>
-              </a:rPr>
-              <a:t>]);</a:t>
-            </a:r>
-            <a:endParaRPr lang="en-US" altLang="en-US" sz="2000" dirty="0">
-              <a:latin typeface="Arial" panose="020B0604020202020204" pitchFamily="34" charset="0"/>
-            </a:endParaRPr>
-          </a:p>
-          <a:p>
-            <a:pPr marL="0" indent="0">
-              <a:buNone/>
-            </a:pPr>
-            <a:endParaRPr lang="en-US" sz="1800" dirty="0"/>
-          </a:p>
-          <a:p>
-            <a:pPr marL="0" indent="0">
-              <a:buNone/>
-            </a:pPr>
-            <a:endParaRPr lang="en-US" dirty="0"/>
-          </a:p>
-          <a:p>
-            <a:endParaRPr lang="en-US" dirty="0"/>
-          </a:p>
-          <a:p>
-            <a:endParaRPr lang="en-US" dirty="0"/>
-          </a:p>
-          <a:p>
-            <a:pPr marL="0" indent="0">
-              <a:buNone/>
-            </a:pPr>
-            <a:endParaRPr lang="en-US" dirty="0"/>
-          </a:p>
-        </p:txBody>
-      </p:sp>
-    </p:spTree>
-    <p:extLst>
-      <p:ext uri="{BB962C8B-B14F-4D97-AF65-F5344CB8AC3E}">
-        <p14:creationId xmlns:p14="http://schemas.microsoft.com/office/powerpoint/2010/main" val="3981174589"/>
-      </p:ext>
-    </p:extLst>
-  </p:cSld>
-  <p:clrMapOvr>
-    <a:masterClrMapping/>
-  </p:clrMapOvr>
-</p:sld>
-</file>
-
-<file path=ppt/slides/slide46.xml><?xml version="1.0" encoding="utf-8"?>
-<p:sld xmlns:a="http://schemas.openxmlformats.org/drawingml/2006/main" xmlns:r="http://schemas.openxmlformats.org/officeDocument/2006/relationships" xmlns:p="http://schemas.openxmlformats.org/presentationml/2006/main">
-  <p:cSld>
-    <p:spTree>
-      <p:nvGrpSpPr>
-        <p:cNvPr id="1" name=""/>
-        <p:cNvGrpSpPr/>
-        <p:nvPr/>
-      </p:nvGrpSpPr>
-      <p:grpSpPr>
-        <a:xfrm>
-          <a:off x="0" y="0"/>
-          <a:ext cx="0" cy="0"/>
-          <a:chOff x="0" y="0"/>
-          <a:chExt cx="0" cy="0"/>
-        </a:xfrm>
-      </p:grpSpPr>
-      <p:sp>
-        <p:nvSpPr>
-          <p:cNvPr id="2" name="Title 1"/>
-          <p:cNvSpPr>
-            <a:spLocks noGrp="1"/>
-          </p:cNvSpPr>
-          <p:nvPr>
-            <p:ph type="title"/>
-          </p:nvPr>
-        </p:nvSpPr>
-        <p:spPr/>
-        <p:txBody>
-          <a:bodyPr/>
-          <a:lstStyle/>
-          <a:p>
-            <a:r>
-              <a:rPr lang="en-US" dirty="0" smtClean="0"/>
-              <a:t>Request Module</a:t>
-            </a:r>
-            <a:endParaRPr lang="en-US" dirty="0"/>
-          </a:p>
-        </p:txBody>
-      </p:sp>
-      <p:sp>
-        <p:nvSpPr>
-          <p:cNvPr id="3" name="Content Placeholder 2"/>
-          <p:cNvSpPr>
-            <a:spLocks noGrp="1"/>
-          </p:cNvSpPr>
-          <p:nvPr>
-            <p:ph sz="quarter" idx="10"/>
-          </p:nvPr>
-        </p:nvSpPr>
-        <p:spPr/>
-        <p:txBody>
-          <a:bodyPr/>
-          <a:lstStyle/>
-          <a:p>
-            <a:pPr marL="0" indent="0">
-              <a:buNone/>
-            </a:pPr>
-            <a:r>
-              <a:rPr lang="en-US" dirty="0"/>
-              <a:t>Request is designed to be the simplest way possible to make http calls. It supports HTTPS, streaming and follows redirects by default.</a:t>
-            </a:r>
-          </a:p>
-          <a:p>
-            <a:pPr marL="0" indent="0">
-              <a:buNone/>
-            </a:pPr>
-            <a:endParaRPr lang="en-US" dirty="0"/>
-          </a:p>
-          <a:p>
-            <a:pPr marL="0" lvl="0" indent="0">
-              <a:lnSpc>
-                <a:spcPct val="110000"/>
-              </a:lnSpc>
-              <a:spcBef>
-                <a:spcPts val="0"/>
-              </a:spcBef>
-              <a:buNone/>
-            </a:pPr>
-            <a:r>
-              <a:rPr lang="en-US" altLang="en-US" sz="2400" dirty="0" err="1">
-                <a:solidFill>
-                  <a:srgbClr val="0000FF"/>
-                </a:solidFill>
-                <a:latin typeface="Consolas" panose="020B0609020204030204" pitchFamily="49" charset="0"/>
-                <a:cs typeface="Consolas" panose="020B0609020204030204" pitchFamily="49" charset="0"/>
-              </a:rPr>
-              <a:t>var</a:t>
-            </a:r>
-            <a:r>
-              <a:rPr lang="en-US" altLang="en-US" sz="2400" dirty="0">
-                <a:solidFill>
-                  <a:srgbClr val="000000"/>
-                </a:solidFill>
-                <a:latin typeface="Consolas" panose="020B0609020204030204" pitchFamily="49" charset="0"/>
-                <a:cs typeface="Consolas" panose="020B0609020204030204" pitchFamily="49" charset="0"/>
-              </a:rPr>
-              <a:t> request = require(</a:t>
-            </a:r>
-            <a:r>
-              <a:rPr lang="en-US" altLang="en-US" sz="2400" dirty="0">
-                <a:solidFill>
-                  <a:srgbClr val="A31515"/>
-                </a:solidFill>
-                <a:latin typeface="Consolas" panose="020B0609020204030204" pitchFamily="49" charset="0"/>
-                <a:cs typeface="Consolas" panose="020B0609020204030204" pitchFamily="49" charset="0"/>
-              </a:rPr>
-              <a:t>'request'</a:t>
-            </a:r>
-            <a:r>
-              <a:rPr lang="en-US" altLang="en-US" sz="2400" dirty="0">
-                <a:solidFill>
-                  <a:srgbClr val="000000"/>
-                </a:solidFill>
-                <a:latin typeface="Consolas" panose="020B0609020204030204" pitchFamily="49" charset="0"/>
-                <a:cs typeface="Consolas" panose="020B0609020204030204" pitchFamily="49" charset="0"/>
-              </a:rPr>
-              <a:t>); request(</a:t>
-            </a:r>
-            <a:r>
-              <a:rPr lang="en-US" altLang="en-US" sz="2400" dirty="0">
-                <a:solidFill>
-                  <a:srgbClr val="A31515"/>
-                </a:solidFill>
-                <a:latin typeface="Consolas" panose="020B0609020204030204" pitchFamily="49" charset="0"/>
-                <a:cs typeface="Consolas" panose="020B0609020204030204" pitchFamily="49" charset="0"/>
-              </a:rPr>
-              <a:t>'http://www.microsoft.com'</a:t>
-            </a:r>
-            <a:r>
-              <a:rPr lang="en-US" altLang="en-US" sz="2400" dirty="0">
-                <a:solidFill>
-                  <a:srgbClr val="000000"/>
-                </a:solidFill>
-                <a:latin typeface="Consolas" panose="020B0609020204030204" pitchFamily="49" charset="0"/>
-                <a:cs typeface="Consolas" panose="020B0609020204030204" pitchFamily="49" charset="0"/>
-              </a:rPr>
-              <a:t>, </a:t>
-            </a:r>
-            <a:r>
-              <a:rPr lang="en-US" altLang="en-US" sz="2400" dirty="0">
-                <a:solidFill>
-                  <a:srgbClr val="0000FF"/>
-                </a:solidFill>
-                <a:latin typeface="Consolas" panose="020B0609020204030204" pitchFamily="49" charset="0"/>
-                <a:cs typeface="Consolas" panose="020B0609020204030204" pitchFamily="49" charset="0"/>
-              </a:rPr>
-              <a:t>function</a:t>
-            </a:r>
-            <a:r>
-              <a:rPr lang="en-US" altLang="en-US" sz="2400" dirty="0">
-                <a:solidFill>
-                  <a:srgbClr val="000000"/>
-                </a:solidFill>
-                <a:latin typeface="Consolas" panose="020B0609020204030204" pitchFamily="49" charset="0"/>
-                <a:cs typeface="Consolas" panose="020B0609020204030204" pitchFamily="49" charset="0"/>
-              </a:rPr>
-              <a:t> (error, response, body) {</a:t>
-            </a:r>
-          </a:p>
-          <a:p>
-            <a:pPr marL="0" lvl="0" indent="0">
-              <a:lnSpc>
-                <a:spcPct val="110000"/>
-              </a:lnSpc>
-              <a:spcBef>
-                <a:spcPts val="0"/>
-              </a:spcBef>
-              <a:buNone/>
-            </a:pPr>
-            <a:r>
-              <a:rPr lang="en-US" altLang="en-US" sz="2400" dirty="0">
-                <a:solidFill>
-                  <a:srgbClr val="000000"/>
-                </a:solidFill>
-                <a:latin typeface="Consolas" panose="020B0609020204030204" pitchFamily="49" charset="0"/>
-                <a:cs typeface="Consolas" panose="020B0609020204030204" pitchFamily="49" charset="0"/>
-              </a:rPr>
-              <a:t>     </a:t>
-            </a:r>
-            <a:r>
-              <a:rPr lang="en-US" altLang="en-US" sz="2400" dirty="0">
-                <a:solidFill>
-                  <a:srgbClr val="0000FF"/>
-                </a:solidFill>
-                <a:latin typeface="Consolas" panose="020B0609020204030204" pitchFamily="49" charset="0"/>
-                <a:cs typeface="Consolas" panose="020B0609020204030204" pitchFamily="49" charset="0"/>
-              </a:rPr>
-              <a:t>if</a:t>
-            </a:r>
-            <a:r>
-              <a:rPr lang="en-US" altLang="en-US" sz="2400" dirty="0">
-                <a:solidFill>
-                  <a:srgbClr val="000000"/>
-                </a:solidFill>
-                <a:latin typeface="Consolas" panose="020B0609020204030204" pitchFamily="49" charset="0"/>
-                <a:cs typeface="Consolas" panose="020B0609020204030204" pitchFamily="49" charset="0"/>
-              </a:rPr>
-              <a:t> (!error &amp;&amp; </a:t>
-            </a:r>
-            <a:r>
-              <a:rPr lang="en-US" altLang="en-US" sz="2400" dirty="0" err="1">
-                <a:solidFill>
-                  <a:srgbClr val="000000"/>
-                </a:solidFill>
-                <a:latin typeface="Consolas" panose="020B0609020204030204" pitchFamily="49" charset="0"/>
-                <a:cs typeface="Consolas" panose="020B0609020204030204" pitchFamily="49" charset="0"/>
-              </a:rPr>
-              <a:t>response.statusCode</a:t>
-            </a:r>
-            <a:r>
-              <a:rPr lang="en-US" altLang="en-US" sz="2400" dirty="0">
-                <a:solidFill>
-                  <a:srgbClr val="000000"/>
-                </a:solidFill>
-                <a:latin typeface="Consolas" panose="020B0609020204030204" pitchFamily="49" charset="0"/>
-                <a:cs typeface="Consolas" panose="020B0609020204030204" pitchFamily="49" charset="0"/>
-              </a:rPr>
-              <a:t> == 200) {</a:t>
-            </a:r>
-          </a:p>
-          <a:p>
-            <a:pPr marL="0" lvl="0" indent="0">
-              <a:lnSpc>
-                <a:spcPct val="110000"/>
-              </a:lnSpc>
-              <a:spcBef>
-                <a:spcPts val="0"/>
-              </a:spcBef>
-              <a:buNone/>
-            </a:pPr>
-            <a:r>
-              <a:rPr lang="en-US" altLang="en-US" sz="2400" dirty="0">
-                <a:solidFill>
-                  <a:srgbClr val="000000"/>
-                </a:solidFill>
-                <a:latin typeface="Consolas" panose="020B0609020204030204" pitchFamily="49" charset="0"/>
-                <a:cs typeface="Consolas" panose="020B0609020204030204" pitchFamily="49" charset="0"/>
-              </a:rPr>
-              <a:t>		console.log(body);</a:t>
-            </a:r>
-          </a:p>
-          <a:p>
-            <a:pPr marL="0" lvl="0" indent="0">
-              <a:lnSpc>
-                <a:spcPct val="110000"/>
-              </a:lnSpc>
-              <a:spcBef>
-                <a:spcPts val="0"/>
-              </a:spcBef>
-              <a:buNone/>
-            </a:pPr>
-            <a:r>
-              <a:rPr lang="en-US" altLang="en-US" sz="2400" dirty="0">
-                <a:solidFill>
-                  <a:srgbClr val="000000"/>
-                </a:solidFill>
-                <a:latin typeface="Consolas" panose="020B0609020204030204" pitchFamily="49" charset="0"/>
-                <a:cs typeface="Consolas" panose="020B0609020204030204" pitchFamily="49" charset="0"/>
-              </a:rPr>
-              <a:t>     }</a:t>
-            </a:r>
-          </a:p>
-          <a:p>
-            <a:pPr marL="0" lvl="0" indent="0">
-              <a:lnSpc>
-                <a:spcPct val="110000"/>
-              </a:lnSpc>
-              <a:spcBef>
-                <a:spcPts val="0"/>
-              </a:spcBef>
-              <a:buNone/>
-            </a:pPr>
-            <a:r>
-              <a:rPr lang="en-US" altLang="en-US" sz="2400" dirty="0">
-                <a:solidFill>
-                  <a:srgbClr val="000000"/>
-                </a:solidFill>
-                <a:latin typeface="Consolas" panose="020B0609020204030204" pitchFamily="49" charset="0"/>
-                <a:cs typeface="Consolas" panose="020B0609020204030204" pitchFamily="49" charset="0"/>
-              </a:rPr>
-              <a:t>});</a:t>
-            </a:r>
-            <a:endParaRPr lang="en-US" altLang="en-US" sz="2400" dirty="0">
-              <a:latin typeface="Arial" panose="020B0604020202020204" pitchFamily="34" charset="0"/>
-            </a:endParaRPr>
-          </a:p>
-          <a:p>
-            <a:pPr marL="0" indent="0">
-              <a:buNone/>
-            </a:pPr>
-            <a:endParaRPr lang="en-US" dirty="0"/>
-          </a:p>
-        </p:txBody>
-      </p:sp>
-    </p:spTree>
-    <p:extLst>
-      <p:ext uri="{BB962C8B-B14F-4D97-AF65-F5344CB8AC3E}">
-        <p14:creationId xmlns:p14="http://schemas.microsoft.com/office/powerpoint/2010/main" val="1082084413"/>
-      </p:ext>
-    </p:extLst>
-  </p:cSld>
-  <p:clrMapOvr>
-    <a:masterClrMapping/>
-  </p:clrMapOvr>
-</p:sld>
-</file>
-
-<file path=ppt/slides/slide47.xml><?xml version="1.0" encoding="utf-8"?>
-<p:sld xmlns:a="http://schemas.openxmlformats.org/drawingml/2006/main" xmlns:r="http://schemas.openxmlformats.org/officeDocument/2006/relationships" xmlns:p="http://schemas.openxmlformats.org/presentationml/2006/main">
-  <p:cSld>
-    <p:spTree>
-      <p:nvGrpSpPr>
-        <p:cNvPr id="1" name=""/>
-        <p:cNvGrpSpPr/>
-        <p:nvPr/>
-      </p:nvGrpSpPr>
-      <p:grpSpPr>
-        <a:xfrm>
-          <a:off x="0" y="0"/>
-          <a:ext cx="0" cy="0"/>
-          <a:chOff x="0" y="0"/>
-          <a:chExt cx="0" cy="0"/>
-        </a:xfrm>
-      </p:grpSpPr>
-      <p:sp>
-        <p:nvSpPr>
-          <p:cNvPr id="2" name="Title 1"/>
-          <p:cNvSpPr>
-            <a:spLocks noGrp="1"/>
-          </p:cNvSpPr>
-          <p:nvPr>
-            <p:ph type="title"/>
-          </p:nvPr>
-        </p:nvSpPr>
-        <p:spPr/>
-        <p:txBody>
-          <a:bodyPr/>
-          <a:lstStyle/>
-          <a:p>
-            <a:r>
-              <a:rPr lang="en-US" dirty="0" smtClean="0"/>
-              <a:t>Using the </a:t>
-            </a:r>
-            <a:r>
-              <a:rPr lang="en-US" smtClean="0"/>
-              <a:t>Q Library</a:t>
-            </a:r>
-            <a:endParaRPr lang="en-US" dirty="0"/>
-          </a:p>
-        </p:txBody>
-      </p:sp>
-    </p:spTree>
-    <p:extLst>
-      <p:ext uri="{BB962C8B-B14F-4D97-AF65-F5344CB8AC3E}">
-        <p14:creationId xmlns:p14="http://schemas.microsoft.com/office/powerpoint/2010/main" val="738310281"/>
-      </p:ext>
-    </p:extLst>
-  </p:cSld>
-  <p:clrMapOvr>
-    <a:masterClrMapping/>
-  </p:clrMapOvr>
-</p:sld>
-</file>
-
-<file path=ppt/slides/slide48.xml><?xml version="1.0" encoding="utf-8"?>
-<p:sld xmlns:a="http://schemas.openxmlformats.org/drawingml/2006/main" xmlns:r="http://schemas.openxmlformats.org/officeDocument/2006/relationships" xmlns:p="http://schemas.openxmlformats.org/presentationml/2006/main">
-  <p:cSld>
-    <p:spTree>
-      <p:nvGrpSpPr>
-        <p:cNvPr id="1" name=""/>
-        <p:cNvGrpSpPr/>
-        <p:nvPr/>
-      </p:nvGrpSpPr>
-      <p:grpSpPr>
-        <a:xfrm>
-          <a:off x="0" y="0"/>
-          <a:ext cx="0" cy="0"/>
-          <a:chOff x="0" y="0"/>
-          <a:chExt cx="0" cy="0"/>
-        </a:xfrm>
-      </p:grpSpPr>
-      <p:sp>
-        <p:nvSpPr>
-          <p:cNvPr id="2" name="Title 1"/>
-          <p:cNvSpPr>
-            <a:spLocks noGrp="1"/>
-          </p:cNvSpPr>
-          <p:nvPr>
-            <p:ph type="title"/>
-          </p:nvPr>
-        </p:nvSpPr>
-        <p:spPr/>
-        <p:txBody>
-          <a:bodyPr/>
-          <a:lstStyle/>
-          <a:p>
-            <a:r>
-              <a:rPr lang="en-US" dirty="0" smtClean="0"/>
               <a:t>Resources </a:t>
             </a:r>
             <a:endParaRPr lang="en-US" dirty="0"/>
@@ -12975,7 +12515,7 @@
 </p:sld>
 </file>
 
-<file path=ppt/slides/slide49.xml><?xml version="1.0" encoding="utf-8"?>
+<file path=ppt/slides/slide45.xml><?xml version="1.0" encoding="utf-8"?>
 <p:sld xmlns:a="http://schemas.openxmlformats.org/drawingml/2006/main" xmlns:r="http://schemas.openxmlformats.org/officeDocument/2006/relationships" xmlns:p="http://schemas.openxmlformats.org/presentationml/2006/main">
   <p:cSld>
     <p:spTree>
@@ -13210,8 +12750,16 @@
               <a:t>Over </a:t>
             </a:r>
             <a:r>
-              <a:rPr lang="en-US" dirty="0" smtClean="0"/>
-              <a:t>1M registered users</a:t>
+              <a:rPr lang="en-US" dirty="0"/>
+              <a:t>3</a:t>
+            </a:r>
+            <a:r>
+              <a:rPr lang="en-US" dirty="0" smtClean="0"/>
+              <a:t>M </a:t>
+            </a:r>
+            <a:r>
+              <a:rPr lang="en-US" dirty="0" smtClean="0"/>
+              <a:t>registered users</a:t>
             </a:r>
           </a:p>
           <a:p>
@@ -14470,6 +14018,29 @@
 </file>
 
 <file path=customXml/item1.xml><?xml version="1.0" encoding="utf-8"?>
+<p:properties xmlns:p="http://schemas.microsoft.com/office/2006/metadata/properties" xmlns:xsi="http://www.w3.org/2001/XMLSchema-instance" xmlns:pc="http://schemas.microsoft.com/office/infopath/2007/PartnerControls">
+  <documentManagement>
+    <SharedWithUsers xmlns="636b0322-90fb-440c-9cbc-22749e7231e9">
+      <UserInfo>
+        <DisplayName>Christopher Harrison</DisplayName>
+        <AccountId>123</AccountId>
+        <AccountType/>
+      </UserInfo>
+    </SharedWithUsers>
+  </documentManagement>
+</p:properties>
+</file>
+
+<file path=customXml/item2.xml><?xml version="1.0" encoding="utf-8"?>
+<?mso-contentType ?>
+<FormTemplates xmlns="http://schemas.microsoft.com/sharepoint/v3/contenttype/forms">
+  <Display>DocumentLibraryForm</Display>
+  <Edit>DocumentLibraryForm</Edit>
+  <New>DocumentLibraryForm</New>
+</FormTemplates>
+</file>
+
+<file path=customXml/item3.xml><?xml version="1.0" encoding="utf-8"?>
 <ct:contentTypeSchema xmlns:ct="http://schemas.microsoft.com/office/2006/metadata/contentType" xmlns:ma="http://schemas.microsoft.com/office/2006/metadata/properties/metaAttributes" ct:_="" ma:_="" ma:contentTypeName="Document" ma:contentTypeID="0x010100391E57C78B9F604FB8BAD296D1460E2A" ma:contentTypeVersion="1" ma:contentTypeDescription="Create a new document." ma:contentTypeScope="" ma:versionID="fb382fe2362acd2155f454904f478e4d">
   <xsd:schema xmlns:xsd="http://www.w3.org/2001/XMLSchema" xmlns:xs="http://www.w3.org/2001/XMLSchema" xmlns:p="http://schemas.microsoft.com/office/2006/metadata/properties" xmlns:ns3="636b0322-90fb-440c-9cbc-22749e7231e9" targetNamespace="http://schemas.microsoft.com/office/2006/metadata/properties" ma:root="true" ma:fieldsID="b9887c63ce4710c1aeb75a5f03aecb69" ns3:_="">
     <xsd:import namespace="636b0322-90fb-440c-9cbc-22749e7231e9"/>
@@ -14609,30 +14180,31 @@
 </ct:contentTypeSchema>
 </file>
 
-<file path=customXml/item2.xml><?xml version="1.0" encoding="utf-8"?>
-<p:properties xmlns:p="http://schemas.microsoft.com/office/2006/metadata/properties" xmlns:xsi="http://www.w3.org/2001/XMLSchema-instance" xmlns:pc="http://schemas.microsoft.com/office/infopath/2007/PartnerControls">
-  <documentManagement>
-    <SharedWithUsers xmlns="636b0322-90fb-440c-9cbc-22749e7231e9">
-      <UserInfo>
-        <DisplayName>Christopher Harrison</DisplayName>
-        <AccountId>123</AccountId>
-        <AccountType/>
-      </UserInfo>
-    </SharedWithUsers>
-  </documentManagement>
-</p:properties>
+<file path=customXml/itemProps1.xml><?xml version="1.0" encoding="utf-8"?>
+<ds:datastoreItem xmlns:ds="http://schemas.openxmlformats.org/officeDocument/2006/customXml" ds:itemID="{7025FDD9-4C58-4084-9F89-0E6ADD6FFF55}">
+  <ds:schemaRefs>
+    <ds:schemaRef ds:uri="http://purl.org/dc/dcmitype/"/>
+    <ds:schemaRef ds:uri="http://schemas.microsoft.com/office/infopath/2007/PartnerControls"/>
+    <ds:schemaRef ds:uri="http://purl.org/dc/elements/1.1/"/>
+    <ds:schemaRef ds:uri="http://schemas.microsoft.com/office/2006/metadata/properties"/>
+    <ds:schemaRef ds:uri="http://schemas.microsoft.com/office/2006/documentManagement/types"/>
+    <ds:schemaRef ds:uri="636b0322-90fb-440c-9cbc-22749e7231e9"/>
+    <ds:schemaRef ds:uri="http://purl.org/dc/terms/"/>
+    <ds:schemaRef ds:uri="http://schemas.openxmlformats.org/package/2006/metadata/core-properties"/>
+    <ds:schemaRef ds:uri="http://www.w3.org/XML/1998/namespace"/>
+  </ds:schemaRefs>
+</ds:datastoreItem>
 </file>
 
-<file path=customXml/item3.xml><?xml version="1.0" encoding="utf-8"?>
-<?mso-contentType ?>
-<FormTemplates xmlns="http://schemas.microsoft.com/sharepoint/v3/contenttype/forms">
-  <Display>DocumentLibraryForm</Display>
-  <Edit>DocumentLibraryForm</Edit>
-  <New>DocumentLibraryForm</New>
-</FormTemplates>
+<file path=customXml/itemProps2.xml><?xml version="1.0" encoding="utf-8"?>
+<ds:datastoreItem xmlns:ds="http://schemas.openxmlformats.org/officeDocument/2006/customXml" ds:itemID="{B0CA13EC-1D3C-4D6F-8D1C-E8A452CFC79A}">
+  <ds:schemaRefs>
+    <ds:schemaRef ds:uri="http://schemas.microsoft.com/sharepoint/v3/contenttype/forms"/>
+  </ds:schemaRefs>
+</ds:datastoreItem>
 </file>
 
-<file path=customXml/itemProps1.xml><?xml version="1.0" encoding="utf-8"?>
+<file path=customXml/itemProps3.xml><?xml version="1.0" encoding="utf-8"?>
 <ds:datastoreItem xmlns:ds="http://schemas.openxmlformats.org/officeDocument/2006/customXml" ds:itemID="{7B70CE0C-0988-423A-BF66-B40F6A1061FF}">
   <ds:schemaRefs>
     <ds:schemaRef ds:uri="http://schemas.microsoft.com/office/2006/metadata/contentType"/>
@@ -14648,28 +14220,4 @@
     <ds:schemaRef ds:uri="http://schemas.microsoft.com/internal/obd"/>
   </ds:schemaRefs>
 </ds:datastoreItem>
-</file>
-
-<file path=customXml/itemProps2.xml><?xml version="1.0" encoding="utf-8"?>
-<ds:datastoreItem xmlns:ds="http://schemas.openxmlformats.org/officeDocument/2006/customXml" ds:itemID="{7025FDD9-4C58-4084-9F89-0E6ADD6FFF55}">
-  <ds:schemaRefs>
-    <ds:schemaRef ds:uri="http://purl.org/dc/dcmitype/"/>
-    <ds:schemaRef ds:uri="http://schemas.microsoft.com/office/infopath/2007/PartnerControls"/>
-    <ds:schemaRef ds:uri="http://purl.org/dc/elements/1.1/"/>
-    <ds:schemaRef ds:uri="http://schemas.microsoft.com/office/2006/metadata/properties"/>
-    <ds:schemaRef ds:uri="http://schemas.microsoft.com/office/2006/documentManagement/types"/>
-    <ds:schemaRef ds:uri="636b0322-90fb-440c-9cbc-22749e7231e9"/>
-    <ds:schemaRef ds:uri="http://purl.org/dc/terms/"/>
-    <ds:schemaRef ds:uri="http://schemas.openxmlformats.org/package/2006/metadata/core-properties"/>
-    <ds:schemaRef ds:uri="http://www.w3.org/XML/1998/namespace"/>
-  </ds:schemaRefs>
-</ds:datastoreItem>
-</file>
-
-<file path=customXml/itemProps3.xml><?xml version="1.0" encoding="utf-8"?>
-<ds:datastoreItem xmlns:ds="http://schemas.openxmlformats.org/officeDocument/2006/customXml" ds:itemID="{B0CA13EC-1D3C-4D6F-8D1C-E8A452CFC79A}">
-  <ds:schemaRefs>
-    <ds:schemaRef ds:uri="http://schemas.microsoft.com/sharepoint/v3/contenttype/forms"/>
-  </ds:schemaRefs>
-</ds:datastoreItem>
 </file>
--- a/Presentations for Visual Studio Code MVA/01.Intro-to-node.pptx
+++ b/Presentations for Visual Studio Code MVA/01.Intro-to-node.pptx
@@ -5,10 +5,10 @@
     <p:sldMasterId id="2147483660" r:id="rId4"/>
   </p:sldMasterIdLst>
   <p:notesMasterIdLst>
-    <p:notesMasterId r:id="rId50"/>
+    <p:notesMasterId r:id="rId51"/>
   </p:notesMasterIdLst>
   <p:handoutMasterIdLst>
-    <p:handoutMasterId r:id="rId51"/>
+    <p:handoutMasterId r:id="rId52"/>
   </p:handoutMasterIdLst>
   <p:sldIdLst>
     <p:sldId id="283" r:id="rId5"/>
@@ -30,32 +30,33 @@
     <p:sldId id="301" r:id="rId21"/>
     <p:sldId id="320" r:id="rId22"/>
     <p:sldId id="330" r:id="rId23"/>
-    <p:sldId id="290" r:id="rId24"/>
-    <p:sldId id="292" r:id="rId25"/>
-    <p:sldId id="293" r:id="rId26"/>
-    <p:sldId id="303" r:id="rId27"/>
-    <p:sldId id="304" r:id="rId28"/>
-    <p:sldId id="305" r:id="rId29"/>
-    <p:sldId id="306" r:id="rId30"/>
-    <p:sldId id="309" r:id="rId31"/>
-    <p:sldId id="308" r:id="rId32"/>
-    <p:sldId id="307" r:id="rId33"/>
-    <p:sldId id="310" r:id="rId34"/>
-    <p:sldId id="326" r:id="rId35"/>
-    <p:sldId id="327" r:id="rId36"/>
-    <p:sldId id="328" r:id="rId37"/>
-    <p:sldId id="312" r:id="rId38"/>
-    <p:sldId id="313" r:id="rId39"/>
-    <p:sldId id="291" r:id="rId40"/>
-    <p:sldId id="314" r:id="rId41"/>
-    <p:sldId id="315" r:id="rId42"/>
-    <p:sldId id="316" r:id="rId43"/>
-    <p:sldId id="317" r:id="rId44"/>
-    <p:sldId id="318" r:id="rId45"/>
-    <p:sldId id="331" r:id="rId46"/>
-    <p:sldId id="332" r:id="rId47"/>
-    <p:sldId id="311" r:id="rId48"/>
-    <p:sldId id="269" r:id="rId49"/>
+    <p:sldId id="333" r:id="rId24"/>
+    <p:sldId id="290" r:id="rId25"/>
+    <p:sldId id="292" r:id="rId26"/>
+    <p:sldId id="293" r:id="rId27"/>
+    <p:sldId id="303" r:id="rId28"/>
+    <p:sldId id="304" r:id="rId29"/>
+    <p:sldId id="305" r:id="rId30"/>
+    <p:sldId id="306" r:id="rId31"/>
+    <p:sldId id="309" r:id="rId32"/>
+    <p:sldId id="308" r:id="rId33"/>
+    <p:sldId id="307" r:id="rId34"/>
+    <p:sldId id="310" r:id="rId35"/>
+    <p:sldId id="326" r:id="rId36"/>
+    <p:sldId id="327" r:id="rId37"/>
+    <p:sldId id="328" r:id="rId38"/>
+    <p:sldId id="312" r:id="rId39"/>
+    <p:sldId id="313" r:id="rId40"/>
+    <p:sldId id="291" r:id="rId41"/>
+    <p:sldId id="314" r:id="rId42"/>
+    <p:sldId id="317" r:id="rId43"/>
+    <p:sldId id="315" r:id="rId44"/>
+    <p:sldId id="316" r:id="rId45"/>
+    <p:sldId id="318" r:id="rId46"/>
+    <p:sldId id="331" r:id="rId47"/>
+    <p:sldId id="332" r:id="rId48"/>
+    <p:sldId id="311" r:id="rId49"/>
+    <p:sldId id="269" r:id="rId50"/>
   </p:sldIdLst>
   <p:sldSz cx="12192000" cy="6858000"/>
   <p:notesSz cx="6858000" cy="9144000"/>
@@ -174,7 +175,7 @@
       </p:ext>
     </p:extLst>
   </p:cmAuthor>
-  <p:cmAuthor id="2" name="Rami Sayar" initials="RS" lastIdx="1" clrIdx="1">
+  <p:cmAuthor id="2" name="Rami Sayar" initials="RS" lastIdx="3" clrIdx="1">
     <p:extLst>
       <p:ext uri="{19B8F6BF-5375-455C-9EA6-DF929625EA0E}">
         <p15:presenceInfo xmlns:p15="http://schemas.microsoft.com/office/powerpoint/2012/main" userId="S-1-5-21-124525095-708259637-1543119021-1353542" providerId="AD"/>
@@ -186,12 +187,12 @@
 
 <file path=ppt/comments/comment1.xml><?xml version="1.0" encoding="utf-8"?>
 <p:cmLst xmlns:a="http://schemas.openxmlformats.org/drawingml/2006/main" xmlns:r="http://schemas.openxmlformats.org/officeDocument/2006/relationships" xmlns:p="http://schemas.openxmlformats.org/presentationml/2006/main">
-  <p:cm authorId="1" dt="2014-10-11T13:54:42.587" idx="1">
-    <p:pos x="10" y="10"/>
-    <p:text>need a real demo for Q</p:text>
-    <p:extLst mod="1">
+  <p:cm authorId="2" dt="2015-07-28T14:18:28.218" idx="2">
+    <p:pos x="5501" y="3233"/>
+    <p:text>Update</p:text>
+    <p:extLst>
       <p:ext uri="{C676402C-5697-4E1C-873F-D02D1690AC5C}">
-        <p15:threadingInfo xmlns:p15="http://schemas.microsoft.com/office/powerpoint/2012/main" timeZoneBias="240"/>
+        <p15:threadingInfo xmlns:p15="http://schemas.microsoft.com/office/powerpoint/2012/main" timeZoneBias="420"/>
       </p:ext>
     </p:extLst>
   </p:cm>
@@ -855,7 +856,7 @@
             <a:fld id="{13F0F35F-DD44-4607-AEC1-49D7A4BC4066}" type="slidenum">
               <a:rPr lang="en-US" smtClean="0"/>
               <a:pPr/>
-              <a:t>20</a:t>
+              <a:t>21</a:t>
             </a:fld>
             <a:endParaRPr lang="en-US" dirty="0"/>
           </a:p>
@@ -945,7 +946,7 @@
             <a:fld id="{13F0F35F-DD44-4607-AEC1-49D7A4BC4066}" type="slidenum">
               <a:rPr lang="en-US" smtClean="0"/>
               <a:pPr/>
-              <a:t>36</a:t>
+              <a:t>37</a:t>
             </a:fld>
             <a:endParaRPr lang="en-US" dirty="0"/>
           </a:p>
@@ -5705,7 +5706,15 @@
           <a:p>
             <a:r>
               <a:rPr lang="en-US" dirty="0" smtClean="0"/>
-              <a:t>Easiest is to install via the terminal using the package manager. </a:t>
+              <a:t>Easiest is to install via the terminal using the </a:t>
+            </a:r>
+            <a:r>
+              <a:rPr lang="en-US" dirty="0" smtClean="0"/>
+              <a:t>package </a:t>
+            </a:r>
+            <a:r>
+              <a:rPr lang="en-US" dirty="0" smtClean="0"/>
+              <a:t>manager. </a:t>
             </a:r>
           </a:p>
           <a:p>
@@ -5713,6 +5722,7 @@
               <a:rPr lang="en-US" dirty="0" smtClean="0"/>
               <a:t>You also want to install compilers and build essential tools for packages that might need them. </a:t>
             </a:r>
+            <a:endParaRPr lang="en-US" dirty="0" smtClean="0"/>
           </a:p>
           <a:p>
             <a:endParaRPr lang="en-US" dirty="0" smtClean="0"/>
@@ -5733,7 +5743,14 @@
                 <a:latin typeface="Courier New" panose="02070309020205020404" pitchFamily="49" charset="0"/>
                 <a:cs typeface="Courier New" panose="02070309020205020404" pitchFamily="49" charset="0"/>
               </a:rPr>
-              <a:t> apt-get install build-essential</a:t>
+              <a:t> </a:t>
+            </a:r>
+            <a:r>
+              <a:rPr lang="en-US" dirty="0" smtClean="0">
+                <a:latin typeface="Courier New" panose="02070309020205020404" pitchFamily="49" charset="0"/>
+                <a:cs typeface="Courier New" panose="02070309020205020404" pitchFamily="49" charset="0"/>
+              </a:rPr>
+              <a:t>apt-get install build-essential</a:t>
             </a:r>
           </a:p>
           <a:p>
@@ -5842,15 +5859,11 @@
           <a:p>
             <a:r>
               <a:rPr lang="en-US" dirty="0" smtClean="0"/>
-              <a:t>Meet Stacey Mulcahy | ‏@</a:t>
-            </a:r>
-            <a:r>
-              <a:rPr lang="en-US" dirty="0" err="1" smtClean="0"/>
-              <a:t>bitchwhocodes</a:t>
-            </a:r>
-            <a:r>
-              <a:rPr lang="en-US" dirty="0" smtClean="0"/>
-              <a:t> </a:t>
+              <a:t>Meet Stacey </a:t>
+            </a:r>
+            <a:r>
+              <a:rPr lang="en-US" dirty="0" smtClean="0"/>
+              <a:t>Mulcahy</a:t>
             </a:r>
             <a:endParaRPr lang="en-US" dirty="0"/>
           </a:p>
@@ -5905,7 +5918,6 @@
               <a:rPr lang="en-US" dirty="0" smtClean="0"/>
               <a:t>developers</a:t>
             </a:r>
-            <a:endParaRPr lang="en-US" dirty="0" smtClean="0"/>
           </a:p>
           <a:p>
             <a:pPr lvl="1"/>
@@ -5919,13 +5931,8 @@
             </a:r>
             <a:r>
               <a:rPr lang="en-US" dirty="0" smtClean="0"/>
-              <a:t> on Channel </a:t>
-            </a:r>
-            <a:r>
-              <a:rPr lang="en-US" dirty="0" smtClean="0"/>
-              <a:t>9</a:t>
-            </a:r>
-            <a:endParaRPr lang="en-US" dirty="0" smtClean="0"/>
+              <a:t> on Channel 9</a:t>
+            </a:r>
           </a:p>
         </p:txBody>
       </p:sp>
@@ -6005,30 +6012,26 @@
       </p:grpSpPr>
       <p:sp>
         <p:nvSpPr>
-          <p:cNvPr id="5" name="Text Placeholder 4"/>
+          <p:cNvPr id="2" name="Title 1"/>
           <p:cNvSpPr>
             <a:spLocks noGrp="1"/>
           </p:cNvSpPr>
           <p:nvPr>
-            <p:ph type="body" sz="quarter" idx="10"/>
-          </p:nvPr>
-        </p:nvSpPr>
-        <p:spPr>
-          <a:solidFill>
-            <a:srgbClr val="007233"/>
-          </a:solidFill>
-          <a:ln>
-            <a:noFill/>
-          </a:ln>
-        </p:spPr>
+            <p:ph type="title"/>
+          </p:nvPr>
+        </p:nvSpPr>
+        <p:spPr/>
         <p:txBody>
           <a:bodyPr/>
           <a:lstStyle/>
           <a:p>
-            <a:pPr marL="914400" indent="-914400"/>
-            <a:r>
-              <a:rPr lang="en-US" dirty="0" smtClean="0"/>
-              <a:t>01 | First Node Application</a:t>
+            <a:r>
+              <a:rPr lang="en-US" dirty="0" smtClean="0"/>
+              <a:t>Installing Node on </a:t>
+            </a:r>
+            <a:r>
+              <a:rPr lang="en-US" dirty="0" smtClean="0"/>
+              <a:t>OSX</a:t>
             </a:r>
             <a:endParaRPr lang="en-US" dirty="0"/>
           </a:p>
@@ -6036,50 +6039,87 @@
       </p:sp>
       <p:sp>
         <p:nvSpPr>
-          <p:cNvPr id="8" name="Subtitle 3"/>
+          <p:cNvPr id="3" name="Content Placeholder 2"/>
           <p:cNvSpPr>
             <a:spLocks noGrp="1"/>
           </p:cNvSpPr>
           <p:nvPr>
-            <p:ph type="subTitle" idx="1"/>
-          </p:nvPr>
-        </p:nvSpPr>
-        <p:spPr>
-          <a:xfrm>
-            <a:off x="193271" y="5132437"/>
-            <a:ext cx="8579886" cy="1460779"/>
-          </a:xfrm>
-        </p:spPr>
+            <p:ph sz="quarter" idx="10"/>
+          </p:nvPr>
+        </p:nvSpPr>
+        <p:spPr/>
         <p:txBody>
           <a:bodyPr/>
           <a:lstStyle/>
           <a:p>
             <a:r>
               <a:rPr lang="en-US" dirty="0" smtClean="0"/>
-              <a:t>Stacey Mulcahy </a:t>
-            </a:r>
-            <a:r>
-              <a:rPr lang="en-US" dirty="0"/>
-              <a:t>| </a:t>
-            </a:r>
-            <a:r>
-              <a:rPr lang="en-US" dirty="0" smtClean="0"/>
-              <a:t>Technical Evangelist</a:t>
-            </a:r>
-          </a:p>
-          <a:p>
-            <a:r>
-              <a:rPr lang="en-US" dirty="0" smtClean="0"/>
-              <a:t>Rami Sayar | Technical Evangelist </a:t>
-            </a:r>
-            <a:endParaRPr lang="en-US" dirty="0"/>
+              <a:t>Easiest is to install via the terminal using the </a:t>
+            </a:r>
+            <a:r>
+              <a:rPr lang="en-US" b="1" dirty="0" smtClean="0"/>
+              <a:t>brew </a:t>
+            </a:r>
+            <a:r>
+              <a:rPr lang="en-US" dirty="0" smtClean="0"/>
+              <a:t>package </a:t>
+            </a:r>
+            <a:r>
+              <a:rPr lang="en-US" dirty="0" smtClean="0"/>
+              <a:t>manager. </a:t>
+            </a:r>
+          </a:p>
+          <a:p>
+            <a:r>
+              <a:rPr lang="en-US" dirty="0" smtClean="0"/>
+              <a:t>You can also compile it from source or use the installer on nodejs.org</a:t>
+            </a:r>
+          </a:p>
+          <a:p>
+            <a:endParaRPr lang="en-US" dirty="0" smtClean="0"/>
+          </a:p>
+          <a:p>
+            <a:pPr marL="0" indent="0">
+              <a:buNone/>
+            </a:pPr>
+            <a:r>
+              <a:rPr lang="en-US" dirty="0" err="1" smtClean="0">
+                <a:latin typeface="Courier New" panose="02070309020205020404" pitchFamily="49" charset="0"/>
+                <a:cs typeface="Courier New" panose="02070309020205020404" pitchFamily="49" charset="0"/>
+              </a:rPr>
+              <a:t>sudo</a:t>
+            </a:r>
+            <a:r>
+              <a:rPr lang="en-US" dirty="0" smtClean="0">
+                <a:latin typeface="Courier New" panose="02070309020205020404" pitchFamily="49" charset="0"/>
+                <a:cs typeface="Courier New" panose="02070309020205020404" pitchFamily="49" charset="0"/>
+              </a:rPr>
+              <a:t> </a:t>
+            </a:r>
+            <a:r>
+              <a:rPr lang="en-US" dirty="0" smtClean="0">
+                <a:latin typeface="Courier New" panose="02070309020205020404" pitchFamily="49" charset="0"/>
+                <a:cs typeface="Courier New" panose="02070309020205020404" pitchFamily="49" charset="0"/>
+              </a:rPr>
+              <a:t>brew install node</a:t>
+            </a:r>
+            <a:endParaRPr lang="en-US" dirty="0" smtClean="0">
+              <a:latin typeface="Courier New" panose="02070309020205020404" pitchFamily="49" charset="0"/>
+              <a:cs typeface="Courier New" panose="02070309020205020404" pitchFamily="49" charset="0"/>
+            </a:endParaRPr>
+          </a:p>
+          <a:p>
+            <a:endParaRPr lang="en-US" dirty="0" smtClean="0"/>
+          </a:p>
+          <a:p>
+            <a:endParaRPr lang="en-US" dirty="0" smtClean="0"/>
           </a:p>
         </p:txBody>
       </p:sp>
     </p:spTree>
     <p:extLst>
       <p:ext uri="{BB962C8B-B14F-4D97-AF65-F5344CB8AC3E}">
-        <p14:creationId xmlns:p14="http://schemas.microsoft.com/office/powerpoint/2010/main" val="826048555"/>
+        <p14:creationId xmlns:p14="http://schemas.microsoft.com/office/powerpoint/2010/main" val="3392026948"/>
       </p:ext>
     </p:extLst>
   </p:cSld>
@@ -6115,22 +6155,72 @@
       </p:grpSpPr>
       <p:sp>
         <p:nvSpPr>
-          <p:cNvPr id="2" name="Title 1"/>
+          <p:cNvPr id="5" name="Text Placeholder 4"/>
           <p:cNvSpPr>
             <a:spLocks noGrp="1"/>
           </p:cNvSpPr>
           <p:nvPr>
-            <p:ph type="title"/>
-          </p:nvPr>
-        </p:nvSpPr>
-        <p:spPr/>
+            <p:ph type="body" sz="quarter" idx="10"/>
+          </p:nvPr>
+        </p:nvSpPr>
+        <p:spPr>
+          <a:solidFill>
+            <a:srgbClr val="007233"/>
+          </a:solidFill>
+          <a:ln>
+            <a:noFill/>
+          </a:ln>
+        </p:spPr>
         <p:txBody>
           <a:bodyPr/>
           <a:lstStyle/>
           <a:p>
-            <a:r>
-              <a:rPr lang="en-US" dirty="0" smtClean="0"/>
-              <a:t>Hello World Application</a:t>
+            <a:pPr marL="914400" indent="-914400"/>
+            <a:r>
+              <a:rPr lang="en-US" dirty="0" smtClean="0"/>
+              <a:t>01 | First Node Application</a:t>
+            </a:r>
+            <a:endParaRPr lang="en-US" dirty="0"/>
+          </a:p>
+        </p:txBody>
+      </p:sp>
+      <p:sp>
+        <p:nvSpPr>
+          <p:cNvPr id="8" name="Subtitle 3"/>
+          <p:cNvSpPr>
+            <a:spLocks noGrp="1"/>
+          </p:cNvSpPr>
+          <p:nvPr>
+            <p:ph type="subTitle" idx="1"/>
+          </p:nvPr>
+        </p:nvSpPr>
+        <p:spPr>
+          <a:xfrm>
+            <a:off x="193271" y="5132437"/>
+            <a:ext cx="8579886" cy="1460779"/>
+          </a:xfrm>
+        </p:spPr>
+        <p:txBody>
+          <a:bodyPr/>
+          <a:lstStyle/>
+          <a:p>
+            <a:r>
+              <a:rPr lang="en-US" dirty="0" smtClean="0"/>
+              <a:t>Stacey Mulcahy </a:t>
+            </a:r>
+            <a:r>
+              <a:rPr lang="en-US" dirty="0"/>
+              <a:t>| </a:t>
+            </a:r>
+            <a:r>
+              <a:rPr lang="en-US" dirty="0" smtClean="0"/>
+              <a:t>Technical Evangelist</a:t>
+            </a:r>
+          </a:p>
+          <a:p>
+            <a:r>
+              <a:rPr lang="en-US" dirty="0" smtClean="0"/>
+              <a:t>Rami Sayar | Technical Evangelist </a:t>
             </a:r>
             <a:endParaRPr lang="en-US" dirty="0"/>
           </a:p>
@@ -6139,7 +6229,7 @@
     </p:spTree>
     <p:extLst>
       <p:ext uri="{BB962C8B-B14F-4D97-AF65-F5344CB8AC3E}">
-        <p14:creationId xmlns:p14="http://schemas.microsoft.com/office/powerpoint/2010/main" val="2968416064"/>
+        <p14:creationId xmlns:p14="http://schemas.microsoft.com/office/powerpoint/2010/main" val="826048555"/>
       </p:ext>
     </p:extLst>
   </p:cSld>
@@ -6190,7 +6280,7 @@
           <a:p>
             <a:r>
               <a:rPr lang="en-US" dirty="0" smtClean="0"/>
-              <a:t>Basic HTTP Server</a:t>
+              <a:t>Hello World Application</a:t>
             </a:r>
             <a:endParaRPr lang="en-US" dirty="0"/>
           </a:p>
@@ -6199,7 +6289,7 @@
     </p:spTree>
     <p:extLst>
       <p:ext uri="{BB962C8B-B14F-4D97-AF65-F5344CB8AC3E}">
-        <p14:creationId xmlns:p14="http://schemas.microsoft.com/office/powerpoint/2010/main" val="3707770699"/>
+        <p14:creationId xmlns:p14="http://schemas.microsoft.com/office/powerpoint/2010/main" val="2968416064"/>
       </p:ext>
     </p:extLst>
   </p:cSld>
@@ -6250,50 +6340,8 @@
           <a:p>
             <a:r>
               <a:rPr lang="en-US" dirty="0" smtClean="0"/>
-              <a:t>Event Driven Programming</a:t>
-            </a:r>
-            <a:endParaRPr lang="en-US" dirty="0"/>
-          </a:p>
-        </p:txBody>
-      </p:sp>
-      <p:sp>
-        <p:nvSpPr>
-          <p:cNvPr id="3" name="Content Placeholder 2"/>
-          <p:cNvSpPr>
-            <a:spLocks noGrp="1"/>
-          </p:cNvSpPr>
-          <p:nvPr>
-            <p:ph sz="quarter" idx="10"/>
-          </p:nvPr>
-        </p:nvSpPr>
-        <p:spPr/>
-        <p:txBody>
-          <a:bodyPr/>
-          <a:lstStyle/>
-          <a:p>
-            <a:pPr marL="0" indent="0">
-              <a:buNone/>
-            </a:pPr>
-            <a:r>
-              <a:rPr lang="en-US" dirty="0" smtClean="0"/>
-              <a:t>“</a:t>
-            </a:r>
-            <a:r>
-              <a:rPr lang="en-US" dirty="0"/>
-              <a:t>A programming paradigm in which the flow of the program is determined by events such as user actions (mouse clicks, key presses) or messages from other programs.” – </a:t>
-            </a:r>
-            <a:r>
-              <a:rPr lang="en-US" dirty="0">
-                <a:hlinkClick r:id="rId2"/>
-              </a:rPr>
-              <a:t>Wikipedia</a:t>
-            </a:r>
-            <a:endParaRPr lang="en-US" dirty="0"/>
-          </a:p>
-          <a:p>
-            <a:pPr marL="0" indent="0">
-              <a:buNone/>
-            </a:pPr>
+              <a:t>Basic HTTP Server</a:t>
+            </a:r>
             <a:endParaRPr lang="en-US" dirty="0"/>
           </a:p>
         </p:txBody>
@@ -6301,7 +6349,7 @@
     </p:spTree>
     <p:extLst>
       <p:ext uri="{BB962C8B-B14F-4D97-AF65-F5344CB8AC3E}">
-        <p14:creationId xmlns:p14="http://schemas.microsoft.com/office/powerpoint/2010/main" val="559582552"/>
+        <p14:creationId xmlns:p14="http://schemas.microsoft.com/office/powerpoint/2010/main" val="3707770699"/>
       </p:ext>
     </p:extLst>
   </p:cSld>
@@ -6352,7 +6400,7 @@
           <a:p>
             <a:r>
               <a:rPr lang="en-US" dirty="0" smtClean="0"/>
-              <a:t>Node Event Loop</a:t>
+              <a:t>Event Driven Programming</a:t>
             </a:r>
             <a:endParaRPr lang="en-US" dirty="0"/>
           </a:p>
@@ -6373,28 +6421,24 @@
           <a:bodyPr/>
           <a:lstStyle/>
           <a:p>
+            <a:pPr marL="0" indent="0">
+              <a:buNone/>
+            </a:pPr>
+            <a:r>
+              <a:rPr lang="en-US" dirty="0" smtClean="0"/>
+              <a:t>“</a:t>
+            </a:r>
             <a:r>
               <a:rPr lang="en-US" dirty="0"/>
-              <a:t>Node provides the event loop as part of the language.</a:t>
-            </a:r>
-          </a:p>
-          <a:p>
-            <a:r>
-              <a:rPr lang="en-US" dirty="0"/>
-              <a:t>With Node, there is no call to start the loop.</a:t>
-            </a:r>
-          </a:p>
-          <a:p>
-            <a:r>
-              <a:rPr lang="en-US" dirty="0"/>
-              <a:t>The loop starts and doesn’t end until the last callback is complete. </a:t>
-            </a:r>
-          </a:p>
-          <a:p>
-            <a:r>
-              <a:rPr lang="en-US" dirty="0"/>
-              <a:t>Event loop is run under a single thread therefore sleep() makes everything halt. </a:t>
-            </a:r>
+              <a:t>A programming paradigm in which the flow of the program is determined by events such as user actions (mouse clicks, key presses) or messages from other programs.” – </a:t>
+            </a:r>
+            <a:r>
+              <a:rPr lang="en-US" dirty="0">
+                <a:hlinkClick r:id="rId2"/>
+              </a:rPr>
+              <a:t>Wikipedia</a:t>
+            </a:r>
+            <a:endParaRPr lang="en-US" dirty="0"/>
           </a:p>
           <a:p>
             <a:pPr marL="0" indent="0">
@@ -6407,7 +6451,7 @@
     </p:spTree>
     <p:extLst>
       <p:ext uri="{BB962C8B-B14F-4D97-AF65-F5344CB8AC3E}">
-        <p14:creationId xmlns:p14="http://schemas.microsoft.com/office/powerpoint/2010/main" val="3371721629"/>
+        <p14:creationId xmlns:p14="http://schemas.microsoft.com/office/powerpoint/2010/main" val="559582552"/>
       </p:ext>
     </p:extLst>
   </p:cSld>
@@ -6458,7 +6502,7 @@
           <a:p>
             <a:r>
               <a:rPr lang="en-US" dirty="0" smtClean="0"/>
-              <a:t>Blocking I/O</a:t>
+              <a:t>Node Event Loop</a:t>
             </a:r>
             <a:endParaRPr lang="en-US" dirty="0"/>
           </a:p>
@@ -6479,208 +6523,28 @@
           <a:bodyPr/>
           <a:lstStyle/>
           <a:p>
-            <a:pPr marL="0" lvl="0" indent="0" defTabSz="914400" eaLnBrk="0" fontAlgn="base" hangingPunct="0">
-              <a:spcBef>
-                <a:spcPct val="0"/>
-              </a:spcBef>
-              <a:spcAft>
-                <a:spcPct val="0"/>
-              </a:spcAft>
-              <a:buNone/>
-            </a:pPr>
-            <a:r>
-              <a:rPr lang="en-US" altLang="en-US" sz="2800" dirty="0" err="1">
-                <a:solidFill>
-                  <a:srgbClr val="0000FF"/>
-                </a:solidFill>
-                <a:latin typeface="Consolas" panose="020B0609020204030204" pitchFamily="49" charset="0"/>
-                <a:cs typeface="Consolas" panose="020B0609020204030204" pitchFamily="49" charset="0"/>
-              </a:rPr>
-              <a:t>var</a:t>
-            </a:r>
-            <a:r>
-              <a:rPr lang="en-US" altLang="en-US" sz="2800" dirty="0">
-                <a:solidFill>
-                  <a:srgbClr val="000000"/>
-                </a:solidFill>
-                <a:latin typeface="Consolas" panose="020B0609020204030204" pitchFamily="49" charset="0"/>
-                <a:cs typeface="Consolas" panose="020B0609020204030204" pitchFamily="49" charset="0"/>
-              </a:rPr>
-              <a:t> fs = require(</a:t>
-            </a:r>
-            <a:r>
-              <a:rPr lang="en-US" altLang="en-US" sz="2800" dirty="0">
-                <a:solidFill>
-                  <a:srgbClr val="A31515"/>
-                </a:solidFill>
-                <a:latin typeface="Consolas" panose="020B0609020204030204" pitchFamily="49" charset="0"/>
-                <a:cs typeface="Consolas" panose="020B0609020204030204" pitchFamily="49" charset="0"/>
-              </a:rPr>
-              <a:t>'fs'</a:t>
-            </a:r>
-            <a:r>
-              <a:rPr lang="en-US" altLang="en-US" sz="2800" dirty="0">
-                <a:solidFill>
-                  <a:srgbClr val="000000"/>
-                </a:solidFill>
-                <a:latin typeface="Consolas" panose="020B0609020204030204" pitchFamily="49" charset="0"/>
-                <a:cs typeface="Consolas" panose="020B0609020204030204" pitchFamily="49" charset="0"/>
-              </a:rPr>
-              <a:t>);</a:t>
-            </a:r>
-          </a:p>
-          <a:p>
-            <a:pPr marL="0" lvl="0" indent="0" defTabSz="914400" eaLnBrk="0" fontAlgn="base" hangingPunct="0">
-              <a:spcBef>
-                <a:spcPct val="0"/>
-              </a:spcBef>
-              <a:spcAft>
-                <a:spcPct val="0"/>
-              </a:spcAft>
-              <a:buNone/>
-            </a:pPr>
-            <a:endParaRPr lang="en-US" altLang="en-US" sz="2800" dirty="0">
-              <a:solidFill>
-                <a:srgbClr val="0000FF"/>
-              </a:solidFill>
-              <a:latin typeface="Consolas" panose="020B0609020204030204" pitchFamily="49" charset="0"/>
-              <a:cs typeface="Consolas" panose="020B0609020204030204" pitchFamily="49" charset="0"/>
-            </a:endParaRPr>
-          </a:p>
-          <a:p>
-            <a:pPr marL="0" lvl="0" indent="0" defTabSz="914400" eaLnBrk="0" fontAlgn="base" hangingPunct="0">
-              <a:spcBef>
-                <a:spcPct val="0"/>
-              </a:spcBef>
-              <a:spcAft>
-                <a:spcPct val="0"/>
-              </a:spcAft>
-              <a:buNone/>
-            </a:pPr>
-            <a:r>
-              <a:rPr lang="en-US" altLang="en-US" sz="2800" dirty="0" err="1">
-                <a:solidFill>
-                  <a:srgbClr val="0000FF"/>
-                </a:solidFill>
-                <a:latin typeface="Consolas" panose="020B0609020204030204" pitchFamily="49" charset="0"/>
-                <a:cs typeface="Consolas" panose="020B0609020204030204" pitchFamily="49" charset="0"/>
-              </a:rPr>
-              <a:t>var</a:t>
-            </a:r>
-            <a:r>
-              <a:rPr lang="en-US" altLang="en-US" sz="2800" dirty="0">
-                <a:solidFill>
-                  <a:srgbClr val="000000"/>
-                </a:solidFill>
-                <a:latin typeface="Consolas" panose="020B0609020204030204" pitchFamily="49" charset="0"/>
-                <a:cs typeface="Consolas" panose="020B0609020204030204" pitchFamily="49" charset="0"/>
-              </a:rPr>
-              <a:t> contents = </a:t>
-            </a:r>
-            <a:r>
-              <a:rPr lang="en-US" altLang="en-US" sz="2800" dirty="0" err="1">
-                <a:solidFill>
-                  <a:srgbClr val="000000"/>
-                </a:solidFill>
-                <a:latin typeface="Consolas" panose="020B0609020204030204" pitchFamily="49" charset="0"/>
-                <a:cs typeface="Consolas" panose="020B0609020204030204" pitchFamily="49" charset="0"/>
-              </a:rPr>
-              <a:t>fs.readFileSync</a:t>
-            </a:r>
-            <a:r>
-              <a:rPr lang="en-US" altLang="en-US" sz="2800" dirty="0">
-                <a:solidFill>
-                  <a:srgbClr val="000000"/>
-                </a:solidFill>
-                <a:latin typeface="Consolas" panose="020B0609020204030204" pitchFamily="49" charset="0"/>
-                <a:cs typeface="Consolas" panose="020B0609020204030204" pitchFamily="49" charset="0"/>
-              </a:rPr>
-              <a:t>(</a:t>
-            </a:r>
-            <a:r>
-              <a:rPr lang="en-US" altLang="en-US" sz="2800" dirty="0">
-                <a:solidFill>
-                  <a:srgbClr val="A31515"/>
-                </a:solidFill>
-                <a:latin typeface="Consolas" panose="020B0609020204030204" pitchFamily="49" charset="0"/>
-                <a:cs typeface="Consolas" panose="020B0609020204030204" pitchFamily="49" charset="0"/>
-              </a:rPr>
-              <a:t>'</a:t>
-            </a:r>
-            <a:r>
-              <a:rPr lang="en-US" altLang="en-US" sz="2800" dirty="0" err="1">
-                <a:solidFill>
-                  <a:srgbClr val="A31515"/>
-                </a:solidFill>
-                <a:latin typeface="Consolas" panose="020B0609020204030204" pitchFamily="49" charset="0"/>
-                <a:cs typeface="Consolas" panose="020B0609020204030204" pitchFamily="49" charset="0"/>
-              </a:rPr>
-              <a:t>package.json</a:t>
-            </a:r>
-            <a:r>
-              <a:rPr lang="en-US" altLang="en-US" sz="2800" dirty="0">
-                <a:solidFill>
-                  <a:srgbClr val="A31515"/>
-                </a:solidFill>
-                <a:latin typeface="Consolas" panose="020B0609020204030204" pitchFamily="49" charset="0"/>
-                <a:cs typeface="Consolas" panose="020B0609020204030204" pitchFamily="49" charset="0"/>
-              </a:rPr>
-              <a:t>'</a:t>
-            </a:r>
-            <a:r>
-              <a:rPr lang="en-US" altLang="en-US" sz="2800" dirty="0">
-                <a:solidFill>
-                  <a:srgbClr val="000000"/>
-                </a:solidFill>
-                <a:latin typeface="Consolas" panose="020B0609020204030204" pitchFamily="49" charset="0"/>
-                <a:cs typeface="Consolas" panose="020B0609020204030204" pitchFamily="49" charset="0"/>
-              </a:rPr>
-              <a:t>).</a:t>
-            </a:r>
-            <a:r>
-              <a:rPr lang="en-US" altLang="en-US" sz="2800" dirty="0" err="1">
-                <a:solidFill>
-                  <a:srgbClr val="000000"/>
-                </a:solidFill>
-                <a:latin typeface="Consolas" panose="020B0609020204030204" pitchFamily="49" charset="0"/>
-                <a:cs typeface="Consolas" panose="020B0609020204030204" pitchFamily="49" charset="0"/>
-              </a:rPr>
-              <a:t>toString</a:t>
-            </a:r>
-            <a:r>
-              <a:rPr lang="en-US" altLang="en-US" sz="2800" dirty="0">
-                <a:solidFill>
-                  <a:srgbClr val="000000"/>
-                </a:solidFill>
-                <a:latin typeface="Consolas" panose="020B0609020204030204" pitchFamily="49" charset="0"/>
-                <a:cs typeface="Consolas" panose="020B0609020204030204" pitchFamily="49" charset="0"/>
-              </a:rPr>
-              <a:t>();</a:t>
-            </a:r>
-          </a:p>
-          <a:p>
-            <a:pPr marL="0" lvl="0" indent="0" defTabSz="914400" eaLnBrk="0" fontAlgn="base" hangingPunct="0">
-              <a:spcBef>
-                <a:spcPct val="0"/>
-              </a:spcBef>
-              <a:spcAft>
-                <a:spcPct val="0"/>
-              </a:spcAft>
-              <a:buNone/>
-            </a:pPr>
-            <a:r>
-              <a:rPr lang="en-US" altLang="en-US" sz="2800" dirty="0">
-                <a:solidFill>
-                  <a:srgbClr val="000000"/>
-                </a:solidFill>
-                <a:latin typeface="Consolas" panose="020B0609020204030204" pitchFamily="49" charset="0"/>
-                <a:cs typeface="Consolas" panose="020B0609020204030204" pitchFamily="49" charset="0"/>
-              </a:rPr>
-              <a:t>console.log(contents);</a:t>
-            </a:r>
-            <a:endParaRPr lang="en-US" altLang="en-US" sz="2800" dirty="0">
-              <a:latin typeface="Arial" panose="020B0604020202020204" pitchFamily="34" charset="0"/>
-            </a:endParaRPr>
+            <a:r>
+              <a:rPr lang="en-US" dirty="0"/>
+              <a:t>Node provides the event loop as part of the language.</a:t>
+            </a:r>
+          </a:p>
+          <a:p>
+            <a:r>
+              <a:rPr lang="en-US" dirty="0"/>
+              <a:t>With Node, there is no call to start the loop.</a:t>
+            </a:r>
+          </a:p>
+          <a:p>
+            <a:r>
+              <a:rPr lang="en-US" dirty="0"/>
+              <a:t>The loop starts and doesn’t end until the last callback is complete. </a:t>
+            </a:r>
+          </a:p>
+          <a:p>
+            <a:r>
+              <a:rPr lang="en-US" dirty="0"/>
+              <a:t>Event loop is run under a single thread therefore sleep() makes everything halt. </a:t>
+            </a:r>
           </a:p>
           <a:p>
             <a:pPr marL="0" indent="0">
@@ -6693,7 +6557,7 @@
     </p:spTree>
     <p:extLst>
       <p:ext uri="{BB962C8B-B14F-4D97-AF65-F5344CB8AC3E}">
-        <p14:creationId xmlns:p14="http://schemas.microsoft.com/office/powerpoint/2010/main" val="174588124"/>
+        <p14:creationId xmlns:p14="http://schemas.microsoft.com/office/powerpoint/2010/main" val="3371721629"/>
       </p:ext>
     </p:extLst>
   </p:cSld>
@@ -6744,7 +6608,7 @@
           <a:p>
             <a:r>
               <a:rPr lang="en-US" dirty="0" smtClean="0"/>
-              <a:t>Non Blocking I/O</a:t>
+              <a:t>Blocking I/O</a:t>
             </a:r>
             <a:endParaRPr lang="en-US" dirty="0"/>
           </a:p>
@@ -6827,7 +6691,7 @@
             </a:pPr>
             <a:endParaRPr lang="en-US" altLang="en-US" sz="2800" dirty="0">
               <a:solidFill>
-                <a:srgbClr val="000000"/>
+                <a:srgbClr val="0000FF"/>
               </a:solidFill>
               <a:latin typeface="Consolas" panose="020B0609020204030204" pitchFamily="49" charset="0"/>
               <a:cs typeface="Consolas" panose="020B0609020204030204" pitchFamily="49" charset="0"/>
@@ -6846,12 +6710,32 @@
             <a:r>
               <a:rPr lang="en-US" altLang="en-US" sz="2800" dirty="0" err="1">
                 <a:solidFill>
+                  <a:srgbClr val="0000FF"/>
+                </a:solidFill>
+                <a:latin typeface="Consolas" panose="020B0609020204030204" pitchFamily="49" charset="0"/>
+                <a:cs typeface="Consolas" panose="020B0609020204030204" pitchFamily="49" charset="0"/>
+              </a:rPr>
+              <a:t>var</a:t>
+            </a:r>
+            <a:r>
+              <a:rPr lang="en-US" altLang="en-US" sz="2800" dirty="0">
+                <a:solidFill>
                   <a:srgbClr val="000000"/>
                 </a:solidFill>
                 <a:latin typeface="Consolas" panose="020B0609020204030204" pitchFamily="49" charset="0"/>
                 <a:cs typeface="Consolas" panose="020B0609020204030204" pitchFamily="49" charset="0"/>
               </a:rPr>
-              <a:t>fs.readFile</a:t>
+              <a:t> contents = </a:t>
+            </a:r>
+            <a:r>
+              <a:rPr lang="en-US" altLang="en-US" sz="2800" dirty="0" err="1">
+                <a:solidFill>
+                  <a:srgbClr val="000000"/>
+                </a:solidFill>
+                <a:latin typeface="Consolas" panose="020B0609020204030204" pitchFamily="49" charset="0"/>
+                <a:cs typeface="Consolas" panose="020B0609020204030204" pitchFamily="49" charset="0"/>
+              </a:rPr>
+              <a:t>fs.readFileSync</a:t>
             </a:r>
             <a:r>
               <a:rPr lang="en-US" altLang="en-US" sz="2800" dirty="0">
@@ -6901,47 +6785,27 @@
                 <a:latin typeface="Consolas" panose="020B0609020204030204" pitchFamily="49" charset="0"/>
                 <a:cs typeface="Consolas" panose="020B0609020204030204" pitchFamily="49" charset="0"/>
               </a:rPr>
-              <a:t>, </a:t>
+              <a:t>).</a:t>
+            </a:r>
+            <a:r>
+              <a:rPr lang="en-US" altLang="en-US" sz="2800" dirty="0" err="1">
+                <a:solidFill>
+                  <a:srgbClr val="000000"/>
+                </a:solidFill>
+                <a:latin typeface="Consolas" panose="020B0609020204030204" pitchFamily="49" charset="0"/>
+                <a:cs typeface="Consolas" panose="020B0609020204030204" pitchFamily="49" charset="0"/>
+              </a:rPr>
+              <a:t>toString</a:t>
             </a:r>
             <a:r>
               <a:rPr lang="en-US" altLang="en-US" sz="2800" dirty="0">
                 <a:solidFill>
-                  <a:srgbClr val="0000FF"/>
-                </a:solidFill>
-                <a:latin typeface="Consolas" panose="020B0609020204030204" pitchFamily="49" charset="0"/>
-                <a:cs typeface="Consolas" panose="020B0609020204030204" pitchFamily="49" charset="0"/>
-              </a:rPr>
-              <a:t>function</a:t>
-            </a:r>
-            <a:r>
-              <a:rPr lang="en-US" altLang="en-US" sz="2800" dirty="0">
-                <a:solidFill>
                   <a:srgbClr val="000000"/>
                 </a:solidFill>
                 <a:latin typeface="Consolas" panose="020B0609020204030204" pitchFamily="49" charset="0"/>
                 <a:cs typeface="Consolas" panose="020B0609020204030204" pitchFamily="49" charset="0"/>
               </a:rPr>
-              <a:t> (err, </a:t>
-            </a:r>
-            <a:r>
-              <a:rPr lang="en-US" altLang="en-US" sz="2800" dirty="0" err="1">
-                <a:solidFill>
-                  <a:srgbClr val="000000"/>
-                </a:solidFill>
-                <a:latin typeface="Consolas" panose="020B0609020204030204" pitchFamily="49" charset="0"/>
-                <a:cs typeface="Consolas" panose="020B0609020204030204" pitchFamily="49" charset="0"/>
-              </a:rPr>
-              <a:t>buf</a:t>
-            </a:r>
-            <a:r>
-              <a:rPr lang="en-US" altLang="en-US" sz="2800" dirty="0">
-                <a:solidFill>
-                  <a:srgbClr val="000000"/>
-                </a:solidFill>
-                <a:latin typeface="Consolas" panose="020B0609020204030204" pitchFamily="49" charset="0"/>
-                <a:cs typeface="Consolas" panose="020B0609020204030204" pitchFamily="49" charset="0"/>
-              </a:rPr>
-              <a:t>) {</a:t>
+              <a:t>();</a:t>
             </a:r>
           </a:p>
           <a:p>
@@ -6962,50 +6826,9 @@
                 <a:latin typeface="Consolas" panose="020B0609020204030204" pitchFamily="49" charset="0"/>
                 <a:cs typeface="Consolas" panose="020B0609020204030204" pitchFamily="49" charset="0"/>
               </a:rPr>
-              <a:t>     console.log(</a:t>
-            </a:r>
-            <a:r>
-              <a:rPr lang="en-US" altLang="en-US" sz="2800" dirty="0" err="1">
-                <a:solidFill>
-                  <a:srgbClr val="000000"/>
-                </a:solidFill>
-                <a:latin typeface="Consolas" panose="020B0609020204030204" pitchFamily="49" charset="0"/>
-                <a:cs typeface="Consolas" panose="020B0609020204030204" pitchFamily="49" charset="0"/>
-              </a:rPr>
-              <a:t>buf.toString</a:t>
-            </a:r>
-            <a:r>
-              <a:rPr lang="en-US" altLang="en-US" sz="2800" dirty="0">
-                <a:solidFill>
-                  <a:srgbClr val="000000"/>
-                </a:solidFill>
-                <a:latin typeface="Consolas" panose="020B0609020204030204" pitchFamily="49" charset="0"/>
-                <a:cs typeface="Consolas" panose="020B0609020204030204" pitchFamily="49" charset="0"/>
-              </a:rPr>
-              <a:t>());</a:t>
-            </a:r>
-          </a:p>
-          <a:p>
-            <a:pPr marL="0" lvl="0" indent="0" defTabSz="914400" eaLnBrk="0" fontAlgn="base" hangingPunct="0">
-              <a:spcBef>
-                <a:spcPct val="0"/>
-              </a:spcBef>
-              <a:spcAft>
-                <a:spcPct val="0"/>
-              </a:spcAft>
-              <a:buNone/>
-            </a:pPr>
-            <a:r>
-              <a:rPr lang="en-US" altLang="en-US" sz="2800" dirty="0">
-                <a:solidFill>
-                  <a:srgbClr val="000000"/>
-                </a:solidFill>
-                <a:latin typeface="Consolas" panose="020B0609020204030204" pitchFamily="49" charset="0"/>
-                <a:cs typeface="Consolas" panose="020B0609020204030204" pitchFamily="49" charset="0"/>
-              </a:rPr>
-              <a:t>});</a:t>
-            </a:r>
-            <a:endParaRPr lang="en-US" altLang="en-US" sz="6000" dirty="0">
+              <a:t>console.log(contents);</a:t>
+            </a:r>
+            <a:endParaRPr lang="en-US" altLang="en-US" sz="2800" dirty="0">
               <a:latin typeface="Arial" panose="020B0604020202020204" pitchFamily="34" charset="0"/>
             </a:endParaRPr>
           </a:p>
@@ -7020,7 +6843,7 @@
     </p:spTree>
     <p:extLst>
       <p:ext uri="{BB962C8B-B14F-4D97-AF65-F5344CB8AC3E}">
-        <p14:creationId xmlns:p14="http://schemas.microsoft.com/office/powerpoint/2010/main" val="308955883"/>
+        <p14:creationId xmlns:p14="http://schemas.microsoft.com/office/powerpoint/2010/main" val="174588124"/>
       </p:ext>
     </p:extLst>
   </p:cSld>
@@ -7071,6 +6894,333 @@
           <a:p>
             <a:r>
               <a:rPr lang="en-US" dirty="0" smtClean="0"/>
+              <a:t>Non Blocking I/O</a:t>
+            </a:r>
+            <a:endParaRPr lang="en-US" dirty="0"/>
+          </a:p>
+        </p:txBody>
+      </p:sp>
+      <p:sp>
+        <p:nvSpPr>
+          <p:cNvPr id="3" name="Content Placeholder 2"/>
+          <p:cNvSpPr>
+            <a:spLocks noGrp="1"/>
+          </p:cNvSpPr>
+          <p:nvPr>
+            <p:ph sz="quarter" idx="10"/>
+          </p:nvPr>
+        </p:nvSpPr>
+        <p:spPr/>
+        <p:txBody>
+          <a:bodyPr/>
+          <a:lstStyle/>
+          <a:p>
+            <a:pPr marL="0" lvl="0" indent="0" defTabSz="914400" eaLnBrk="0" fontAlgn="base" hangingPunct="0">
+              <a:spcBef>
+                <a:spcPct val="0"/>
+              </a:spcBef>
+              <a:spcAft>
+                <a:spcPct val="0"/>
+              </a:spcAft>
+              <a:buNone/>
+            </a:pPr>
+            <a:r>
+              <a:rPr lang="en-US" altLang="en-US" sz="2800" dirty="0" err="1">
+                <a:solidFill>
+                  <a:srgbClr val="0000FF"/>
+                </a:solidFill>
+                <a:latin typeface="Consolas" panose="020B0609020204030204" pitchFamily="49" charset="0"/>
+                <a:cs typeface="Consolas" panose="020B0609020204030204" pitchFamily="49" charset="0"/>
+              </a:rPr>
+              <a:t>var</a:t>
+            </a:r>
+            <a:r>
+              <a:rPr lang="en-US" altLang="en-US" sz="2800" dirty="0">
+                <a:solidFill>
+                  <a:srgbClr val="000000"/>
+                </a:solidFill>
+                <a:latin typeface="Consolas" panose="020B0609020204030204" pitchFamily="49" charset="0"/>
+                <a:cs typeface="Consolas" panose="020B0609020204030204" pitchFamily="49" charset="0"/>
+              </a:rPr>
+              <a:t> fs = require(</a:t>
+            </a:r>
+            <a:r>
+              <a:rPr lang="en-US" altLang="en-US" sz="2800" dirty="0">
+                <a:solidFill>
+                  <a:srgbClr val="A31515"/>
+                </a:solidFill>
+                <a:latin typeface="Consolas" panose="020B0609020204030204" pitchFamily="49" charset="0"/>
+                <a:cs typeface="Consolas" panose="020B0609020204030204" pitchFamily="49" charset="0"/>
+              </a:rPr>
+              <a:t>'fs'</a:t>
+            </a:r>
+            <a:r>
+              <a:rPr lang="en-US" altLang="en-US" sz="2800" dirty="0">
+                <a:solidFill>
+                  <a:srgbClr val="000000"/>
+                </a:solidFill>
+                <a:latin typeface="Consolas" panose="020B0609020204030204" pitchFamily="49" charset="0"/>
+                <a:cs typeface="Consolas" panose="020B0609020204030204" pitchFamily="49" charset="0"/>
+              </a:rPr>
+              <a:t>);</a:t>
+            </a:r>
+          </a:p>
+          <a:p>
+            <a:pPr marL="0" lvl="0" indent="0" defTabSz="914400" eaLnBrk="0" fontAlgn="base" hangingPunct="0">
+              <a:spcBef>
+                <a:spcPct val="0"/>
+              </a:spcBef>
+              <a:spcAft>
+                <a:spcPct val="0"/>
+              </a:spcAft>
+              <a:buNone/>
+            </a:pPr>
+            <a:endParaRPr lang="en-US" altLang="en-US" sz="2800" dirty="0">
+              <a:solidFill>
+                <a:srgbClr val="000000"/>
+              </a:solidFill>
+              <a:latin typeface="Consolas" panose="020B0609020204030204" pitchFamily="49" charset="0"/>
+              <a:cs typeface="Consolas" panose="020B0609020204030204" pitchFamily="49" charset="0"/>
+            </a:endParaRPr>
+          </a:p>
+          <a:p>
+            <a:pPr marL="0" lvl="0" indent="0" defTabSz="914400" eaLnBrk="0" fontAlgn="base" hangingPunct="0">
+              <a:spcBef>
+                <a:spcPct val="0"/>
+              </a:spcBef>
+              <a:spcAft>
+                <a:spcPct val="0"/>
+              </a:spcAft>
+              <a:buNone/>
+            </a:pPr>
+            <a:r>
+              <a:rPr lang="en-US" altLang="en-US" sz="2800" dirty="0" err="1">
+                <a:solidFill>
+                  <a:srgbClr val="000000"/>
+                </a:solidFill>
+                <a:latin typeface="Consolas" panose="020B0609020204030204" pitchFamily="49" charset="0"/>
+                <a:cs typeface="Consolas" panose="020B0609020204030204" pitchFamily="49" charset="0"/>
+              </a:rPr>
+              <a:t>fs.readFile</a:t>
+            </a:r>
+            <a:r>
+              <a:rPr lang="en-US" altLang="en-US" sz="2800" dirty="0">
+                <a:solidFill>
+                  <a:srgbClr val="000000"/>
+                </a:solidFill>
+                <a:latin typeface="Consolas" panose="020B0609020204030204" pitchFamily="49" charset="0"/>
+                <a:cs typeface="Consolas" panose="020B0609020204030204" pitchFamily="49" charset="0"/>
+              </a:rPr>
+              <a:t>(</a:t>
+            </a:r>
+            <a:r>
+              <a:rPr lang="en-US" altLang="en-US" sz="2800" dirty="0">
+                <a:solidFill>
+                  <a:srgbClr val="A31515"/>
+                </a:solidFill>
+                <a:latin typeface="Consolas" panose="020B0609020204030204" pitchFamily="49" charset="0"/>
+                <a:cs typeface="Consolas" panose="020B0609020204030204" pitchFamily="49" charset="0"/>
+              </a:rPr>
+              <a:t>'</a:t>
+            </a:r>
+            <a:r>
+              <a:rPr lang="en-US" altLang="en-US" sz="2800" dirty="0" err="1">
+                <a:solidFill>
+                  <a:srgbClr val="A31515"/>
+                </a:solidFill>
+                <a:latin typeface="Consolas" panose="020B0609020204030204" pitchFamily="49" charset="0"/>
+                <a:cs typeface="Consolas" panose="020B0609020204030204" pitchFamily="49" charset="0"/>
+              </a:rPr>
+              <a:t>package.json</a:t>
+            </a:r>
+            <a:r>
+              <a:rPr lang="en-US" altLang="en-US" sz="2800" dirty="0">
+                <a:solidFill>
+                  <a:srgbClr val="A31515"/>
+                </a:solidFill>
+                <a:latin typeface="Consolas" panose="020B0609020204030204" pitchFamily="49" charset="0"/>
+                <a:cs typeface="Consolas" panose="020B0609020204030204" pitchFamily="49" charset="0"/>
+              </a:rPr>
+              <a:t>'</a:t>
+            </a:r>
+            <a:r>
+              <a:rPr lang="en-US" altLang="en-US" sz="2800" dirty="0">
+                <a:solidFill>
+                  <a:srgbClr val="000000"/>
+                </a:solidFill>
+                <a:latin typeface="Consolas" panose="020B0609020204030204" pitchFamily="49" charset="0"/>
+                <a:cs typeface="Consolas" panose="020B0609020204030204" pitchFamily="49" charset="0"/>
+              </a:rPr>
+              <a:t>, </a:t>
+            </a:r>
+            <a:r>
+              <a:rPr lang="en-US" altLang="en-US" sz="2800" dirty="0">
+                <a:solidFill>
+                  <a:srgbClr val="0000FF"/>
+                </a:solidFill>
+                <a:latin typeface="Consolas" panose="020B0609020204030204" pitchFamily="49" charset="0"/>
+                <a:cs typeface="Consolas" panose="020B0609020204030204" pitchFamily="49" charset="0"/>
+              </a:rPr>
+              <a:t>function</a:t>
+            </a:r>
+            <a:r>
+              <a:rPr lang="en-US" altLang="en-US" sz="2800" dirty="0">
+                <a:solidFill>
+                  <a:srgbClr val="000000"/>
+                </a:solidFill>
+                <a:latin typeface="Consolas" panose="020B0609020204030204" pitchFamily="49" charset="0"/>
+                <a:cs typeface="Consolas" panose="020B0609020204030204" pitchFamily="49" charset="0"/>
+              </a:rPr>
+              <a:t> (err, </a:t>
+            </a:r>
+            <a:r>
+              <a:rPr lang="en-US" altLang="en-US" sz="2800" dirty="0" err="1">
+                <a:solidFill>
+                  <a:srgbClr val="000000"/>
+                </a:solidFill>
+                <a:latin typeface="Consolas" panose="020B0609020204030204" pitchFamily="49" charset="0"/>
+                <a:cs typeface="Consolas" panose="020B0609020204030204" pitchFamily="49" charset="0"/>
+              </a:rPr>
+              <a:t>buf</a:t>
+            </a:r>
+            <a:r>
+              <a:rPr lang="en-US" altLang="en-US" sz="2800" dirty="0">
+                <a:solidFill>
+                  <a:srgbClr val="000000"/>
+                </a:solidFill>
+                <a:latin typeface="Consolas" panose="020B0609020204030204" pitchFamily="49" charset="0"/>
+                <a:cs typeface="Consolas" panose="020B0609020204030204" pitchFamily="49" charset="0"/>
+              </a:rPr>
+              <a:t>) {</a:t>
+            </a:r>
+          </a:p>
+          <a:p>
+            <a:pPr marL="0" lvl="0" indent="0" defTabSz="914400" eaLnBrk="0" fontAlgn="base" hangingPunct="0">
+              <a:spcBef>
+                <a:spcPct val="0"/>
+              </a:spcBef>
+              <a:spcAft>
+                <a:spcPct val="0"/>
+              </a:spcAft>
+              <a:buNone/>
+            </a:pPr>
+            <a:r>
+              <a:rPr lang="en-US" altLang="en-US" sz="2800" dirty="0">
+                <a:solidFill>
+                  <a:srgbClr val="000000"/>
+                </a:solidFill>
+                <a:latin typeface="Consolas" panose="020B0609020204030204" pitchFamily="49" charset="0"/>
+                <a:cs typeface="Consolas" panose="020B0609020204030204" pitchFamily="49" charset="0"/>
+              </a:rPr>
+              <a:t>     console.log(</a:t>
+            </a:r>
+            <a:r>
+              <a:rPr lang="en-US" altLang="en-US" sz="2800" dirty="0" err="1">
+                <a:solidFill>
+                  <a:srgbClr val="000000"/>
+                </a:solidFill>
+                <a:latin typeface="Consolas" panose="020B0609020204030204" pitchFamily="49" charset="0"/>
+                <a:cs typeface="Consolas" panose="020B0609020204030204" pitchFamily="49" charset="0"/>
+              </a:rPr>
+              <a:t>buf.toString</a:t>
+            </a:r>
+            <a:r>
+              <a:rPr lang="en-US" altLang="en-US" sz="2800" dirty="0">
+                <a:solidFill>
+                  <a:srgbClr val="000000"/>
+                </a:solidFill>
+                <a:latin typeface="Consolas" panose="020B0609020204030204" pitchFamily="49" charset="0"/>
+                <a:cs typeface="Consolas" panose="020B0609020204030204" pitchFamily="49" charset="0"/>
+              </a:rPr>
+              <a:t>());</a:t>
+            </a:r>
+          </a:p>
+          <a:p>
+            <a:pPr marL="0" lvl="0" indent="0" defTabSz="914400" eaLnBrk="0" fontAlgn="base" hangingPunct="0">
+              <a:spcBef>
+                <a:spcPct val="0"/>
+              </a:spcBef>
+              <a:spcAft>
+                <a:spcPct val="0"/>
+              </a:spcAft>
+              <a:buNone/>
+            </a:pPr>
+            <a:r>
+              <a:rPr lang="en-US" altLang="en-US" sz="2800" dirty="0">
+                <a:solidFill>
+                  <a:srgbClr val="000000"/>
+                </a:solidFill>
+                <a:latin typeface="Consolas" panose="020B0609020204030204" pitchFamily="49" charset="0"/>
+                <a:cs typeface="Consolas" panose="020B0609020204030204" pitchFamily="49" charset="0"/>
+              </a:rPr>
+              <a:t>});</a:t>
+            </a:r>
+            <a:endParaRPr lang="en-US" altLang="en-US" sz="6000" dirty="0">
+              <a:latin typeface="Arial" panose="020B0604020202020204" pitchFamily="34" charset="0"/>
+            </a:endParaRPr>
+          </a:p>
+          <a:p>
+            <a:pPr marL="0" indent="0">
+              <a:buNone/>
+            </a:pPr>
+            <a:endParaRPr lang="en-US" dirty="0"/>
+          </a:p>
+        </p:txBody>
+      </p:sp>
+    </p:spTree>
+    <p:extLst>
+      <p:ext uri="{BB962C8B-B14F-4D97-AF65-F5344CB8AC3E}">
+        <p14:creationId xmlns:p14="http://schemas.microsoft.com/office/powerpoint/2010/main" val="308955883"/>
+      </p:ext>
+    </p:extLst>
+  </p:cSld>
+  <p:clrMapOvr>
+    <a:masterClrMapping/>
+  </p:clrMapOvr>
+  <p:timing>
+    <p:tnLst>
+      <p:par>
+        <p:cTn id="1" dur="indefinite" restart="never" nodeType="tmRoot"/>
+      </p:par>
+    </p:tnLst>
+  </p:timing>
+</p:sld>
+</file>
+
+<file path=ppt/slides/slide28.xml><?xml version="1.0" encoding="utf-8"?>
+<p:sld xmlns:a="http://schemas.openxmlformats.org/drawingml/2006/main" xmlns:r="http://schemas.openxmlformats.org/officeDocument/2006/relationships" xmlns:p="http://schemas.openxmlformats.org/presentationml/2006/main">
+  <p:cSld>
+    <p:spTree>
+      <p:nvGrpSpPr>
+        <p:cNvPr id="1" name=""/>
+        <p:cNvGrpSpPr/>
+        <p:nvPr/>
+      </p:nvGrpSpPr>
+      <p:grpSpPr>
+        <a:xfrm>
+          <a:off x="0" y="0"/>
+          <a:ext cx="0" cy="0"/>
+          <a:chOff x="0" y="0"/>
+          <a:chExt cx="0" cy="0"/>
+        </a:xfrm>
+      </p:grpSpPr>
+      <p:sp>
+        <p:nvSpPr>
+          <p:cNvPr id="2" name="Title 1"/>
+          <p:cNvSpPr>
+            <a:spLocks noGrp="1"/>
+          </p:cNvSpPr>
+          <p:nvPr>
+            <p:ph type="title"/>
+          </p:nvPr>
+        </p:nvSpPr>
+        <p:spPr/>
+        <p:txBody>
+          <a:bodyPr/>
+          <a:lstStyle/>
+          <a:p>
+            <a:r>
+              <a:rPr lang="en-US" dirty="0" smtClean="0"/>
               <a:t>Callback Style Programming</a:t>
             </a:r>
             <a:endParaRPr lang="en-US" dirty="0"/>
@@ -7137,7 +7287,7 @@
 </p:sld>
 </file>
 
-<file path=ppt/slides/slide28.xml><?xml version="1.0" encoding="utf-8"?>
+<file path=ppt/slides/slide29.xml><?xml version="1.0" encoding="utf-8"?>
 <p:sld xmlns:a="http://schemas.openxmlformats.org/drawingml/2006/main" xmlns:r="http://schemas.openxmlformats.org/officeDocument/2006/relationships" xmlns:p="http://schemas.openxmlformats.org/presentationml/2006/main">
   <p:cSld>
     <p:spTree>
@@ -7211,145 +7361,11 @@
   <p:clrMapOvr>
     <a:masterClrMapping/>
   </p:clrMapOvr>
-  <p:timing>
-    <p:tnLst>
-      <p:par>
-        <p:cTn id="1" dur="indefinite" restart="never" nodeType="tmRoot"/>
-      </p:par>
-    </p:tnLst>
-  </p:timing>
-</p:sld>
-</file>
-
-<file path=ppt/slides/slide29.xml><?xml version="1.0" encoding="utf-8"?>
-<p:sld xmlns:a="http://schemas.openxmlformats.org/drawingml/2006/main" xmlns:r="http://schemas.openxmlformats.org/officeDocument/2006/relationships" xmlns:p="http://schemas.openxmlformats.org/presentationml/2006/main">
-  <p:cSld>
-    <p:spTree>
-      <p:nvGrpSpPr>
-        <p:cNvPr id="1" name=""/>
-        <p:cNvGrpSpPr/>
-        <p:nvPr/>
-      </p:nvGrpSpPr>
-      <p:grpSpPr>
-        <a:xfrm>
-          <a:off x="0" y="0"/>
-          <a:ext cx="0" cy="0"/>
-          <a:chOff x="0" y="0"/>
-          <a:chExt cx="0" cy="0"/>
-        </a:xfrm>
-      </p:grpSpPr>
-      <p:sp>
-        <p:nvSpPr>
-          <p:cNvPr id="2" name="Title 1"/>
-          <p:cNvSpPr>
-            <a:spLocks noGrp="1"/>
-          </p:cNvSpPr>
-          <p:nvPr>
-            <p:ph type="title"/>
-          </p:nvPr>
-        </p:nvSpPr>
-        <p:spPr/>
-        <p:txBody>
-          <a:bodyPr/>
-          <a:lstStyle/>
-          <a:p>
-            <a:r>
-              <a:rPr lang="en-US" dirty="0" smtClean="0"/>
-              <a:t>Promises </a:t>
-            </a:r>
-            <a:endParaRPr lang="en-US" dirty="0"/>
-          </a:p>
-        </p:txBody>
-      </p:sp>
-      <p:sp>
-        <p:nvSpPr>
-          <p:cNvPr id="3" name="Content Placeholder 2"/>
-          <p:cNvSpPr>
-            <a:spLocks noGrp="1"/>
-          </p:cNvSpPr>
-          <p:nvPr>
-            <p:ph sz="quarter" idx="10"/>
-          </p:nvPr>
-        </p:nvSpPr>
-        <p:spPr/>
-        <p:txBody>
-          <a:bodyPr/>
-          <a:lstStyle/>
-          <a:p>
-            <a:r>
-              <a:rPr lang="en-US" sz="2800" dirty="0"/>
-              <a:t>A function will return a promise for an object in the future. </a:t>
-            </a:r>
-          </a:p>
-          <a:p>
-            <a:r>
-              <a:rPr lang="en-US" sz="2800" dirty="0" smtClean="0"/>
-              <a:t>Promises can be chained together. </a:t>
-            </a:r>
-          </a:p>
-          <a:p>
-            <a:r>
-              <a:rPr lang="en-US" sz="2800" dirty="0" smtClean="0"/>
-              <a:t>Simplify </a:t>
-            </a:r>
-            <a:r>
-              <a:rPr lang="en-US" sz="2800" dirty="0"/>
-              <a:t>programming of </a:t>
-            </a:r>
-            <a:r>
-              <a:rPr lang="en-US" sz="2800" dirty="0" err="1"/>
-              <a:t>async</a:t>
-            </a:r>
-            <a:r>
-              <a:rPr lang="en-US" sz="2800" dirty="0"/>
-              <a:t> systems.</a:t>
-            </a:r>
-          </a:p>
-          <a:p>
-            <a:pPr marL="0" indent="0">
-              <a:buNone/>
-            </a:pPr>
-            <a:endParaRPr lang="en-US" sz="2800" dirty="0"/>
-          </a:p>
-          <a:p>
-            <a:pPr marL="0" indent="0">
-              <a:buNone/>
-            </a:pPr>
-            <a:r>
-              <a:rPr lang="en-US" sz="2800" dirty="0"/>
-              <a:t>Read More: </a:t>
-            </a:r>
-            <a:r>
-              <a:rPr lang="en-US" sz="2800" dirty="0">
-                <a:hlinkClick r:id="rId2"/>
-              </a:rPr>
-              <a:t>http://spin.atomicobject.com/2012/03/14/nodejs-and-asynchronous-programming-with-promises/</a:t>
-            </a:r>
-            <a:endParaRPr lang="en-US" sz="2800" dirty="0"/>
-          </a:p>
-          <a:p>
-            <a:pPr marL="0" indent="0">
-              <a:buNone/>
-            </a:pPr>
-            <a:endParaRPr lang="en-US" dirty="0"/>
-          </a:p>
-        </p:txBody>
-      </p:sp>
-    </p:spTree>
-    <p:extLst>
-      <p:ext uri="{BB962C8B-B14F-4D97-AF65-F5344CB8AC3E}">
-        <p14:creationId xmlns:p14="http://schemas.microsoft.com/office/powerpoint/2010/main" val="2940283024"/>
-      </p:ext>
-    </p:extLst>
-  </p:cSld>
-  <p:clrMapOvr>
-    <a:masterClrMapping/>
-  </p:clrMapOvr>
-  <mc:AlternateContent xmlns:mc="http://schemas.openxmlformats.org/markup-compatibility/2006" xmlns:p14="http://schemas.microsoft.com/office/powerpoint/2010/main">
-    <mc:Choice Requires="p14">
+  <mc:AlternateContent xmlns:mc="http://schemas.openxmlformats.org/markup-compatibility/2006">
+    <mc:Choice xmlns:p14="http://schemas.microsoft.com/office/powerpoint/2010/main" Requires="p14">
       <p:transition spd="slow" p14:dur="2000"/>
     </mc:Choice>
-    <mc:Fallback xmlns="">
+    <mc:Fallback>
       <p:transition spd="slow"/>
     </mc:Fallback>
   </mc:AlternateContent>
@@ -7460,7 +7476,6 @@
               <a:rPr lang="en-US" dirty="0" smtClean="0"/>
               <a:t>MSDN</a:t>
             </a:r>
-            <a:endParaRPr lang="en-US" dirty="0" smtClean="0"/>
           </a:p>
         </p:txBody>
       </p:sp>
@@ -7523,7 +7538,127 @@
 </file>
 
 <file path=ppt/slides/slide30.xml><?xml version="1.0" encoding="utf-8"?>
-<p:sld xmlns:a="http://schemas.openxmlformats.org/drawingml/2006/main" xmlns:r="http://schemas.openxmlformats.org/officeDocument/2006/relationships" xmlns:p="http://schemas.openxmlformats.org/presentationml/2006/main">
+<p:sld xmlns:a="http://schemas.openxmlformats.org/drawingml/2006/main" xmlns:r="http://schemas.openxmlformats.org/officeDocument/2006/relationships" xmlns:p="http://schemas.openxmlformats.org/presentationml/2006/main" show="0">
+  <p:cSld>
+    <p:spTree>
+      <p:nvGrpSpPr>
+        <p:cNvPr id="1" name=""/>
+        <p:cNvGrpSpPr/>
+        <p:nvPr/>
+      </p:nvGrpSpPr>
+      <p:grpSpPr>
+        <a:xfrm>
+          <a:off x="0" y="0"/>
+          <a:ext cx="0" cy="0"/>
+          <a:chOff x="0" y="0"/>
+          <a:chExt cx="0" cy="0"/>
+        </a:xfrm>
+      </p:grpSpPr>
+      <p:sp>
+        <p:nvSpPr>
+          <p:cNvPr id="2" name="Title 1"/>
+          <p:cNvSpPr>
+            <a:spLocks noGrp="1"/>
+          </p:cNvSpPr>
+          <p:nvPr>
+            <p:ph type="title"/>
+          </p:nvPr>
+        </p:nvSpPr>
+        <p:spPr/>
+        <p:txBody>
+          <a:bodyPr/>
+          <a:lstStyle/>
+          <a:p>
+            <a:r>
+              <a:rPr lang="en-US" dirty="0" smtClean="0"/>
+              <a:t>Promises </a:t>
+            </a:r>
+            <a:endParaRPr lang="en-US" dirty="0"/>
+          </a:p>
+        </p:txBody>
+      </p:sp>
+      <p:sp>
+        <p:nvSpPr>
+          <p:cNvPr id="3" name="Content Placeholder 2"/>
+          <p:cNvSpPr>
+            <a:spLocks noGrp="1"/>
+          </p:cNvSpPr>
+          <p:nvPr>
+            <p:ph sz="quarter" idx="10"/>
+          </p:nvPr>
+        </p:nvSpPr>
+        <p:spPr/>
+        <p:txBody>
+          <a:bodyPr/>
+          <a:lstStyle/>
+          <a:p>
+            <a:r>
+              <a:rPr lang="en-US" sz="2800" dirty="0"/>
+              <a:t>A function will return a promise for an object in the future. </a:t>
+            </a:r>
+          </a:p>
+          <a:p>
+            <a:r>
+              <a:rPr lang="en-US" sz="2800" dirty="0" smtClean="0"/>
+              <a:t>Promises can be chained together. </a:t>
+            </a:r>
+          </a:p>
+          <a:p>
+            <a:r>
+              <a:rPr lang="en-US" sz="2800" dirty="0" smtClean="0"/>
+              <a:t>Simplify </a:t>
+            </a:r>
+            <a:r>
+              <a:rPr lang="en-US" sz="2800" dirty="0"/>
+              <a:t>programming of </a:t>
+            </a:r>
+            <a:r>
+              <a:rPr lang="en-US" sz="2800" dirty="0" err="1"/>
+              <a:t>async</a:t>
+            </a:r>
+            <a:r>
+              <a:rPr lang="en-US" sz="2800" dirty="0"/>
+              <a:t> systems.</a:t>
+            </a:r>
+          </a:p>
+          <a:p>
+            <a:pPr marL="0" indent="0">
+              <a:buNone/>
+            </a:pPr>
+            <a:endParaRPr lang="en-US" dirty="0"/>
+          </a:p>
+        </p:txBody>
+      </p:sp>
+    </p:spTree>
+    <p:extLst>
+      <p:ext uri="{BB962C8B-B14F-4D97-AF65-F5344CB8AC3E}">
+        <p14:creationId xmlns:p14="http://schemas.microsoft.com/office/powerpoint/2010/main" val="2940283024"/>
+      </p:ext>
+    </p:extLst>
+  </p:cSld>
+  <p:clrMapOvr>
+    <a:masterClrMapping/>
+  </p:clrMapOvr>
+  <mc:AlternateContent xmlns:mc="http://schemas.openxmlformats.org/markup-compatibility/2006">
+    <mc:Choice xmlns:p14="http://schemas.microsoft.com/office/powerpoint/2010/main" Requires="p14">
+      <p:transition spd="slow" p14:dur="2000"/>
+    </mc:Choice>
+    <mc:Fallback>
+      <p:transition spd="slow"/>
+    </mc:Fallback>
+  </mc:AlternateContent>
+  <p:timing>
+    <p:tnLst>
+      <p:par>
+        <p:cTn id="1" dur="indefinite" restart="never" nodeType="tmRoot"/>
+      </p:par>
+    </p:tnLst>
+  </p:timing>
+</p:sld>
+</file>
+
+<file path=ppt/slides/slide31.xml><?xml version="1.0" encoding="utf-8"?>
+<p:sld xmlns:a="http://schemas.openxmlformats.org/drawingml/2006/main" xmlns:r="http://schemas.openxmlformats.org/officeDocument/2006/relationships" xmlns:p="http://schemas.openxmlformats.org/presentationml/2006/main" show="0">
   <p:cSld>
     <p:spTree>
       <p:nvGrpSpPr>
@@ -8622,67 +8757,14 @@
   <p:clrMapOvr>
     <a:masterClrMapping/>
   </p:clrMapOvr>
-  <mc:AlternateContent xmlns:mc="http://schemas.openxmlformats.org/markup-compatibility/2006" xmlns:p14="http://schemas.microsoft.com/office/powerpoint/2010/main">
-    <mc:Choice Requires="p14">
+  <mc:AlternateContent xmlns:mc="http://schemas.openxmlformats.org/markup-compatibility/2006">
+    <mc:Choice xmlns:p14="http://schemas.microsoft.com/office/powerpoint/2010/main" Requires="p14">
       <p:transition spd="slow" p14:dur="2000"/>
     </mc:Choice>
-    <mc:Fallback xmlns="">
+    <mc:Fallback>
       <p:transition spd="slow"/>
     </mc:Fallback>
   </mc:AlternateContent>
-</p:sld>
-</file>
-
-<file path=ppt/slides/slide31.xml><?xml version="1.0" encoding="utf-8"?>
-<p:sld xmlns:a="http://schemas.openxmlformats.org/drawingml/2006/main" xmlns:r="http://schemas.openxmlformats.org/officeDocument/2006/relationships" xmlns:p="http://schemas.openxmlformats.org/presentationml/2006/main">
-  <p:cSld>
-    <p:spTree>
-      <p:nvGrpSpPr>
-        <p:cNvPr id="1" name=""/>
-        <p:cNvGrpSpPr/>
-        <p:nvPr/>
-      </p:nvGrpSpPr>
-      <p:grpSpPr>
-        <a:xfrm>
-          <a:off x="0" y="0"/>
-          <a:ext cx="0" cy="0"/>
-          <a:chOff x="0" y="0"/>
-          <a:chExt cx="0" cy="0"/>
-        </a:xfrm>
-      </p:grpSpPr>
-      <p:sp>
-        <p:nvSpPr>
-          <p:cNvPr id="2" name="Title 1"/>
-          <p:cNvSpPr>
-            <a:spLocks noGrp="1"/>
-          </p:cNvSpPr>
-          <p:nvPr>
-            <p:ph type="title"/>
-          </p:nvPr>
-        </p:nvSpPr>
-        <p:spPr/>
-        <p:txBody>
-          <a:bodyPr/>
-          <a:lstStyle/>
-          <a:p>
-            <a:r>
-              <a:rPr lang="en-US" dirty="0" smtClean="0"/>
-              <a:t>Basic TCP Demo</a:t>
-            </a:r>
-            <a:endParaRPr lang="en-US" dirty="0"/>
-          </a:p>
-        </p:txBody>
-      </p:sp>
-    </p:spTree>
-    <p:extLst>
-      <p:ext uri="{BB962C8B-B14F-4D97-AF65-F5344CB8AC3E}">
-        <p14:creationId xmlns:p14="http://schemas.microsoft.com/office/powerpoint/2010/main" val="3454770079"/>
-      </p:ext>
-    </p:extLst>
-  </p:cSld>
-  <p:clrMapOvr>
-    <a:masterClrMapping/>
-  </p:clrMapOvr>
 </p:sld>
 </file>
 
@@ -8720,85 +8802,22 @@
           <a:p>
             <a:r>
               <a:rPr lang="en-US" dirty="0" smtClean="0"/>
-              <a:t>Event Emitters</a:t>
+              <a:t>Basic TCP Demo</a:t>
             </a:r>
             <a:endParaRPr lang="en-US" dirty="0"/>
-          </a:p>
-        </p:txBody>
-      </p:sp>
-      <p:sp>
-        <p:nvSpPr>
-          <p:cNvPr id="3" name="Content Placeholder 2"/>
-          <p:cNvSpPr>
-            <a:spLocks noGrp="1"/>
-          </p:cNvSpPr>
-          <p:nvPr>
-            <p:ph idx="4294967295"/>
-          </p:nvPr>
-        </p:nvSpPr>
-        <p:spPr>
-          <a:xfrm>
-            <a:off x="570914" y="1245702"/>
-            <a:ext cx="10515600" cy="4351338"/>
-          </a:xfrm>
-          <a:prstGeom prst="rect">
-            <a:avLst/>
-          </a:prstGeom>
-        </p:spPr>
-        <p:txBody>
-          <a:bodyPr/>
-          <a:lstStyle/>
-          <a:p>
-            <a:r>
-              <a:rPr lang="en-US" b="0" dirty="0" smtClean="0"/>
-              <a:t>Allows you to listen for “events” and assign functions to run when events occur. </a:t>
-            </a:r>
-          </a:p>
-          <a:p>
-            <a:r>
-              <a:rPr lang="en-US" b="0" dirty="0" smtClean="0"/>
-              <a:t>Each emitter can emit different types of events.</a:t>
-            </a:r>
-          </a:p>
-          <a:p>
-            <a:r>
-              <a:rPr lang="en-US" b="0" dirty="0" smtClean="0"/>
-              <a:t>The “error” event is special.</a:t>
-            </a:r>
-            <a:endParaRPr lang="en-US" b="0" dirty="0"/>
-          </a:p>
-          <a:p>
-            <a:r>
-              <a:rPr lang="en-US" b="0" dirty="0"/>
-              <a:t>Read More: </a:t>
-            </a:r>
-            <a:r>
-              <a:rPr lang="en-US" b="0" dirty="0">
-                <a:hlinkClick r:id="rId2"/>
-              </a:rPr>
-              <a:t>http://code.tutsplus.com/tutorials/using-nodes-event-module--net-35941</a:t>
-            </a:r>
-            <a:endParaRPr lang="en-US" b="0" dirty="0" smtClean="0"/>
           </a:p>
         </p:txBody>
       </p:sp>
     </p:spTree>
     <p:extLst>
       <p:ext uri="{BB962C8B-B14F-4D97-AF65-F5344CB8AC3E}">
-        <p14:creationId xmlns:p14="http://schemas.microsoft.com/office/powerpoint/2010/main" val="1168617705"/>
+        <p14:creationId xmlns:p14="http://schemas.microsoft.com/office/powerpoint/2010/main" val="3454770079"/>
       </p:ext>
     </p:extLst>
   </p:cSld>
   <p:clrMapOvr>
     <a:masterClrMapping/>
   </p:clrMapOvr>
-  <p:timing>
-    <p:tnLst>
-      <p:par>
-        <p:cTn id="1" dur="indefinite" restart="never" nodeType="tmRoot"/>
-      </p:par>
-    </p:tnLst>
-  </p:timing>
 </p:sld>
 </file>
 
@@ -8836,7 +8855,7 @@
           <a:p>
             <a:r>
               <a:rPr lang="en-US" dirty="0" smtClean="0"/>
-              <a:t>Streams</a:t>
+              <a:t>Event Emitters</a:t>
             </a:r>
             <a:endParaRPr lang="en-US" dirty="0"/>
           </a:p>
@@ -8854,7 +8873,7 @@
         </p:nvSpPr>
         <p:spPr>
           <a:xfrm>
-            <a:off x="486508" y="1245702"/>
+            <a:off x="570914" y="1245702"/>
             <a:ext cx="10515600" cy="4351338"/>
           </a:xfrm>
           <a:prstGeom prst="rect">
@@ -8862,423 +8881,46 @@
           </a:prstGeom>
         </p:spPr>
         <p:txBody>
-          <a:bodyPr>
-            <a:normAutofit/>
-          </a:bodyPr>
+          <a:bodyPr/>
           <a:lstStyle/>
           <a:p>
             <a:r>
               <a:rPr lang="en-US" b="0" dirty="0" smtClean="0"/>
-              <a:t>Streams represent data streams such as I/O. </a:t>
+              <a:t>Allows you to listen for “events” and assign functions to run when events occur. </a:t>
             </a:r>
           </a:p>
           <a:p>
             <a:r>
               <a:rPr lang="en-US" b="0" dirty="0" smtClean="0"/>
-              <a:t>Streams can be piped together like in Unix. </a:t>
-            </a:r>
-          </a:p>
-          <a:p>
-            <a:endParaRPr lang="en-US" sz="2400" b="0" dirty="0"/>
-          </a:p>
-          <a:p>
-            <a:pPr marL="0" lvl="0" indent="0">
-              <a:spcBef>
-                <a:spcPts val="0"/>
-              </a:spcBef>
-              <a:buNone/>
-            </a:pPr>
-            <a:r>
-              <a:rPr lang="en-US" altLang="en-US" sz="2400" b="0" dirty="0">
-                <a:solidFill>
-                  <a:srgbClr val="0000FF"/>
-                </a:solidFill>
-                <a:latin typeface="Consolas" panose="020B0609020204030204" pitchFamily="49" charset="0"/>
-                <a:cs typeface="Consolas" panose="020B0609020204030204" pitchFamily="49" charset="0"/>
-              </a:rPr>
-              <a:t>var</a:t>
-            </a:r>
-            <a:r>
-              <a:rPr lang="en-US" altLang="en-US" sz="2400" b="0" dirty="0">
-                <a:solidFill>
-                  <a:srgbClr val="000000"/>
-                </a:solidFill>
-                <a:latin typeface="Consolas" panose="020B0609020204030204" pitchFamily="49" charset="0"/>
-                <a:cs typeface="Consolas" panose="020B0609020204030204" pitchFamily="49" charset="0"/>
-              </a:rPr>
-              <a:t> fs = require(</a:t>
-            </a:r>
-            <a:r>
-              <a:rPr lang="en-US" altLang="en-US" sz="2400" b="0" dirty="0">
-                <a:solidFill>
-                  <a:srgbClr val="A31515"/>
-                </a:solidFill>
-                <a:latin typeface="Consolas" panose="020B0609020204030204" pitchFamily="49" charset="0"/>
-                <a:cs typeface="Consolas" panose="020B0609020204030204" pitchFamily="49" charset="0"/>
-              </a:rPr>
-              <a:t>"fs</a:t>
-            </a:r>
-            <a:r>
-              <a:rPr lang="en-US" altLang="en-US" sz="2400" b="0" dirty="0" smtClean="0">
-                <a:solidFill>
-                  <a:srgbClr val="A31515"/>
-                </a:solidFill>
-                <a:latin typeface="Consolas" panose="020B0609020204030204" pitchFamily="49" charset="0"/>
-                <a:cs typeface="Consolas" panose="020B0609020204030204" pitchFamily="49" charset="0"/>
-              </a:rPr>
-              <a:t>"</a:t>
-            </a:r>
-            <a:r>
-              <a:rPr lang="en-US" altLang="en-US" sz="2400" b="0" dirty="0" smtClean="0">
-                <a:solidFill>
-                  <a:srgbClr val="000000"/>
-                </a:solidFill>
-                <a:latin typeface="Consolas" panose="020B0609020204030204" pitchFamily="49" charset="0"/>
-                <a:cs typeface="Consolas" panose="020B0609020204030204" pitchFamily="49" charset="0"/>
-              </a:rPr>
-              <a:t>);</a:t>
-            </a:r>
-          </a:p>
-          <a:p>
-            <a:pPr marL="0" lvl="0" indent="0">
-              <a:spcBef>
-                <a:spcPts val="0"/>
-              </a:spcBef>
-              <a:buNone/>
-            </a:pPr>
-            <a:r>
-              <a:rPr lang="en-US" altLang="en-US" sz="2400" b="0" dirty="0" smtClean="0">
-                <a:solidFill>
-                  <a:srgbClr val="008000"/>
-                </a:solidFill>
-                <a:latin typeface="Consolas" panose="020B0609020204030204" pitchFamily="49" charset="0"/>
-                <a:cs typeface="Consolas" panose="020B0609020204030204" pitchFamily="49" charset="0"/>
-              </a:rPr>
-              <a:t>//</a:t>
-            </a:r>
-            <a:r>
-              <a:rPr lang="en-US" altLang="en-US" sz="2400" b="0" dirty="0">
-                <a:solidFill>
-                  <a:srgbClr val="008000"/>
-                </a:solidFill>
-                <a:latin typeface="Consolas" panose="020B0609020204030204" pitchFamily="49" charset="0"/>
-                <a:cs typeface="Consolas" panose="020B0609020204030204" pitchFamily="49" charset="0"/>
-              </a:rPr>
-              <a:t> Read </a:t>
-            </a:r>
-            <a:r>
-              <a:rPr lang="en-US" altLang="en-US" sz="2400" b="0" dirty="0" smtClean="0">
-                <a:solidFill>
-                  <a:srgbClr val="008000"/>
-                </a:solidFill>
-                <a:latin typeface="Consolas" panose="020B0609020204030204" pitchFamily="49" charset="0"/>
-                <a:cs typeface="Consolas" panose="020B0609020204030204" pitchFamily="49" charset="0"/>
-              </a:rPr>
-              <a:t>File</a:t>
-            </a:r>
-          </a:p>
-          <a:p>
-            <a:pPr marL="0" lvl="0" indent="0">
-              <a:spcBef>
-                <a:spcPts val="0"/>
-              </a:spcBef>
-              <a:buNone/>
-            </a:pPr>
-            <a:r>
-              <a:rPr lang="en-US" altLang="en-US" sz="2400" b="0" dirty="0" err="1" smtClean="0">
-                <a:solidFill>
-                  <a:srgbClr val="000000"/>
-                </a:solidFill>
-                <a:latin typeface="Consolas" panose="020B0609020204030204" pitchFamily="49" charset="0"/>
-                <a:cs typeface="Consolas" panose="020B0609020204030204" pitchFamily="49" charset="0"/>
-              </a:rPr>
-              <a:t>fs.createReadStream</a:t>
-            </a:r>
-            <a:r>
-              <a:rPr lang="en-US" altLang="en-US" sz="2400" b="0" dirty="0">
-                <a:solidFill>
-                  <a:srgbClr val="000000"/>
-                </a:solidFill>
-                <a:latin typeface="Consolas" panose="020B0609020204030204" pitchFamily="49" charset="0"/>
-                <a:cs typeface="Consolas" panose="020B0609020204030204" pitchFamily="49" charset="0"/>
-              </a:rPr>
-              <a:t>(</a:t>
-            </a:r>
-            <a:r>
-              <a:rPr lang="en-US" altLang="en-US" sz="2400" b="0" dirty="0">
-                <a:solidFill>
-                  <a:srgbClr val="A31515"/>
-                </a:solidFill>
-                <a:latin typeface="Consolas" panose="020B0609020204030204" pitchFamily="49" charset="0"/>
-                <a:cs typeface="Consolas" panose="020B0609020204030204" pitchFamily="49" charset="0"/>
-              </a:rPr>
-              <a:t>"</a:t>
-            </a:r>
-            <a:r>
-              <a:rPr lang="en-US" altLang="en-US" sz="2400" b="0" dirty="0" err="1">
-                <a:solidFill>
-                  <a:srgbClr val="A31515"/>
-                </a:solidFill>
-                <a:latin typeface="Consolas" panose="020B0609020204030204" pitchFamily="49" charset="0"/>
-                <a:cs typeface="Consolas" panose="020B0609020204030204" pitchFamily="49" charset="0"/>
-              </a:rPr>
-              <a:t>package.json</a:t>
-            </a:r>
-            <a:r>
-              <a:rPr lang="en-US" altLang="en-US" sz="2400" b="0" dirty="0" smtClean="0">
-                <a:solidFill>
-                  <a:srgbClr val="A31515"/>
-                </a:solidFill>
-                <a:latin typeface="Consolas" panose="020B0609020204030204" pitchFamily="49" charset="0"/>
-                <a:cs typeface="Consolas" panose="020B0609020204030204" pitchFamily="49" charset="0"/>
-              </a:rPr>
-              <a:t>"</a:t>
-            </a:r>
-            <a:r>
-              <a:rPr lang="en-US" altLang="en-US" sz="2400" b="0" dirty="0" smtClean="0">
-                <a:solidFill>
-                  <a:srgbClr val="000000"/>
-                </a:solidFill>
-                <a:latin typeface="Consolas" panose="020B0609020204030204" pitchFamily="49" charset="0"/>
-                <a:cs typeface="Consolas" panose="020B0609020204030204" pitchFamily="49" charset="0"/>
-              </a:rPr>
-              <a:t>)</a:t>
-            </a:r>
-          </a:p>
-          <a:p>
-            <a:pPr marL="0" lvl="0" indent="0">
-              <a:spcBef>
-                <a:spcPts val="0"/>
-              </a:spcBef>
-              <a:buNone/>
-            </a:pPr>
-            <a:r>
-              <a:rPr lang="en-US" altLang="en-US" sz="2400" b="0" dirty="0" smtClean="0">
-                <a:solidFill>
-                  <a:srgbClr val="000000"/>
-                </a:solidFill>
-                <a:latin typeface="Consolas" panose="020B0609020204030204" pitchFamily="49" charset="0"/>
-                <a:cs typeface="Consolas" panose="020B0609020204030204" pitchFamily="49" charset="0"/>
-              </a:rPr>
-              <a:t> </a:t>
-            </a:r>
-            <a:r>
-              <a:rPr lang="en-US" altLang="en-US" sz="2400" b="0" dirty="0">
-                <a:solidFill>
-                  <a:srgbClr val="000000"/>
-                </a:solidFill>
-                <a:latin typeface="Consolas" panose="020B0609020204030204" pitchFamily="49" charset="0"/>
-                <a:cs typeface="Consolas" panose="020B0609020204030204" pitchFamily="49" charset="0"/>
-              </a:rPr>
-              <a:t>    </a:t>
-            </a:r>
-            <a:r>
-              <a:rPr lang="en-US" altLang="en-US" sz="2400" b="0" dirty="0">
-                <a:solidFill>
-                  <a:srgbClr val="008000"/>
-                </a:solidFill>
-                <a:latin typeface="Consolas" panose="020B0609020204030204" pitchFamily="49" charset="0"/>
-                <a:cs typeface="Consolas" panose="020B0609020204030204" pitchFamily="49" charset="0"/>
-              </a:rPr>
-              <a:t>// Write </a:t>
-            </a:r>
-            <a:r>
-              <a:rPr lang="en-US" altLang="en-US" sz="2400" b="0" dirty="0" smtClean="0">
-                <a:solidFill>
-                  <a:srgbClr val="008000"/>
-                </a:solidFill>
-                <a:latin typeface="Consolas" panose="020B0609020204030204" pitchFamily="49" charset="0"/>
-                <a:cs typeface="Consolas" panose="020B0609020204030204" pitchFamily="49" charset="0"/>
-              </a:rPr>
-              <a:t>File</a:t>
-            </a:r>
-          </a:p>
-          <a:p>
-            <a:pPr marL="0" lvl="0" indent="0">
-              <a:spcBef>
-                <a:spcPts val="0"/>
-              </a:spcBef>
-              <a:buNone/>
-            </a:pPr>
-            <a:r>
-              <a:rPr lang="en-US" altLang="en-US" sz="2400" b="0" dirty="0" smtClean="0">
-                <a:solidFill>
-                  <a:srgbClr val="000000"/>
-                </a:solidFill>
-                <a:latin typeface="Consolas" panose="020B0609020204030204" pitchFamily="49" charset="0"/>
-                <a:cs typeface="Consolas" panose="020B0609020204030204" pitchFamily="49" charset="0"/>
-              </a:rPr>
-              <a:t> </a:t>
-            </a:r>
-            <a:r>
-              <a:rPr lang="en-US" altLang="en-US" sz="2400" b="0" dirty="0">
-                <a:solidFill>
-                  <a:srgbClr val="000000"/>
-                </a:solidFill>
-                <a:latin typeface="Consolas" panose="020B0609020204030204" pitchFamily="49" charset="0"/>
-                <a:cs typeface="Consolas" panose="020B0609020204030204" pitchFamily="49" charset="0"/>
-              </a:rPr>
-              <a:t>    .pipe(</a:t>
-            </a:r>
-            <a:r>
-              <a:rPr lang="en-US" altLang="en-US" sz="2400" b="0" dirty="0" err="1">
-                <a:solidFill>
-                  <a:srgbClr val="000000"/>
-                </a:solidFill>
-                <a:latin typeface="Consolas" panose="020B0609020204030204" pitchFamily="49" charset="0"/>
-                <a:cs typeface="Consolas" panose="020B0609020204030204" pitchFamily="49" charset="0"/>
-              </a:rPr>
-              <a:t>fs.createWriteStream</a:t>
-            </a:r>
-            <a:r>
-              <a:rPr lang="en-US" altLang="en-US" sz="2400" b="0" dirty="0">
-                <a:solidFill>
-                  <a:srgbClr val="000000"/>
-                </a:solidFill>
-                <a:latin typeface="Consolas" panose="020B0609020204030204" pitchFamily="49" charset="0"/>
-                <a:cs typeface="Consolas" panose="020B0609020204030204" pitchFamily="49" charset="0"/>
-              </a:rPr>
-              <a:t>(</a:t>
-            </a:r>
-            <a:r>
-              <a:rPr lang="en-US" altLang="en-US" sz="2400" b="0" dirty="0">
-                <a:solidFill>
-                  <a:srgbClr val="A31515"/>
-                </a:solidFill>
-                <a:latin typeface="Consolas" panose="020B0609020204030204" pitchFamily="49" charset="0"/>
-                <a:cs typeface="Consolas" panose="020B0609020204030204" pitchFamily="49" charset="0"/>
-              </a:rPr>
-              <a:t>"</a:t>
-            </a:r>
-            <a:r>
-              <a:rPr lang="en-US" altLang="en-US" sz="2400" b="0" dirty="0" err="1" smtClean="0">
-                <a:solidFill>
-                  <a:srgbClr val="A31515"/>
-                </a:solidFill>
-                <a:latin typeface="Consolas" panose="020B0609020204030204" pitchFamily="49" charset="0"/>
-                <a:cs typeface="Consolas" panose="020B0609020204030204" pitchFamily="49" charset="0"/>
-              </a:rPr>
-              <a:t>out.json</a:t>
-            </a:r>
-            <a:r>
-              <a:rPr lang="en-US" altLang="en-US" sz="2400" b="0" dirty="0">
-                <a:solidFill>
-                  <a:srgbClr val="A31515"/>
-                </a:solidFill>
-                <a:latin typeface="Consolas" panose="020B0609020204030204" pitchFamily="49" charset="0"/>
-                <a:cs typeface="Consolas" panose="020B0609020204030204" pitchFamily="49" charset="0"/>
-              </a:rPr>
-              <a:t>"</a:t>
-            </a:r>
-            <a:r>
-              <a:rPr lang="en-US" altLang="en-US" sz="2400" b="0" dirty="0">
-                <a:solidFill>
-                  <a:srgbClr val="000000"/>
-                </a:solidFill>
-                <a:latin typeface="Consolas" panose="020B0609020204030204" pitchFamily="49" charset="0"/>
-                <a:cs typeface="Consolas" panose="020B0609020204030204" pitchFamily="49" charset="0"/>
-              </a:rPr>
-              <a:t>)); </a:t>
-            </a:r>
-            <a:endParaRPr lang="en-US" altLang="en-US" sz="2400" b="0" dirty="0">
-              <a:latin typeface="Arial" panose="020B0604020202020204" pitchFamily="34" charset="0"/>
-            </a:endParaRPr>
-          </a:p>
-          <a:p>
-            <a:pPr marL="0" indent="0">
-              <a:buNone/>
-            </a:pPr>
-            <a:endParaRPr lang="en-US" sz="2400" b="0" dirty="0"/>
-          </a:p>
-        </p:txBody>
-      </p:sp>
-      <p:sp>
-        <p:nvSpPr>
-          <p:cNvPr id="4" name="Rectangle 1"/>
-          <p:cNvSpPr>
-            <a:spLocks noChangeArrowheads="1"/>
-          </p:cNvSpPr>
-          <p:nvPr/>
-        </p:nvSpPr>
-        <p:spPr bwMode="auto">
-          <a:xfrm>
-            <a:off x="0" y="43934"/>
-            <a:ext cx="184731" cy="369332"/>
-          </a:xfrm>
-          <a:prstGeom prst="rect">
-            <a:avLst/>
-          </a:prstGeom>
-          <a:solidFill>
-            <a:srgbClr val="FFFFFF"/>
-          </a:solidFill>
-          <a:ln>
-            <a:noFill/>
-          </a:ln>
-          <a:effectLst/>
-          <a:extLst>
-            <a:ext uri="{91240B29-F687-4F45-9708-019B960494DF}">
-              <a14:hiddenLine xmlns:a14="http://schemas.microsoft.com/office/drawing/2010/main" w="9525">
-                <a:solidFill>
-                  <a:schemeClr val="tx1"/>
-                </a:solidFill>
-                <a:miter lim="800000"/>
-                <a:headEnd/>
-                <a:tailEnd/>
-              </a14:hiddenLine>
-            </a:ext>
-            <a:ext uri="{AF507438-7753-43E0-B8FC-AC1667EBCBE1}">
-              <a14:hiddenEffects xmlns:a14="http://schemas.microsoft.com/office/drawing/2010/main">
-                <a:effectLst>
-                  <a:outerShdw dist="35921" dir="2700000" algn="ctr" rotWithShape="0">
-                    <a:schemeClr val="bg2"/>
-                  </a:outerShdw>
-                </a:effectLst>
-              </a14:hiddenEffects>
-            </a:ext>
-          </a:extLst>
-        </p:spPr>
-        <p:txBody>
-          <a:bodyPr vert="horz" wrap="none" lIns="91440" tIns="45720" rIns="91440" bIns="45720" numCol="1" anchor="ctr" anchorCtr="0" compatLnSpc="1">
-            <a:prstTxWarp prst="textNoShape">
-              <a:avLst/>
-            </a:prstTxWarp>
-            <a:spAutoFit/>
-          </a:bodyPr>
-          <a:lstStyle/>
-          <a:p>
-            <a:pPr marL="0" marR="0" lvl="0" indent="0" algn="l" defTabSz="914400" rtl="0" eaLnBrk="0" fontAlgn="base" latinLnBrk="0" hangingPunct="0">
-              <a:lnSpc>
-                <a:spcPct val="100000"/>
-              </a:lnSpc>
-              <a:spcBef>
-                <a:spcPct val="0"/>
-              </a:spcBef>
-              <a:spcAft>
-                <a:spcPct val="0"/>
-              </a:spcAft>
-              <a:buClrTx/>
-              <a:buSzTx/>
-              <a:buFontTx/>
-              <a:buNone/>
-              <a:tabLst/>
-            </a:pPr>
-            <a:endParaRPr kumimoji="0" lang="en-US" altLang="en-US" sz="1800" b="0" i="0" u="none" strike="noStrike" cap="none" normalizeH="0" baseline="0" dirty="0" smtClean="0">
-              <a:ln>
-                <a:noFill/>
-              </a:ln>
-              <a:solidFill>
-                <a:schemeClr val="tx1"/>
-              </a:solidFill>
-              <a:effectLst/>
-              <a:latin typeface="Arial" panose="020B0604020202020204" pitchFamily="34" charset="0"/>
-            </a:endParaRPr>
+              <a:t>Each emitter can emit different types of events.</a:t>
+            </a:r>
+          </a:p>
+          <a:p>
+            <a:r>
+              <a:rPr lang="en-US" b="0" dirty="0" smtClean="0"/>
+              <a:t>The “error” event is special.</a:t>
+            </a:r>
+            <a:endParaRPr lang="en-US" b="0" dirty="0"/>
+          </a:p>
+          <a:p>
+            <a:r>
+              <a:rPr lang="en-US" b="0" dirty="0"/>
+              <a:t>Read More: </a:t>
+            </a:r>
+            <a:r>
+              <a:rPr lang="en-US" b="0" dirty="0">
+                <a:hlinkClick r:id="rId2"/>
+              </a:rPr>
+              <a:t>http://code.tutsplus.com/tutorials/using-nodes-event-module--net-35941</a:t>
+            </a:r>
+            <a:endParaRPr lang="en-US" b="0" dirty="0" smtClean="0"/>
           </a:p>
         </p:txBody>
       </p:sp>
     </p:spTree>
     <p:extLst>
       <p:ext uri="{BB962C8B-B14F-4D97-AF65-F5344CB8AC3E}">
-        <p14:creationId xmlns:p14="http://schemas.microsoft.com/office/powerpoint/2010/main" val="612772129"/>
+        <p14:creationId xmlns:p14="http://schemas.microsoft.com/office/powerpoint/2010/main" val="1168617705"/>
       </p:ext>
     </p:extLst>
   </p:cSld>
@@ -9329,7 +8971,7 @@
           <a:p>
             <a:r>
               <a:rPr lang="en-US" dirty="0" smtClean="0"/>
-              <a:t>Modules and Exports</a:t>
+              <a:t>Streams</a:t>
             </a:r>
             <a:endParaRPr lang="en-US" dirty="0"/>
           </a:p>
@@ -9342,50 +8984,449 @@
             <a:spLocks noGrp="1"/>
           </p:cNvSpPr>
           <p:nvPr>
-            <p:ph sz="quarter" idx="10"/>
-          </p:nvPr>
-        </p:nvSpPr>
-        <p:spPr/>
+            <p:ph idx="4294967295"/>
+          </p:nvPr>
+        </p:nvSpPr>
+        <p:spPr>
+          <a:xfrm>
+            <a:off x="486508" y="1245702"/>
+            <a:ext cx="10515600" cy="4351338"/>
+          </a:xfrm>
+          <a:prstGeom prst="rect">
+            <a:avLst/>
+          </a:prstGeom>
+        </p:spPr>
         <p:txBody>
-          <a:bodyPr/>
+          <a:bodyPr>
+            <a:normAutofit/>
+          </a:bodyPr>
           <a:lstStyle/>
           <a:p>
             <a:r>
-              <a:rPr lang="en-US" dirty="0"/>
-              <a:t>Node.js has a simple module and dependencies loading system. </a:t>
-            </a:r>
-          </a:p>
-          <a:p>
-            <a:r>
-              <a:rPr lang="en-US" dirty="0"/>
-              <a:t>Unix philosophy -&gt; Node philosophy</a:t>
-            </a:r>
-          </a:p>
-          <a:p>
-            <a:pPr lvl="1"/>
-            <a:r>
-              <a:rPr lang="en-US" dirty="0"/>
-              <a:t>Write programs that do one thing and do it well -&gt; Write modules that do one thing and do it well.</a:t>
-            </a:r>
+              <a:rPr lang="en-US" b="0" dirty="0" smtClean="0"/>
+              <a:t>Streams represent data streams such as I/O. </a:t>
+            </a:r>
+          </a:p>
+          <a:p>
+            <a:r>
+              <a:rPr lang="en-US" b="0" dirty="0" smtClean="0"/>
+              <a:t>Streams can be piped together like in Unix. </a:t>
+            </a:r>
+          </a:p>
+          <a:p>
+            <a:endParaRPr lang="en-US" sz="2400" b="0" dirty="0"/>
+          </a:p>
+          <a:p>
+            <a:pPr marL="0" lvl="0" indent="0">
+              <a:spcBef>
+                <a:spcPts val="0"/>
+              </a:spcBef>
+              <a:buNone/>
+            </a:pPr>
+            <a:r>
+              <a:rPr lang="en-US" altLang="en-US" sz="2400" b="0" dirty="0">
+                <a:solidFill>
+                  <a:srgbClr val="0000FF"/>
+                </a:solidFill>
+                <a:latin typeface="Consolas" panose="020B0609020204030204" pitchFamily="49" charset="0"/>
+                <a:cs typeface="Consolas" panose="020B0609020204030204" pitchFamily="49" charset="0"/>
+              </a:rPr>
+              <a:t>var</a:t>
+            </a:r>
+            <a:r>
+              <a:rPr lang="en-US" altLang="en-US" sz="2400" b="0" dirty="0">
+                <a:solidFill>
+                  <a:srgbClr val="000000"/>
+                </a:solidFill>
+                <a:latin typeface="Consolas" panose="020B0609020204030204" pitchFamily="49" charset="0"/>
+                <a:cs typeface="Consolas" panose="020B0609020204030204" pitchFamily="49" charset="0"/>
+              </a:rPr>
+              <a:t> fs = require(</a:t>
+            </a:r>
+            <a:r>
+              <a:rPr lang="en-US" altLang="en-US" sz="2400" b="0" dirty="0">
+                <a:solidFill>
+                  <a:srgbClr val="A31515"/>
+                </a:solidFill>
+                <a:latin typeface="Consolas" panose="020B0609020204030204" pitchFamily="49" charset="0"/>
+                <a:cs typeface="Consolas" panose="020B0609020204030204" pitchFamily="49" charset="0"/>
+              </a:rPr>
+              <a:t>"fs</a:t>
+            </a:r>
+            <a:r>
+              <a:rPr lang="en-US" altLang="en-US" sz="2400" b="0" dirty="0" smtClean="0">
+                <a:solidFill>
+                  <a:srgbClr val="A31515"/>
+                </a:solidFill>
+                <a:latin typeface="Consolas" panose="020B0609020204030204" pitchFamily="49" charset="0"/>
+                <a:cs typeface="Consolas" panose="020B0609020204030204" pitchFamily="49" charset="0"/>
+              </a:rPr>
+              <a:t>"</a:t>
+            </a:r>
+            <a:r>
+              <a:rPr lang="en-US" altLang="en-US" sz="2400" b="0" dirty="0" smtClean="0">
+                <a:solidFill>
+                  <a:srgbClr val="000000"/>
+                </a:solidFill>
+                <a:latin typeface="Consolas" panose="020B0609020204030204" pitchFamily="49" charset="0"/>
+                <a:cs typeface="Consolas" panose="020B0609020204030204" pitchFamily="49" charset="0"/>
+              </a:rPr>
+              <a:t>);</a:t>
+            </a:r>
+          </a:p>
+          <a:p>
+            <a:pPr marL="0" lvl="0" indent="0">
+              <a:spcBef>
+                <a:spcPts val="0"/>
+              </a:spcBef>
+              <a:buNone/>
+            </a:pPr>
+            <a:r>
+              <a:rPr lang="en-US" altLang="en-US" sz="2400" b="0" dirty="0" smtClean="0">
+                <a:solidFill>
+                  <a:srgbClr val="008000"/>
+                </a:solidFill>
+                <a:latin typeface="Consolas" panose="020B0609020204030204" pitchFamily="49" charset="0"/>
+                <a:cs typeface="Consolas" panose="020B0609020204030204" pitchFamily="49" charset="0"/>
+              </a:rPr>
+              <a:t>//</a:t>
+            </a:r>
+            <a:r>
+              <a:rPr lang="en-US" altLang="en-US" sz="2400" b="0" dirty="0">
+                <a:solidFill>
+                  <a:srgbClr val="008000"/>
+                </a:solidFill>
+                <a:latin typeface="Consolas" panose="020B0609020204030204" pitchFamily="49" charset="0"/>
+                <a:cs typeface="Consolas" panose="020B0609020204030204" pitchFamily="49" charset="0"/>
+              </a:rPr>
+              <a:t> Read </a:t>
+            </a:r>
+            <a:r>
+              <a:rPr lang="en-US" altLang="en-US" sz="2400" b="0" dirty="0" smtClean="0">
+                <a:solidFill>
+                  <a:srgbClr val="008000"/>
+                </a:solidFill>
+                <a:latin typeface="Consolas" panose="020B0609020204030204" pitchFamily="49" charset="0"/>
+                <a:cs typeface="Consolas" panose="020B0609020204030204" pitchFamily="49" charset="0"/>
+              </a:rPr>
+              <a:t>File</a:t>
+            </a:r>
+          </a:p>
+          <a:p>
+            <a:pPr marL="0" lvl="0" indent="0">
+              <a:spcBef>
+                <a:spcPts val="0"/>
+              </a:spcBef>
+              <a:buNone/>
+            </a:pPr>
+            <a:r>
+              <a:rPr lang="en-US" altLang="en-US" sz="2400" b="0" dirty="0" err="1" smtClean="0">
+                <a:solidFill>
+                  <a:srgbClr val="000000"/>
+                </a:solidFill>
+                <a:latin typeface="Consolas" panose="020B0609020204030204" pitchFamily="49" charset="0"/>
+                <a:cs typeface="Consolas" panose="020B0609020204030204" pitchFamily="49" charset="0"/>
+              </a:rPr>
+              <a:t>fs.createReadStream</a:t>
+            </a:r>
+            <a:r>
+              <a:rPr lang="en-US" altLang="en-US" sz="2400" b="0" dirty="0">
+                <a:solidFill>
+                  <a:srgbClr val="000000"/>
+                </a:solidFill>
+                <a:latin typeface="Consolas" panose="020B0609020204030204" pitchFamily="49" charset="0"/>
+                <a:cs typeface="Consolas" panose="020B0609020204030204" pitchFamily="49" charset="0"/>
+              </a:rPr>
+              <a:t>(</a:t>
+            </a:r>
+            <a:r>
+              <a:rPr lang="en-US" altLang="en-US" sz="2400" b="0" dirty="0">
+                <a:solidFill>
+                  <a:srgbClr val="A31515"/>
+                </a:solidFill>
+                <a:latin typeface="Consolas" panose="020B0609020204030204" pitchFamily="49" charset="0"/>
+                <a:cs typeface="Consolas" panose="020B0609020204030204" pitchFamily="49" charset="0"/>
+              </a:rPr>
+              <a:t>"</a:t>
+            </a:r>
+            <a:r>
+              <a:rPr lang="en-US" altLang="en-US" sz="2400" b="0" dirty="0" err="1">
+                <a:solidFill>
+                  <a:srgbClr val="A31515"/>
+                </a:solidFill>
+                <a:latin typeface="Consolas" panose="020B0609020204030204" pitchFamily="49" charset="0"/>
+                <a:cs typeface="Consolas" panose="020B0609020204030204" pitchFamily="49" charset="0"/>
+              </a:rPr>
+              <a:t>package.json</a:t>
+            </a:r>
+            <a:r>
+              <a:rPr lang="en-US" altLang="en-US" sz="2400" b="0" dirty="0" smtClean="0">
+                <a:solidFill>
+                  <a:srgbClr val="A31515"/>
+                </a:solidFill>
+                <a:latin typeface="Consolas" panose="020B0609020204030204" pitchFamily="49" charset="0"/>
+                <a:cs typeface="Consolas" panose="020B0609020204030204" pitchFamily="49" charset="0"/>
+              </a:rPr>
+              <a:t>"</a:t>
+            </a:r>
+            <a:r>
+              <a:rPr lang="en-US" altLang="en-US" sz="2400" b="0" dirty="0" smtClean="0">
+                <a:solidFill>
+                  <a:srgbClr val="000000"/>
+                </a:solidFill>
+                <a:latin typeface="Consolas" panose="020B0609020204030204" pitchFamily="49" charset="0"/>
+                <a:cs typeface="Consolas" panose="020B0609020204030204" pitchFamily="49" charset="0"/>
+              </a:rPr>
+              <a:t>)</a:t>
+            </a:r>
+          </a:p>
+          <a:p>
+            <a:pPr marL="0" lvl="0" indent="0">
+              <a:spcBef>
+                <a:spcPts val="0"/>
+              </a:spcBef>
+              <a:buNone/>
+            </a:pPr>
+            <a:r>
+              <a:rPr lang="en-US" altLang="en-US" sz="2400" b="0" dirty="0" smtClean="0">
+                <a:solidFill>
+                  <a:srgbClr val="000000"/>
+                </a:solidFill>
+                <a:latin typeface="Consolas" panose="020B0609020204030204" pitchFamily="49" charset="0"/>
+                <a:cs typeface="Consolas" panose="020B0609020204030204" pitchFamily="49" charset="0"/>
+              </a:rPr>
+              <a:t> </a:t>
+            </a:r>
+            <a:r>
+              <a:rPr lang="en-US" altLang="en-US" sz="2400" b="0" dirty="0">
+                <a:solidFill>
+                  <a:srgbClr val="000000"/>
+                </a:solidFill>
+                <a:latin typeface="Consolas" panose="020B0609020204030204" pitchFamily="49" charset="0"/>
+                <a:cs typeface="Consolas" panose="020B0609020204030204" pitchFamily="49" charset="0"/>
+              </a:rPr>
+              <a:t>    </a:t>
+            </a:r>
+            <a:r>
+              <a:rPr lang="en-US" altLang="en-US" sz="2400" b="0" dirty="0">
+                <a:solidFill>
+                  <a:srgbClr val="008000"/>
+                </a:solidFill>
+                <a:latin typeface="Consolas" panose="020B0609020204030204" pitchFamily="49" charset="0"/>
+                <a:cs typeface="Consolas" panose="020B0609020204030204" pitchFamily="49" charset="0"/>
+              </a:rPr>
+              <a:t>// Write </a:t>
+            </a:r>
+            <a:r>
+              <a:rPr lang="en-US" altLang="en-US" sz="2400" b="0" dirty="0" smtClean="0">
+                <a:solidFill>
+                  <a:srgbClr val="008000"/>
+                </a:solidFill>
+                <a:latin typeface="Consolas" panose="020B0609020204030204" pitchFamily="49" charset="0"/>
+                <a:cs typeface="Consolas" panose="020B0609020204030204" pitchFamily="49" charset="0"/>
+              </a:rPr>
+              <a:t>File</a:t>
+            </a:r>
+          </a:p>
+          <a:p>
+            <a:pPr marL="0" lvl="0" indent="0">
+              <a:spcBef>
+                <a:spcPts val="0"/>
+              </a:spcBef>
+              <a:buNone/>
+            </a:pPr>
+            <a:r>
+              <a:rPr lang="en-US" altLang="en-US" sz="2400" b="0" dirty="0" smtClean="0">
+                <a:solidFill>
+                  <a:srgbClr val="000000"/>
+                </a:solidFill>
+                <a:latin typeface="Consolas" panose="020B0609020204030204" pitchFamily="49" charset="0"/>
+                <a:cs typeface="Consolas" panose="020B0609020204030204" pitchFamily="49" charset="0"/>
+              </a:rPr>
+              <a:t> </a:t>
+            </a:r>
+            <a:r>
+              <a:rPr lang="en-US" altLang="en-US" sz="2400" b="0" dirty="0">
+                <a:solidFill>
+                  <a:srgbClr val="000000"/>
+                </a:solidFill>
+                <a:latin typeface="Consolas" panose="020B0609020204030204" pitchFamily="49" charset="0"/>
+                <a:cs typeface="Consolas" panose="020B0609020204030204" pitchFamily="49" charset="0"/>
+              </a:rPr>
+              <a:t>    .pipe(</a:t>
+            </a:r>
+            <a:r>
+              <a:rPr lang="en-US" altLang="en-US" sz="2400" b="0" dirty="0" err="1">
+                <a:solidFill>
+                  <a:srgbClr val="000000"/>
+                </a:solidFill>
+                <a:latin typeface="Consolas" panose="020B0609020204030204" pitchFamily="49" charset="0"/>
+                <a:cs typeface="Consolas" panose="020B0609020204030204" pitchFamily="49" charset="0"/>
+              </a:rPr>
+              <a:t>fs.createWriteStream</a:t>
+            </a:r>
+            <a:r>
+              <a:rPr lang="en-US" altLang="en-US" sz="2400" b="0" dirty="0">
+                <a:solidFill>
+                  <a:srgbClr val="000000"/>
+                </a:solidFill>
+                <a:latin typeface="Consolas" panose="020B0609020204030204" pitchFamily="49" charset="0"/>
+                <a:cs typeface="Consolas" panose="020B0609020204030204" pitchFamily="49" charset="0"/>
+              </a:rPr>
+              <a:t>(</a:t>
+            </a:r>
+            <a:r>
+              <a:rPr lang="en-US" altLang="en-US" sz="2400" b="0" dirty="0">
+                <a:solidFill>
+                  <a:srgbClr val="A31515"/>
+                </a:solidFill>
+                <a:latin typeface="Consolas" panose="020B0609020204030204" pitchFamily="49" charset="0"/>
+                <a:cs typeface="Consolas" panose="020B0609020204030204" pitchFamily="49" charset="0"/>
+              </a:rPr>
+              <a:t>"</a:t>
+            </a:r>
+            <a:r>
+              <a:rPr lang="en-US" altLang="en-US" sz="2400" b="0" dirty="0" err="1" smtClean="0">
+                <a:solidFill>
+                  <a:srgbClr val="A31515"/>
+                </a:solidFill>
+                <a:latin typeface="Consolas" panose="020B0609020204030204" pitchFamily="49" charset="0"/>
+                <a:cs typeface="Consolas" panose="020B0609020204030204" pitchFamily="49" charset="0"/>
+              </a:rPr>
+              <a:t>out.json</a:t>
+            </a:r>
+            <a:r>
+              <a:rPr lang="en-US" altLang="en-US" sz="2400" b="0" dirty="0">
+                <a:solidFill>
+                  <a:srgbClr val="A31515"/>
+                </a:solidFill>
+                <a:latin typeface="Consolas" panose="020B0609020204030204" pitchFamily="49" charset="0"/>
+                <a:cs typeface="Consolas" panose="020B0609020204030204" pitchFamily="49" charset="0"/>
+              </a:rPr>
+              <a:t>"</a:t>
+            </a:r>
+            <a:r>
+              <a:rPr lang="en-US" altLang="en-US" sz="2400" b="0" dirty="0">
+                <a:solidFill>
+                  <a:srgbClr val="000000"/>
+                </a:solidFill>
+                <a:latin typeface="Consolas" panose="020B0609020204030204" pitchFamily="49" charset="0"/>
+                <a:cs typeface="Consolas" panose="020B0609020204030204" pitchFamily="49" charset="0"/>
+              </a:rPr>
+              <a:t>)); </a:t>
+            </a:r>
+            <a:endParaRPr lang="en-US" altLang="en-US" sz="2400" b="0" dirty="0">
+              <a:latin typeface="Arial" panose="020B0604020202020204" pitchFamily="34" charset="0"/>
+            </a:endParaRPr>
           </a:p>
           <a:p>
             <a:pPr marL="0" indent="0">
               <a:buNone/>
             </a:pPr>
-            <a:endParaRPr lang="en-US" dirty="0"/>
+            <a:endParaRPr lang="en-US" sz="2400" b="0" dirty="0"/>
+          </a:p>
+        </p:txBody>
+      </p:sp>
+      <p:sp>
+        <p:nvSpPr>
+          <p:cNvPr id="4" name="Rectangle 1"/>
+          <p:cNvSpPr>
+            <a:spLocks noChangeArrowheads="1"/>
+          </p:cNvSpPr>
+          <p:nvPr/>
+        </p:nvSpPr>
+        <p:spPr bwMode="auto">
+          <a:xfrm>
+            <a:off x="0" y="43934"/>
+            <a:ext cx="184731" cy="369332"/>
+          </a:xfrm>
+          <a:prstGeom prst="rect">
+            <a:avLst/>
+          </a:prstGeom>
+          <a:solidFill>
+            <a:srgbClr val="FFFFFF"/>
+          </a:solidFill>
+          <a:ln>
+            <a:noFill/>
+          </a:ln>
+          <a:effectLst/>
+          <a:extLst>
+            <a:ext uri="{91240B29-F687-4F45-9708-019B960494DF}">
+              <a14:hiddenLine xmlns:a14="http://schemas.microsoft.com/office/drawing/2010/main" w="9525">
+                <a:solidFill>
+                  <a:schemeClr val="tx1"/>
+                </a:solidFill>
+                <a:miter lim="800000"/>
+                <a:headEnd/>
+                <a:tailEnd/>
+              </a14:hiddenLine>
+            </a:ext>
+            <a:ext uri="{AF507438-7753-43E0-B8FC-AC1667EBCBE1}">
+              <a14:hiddenEffects xmlns:a14="http://schemas.microsoft.com/office/drawing/2010/main">
+                <a:effectLst>
+                  <a:outerShdw dist="35921" dir="2700000" algn="ctr" rotWithShape="0">
+                    <a:schemeClr val="bg2"/>
+                  </a:outerShdw>
+                </a:effectLst>
+              </a14:hiddenEffects>
+            </a:ext>
+          </a:extLst>
+        </p:spPr>
+        <p:txBody>
+          <a:bodyPr vert="horz" wrap="none" lIns="91440" tIns="45720" rIns="91440" bIns="45720" numCol="1" anchor="ctr" anchorCtr="0" compatLnSpc="1">
+            <a:prstTxWarp prst="textNoShape">
+              <a:avLst/>
+            </a:prstTxWarp>
+            <a:spAutoFit/>
+          </a:bodyPr>
+          <a:lstStyle/>
+          <a:p>
+            <a:pPr marL="0" marR="0" lvl="0" indent="0" algn="l" defTabSz="914400" rtl="0" eaLnBrk="0" fontAlgn="base" latinLnBrk="0" hangingPunct="0">
+              <a:lnSpc>
+                <a:spcPct val="100000"/>
+              </a:lnSpc>
+              <a:spcBef>
+                <a:spcPct val="0"/>
+              </a:spcBef>
+              <a:spcAft>
+                <a:spcPct val="0"/>
+              </a:spcAft>
+              <a:buClrTx/>
+              <a:buSzTx/>
+              <a:buFontTx/>
+              <a:buNone/>
+              <a:tabLst/>
+            </a:pPr>
+            <a:endParaRPr kumimoji="0" lang="en-US" altLang="en-US" sz="1800" b="0" i="0" u="none" strike="noStrike" cap="none" normalizeH="0" baseline="0" dirty="0" smtClean="0">
+              <a:ln>
+                <a:noFill/>
+              </a:ln>
+              <a:solidFill>
+                <a:schemeClr val="tx1"/>
+              </a:solidFill>
+              <a:effectLst/>
+              <a:latin typeface="Arial" panose="020B0604020202020204" pitchFamily="34" charset="0"/>
+            </a:endParaRPr>
           </a:p>
         </p:txBody>
       </p:sp>
     </p:spTree>
     <p:extLst>
       <p:ext uri="{BB962C8B-B14F-4D97-AF65-F5344CB8AC3E}">
-        <p14:creationId xmlns:p14="http://schemas.microsoft.com/office/powerpoint/2010/main" val="1685046158"/>
+        <p14:creationId xmlns:p14="http://schemas.microsoft.com/office/powerpoint/2010/main" val="612772129"/>
       </p:ext>
     </p:extLst>
   </p:cSld>
   <p:clrMapOvr>
     <a:masterClrMapping/>
   </p:clrMapOvr>
+  <p:timing>
+    <p:tnLst>
+      <p:par>
+        <p:cTn id="1" dur="indefinite" restart="never" nodeType="tmRoot"/>
+      </p:par>
+    </p:tnLst>
+  </p:timing>
 </p:sld>
 </file>
 
@@ -9423,7 +9464,7 @@
           <a:p>
             <a:r>
               <a:rPr lang="en-US" dirty="0" smtClean="0"/>
-              <a:t>Require() Module Loading System</a:t>
+              <a:t>Modules and Exports</a:t>
             </a:r>
             <a:endParaRPr lang="en-US" dirty="0"/>
           </a:p>
@@ -9446,74 +9487,21 @@
           <a:p>
             <a:r>
               <a:rPr lang="en-US" dirty="0"/>
-              <a:t>Call the function “require” with the path of the file or directory containing the module you would like to load.</a:t>
+              <a:t>Node.js has a simple module and dependencies loading system. </a:t>
             </a:r>
           </a:p>
           <a:p>
             <a:r>
               <a:rPr lang="en-US" dirty="0"/>
-              <a:t>Returns a variable containing all the exported functions.</a:t>
-            </a:r>
-          </a:p>
-          <a:p>
-            <a:pPr marL="0" lvl="0" indent="0">
-              <a:buNone/>
-            </a:pPr>
-            <a:endParaRPr lang="en-US" altLang="en-US" dirty="0" smtClean="0">
-              <a:solidFill>
-                <a:srgbClr val="0000FF"/>
-              </a:solidFill>
-              <a:latin typeface="Consolas" panose="020B0609020204030204" pitchFamily="49" charset="0"/>
-              <a:cs typeface="Consolas" panose="020B0609020204030204" pitchFamily="49" charset="0"/>
-            </a:endParaRPr>
-          </a:p>
-          <a:p>
-            <a:pPr marL="0" lvl="0" indent="0">
-              <a:buNone/>
-            </a:pPr>
-            <a:r>
-              <a:rPr lang="en-US" altLang="en-US" dirty="0" err="1" smtClean="0">
-                <a:solidFill>
-                  <a:srgbClr val="0000FF"/>
-                </a:solidFill>
-                <a:latin typeface="Consolas" panose="020B0609020204030204" pitchFamily="49" charset="0"/>
-                <a:cs typeface="Consolas" panose="020B0609020204030204" pitchFamily="49" charset="0"/>
-              </a:rPr>
-              <a:t>var</a:t>
-            </a:r>
-            <a:r>
-              <a:rPr lang="en-US" altLang="en-US" dirty="0">
-                <a:solidFill>
-                  <a:srgbClr val="000000"/>
-                </a:solidFill>
-                <a:latin typeface="Consolas" panose="020B0609020204030204" pitchFamily="49" charset="0"/>
-                <a:cs typeface="Consolas" panose="020B0609020204030204" pitchFamily="49" charset="0"/>
-              </a:rPr>
-              <a:t> fs = require(</a:t>
-            </a:r>
-            <a:r>
-              <a:rPr lang="en-US" altLang="en-US" dirty="0">
-                <a:solidFill>
-                  <a:srgbClr val="A31515"/>
-                </a:solidFill>
-                <a:latin typeface="Consolas" panose="020B0609020204030204" pitchFamily="49" charset="0"/>
-                <a:cs typeface="Consolas" panose="020B0609020204030204" pitchFamily="49" charset="0"/>
-              </a:rPr>
-              <a:t>"fs"</a:t>
-            </a:r>
-            <a:r>
-              <a:rPr lang="en-US" altLang="en-US" dirty="0">
-                <a:solidFill>
-                  <a:srgbClr val="000000"/>
-                </a:solidFill>
-                <a:latin typeface="Consolas" panose="020B0609020204030204" pitchFamily="49" charset="0"/>
-                <a:cs typeface="Consolas" panose="020B0609020204030204" pitchFamily="49" charset="0"/>
-              </a:rPr>
-              <a:t>); </a:t>
-            </a:r>
-            <a:endParaRPr lang="en-US" altLang="en-US" sz="6600" dirty="0">
-              <a:latin typeface="Arial" panose="020B0604020202020204" pitchFamily="34" charset="0"/>
-            </a:endParaRPr>
+              <a:t>Unix philosophy -&gt; Node philosophy</a:t>
+            </a:r>
+          </a:p>
+          <a:p>
+            <a:pPr lvl="1"/>
+            <a:r>
+              <a:rPr lang="en-US" dirty="0"/>
+              <a:t>Write programs that do one thing and do it well -&gt; Write modules that do one thing and do it well.</a:t>
+            </a:r>
           </a:p>
           <a:p>
             <a:pPr marL="0" indent="0">
@@ -9526,7 +9514,7 @@
     </p:spTree>
     <p:extLst>
       <p:ext uri="{BB962C8B-B14F-4D97-AF65-F5344CB8AC3E}">
-        <p14:creationId xmlns:p14="http://schemas.microsoft.com/office/powerpoint/2010/main" val="2310303828"/>
+        <p14:creationId xmlns:p14="http://schemas.microsoft.com/office/powerpoint/2010/main" val="1685046158"/>
       </p:ext>
     </p:extLst>
   </p:cSld>
@@ -9555,6 +9543,153 @@
       </p:grpSpPr>
       <p:sp>
         <p:nvSpPr>
+          <p:cNvPr id="2" name="Title 1"/>
+          <p:cNvSpPr>
+            <a:spLocks noGrp="1"/>
+          </p:cNvSpPr>
+          <p:nvPr>
+            <p:ph type="title"/>
+          </p:nvPr>
+        </p:nvSpPr>
+        <p:spPr/>
+        <p:txBody>
+          <a:bodyPr/>
+          <a:lstStyle/>
+          <a:p>
+            <a:r>
+              <a:rPr lang="en-US" dirty="0" smtClean="0"/>
+              <a:t>Require() Module Loading System</a:t>
+            </a:r>
+            <a:endParaRPr lang="en-US" dirty="0"/>
+          </a:p>
+        </p:txBody>
+      </p:sp>
+      <p:sp>
+        <p:nvSpPr>
+          <p:cNvPr id="3" name="Content Placeholder 2"/>
+          <p:cNvSpPr>
+            <a:spLocks noGrp="1"/>
+          </p:cNvSpPr>
+          <p:nvPr>
+            <p:ph sz="quarter" idx="10"/>
+          </p:nvPr>
+        </p:nvSpPr>
+        <p:spPr/>
+        <p:txBody>
+          <a:bodyPr/>
+          <a:lstStyle/>
+          <a:p>
+            <a:r>
+              <a:rPr lang="en-US" dirty="0"/>
+              <a:t>Call the function “require” with the path of the file or directory containing the module you would like to load.</a:t>
+            </a:r>
+          </a:p>
+          <a:p>
+            <a:r>
+              <a:rPr lang="en-US" dirty="0"/>
+              <a:t>Returns a variable containing all the exported functions.</a:t>
+            </a:r>
+          </a:p>
+          <a:p>
+            <a:pPr marL="0" lvl="0" indent="0">
+              <a:buNone/>
+            </a:pPr>
+            <a:endParaRPr lang="en-US" altLang="en-US" dirty="0" smtClean="0">
+              <a:solidFill>
+                <a:srgbClr val="0000FF"/>
+              </a:solidFill>
+              <a:latin typeface="Consolas" panose="020B0609020204030204" pitchFamily="49" charset="0"/>
+              <a:cs typeface="Consolas" panose="020B0609020204030204" pitchFamily="49" charset="0"/>
+            </a:endParaRPr>
+          </a:p>
+          <a:p>
+            <a:pPr marL="0" lvl="0" indent="0">
+              <a:buNone/>
+            </a:pPr>
+            <a:r>
+              <a:rPr lang="en-US" altLang="en-US" dirty="0" err="1" smtClean="0">
+                <a:solidFill>
+                  <a:srgbClr val="0000FF"/>
+                </a:solidFill>
+                <a:latin typeface="Consolas" panose="020B0609020204030204" pitchFamily="49" charset="0"/>
+                <a:cs typeface="Consolas" panose="020B0609020204030204" pitchFamily="49" charset="0"/>
+              </a:rPr>
+              <a:t>var</a:t>
+            </a:r>
+            <a:r>
+              <a:rPr lang="en-US" altLang="en-US" dirty="0">
+                <a:solidFill>
+                  <a:srgbClr val="000000"/>
+                </a:solidFill>
+                <a:latin typeface="Consolas" panose="020B0609020204030204" pitchFamily="49" charset="0"/>
+                <a:cs typeface="Consolas" panose="020B0609020204030204" pitchFamily="49" charset="0"/>
+              </a:rPr>
+              <a:t> fs = require(</a:t>
+            </a:r>
+            <a:r>
+              <a:rPr lang="en-US" altLang="en-US" dirty="0">
+                <a:solidFill>
+                  <a:srgbClr val="A31515"/>
+                </a:solidFill>
+                <a:latin typeface="Consolas" panose="020B0609020204030204" pitchFamily="49" charset="0"/>
+                <a:cs typeface="Consolas" panose="020B0609020204030204" pitchFamily="49" charset="0"/>
+              </a:rPr>
+              <a:t>"fs"</a:t>
+            </a:r>
+            <a:r>
+              <a:rPr lang="en-US" altLang="en-US" dirty="0">
+                <a:solidFill>
+                  <a:srgbClr val="000000"/>
+                </a:solidFill>
+                <a:latin typeface="Consolas" panose="020B0609020204030204" pitchFamily="49" charset="0"/>
+                <a:cs typeface="Consolas" panose="020B0609020204030204" pitchFamily="49" charset="0"/>
+              </a:rPr>
+              <a:t>); </a:t>
+            </a:r>
+            <a:endParaRPr lang="en-US" altLang="en-US" sz="6600" dirty="0">
+              <a:latin typeface="Arial" panose="020B0604020202020204" pitchFamily="34" charset="0"/>
+            </a:endParaRPr>
+          </a:p>
+          <a:p>
+            <a:pPr marL="0" indent="0">
+              <a:buNone/>
+            </a:pPr>
+            <a:endParaRPr lang="en-US" dirty="0"/>
+          </a:p>
+        </p:txBody>
+      </p:sp>
+    </p:spTree>
+    <p:extLst>
+      <p:ext uri="{BB962C8B-B14F-4D97-AF65-F5344CB8AC3E}">
+        <p14:creationId xmlns:p14="http://schemas.microsoft.com/office/powerpoint/2010/main" val="2310303828"/>
+      </p:ext>
+    </p:extLst>
+  </p:cSld>
+  <p:clrMapOvr>
+    <a:masterClrMapping/>
+  </p:clrMapOvr>
+</p:sld>
+</file>
+
+<file path=ppt/slides/slide37.xml><?xml version="1.0" encoding="utf-8"?>
+<p:sld xmlns:a="http://schemas.openxmlformats.org/drawingml/2006/main" xmlns:r="http://schemas.openxmlformats.org/officeDocument/2006/relationships" xmlns:p="http://schemas.openxmlformats.org/presentationml/2006/main">
+  <p:cSld>
+    <p:spTree>
+      <p:nvGrpSpPr>
+        <p:cNvPr id="1" name=""/>
+        <p:cNvGrpSpPr/>
+        <p:nvPr/>
+      </p:nvGrpSpPr>
+      <p:grpSpPr>
+        <a:xfrm>
+          <a:off x="0" y="0"/>
+          <a:ext cx="0" cy="0"/>
+          <a:chOff x="0" y="0"/>
+          <a:chExt cx="0" cy="0"/>
+        </a:xfrm>
+      </p:grpSpPr>
+      <p:sp>
+        <p:nvSpPr>
           <p:cNvPr id="5" name="Text Placeholder 4"/>
           <p:cNvSpPr>
             <a:spLocks noGrp="1"/>
@@ -9646,133 +9781,6 @@
 </p:sld>
 </file>
 
-<file path=ppt/slides/slide37.xml><?xml version="1.0" encoding="utf-8"?>
-<p:sld xmlns:a="http://schemas.openxmlformats.org/drawingml/2006/main" xmlns:r="http://schemas.openxmlformats.org/officeDocument/2006/relationships" xmlns:p="http://schemas.openxmlformats.org/presentationml/2006/main">
-  <p:cSld>
-    <p:spTree>
-      <p:nvGrpSpPr>
-        <p:cNvPr id="1" name=""/>
-        <p:cNvGrpSpPr/>
-        <p:nvPr/>
-      </p:nvGrpSpPr>
-      <p:grpSpPr>
-        <a:xfrm>
-          <a:off x="0" y="0"/>
-          <a:ext cx="0" cy="0"/>
-          <a:chOff x="0" y="0"/>
-          <a:chExt cx="0" cy="0"/>
-        </a:xfrm>
-      </p:grpSpPr>
-      <p:sp>
-        <p:nvSpPr>
-          <p:cNvPr id="2" name="Title 1"/>
-          <p:cNvSpPr>
-            <a:spLocks noGrp="1"/>
-          </p:cNvSpPr>
-          <p:nvPr>
-            <p:ph type="title"/>
-          </p:nvPr>
-        </p:nvSpPr>
-        <p:spPr/>
-        <p:txBody>
-          <a:bodyPr/>
-          <a:lstStyle/>
-          <a:p>
-            <a:r>
-              <a:rPr lang="en-US" dirty="0" smtClean="0"/>
-              <a:t>What is NPM? </a:t>
-            </a:r>
-            <a:endParaRPr lang="en-US" dirty="0"/>
-          </a:p>
-        </p:txBody>
-      </p:sp>
-      <p:sp>
-        <p:nvSpPr>
-          <p:cNvPr id="3" name="Content Placeholder 2"/>
-          <p:cNvSpPr>
-            <a:spLocks noGrp="1"/>
-          </p:cNvSpPr>
-          <p:nvPr>
-            <p:ph sz="quarter" idx="10"/>
-          </p:nvPr>
-        </p:nvSpPr>
-        <p:spPr/>
-        <p:txBody>
-          <a:bodyPr/>
-          <a:lstStyle/>
-          <a:p>
-            <a:r>
-              <a:rPr lang="en-US" dirty="0"/>
-              <a:t>Official package manager for Node.</a:t>
-            </a:r>
-          </a:p>
-          <a:p>
-            <a:r>
-              <a:rPr lang="en-US" dirty="0"/>
-              <a:t>Bundled and installed automatically with the environment.</a:t>
-            </a:r>
-          </a:p>
-          <a:p>
-            <a:pPr marL="0" indent="0">
-              <a:buNone/>
-            </a:pPr>
-            <a:endParaRPr lang="en-US" dirty="0"/>
-          </a:p>
-          <a:p>
-            <a:pPr marL="0" indent="0">
-              <a:buNone/>
-            </a:pPr>
-            <a:r>
-              <a:rPr lang="en-US" dirty="0"/>
-              <a:t>Frequent Usage:</a:t>
-            </a:r>
-          </a:p>
-          <a:p>
-            <a:r>
-              <a:rPr lang="en-US" dirty="0" err="1"/>
-              <a:t>npm</a:t>
-            </a:r>
-            <a:r>
-              <a:rPr lang="en-US" dirty="0"/>
-              <a:t> install --save </a:t>
-            </a:r>
-            <a:r>
-              <a:rPr lang="en-US" i="1" dirty="0" err="1"/>
-              <a:t>package_name</a:t>
-            </a:r>
-            <a:endParaRPr lang="en-US" i="1" dirty="0"/>
-          </a:p>
-          <a:p>
-            <a:r>
-              <a:rPr lang="en-US" dirty="0" err="1"/>
-              <a:t>npm</a:t>
-            </a:r>
-            <a:r>
-              <a:rPr lang="en-US" dirty="0"/>
-              <a:t> update</a:t>
-            </a:r>
-          </a:p>
-          <a:p>
-            <a:pPr marL="0" indent="0">
-              <a:buNone/>
-            </a:pPr>
-            <a:endParaRPr lang="en-US" dirty="0"/>
-          </a:p>
-        </p:txBody>
-      </p:sp>
-    </p:spTree>
-    <p:extLst>
-      <p:ext uri="{BB962C8B-B14F-4D97-AF65-F5344CB8AC3E}">
-        <p14:creationId xmlns:p14="http://schemas.microsoft.com/office/powerpoint/2010/main" val="387868293"/>
-      </p:ext>
-    </p:extLst>
-  </p:cSld>
-  <p:clrMapOvr>
-    <a:masterClrMapping/>
-  </p:clrMapOvr>
-</p:sld>
-</file>
-
 <file path=ppt/slides/slide38.xml><?xml version="1.0" encoding="utf-8"?>
 <p:sld xmlns:a="http://schemas.openxmlformats.org/drawingml/2006/main" xmlns:r="http://schemas.openxmlformats.org/officeDocument/2006/relationships" xmlns:p="http://schemas.openxmlformats.org/presentationml/2006/main">
   <p:cSld>
@@ -9807,15 +9815,7 @@
           <a:p>
             <a:r>
               <a:rPr lang="en-US" dirty="0" smtClean="0"/>
-              <a:t>What is a </a:t>
-            </a:r>
-            <a:r>
-              <a:rPr lang="en-US" dirty="0" err="1" smtClean="0"/>
-              <a:t>package.json</a:t>
-            </a:r>
-            <a:r>
-              <a:rPr lang="en-US" dirty="0" smtClean="0"/>
-              <a:t>?</a:t>
+              <a:t>What is NPM? </a:t>
             </a:r>
             <a:endParaRPr lang="en-US" dirty="0"/>
           </a:p>
@@ -9823,754 +9823,89 @@
       </p:sp>
       <p:sp>
         <p:nvSpPr>
-          <p:cNvPr id="5" name="Rectangle 2"/>
-          <p:cNvSpPr>
-            <a:spLocks noGrp="1" noChangeArrowheads="1"/>
-          </p:cNvSpPr>
-          <p:nvPr>
-            <p:ph idx="4294967295"/>
-          </p:nvPr>
-        </p:nvSpPr>
-        <p:spPr bwMode="auto">
-          <a:xfrm>
-            <a:off x="379514" y="937926"/>
-            <a:ext cx="9677649" cy="5016758"/>
-          </a:xfrm>
-          <a:prstGeom prst="rect">
-            <a:avLst/>
-          </a:prstGeom>
-          <a:solidFill>
-            <a:srgbClr val="FFFFFF"/>
-          </a:solidFill>
-          <a:ln>
-            <a:noFill/>
-          </a:ln>
-          <a:effectLst/>
-          <a:extLst>
-            <a:ext uri="{91240B29-F687-4F45-9708-019B960494DF}">
-              <a14:hiddenLine xmlns:a14="http://schemas.microsoft.com/office/drawing/2010/main" w="9525">
-                <a:solidFill>
-                  <a:schemeClr val="tx1"/>
-                </a:solidFill>
-                <a:miter lim="800000"/>
-                <a:headEnd/>
-                <a:tailEnd/>
-              </a14:hiddenLine>
-            </a:ext>
-            <a:ext uri="{AF507438-7753-43E0-B8FC-AC1667EBCBE1}">
-              <a14:hiddenEffects xmlns:a14="http://schemas.microsoft.com/office/drawing/2010/main">
-                <a:effectLst>
-                  <a:outerShdw dist="35921" dir="2700000" algn="ctr" rotWithShape="0">
-                    <a:schemeClr val="bg2"/>
-                  </a:outerShdw>
-                </a:effectLst>
-              </a14:hiddenEffects>
-            </a:ext>
-          </a:extLst>
-        </p:spPr>
+          <p:cNvPr id="3" name="Content Placeholder 2"/>
+          <p:cNvSpPr>
+            <a:spLocks noGrp="1"/>
+          </p:cNvSpPr>
+          <p:nvPr>
+            <p:ph sz="quarter" idx="10"/>
+          </p:nvPr>
+        </p:nvSpPr>
+        <p:spPr/>
         <p:txBody>
-          <a:bodyPr vert="horz" wrap="none" lIns="91440" tIns="45720" rIns="91440" bIns="45720" numCol="1" anchor="ctr" anchorCtr="0" compatLnSpc="1">
-            <a:prstTxWarp prst="textNoShape">
-              <a:avLst/>
-            </a:prstTxWarp>
-            <a:spAutoFit/>
-          </a:bodyPr>
+          <a:bodyPr/>
           <a:lstStyle/>
           <a:p>
-            <a:pPr marL="0" marR="0" lvl="0" indent="0" algn="l" defTabSz="914400" rtl="0" eaLnBrk="0" fontAlgn="base" latinLnBrk="0" hangingPunct="0">
-              <a:lnSpc>
-                <a:spcPct val="100000"/>
-              </a:lnSpc>
-              <a:spcBef>
-                <a:spcPct val="0"/>
-              </a:spcBef>
-              <a:spcAft>
-                <a:spcPct val="0"/>
-              </a:spcAft>
-              <a:buClrTx/>
-              <a:buSzTx/>
-              <a:buFontTx/>
-              <a:buNone/>
-              <a:tabLst/>
+            <a:r>
+              <a:rPr lang="en-US" dirty="0"/>
+              <a:t>Official package manager for Node.</a:t>
+            </a:r>
+          </a:p>
+          <a:p>
+            <a:r>
+              <a:rPr lang="en-US" dirty="0"/>
+              <a:t>Bundled and installed automatically with the environment</a:t>
+            </a:r>
+            <a:r>
+              <a:rPr lang="en-US" dirty="0" smtClean="0"/>
+              <a:t>.</a:t>
+            </a:r>
+          </a:p>
+          <a:p>
+            <a:endParaRPr lang="en-US" dirty="0"/>
+          </a:p>
+          <a:p>
+            <a:pPr marL="0" indent="0">
+              <a:buNone/>
             </a:pPr>
-            <a:r>
-              <a:rPr kumimoji="0" lang="en-US" altLang="en-US" b="0" i="0" u="none" strike="noStrike" cap="none" normalizeH="0" baseline="0" dirty="0" smtClean="0">
-                <a:ln>
-                  <a:noFill/>
-                </a:ln>
-                <a:solidFill>
-                  <a:srgbClr val="000000"/>
-                </a:solidFill>
-                <a:effectLst/>
-                <a:latin typeface="Consolas" panose="020B0609020204030204" pitchFamily="49" charset="0"/>
-                <a:cs typeface="Consolas" panose="020B0609020204030204" pitchFamily="49" charset="0"/>
-              </a:rPr>
-              <a:t>{</a:t>
-            </a:r>
-          </a:p>
-          <a:p>
-            <a:pPr marL="0" marR="0" lvl="0" indent="0" algn="l" defTabSz="914400" rtl="0" eaLnBrk="0" fontAlgn="base" latinLnBrk="0" hangingPunct="0">
-              <a:lnSpc>
-                <a:spcPct val="100000"/>
-              </a:lnSpc>
-              <a:spcBef>
-                <a:spcPct val="0"/>
-              </a:spcBef>
-              <a:spcAft>
-                <a:spcPct val="0"/>
-              </a:spcAft>
-              <a:buClrTx/>
-              <a:buSzTx/>
-              <a:buFontTx/>
-              <a:buNone/>
-              <a:tabLst/>
+            <a:endParaRPr lang="en-US" dirty="0"/>
+          </a:p>
+          <a:p>
+            <a:pPr marL="0" indent="0">
+              <a:buNone/>
             </a:pPr>
             <a:r>
-              <a:rPr kumimoji="0" lang="en-US" altLang="en-US" b="0" i="0" u="none" strike="noStrike" cap="none" normalizeH="0" baseline="0" dirty="0" smtClean="0">
-                <a:ln>
-                  <a:noFill/>
-                </a:ln>
-                <a:solidFill>
-                  <a:srgbClr val="000000"/>
-                </a:solidFill>
-                <a:effectLst/>
-                <a:latin typeface="Consolas" panose="020B0609020204030204" pitchFamily="49" charset="0"/>
-                <a:cs typeface="Consolas" panose="020B0609020204030204" pitchFamily="49" charset="0"/>
-              </a:rPr>
-              <a:t>   </a:t>
-            </a:r>
-            <a:r>
-              <a:rPr kumimoji="0" lang="en-US" altLang="en-US" b="0" i="0" u="none" strike="noStrike" cap="none" normalizeH="0" baseline="0" dirty="0" smtClean="0">
-                <a:ln>
-                  <a:noFill/>
-                </a:ln>
-                <a:solidFill>
-                  <a:srgbClr val="2E75B6"/>
-                </a:solidFill>
-                <a:effectLst/>
-                <a:latin typeface="Consolas" panose="020B0609020204030204" pitchFamily="49" charset="0"/>
-                <a:cs typeface="Consolas" panose="020B0609020204030204" pitchFamily="49" charset="0"/>
-              </a:rPr>
-              <a:t>"name"</a:t>
-            </a:r>
-            <a:r>
-              <a:rPr kumimoji="0" lang="en-US" altLang="en-US" b="0" i="0" u="none" strike="noStrike" cap="none" normalizeH="0" baseline="0" dirty="0" smtClean="0">
-                <a:ln>
-                  <a:noFill/>
-                </a:ln>
-                <a:solidFill>
-                  <a:srgbClr val="000000"/>
-                </a:solidFill>
-                <a:effectLst/>
-                <a:latin typeface="Consolas" panose="020B0609020204030204" pitchFamily="49" charset="0"/>
-                <a:cs typeface="Consolas" panose="020B0609020204030204" pitchFamily="49" charset="0"/>
-              </a:rPr>
-              <a:t>: </a:t>
-            </a:r>
-            <a:r>
-              <a:rPr kumimoji="0" lang="en-US" altLang="en-US" b="0" i="0" u="none" strike="noStrike" cap="none" normalizeH="0" baseline="0" dirty="0" smtClean="0">
-                <a:ln>
-                  <a:noFill/>
-                </a:ln>
-                <a:solidFill>
-                  <a:srgbClr val="A31515"/>
-                </a:solidFill>
-                <a:effectLst/>
-                <a:latin typeface="Consolas" panose="020B0609020204030204" pitchFamily="49" charset="0"/>
-                <a:cs typeface="Consolas" panose="020B0609020204030204" pitchFamily="49" charset="0"/>
-              </a:rPr>
-              <a:t>"Node101"</a:t>
-            </a:r>
-            <a:r>
-              <a:rPr kumimoji="0" lang="en-US" altLang="en-US" b="0" i="0" u="none" strike="noStrike" cap="none" normalizeH="0" baseline="0" dirty="0" smtClean="0">
-                <a:ln>
-                  <a:noFill/>
-                </a:ln>
-                <a:solidFill>
-                  <a:srgbClr val="000000"/>
-                </a:solidFill>
-                <a:effectLst/>
-                <a:latin typeface="Consolas" panose="020B0609020204030204" pitchFamily="49" charset="0"/>
-                <a:cs typeface="Consolas" panose="020B0609020204030204" pitchFamily="49" charset="0"/>
-              </a:rPr>
-              <a:t>,</a:t>
-            </a:r>
-          </a:p>
-          <a:p>
-            <a:pPr marL="0" marR="0" lvl="0" indent="0" algn="l" defTabSz="914400" rtl="0" eaLnBrk="0" fontAlgn="base" latinLnBrk="0" hangingPunct="0">
-              <a:lnSpc>
-                <a:spcPct val="100000"/>
-              </a:lnSpc>
-              <a:spcBef>
-                <a:spcPct val="0"/>
-              </a:spcBef>
-              <a:spcAft>
-                <a:spcPct val="0"/>
-              </a:spcAft>
-              <a:buClrTx/>
-              <a:buSzTx/>
-              <a:buFontTx/>
-              <a:buNone/>
-              <a:tabLst/>
+              <a:rPr lang="en-US" dirty="0"/>
+              <a:t>Frequent Usage:</a:t>
+            </a:r>
+          </a:p>
+          <a:p>
+            <a:r>
+              <a:rPr lang="en-US" dirty="0" err="1"/>
+              <a:t>npm</a:t>
+            </a:r>
+            <a:r>
+              <a:rPr lang="en-US" dirty="0"/>
+              <a:t> install --save </a:t>
+            </a:r>
+            <a:r>
+              <a:rPr lang="en-US" i="1" dirty="0" err="1"/>
+              <a:t>package_name</a:t>
+            </a:r>
+            <a:endParaRPr lang="en-US" i="1" dirty="0"/>
+          </a:p>
+          <a:p>
+            <a:r>
+              <a:rPr lang="en-US" dirty="0" err="1"/>
+              <a:t>npm</a:t>
+            </a:r>
+            <a:r>
+              <a:rPr lang="en-US" dirty="0"/>
+              <a:t> update</a:t>
+            </a:r>
+          </a:p>
+          <a:p>
+            <a:pPr marL="0" indent="0">
+              <a:buNone/>
             </a:pPr>
-            <a:r>
-              <a:rPr kumimoji="0" lang="en-US" altLang="en-US" b="0" i="0" u="none" strike="noStrike" cap="none" normalizeH="0" baseline="0" dirty="0" smtClean="0">
-                <a:ln>
-                  <a:noFill/>
-                </a:ln>
-                <a:solidFill>
-                  <a:srgbClr val="000000"/>
-                </a:solidFill>
-                <a:effectLst/>
-                <a:latin typeface="Consolas" panose="020B0609020204030204" pitchFamily="49" charset="0"/>
-                <a:cs typeface="Consolas" panose="020B0609020204030204" pitchFamily="49" charset="0"/>
-              </a:rPr>
-              <a:t>   </a:t>
-            </a:r>
-            <a:r>
-              <a:rPr kumimoji="0" lang="en-US" altLang="en-US" b="0" i="0" u="none" strike="noStrike" cap="none" normalizeH="0" baseline="0" dirty="0" smtClean="0">
-                <a:ln>
-                  <a:noFill/>
-                </a:ln>
-                <a:solidFill>
-                  <a:srgbClr val="2E75B6"/>
-                </a:solidFill>
-                <a:effectLst/>
-                <a:latin typeface="Consolas" panose="020B0609020204030204" pitchFamily="49" charset="0"/>
-                <a:cs typeface="Consolas" panose="020B0609020204030204" pitchFamily="49" charset="0"/>
-              </a:rPr>
-              <a:t>"version"</a:t>
-            </a:r>
-            <a:r>
-              <a:rPr kumimoji="0" lang="en-US" altLang="en-US" b="0" i="0" u="none" strike="noStrike" cap="none" normalizeH="0" baseline="0" dirty="0" smtClean="0">
-                <a:ln>
-                  <a:noFill/>
-                </a:ln>
-                <a:solidFill>
-                  <a:srgbClr val="000000"/>
-                </a:solidFill>
-                <a:effectLst/>
-                <a:latin typeface="Consolas" panose="020B0609020204030204" pitchFamily="49" charset="0"/>
-                <a:cs typeface="Consolas" panose="020B0609020204030204" pitchFamily="49" charset="0"/>
-              </a:rPr>
-              <a:t>: </a:t>
-            </a:r>
-            <a:r>
-              <a:rPr kumimoji="0" lang="en-US" altLang="en-US" b="0" i="0" u="none" strike="noStrike" cap="none" normalizeH="0" baseline="0" dirty="0" smtClean="0">
-                <a:ln>
-                  <a:noFill/>
-                </a:ln>
-                <a:solidFill>
-                  <a:srgbClr val="A31515"/>
-                </a:solidFill>
-                <a:effectLst/>
-                <a:latin typeface="Consolas" panose="020B0609020204030204" pitchFamily="49" charset="0"/>
-                <a:cs typeface="Consolas" panose="020B0609020204030204" pitchFamily="49" charset="0"/>
-              </a:rPr>
-              <a:t>"0.1.0"</a:t>
-            </a:r>
-            <a:r>
-              <a:rPr kumimoji="0" lang="en-US" altLang="en-US" b="0" i="0" u="none" strike="noStrike" cap="none" normalizeH="0" baseline="0" dirty="0" smtClean="0">
-                <a:ln>
-                  <a:noFill/>
-                </a:ln>
-                <a:solidFill>
-                  <a:srgbClr val="000000"/>
-                </a:solidFill>
-                <a:effectLst/>
-                <a:latin typeface="Consolas" panose="020B0609020204030204" pitchFamily="49" charset="0"/>
-                <a:cs typeface="Consolas" panose="020B0609020204030204" pitchFamily="49" charset="0"/>
-              </a:rPr>
-              <a:t>,</a:t>
-            </a:r>
-          </a:p>
-          <a:p>
-            <a:pPr marL="0" lvl="0" indent="0" eaLnBrk="0" fontAlgn="base" hangingPunct="0">
-              <a:lnSpc>
-                <a:spcPct val="100000"/>
-              </a:lnSpc>
-              <a:spcBef>
-                <a:spcPct val="0"/>
-              </a:spcBef>
-              <a:spcAft>
-                <a:spcPct val="0"/>
-              </a:spcAft>
-              <a:buNone/>
-            </a:pPr>
-            <a:r>
-              <a:rPr kumimoji="0" lang="en-US" altLang="en-US" b="0" i="0" u="none" strike="noStrike" cap="none" normalizeH="0" baseline="0" dirty="0" smtClean="0">
-                <a:ln>
-                  <a:noFill/>
-                </a:ln>
-                <a:solidFill>
-                  <a:srgbClr val="000000"/>
-                </a:solidFill>
-                <a:effectLst/>
-                <a:latin typeface="Consolas" panose="020B0609020204030204" pitchFamily="49" charset="0"/>
-                <a:cs typeface="Consolas" panose="020B0609020204030204" pitchFamily="49" charset="0"/>
-              </a:rPr>
-              <a:t>   </a:t>
-            </a:r>
-            <a:r>
-              <a:rPr kumimoji="0" lang="en-US" altLang="en-US" b="0" i="0" u="none" strike="noStrike" cap="none" normalizeH="0" baseline="0" dirty="0" smtClean="0">
-                <a:ln>
-                  <a:noFill/>
-                </a:ln>
-                <a:solidFill>
-                  <a:srgbClr val="2E75B6"/>
-                </a:solidFill>
-                <a:effectLst/>
-                <a:latin typeface="Consolas" panose="020B0609020204030204" pitchFamily="49" charset="0"/>
-                <a:cs typeface="Consolas" panose="020B0609020204030204" pitchFamily="49" charset="0"/>
-              </a:rPr>
-              <a:t>"description"</a:t>
-            </a:r>
-            <a:r>
-              <a:rPr kumimoji="0" lang="en-US" altLang="en-US" b="0" i="0" u="none" strike="noStrike" cap="none" normalizeH="0" baseline="0" dirty="0" smtClean="0">
-                <a:ln>
-                  <a:noFill/>
-                </a:ln>
-                <a:solidFill>
-                  <a:srgbClr val="000000"/>
-                </a:solidFill>
-                <a:effectLst/>
-                <a:latin typeface="Consolas" panose="020B0609020204030204" pitchFamily="49" charset="0"/>
-                <a:cs typeface="Consolas" panose="020B0609020204030204" pitchFamily="49" charset="0"/>
-              </a:rPr>
-              <a:t>: </a:t>
-            </a:r>
-            <a:r>
-              <a:rPr lang="en-US" altLang="en-US" dirty="0" smtClean="0">
-                <a:solidFill>
-                  <a:srgbClr val="A31515"/>
-                </a:solidFill>
-                <a:latin typeface="Consolas" panose="020B0609020204030204" pitchFamily="49" charset="0"/>
-                <a:cs typeface="Consolas" panose="020B0609020204030204" pitchFamily="49" charset="0"/>
-              </a:rPr>
-              <a:t>“MVA Presentation Code</a:t>
-            </a:r>
-            <a:r>
-              <a:rPr kumimoji="0" lang="en-US" altLang="en-US" b="0" i="0" u="none" strike="noStrike" cap="none" normalizeH="0" baseline="0" dirty="0" smtClean="0">
-                <a:ln>
-                  <a:noFill/>
-                </a:ln>
-                <a:solidFill>
-                  <a:srgbClr val="A31515"/>
-                </a:solidFill>
-                <a:effectLst/>
-                <a:latin typeface="Consolas" panose="020B0609020204030204" pitchFamily="49" charset="0"/>
-                <a:cs typeface="Consolas" panose="020B0609020204030204" pitchFamily="49" charset="0"/>
-              </a:rPr>
-              <a:t>"</a:t>
-            </a:r>
-            <a:r>
-              <a:rPr kumimoji="0" lang="en-US" altLang="en-US" b="0" i="0" u="none" strike="noStrike" cap="none" normalizeH="0" baseline="0" dirty="0" smtClean="0">
-                <a:ln>
-                  <a:noFill/>
-                </a:ln>
-                <a:solidFill>
-                  <a:srgbClr val="000000"/>
-                </a:solidFill>
-                <a:effectLst/>
-                <a:latin typeface="Consolas" panose="020B0609020204030204" pitchFamily="49" charset="0"/>
-                <a:cs typeface="Consolas" panose="020B0609020204030204" pitchFamily="49" charset="0"/>
-              </a:rPr>
-              <a:t>,</a:t>
-            </a:r>
-          </a:p>
-          <a:p>
-            <a:pPr marL="0" marR="0" lvl="0" indent="0" algn="l" defTabSz="914400" rtl="0" eaLnBrk="0" fontAlgn="base" latinLnBrk="0" hangingPunct="0">
-              <a:lnSpc>
-                <a:spcPct val="100000"/>
-              </a:lnSpc>
-              <a:spcBef>
-                <a:spcPct val="0"/>
-              </a:spcBef>
-              <a:spcAft>
-                <a:spcPct val="0"/>
-              </a:spcAft>
-              <a:buClrTx/>
-              <a:buSzTx/>
-              <a:buFontTx/>
-              <a:buNone/>
-              <a:tabLst/>
-            </a:pPr>
-            <a:r>
-              <a:rPr kumimoji="0" lang="en-US" altLang="en-US" b="0" i="0" u="none" strike="noStrike" cap="none" normalizeH="0" baseline="0" dirty="0" smtClean="0">
-                <a:ln>
-                  <a:noFill/>
-                </a:ln>
-                <a:solidFill>
-                  <a:srgbClr val="000000"/>
-                </a:solidFill>
-                <a:effectLst/>
-                <a:latin typeface="Consolas" panose="020B0609020204030204" pitchFamily="49" charset="0"/>
-                <a:cs typeface="Consolas" panose="020B0609020204030204" pitchFamily="49" charset="0"/>
-              </a:rPr>
-              <a:t>   </a:t>
-            </a:r>
-            <a:r>
-              <a:rPr kumimoji="0" lang="en-US" altLang="en-US" b="0" i="0" u="none" strike="noStrike" cap="none" normalizeH="0" baseline="0" dirty="0" smtClean="0">
-                <a:ln>
-                  <a:noFill/>
-                </a:ln>
-                <a:solidFill>
-                  <a:srgbClr val="2E75B6"/>
-                </a:solidFill>
-                <a:effectLst/>
-                <a:latin typeface="Consolas" panose="020B0609020204030204" pitchFamily="49" charset="0"/>
-                <a:cs typeface="Consolas" panose="020B0609020204030204" pitchFamily="49" charset="0"/>
-              </a:rPr>
-              <a:t>"main"</a:t>
-            </a:r>
-            <a:r>
-              <a:rPr kumimoji="0" lang="en-US" altLang="en-US" b="0" i="0" u="none" strike="noStrike" cap="none" normalizeH="0" baseline="0" dirty="0" smtClean="0">
-                <a:ln>
-                  <a:noFill/>
-                </a:ln>
-                <a:solidFill>
-                  <a:srgbClr val="000000"/>
-                </a:solidFill>
-                <a:effectLst/>
-                <a:latin typeface="Consolas" panose="020B0609020204030204" pitchFamily="49" charset="0"/>
-                <a:cs typeface="Consolas" panose="020B0609020204030204" pitchFamily="49" charset="0"/>
-              </a:rPr>
-              <a:t>: </a:t>
-            </a:r>
-            <a:r>
-              <a:rPr kumimoji="0" lang="en-US" altLang="en-US" b="0" i="0" u="none" strike="noStrike" cap="none" normalizeH="0" baseline="0" dirty="0" smtClean="0">
-                <a:ln>
-                  <a:noFill/>
-                </a:ln>
-                <a:solidFill>
-                  <a:srgbClr val="A31515"/>
-                </a:solidFill>
-                <a:effectLst/>
-                <a:latin typeface="Consolas" panose="020B0609020204030204" pitchFamily="49" charset="0"/>
-                <a:cs typeface="Consolas" panose="020B0609020204030204" pitchFamily="49" charset="0"/>
-              </a:rPr>
-              <a:t>"1_hello_world.js"</a:t>
-            </a:r>
-            <a:r>
-              <a:rPr kumimoji="0" lang="en-US" altLang="en-US" b="0" i="0" u="none" strike="noStrike" cap="none" normalizeH="0" baseline="0" dirty="0" smtClean="0">
-                <a:ln>
-                  <a:noFill/>
-                </a:ln>
-                <a:solidFill>
-                  <a:srgbClr val="000000"/>
-                </a:solidFill>
-                <a:effectLst/>
-                <a:latin typeface="Consolas" panose="020B0609020204030204" pitchFamily="49" charset="0"/>
-                <a:cs typeface="Consolas" panose="020B0609020204030204" pitchFamily="49" charset="0"/>
-              </a:rPr>
-              <a:t>,</a:t>
-            </a:r>
-          </a:p>
-          <a:p>
-            <a:pPr marL="0" marR="0" lvl="0" indent="0" algn="l" defTabSz="914400" rtl="0" eaLnBrk="0" fontAlgn="base" latinLnBrk="0" hangingPunct="0">
-              <a:lnSpc>
-                <a:spcPct val="100000"/>
-              </a:lnSpc>
-              <a:spcBef>
-                <a:spcPct val="0"/>
-              </a:spcBef>
-              <a:spcAft>
-                <a:spcPct val="0"/>
-              </a:spcAft>
-              <a:buClrTx/>
-              <a:buSzTx/>
-              <a:buFontTx/>
-              <a:buNone/>
-              <a:tabLst/>
-            </a:pPr>
-            <a:r>
-              <a:rPr kumimoji="0" lang="en-US" altLang="en-US" b="0" i="0" u="none" strike="noStrike" cap="none" normalizeH="0" baseline="0" dirty="0" smtClean="0">
-                <a:ln>
-                  <a:noFill/>
-                </a:ln>
-                <a:solidFill>
-                  <a:srgbClr val="000000"/>
-                </a:solidFill>
-                <a:effectLst/>
-                <a:latin typeface="Consolas" panose="020B0609020204030204" pitchFamily="49" charset="0"/>
-                <a:cs typeface="Consolas" panose="020B0609020204030204" pitchFamily="49" charset="0"/>
-              </a:rPr>
-              <a:t>   </a:t>
-            </a:r>
-            <a:r>
-              <a:rPr kumimoji="0" lang="en-US" altLang="en-US" b="0" i="0" u="none" strike="noStrike" cap="none" normalizeH="0" baseline="0" dirty="0" smtClean="0">
-                <a:ln>
-                  <a:noFill/>
-                </a:ln>
-                <a:solidFill>
-                  <a:srgbClr val="2E75B6"/>
-                </a:solidFill>
-                <a:effectLst/>
-                <a:latin typeface="Consolas" panose="020B0609020204030204" pitchFamily="49" charset="0"/>
-                <a:cs typeface="Consolas" panose="020B0609020204030204" pitchFamily="49" charset="0"/>
-              </a:rPr>
-              <a:t>"author"</a:t>
-            </a:r>
-            <a:r>
-              <a:rPr kumimoji="0" lang="en-US" altLang="en-US" b="0" i="0" u="none" strike="noStrike" cap="none" normalizeH="0" baseline="0" dirty="0" smtClean="0">
-                <a:ln>
-                  <a:noFill/>
-                </a:ln>
-                <a:solidFill>
-                  <a:srgbClr val="000000"/>
-                </a:solidFill>
-                <a:effectLst/>
-                <a:latin typeface="Consolas" panose="020B0609020204030204" pitchFamily="49" charset="0"/>
-                <a:cs typeface="Consolas" panose="020B0609020204030204" pitchFamily="49" charset="0"/>
-              </a:rPr>
-              <a:t>: {</a:t>
-            </a:r>
-          </a:p>
-          <a:p>
-            <a:pPr marL="0" marR="0" lvl="0" indent="0" algn="l" defTabSz="914400" rtl="0" eaLnBrk="0" fontAlgn="base" latinLnBrk="0" hangingPunct="0">
-              <a:lnSpc>
-                <a:spcPct val="100000"/>
-              </a:lnSpc>
-              <a:spcBef>
-                <a:spcPct val="0"/>
-              </a:spcBef>
-              <a:spcAft>
-                <a:spcPct val="0"/>
-              </a:spcAft>
-              <a:buClrTx/>
-              <a:buSzTx/>
-              <a:buFontTx/>
-              <a:buNone/>
-              <a:tabLst/>
-            </a:pPr>
-            <a:r>
-              <a:rPr kumimoji="0" lang="en-US" altLang="en-US" b="0" i="0" u="none" strike="noStrike" cap="none" normalizeH="0" baseline="0" dirty="0" smtClean="0">
-                <a:ln>
-                  <a:noFill/>
-                </a:ln>
-                <a:solidFill>
-                  <a:srgbClr val="000000"/>
-                </a:solidFill>
-                <a:effectLst/>
-                <a:latin typeface="Consolas" panose="020B0609020204030204" pitchFamily="49" charset="0"/>
-                <a:cs typeface="Consolas" panose="020B0609020204030204" pitchFamily="49" charset="0"/>
-              </a:rPr>
-              <a:t>     </a:t>
-            </a:r>
-            <a:r>
-              <a:rPr kumimoji="0" lang="en-US" altLang="en-US" b="0" i="0" u="none" strike="noStrike" cap="none" normalizeH="0" baseline="0" dirty="0" smtClean="0">
-                <a:ln>
-                  <a:noFill/>
-                </a:ln>
-                <a:solidFill>
-                  <a:srgbClr val="2E75B6"/>
-                </a:solidFill>
-                <a:effectLst/>
-                <a:latin typeface="Consolas" panose="020B0609020204030204" pitchFamily="49" charset="0"/>
-                <a:cs typeface="Consolas" panose="020B0609020204030204" pitchFamily="49" charset="0"/>
-              </a:rPr>
-              <a:t>"name"</a:t>
-            </a:r>
-            <a:r>
-              <a:rPr kumimoji="0" lang="en-US" altLang="en-US" b="0" i="0" u="none" strike="noStrike" cap="none" normalizeH="0" baseline="0" dirty="0" smtClean="0">
-                <a:ln>
-                  <a:noFill/>
-                </a:ln>
-                <a:solidFill>
-                  <a:srgbClr val="000000"/>
-                </a:solidFill>
-                <a:effectLst/>
-                <a:latin typeface="Consolas" panose="020B0609020204030204" pitchFamily="49" charset="0"/>
-                <a:cs typeface="Consolas" panose="020B0609020204030204" pitchFamily="49" charset="0"/>
-              </a:rPr>
-              <a:t>: </a:t>
-            </a:r>
-            <a:r>
-              <a:rPr kumimoji="0" lang="en-US" altLang="en-US" b="0" i="0" u="none" strike="noStrike" cap="none" normalizeH="0" baseline="0" dirty="0" smtClean="0">
-                <a:ln>
-                  <a:noFill/>
-                </a:ln>
-                <a:solidFill>
-                  <a:srgbClr val="A31515"/>
-                </a:solidFill>
-                <a:effectLst/>
-                <a:latin typeface="Consolas" panose="020B0609020204030204" pitchFamily="49" charset="0"/>
-                <a:cs typeface="Consolas" panose="020B0609020204030204" pitchFamily="49" charset="0"/>
-              </a:rPr>
-              <a:t>"Rami Sayar"</a:t>
-            </a:r>
-            <a:r>
-              <a:rPr kumimoji="0" lang="en-US" altLang="en-US" b="0" i="0" u="none" strike="noStrike" cap="none" normalizeH="0" baseline="0" dirty="0" smtClean="0">
-                <a:ln>
-                  <a:noFill/>
-                </a:ln>
-                <a:solidFill>
-                  <a:srgbClr val="000000"/>
-                </a:solidFill>
-                <a:effectLst/>
-                <a:latin typeface="Consolas" panose="020B0609020204030204" pitchFamily="49" charset="0"/>
-                <a:cs typeface="Consolas" panose="020B0609020204030204" pitchFamily="49" charset="0"/>
-              </a:rPr>
-              <a:t>,</a:t>
-            </a:r>
-          </a:p>
-          <a:p>
-            <a:pPr marL="0" lvl="0" indent="0" eaLnBrk="0" fontAlgn="base" hangingPunct="0">
-              <a:lnSpc>
-                <a:spcPct val="100000"/>
-              </a:lnSpc>
-              <a:spcBef>
-                <a:spcPct val="0"/>
-              </a:spcBef>
-              <a:spcAft>
-                <a:spcPct val="0"/>
-              </a:spcAft>
-              <a:buNone/>
-            </a:pPr>
-            <a:r>
-              <a:rPr kumimoji="0" lang="en-US" altLang="en-US" b="0" i="0" u="none" strike="noStrike" cap="none" normalizeH="0" baseline="0" dirty="0" smtClean="0">
-                <a:ln>
-                  <a:noFill/>
-                </a:ln>
-                <a:solidFill>
-                  <a:srgbClr val="000000"/>
-                </a:solidFill>
-                <a:effectLst/>
-                <a:latin typeface="Consolas" panose="020B0609020204030204" pitchFamily="49" charset="0"/>
-                <a:cs typeface="Consolas" panose="020B0609020204030204" pitchFamily="49" charset="0"/>
-              </a:rPr>
-              <a:t>     </a:t>
-            </a:r>
-            <a:r>
-              <a:rPr kumimoji="0" lang="en-US" altLang="en-US" b="0" i="0" u="none" strike="noStrike" cap="none" normalizeH="0" baseline="0" dirty="0" smtClean="0">
-                <a:ln>
-                  <a:noFill/>
-                </a:ln>
-                <a:solidFill>
-                  <a:srgbClr val="2E75B6"/>
-                </a:solidFill>
-                <a:effectLst/>
-                <a:latin typeface="Consolas" panose="020B0609020204030204" pitchFamily="49" charset="0"/>
-                <a:cs typeface="Consolas" panose="020B0609020204030204" pitchFamily="49" charset="0"/>
-              </a:rPr>
-              <a:t>"email"</a:t>
-            </a:r>
-            <a:r>
-              <a:rPr kumimoji="0" lang="en-US" altLang="en-US" b="0" i="0" u="none" strike="noStrike" cap="none" normalizeH="0" baseline="0" dirty="0" smtClean="0">
-                <a:ln>
-                  <a:noFill/>
-                </a:ln>
-                <a:solidFill>
-                  <a:srgbClr val="000000"/>
-                </a:solidFill>
-                <a:effectLst/>
-                <a:latin typeface="Consolas" panose="020B0609020204030204" pitchFamily="49" charset="0"/>
-                <a:cs typeface="Consolas" panose="020B0609020204030204" pitchFamily="49" charset="0"/>
-              </a:rPr>
-              <a:t>: </a:t>
-            </a:r>
-            <a:r>
-              <a:rPr lang="en-US" altLang="en-US" dirty="0" smtClean="0">
-                <a:solidFill>
-                  <a:srgbClr val="A31515"/>
-                </a:solidFill>
-                <a:latin typeface="Consolas" panose="020B0609020204030204" pitchFamily="49" charset="0"/>
-                <a:cs typeface="Consolas" panose="020B0609020204030204" pitchFamily="49" charset="0"/>
-              </a:rPr>
-              <a:t>""</a:t>
-            </a:r>
-            <a:endParaRPr kumimoji="0" lang="en-US" altLang="en-US" b="0" i="0" u="none" strike="noStrike" cap="none" normalizeH="0" baseline="0" dirty="0" smtClean="0">
-              <a:ln>
-                <a:noFill/>
-              </a:ln>
-              <a:solidFill>
-                <a:srgbClr val="A31515"/>
-              </a:solidFill>
-              <a:effectLst/>
-              <a:latin typeface="Consolas" panose="020B0609020204030204" pitchFamily="49" charset="0"/>
-              <a:cs typeface="Consolas" panose="020B0609020204030204" pitchFamily="49" charset="0"/>
-            </a:endParaRPr>
-          </a:p>
-          <a:p>
-            <a:pPr marL="0" marR="0" lvl="0" indent="0" algn="l" defTabSz="914400" rtl="0" eaLnBrk="0" fontAlgn="base" latinLnBrk="0" hangingPunct="0">
-              <a:lnSpc>
-                <a:spcPct val="100000"/>
-              </a:lnSpc>
-              <a:spcBef>
-                <a:spcPct val="0"/>
-              </a:spcBef>
-              <a:spcAft>
-                <a:spcPct val="0"/>
-              </a:spcAft>
-              <a:buClrTx/>
-              <a:buSzTx/>
-              <a:buFontTx/>
-              <a:buNone/>
-              <a:tabLst/>
-            </a:pPr>
-            <a:r>
-              <a:rPr kumimoji="0" lang="en-US" altLang="en-US" b="0" i="0" u="none" strike="noStrike" cap="none" normalizeH="0" baseline="0" dirty="0" smtClean="0">
-                <a:ln>
-                  <a:noFill/>
-                </a:ln>
-                <a:solidFill>
-                  <a:srgbClr val="000000"/>
-                </a:solidFill>
-                <a:effectLst/>
-                <a:latin typeface="Consolas" panose="020B0609020204030204" pitchFamily="49" charset="0"/>
-                <a:cs typeface="Consolas" panose="020B0609020204030204" pitchFamily="49" charset="0"/>
-              </a:rPr>
-              <a:t>   }</a:t>
-            </a:r>
-          </a:p>
-          <a:p>
-            <a:pPr marL="0" marR="0" lvl="0" indent="0" algn="l" defTabSz="914400" rtl="0" eaLnBrk="0" fontAlgn="base" latinLnBrk="0" hangingPunct="0">
-              <a:lnSpc>
-                <a:spcPct val="100000"/>
-              </a:lnSpc>
-              <a:spcBef>
-                <a:spcPct val="0"/>
-              </a:spcBef>
-              <a:spcAft>
-                <a:spcPct val="0"/>
-              </a:spcAft>
-              <a:buClrTx/>
-              <a:buSzTx/>
-              <a:buFontTx/>
-              <a:buNone/>
-              <a:tabLst/>
-            </a:pPr>
-            <a:r>
-              <a:rPr kumimoji="0" lang="en-US" altLang="en-US" b="0" i="0" u="none" strike="noStrike" cap="none" normalizeH="0" baseline="0" dirty="0" smtClean="0">
-                <a:ln>
-                  <a:noFill/>
-                </a:ln>
-                <a:solidFill>
-                  <a:srgbClr val="000000"/>
-                </a:solidFill>
-                <a:effectLst/>
-                <a:latin typeface="Consolas" panose="020B0609020204030204" pitchFamily="49" charset="0"/>
-                <a:cs typeface="Consolas" panose="020B0609020204030204" pitchFamily="49" charset="0"/>
-              </a:rPr>
-              <a:t>} </a:t>
-            </a:r>
-            <a:endParaRPr kumimoji="0" lang="en-US" altLang="en-US" sz="6000" b="0" i="0" u="none" strike="noStrike" cap="none" normalizeH="0" baseline="0" dirty="0" smtClean="0">
-              <a:ln>
-                <a:noFill/>
-              </a:ln>
-              <a:solidFill>
-                <a:schemeClr val="tx1"/>
-              </a:solidFill>
-              <a:effectLst/>
-              <a:latin typeface="Arial" panose="020B0604020202020204" pitchFamily="34" charset="0"/>
-            </a:endParaRPr>
+            <a:endParaRPr lang="en-US" dirty="0"/>
           </a:p>
         </p:txBody>
       </p:sp>
     </p:spTree>
     <p:extLst>
       <p:ext uri="{BB962C8B-B14F-4D97-AF65-F5344CB8AC3E}">
-        <p14:creationId xmlns:p14="http://schemas.microsoft.com/office/powerpoint/2010/main" val="770490445"/>
+        <p14:creationId xmlns:p14="http://schemas.microsoft.com/office/powerpoint/2010/main" val="387868293"/>
       </p:ext>
     </p:extLst>
   </p:cSld>
@@ -10614,7 +9949,7 @@
           <a:p>
             <a:r>
               <a:rPr lang="en-US" dirty="0" smtClean="0"/>
-              <a:t>Popular NPM Modules</a:t>
+              <a:t>How does it work? </a:t>
             </a:r>
             <a:endParaRPr lang="en-US" dirty="0"/>
           </a:p>
@@ -10635,117 +9970,78 @@
           <a:bodyPr/>
           <a:lstStyle/>
           <a:p>
-            <a:pPr marL="0" indent="0">
-              <a:buNone/>
-            </a:pPr>
-            <a:r>
-              <a:rPr lang="en-US" sz="2800" b="1" dirty="0"/>
-              <a:t>Most Depended Upon</a:t>
-            </a:r>
-          </a:p>
-          <a:p>
-            <a:r>
-              <a:rPr lang="en-US" sz="2800" dirty="0"/>
-              <a:t>7053 </a:t>
-            </a:r>
-            <a:r>
-              <a:rPr lang="en-US" sz="2800" dirty="0">
-                <a:hlinkClick r:id="rId2"/>
-              </a:rPr>
-              <a:t>underscore</a:t>
-            </a:r>
-            <a:endParaRPr lang="en-US" sz="2800" dirty="0"/>
-          </a:p>
-          <a:p>
-            <a:r>
-              <a:rPr lang="en-US" sz="2800" dirty="0"/>
-              <a:t>6458 </a:t>
-            </a:r>
-            <a:r>
-              <a:rPr lang="en-US" sz="2800" dirty="0" err="1">
-                <a:hlinkClick r:id="rId3"/>
-              </a:rPr>
-              <a:t>async</a:t>
-            </a:r>
-            <a:endParaRPr lang="en-US" sz="2800" dirty="0"/>
-          </a:p>
-          <a:p>
-            <a:r>
-              <a:rPr lang="en-US" sz="2800" dirty="0"/>
-              <a:t>5591 </a:t>
-            </a:r>
-            <a:r>
-              <a:rPr lang="en-US" sz="2800" dirty="0">
-                <a:hlinkClick r:id="rId4"/>
-              </a:rPr>
-              <a:t>request</a:t>
-            </a:r>
-            <a:endParaRPr lang="en-US" sz="2800" dirty="0"/>
-          </a:p>
-          <a:p>
-            <a:r>
-              <a:rPr lang="en-US" sz="2800" dirty="0"/>
-              <a:t>4931 </a:t>
-            </a:r>
-            <a:r>
-              <a:rPr lang="en-US" sz="2800" dirty="0" err="1">
-                <a:hlinkClick r:id="rId5"/>
-              </a:rPr>
-              <a:t>lodash</a:t>
-            </a:r>
-            <a:endParaRPr lang="en-US" sz="2800" dirty="0"/>
-          </a:p>
-          <a:p>
-            <a:r>
-              <a:rPr lang="en-US" sz="2800" dirty="0"/>
-              <a:t>3630 </a:t>
-            </a:r>
-            <a:r>
-              <a:rPr lang="en-US" sz="2800" dirty="0">
-                <a:hlinkClick r:id="rId6"/>
-              </a:rPr>
-              <a:t>commander</a:t>
-            </a:r>
-            <a:endParaRPr lang="en-US" sz="2800" dirty="0"/>
-          </a:p>
-          <a:p>
-            <a:r>
-              <a:rPr lang="en-US" sz="2800" dirty="0"/>
-              <a:t>3543 </a:t>
-            </a:r>
-            <a:r>
-              <a:rPr lang="en-US" sz="2800" dirty="0">
-                <a:hlinkClick r:id="rId7"/>
-              </a:rPr>
-              <a:t>express</a:t>
-            </a:r>
-            <a:endParaRPr lang="en-US" sz="2800" dirty="0"/>
-          </a:p>
-          <a:p>
-            <a:r>
-              <a:rPr lang="en-US" sz="2800" dirty="0"/>
-              <a:t>2708 </a:t>
-            </a:r>
-            <a:r>
-              <a:rPr lang="en-US" sz="2800" dirty="0">
-                <a:hlinkClick r:id="rId8"/>
-              </a:rPr>
-              <a:t>optimist</a:t>
-            </a:r>
-            <a:endParaRPr lang="en-US" sz="2800" dirty="0"/>
-          </a:p>
-          <a:p>
-            <a:r>
-              <a:rPr lang="en-US" sz="2800" dirty="0"/>
-              <a:t>2634 </a:t>
-            </a:r>
-            <a:r>
-              <a:rPr lang="en-US" sz="2800" dirty="0">
-                <a:hlinkClick r:id="rId9"/>
-              </a:rPr>
-              <a:t>coffee-script</a:t>
-            </a:r>
-            <a:endParaRPr lang="en-US" sz="2800" dirty="0"/>
+            <a:r>
+              <a:rPr lang="en-US" dirty="0" smtClean="0"/>
+              <a:t>Installs </a:t>
+            </a:r>
+            <a:r>
+              <a:rPr lang="en-US" dirty="0"/>
+              <a:t>the dependencies in the local </a:t>
+            </a:r>
+            <a:r>
+              <a:rPr lang="en-US" dirty="0" err="1"/>
+              <a:t>node_modules</a:t>
+            </a:r>
+            <a:r>
+              <a:rPr lang="en-US" dirty="0"/>
+              <a:t> folder</a:t>
+            </a:r>
+          </a:p>
+          <a:p>
+            <a:r>
+              <a:rPr lang="en-US" dirty="0"/>
+              <a:t>In global mode, it makes a node module accessible to all.</a:t>
+            </a:r>
+          </a:p>
+          <a:p>
+            <a:r>
+              <a:rPr lang="en-US" dirty="0" smtClean="0"/>
+              <a:t>Can </a:t>
+            </a:r>
+            <a:r>
+              <a:rPr lang="en-US" dirty="0"/>
+              <a:t>install from a folder, </a:t>
+            </a:r>
+            <a:r>
+              <a:rPr lang="en-US" dirty="0" err="1"/>
+              <a:t>tarball</a:t>
+            </a:r>
+            <a:r>
+              <a:rPr lang="en-US" dirty="0"/>
+              <a:t>, web, etc… </a:t>
+            </a:r>
+          </a:p>
+          <a:p>
+            <a:r>
+              <a:rPr lang="en-US" dirty="0"/>
+              <a:t>Can specify dev or optional dependencies. </a:t>
+            </a:r>
+            <a:endParaRPr lang="en-US" dirty="0"/>
+          </a:p>
+          <a:p>
+            <a:endParaRPr lang="en-US" dirty="0" smtClean="0"/>
+          </a:p>
+          <a:p>
+            <a:r>
+              <a:rPr lang="en-US" dirty="0" smtClean="0"/>
+              <a:t>NPM can </a:t>
+            </a:r>
+            <a:r>
+              <a:rPr lang="en-US" dirty="0"/>
+              <a:t>also </a:t>
+            </a:r>
+            <a:r>
+              <a:rPr lang="en-US" dirty="0" smtClean="0"/>
+              <a:t>install the dependencies for a project by reading the </a:t>
+            </a:r>
+            <a:r>
+              <a:rPr lang="en-US" dirty="0" err="1" smtClean="0"/>
+              <a:t>package.json</a:t>
+            </a:r>
+            <a:endParaRPr lang="en-US" dirty="0"/>
+          </a:p>
+          <a:p>
+            <a:endParaRPr lang="en-US" dirty="0"/>
           </a:p>
           <a:p>
             <a:pPr marL="0" indent="0">
@@ -10758,7 +10054,7 @@
     </p:spTree>
     <p:extLst>
       <p:ext uri="{BB962C8B-B14F-4D97-AF65-F5344CB8AC3E}">
-        <p14:creationId xmlns:p14="http://schemas.microsoft.com/office/powerpoint/2010/main" val="1474797870"/>
+        <p14:creationId xmlns:p14="http://schemas.microsoft.com/office/powerpoint/2010/main" val="3719254297"/>
       </p:ext>
     </p:extLst>
   </p:cSld>
@@ -10840,14 +10136,14 @@
                 <a:gridCol w="5762625">
                   <a:extLst>
                     <a:ext uri="{9D8B030D-6E8A-4147-A177-3AD203B41FA5}">
-                      <a16:colId xmlns:a16="http://schemas.microsoft.com/office/drawing/2014/main" val="1632794655"/>
+                      <a16:colId xmlns:a16="http://schemas.microsoft.com/office/drawing/2014/main" xmlns="" val="1632794655"/>
                     </a:ext>
                   </a:extLst>
                 </a:gridCol>
                 <a:gridCol w="5762625">
                   <a:extLst>
                     <a:ext uri="{9D8B030D-6E8A-4147-A177-3AD203B41FA5}">
-                      <a16:colId xmlns:a16="http://schemas.microsoft.com/office/drawing/2014/main" val="2011313899"/>
+                      <a16:colId xmlns:a16="http://schemas.microsoft.com/office/drawing/2014/main" xmlns="" val="2011313899"/>
                     </a:ext>
                   </a:extLst>
                 </a:gridCol>
@@ -10882,7 +10178,7 @@
                 </a:tc>
                 <a:extLst>
                   <a:ext uri="{0D108BD9-81ED-4DB2-BD59-A6C34878D82A}">
-                    <a16:rowId xmlns:a16="http://schemas.microsoft.com/office/drawing/2014/main" val="1789177411"/>
+                    <a16:rowId xmlns:a16="http://schemas.microsoft.com/office/drawing/2014/main" xmlns="" val="1789177411"/>
                   </a:ext>
                 </a:extLst>
               </a:tr>
@@ -10949,7 +10245,7 @@
                 </a:tc>
                 <a:extLst>
                   <a:ext uri="{0D108BD9-81ED-4DB2-BD59-A6C34878D82A}">
-                    <a16:rowId xmlns:a16="http://schemas.microsoft.com/office/drawing/2014/main" val="3842815335"/>
+                    <a16:rowId xmlns:a16="http://schemas.microsoft.com/office/drawing/2014/main" xmlns="" val="3842815335"/>
                   </a:ext>
                 </a:extLst>
               </a:tr>
@@ -11027,7 +10323,7 @@
                 </a:tc>
                 <a:extLst>
                   <a:ext uri="{0D108BD9-81ED-4DB2-BD59-A6C34878D82A}">
-                    <a16:rowId xmlns:a16="http://schemas.microsoft.com/office/drawing/2014/main" val="321066646"/>
+                    <a16:rowId xmlns:a16="http://schemas.microsoft.com/office/drawing/2014/main" xmlns="" val="321066646"/>
                   </a:ext>
                 </a:extLst>
               </a:tr>
@@ -11111,7 +10407,7 @@
                 </a:tc>
                 <a:extLst>
                   <a:ext uri="{0D108BD9-81ED-4DB2-BD59-A6C34878D82A}">
-                    <a16:rowId xmlns:a16="http://schemas.microsoft.com/office/drawing/2014/main" val="3812060533"/>
+                    <a16:rowId xmlns:a16="http://schemas.microsoft.com/office/drawing/2014/main" xmlns="" val="3812060533"/>
                   </a:ext>
                 </a:extLst>
               </a:tr>
@@ -11181,7 +10477,15 @@
           <a:p>
             <a:r>
               <a:rPr lang="en-US" dirty="0" smtClean="0"/>
-              <a:t>How does it work? </a:t>
+              <a:t>What is a </a:t>
+            </a:r>
+            <a:r>
+              <a:rPr lang="en-US" dirty="0" err="1" smtClean="0"/>
+              <a:t>package.json</a:t>
+            </a:r>
+            <a:r>
+              <a:rPr lang="en-US" dirty="0" smtClean="0"/>
+              <a:t>?</a:t>
             </a:r>
             <a:endParaRPr lang="en-US" dirty="0"/>
           </a:p>
@@ -11189,92 +10493,754 @@
       </p:sp>
       <p:sp>
         <p:nvSpPr>
-          <p:cNvPr id="3" name="Content Placeholder 2"/>
-          <p:cNvSpPr>
-            <a:spLocks noGrp="1"/>
-          </p:cNvSpPr>
-          <p:nvPr>
-            <p:ph sz="quarter" idx="10"/>
-          </p:nvPr>
-        </p:nvSpPr>
-        <p:spPr/>
+          <p:cNvPr id="5" name="Rectangle 2"/>
+          <p:cNvSpPr>
+            <a:spLocks noGrp="1" noChangeArrowheads="1"/>
+          </p:cNvSpPr>
+          <p:nvPr>
+            <p:ph idx="4294967295"/>
+          </p:nvPr>
+        </p:nvSpPr>
+        <p:spPr bwMode="auto">
+          <a:xfrm>
+            <a:off x="379514" y="937926"/>
+            <a:ext cx="9677649" cy="5016758"/>
+          </a:xfrm>
+          <a:prstGeom prst="rect">
+            <a:avLst/>
+          </a:prstGeom>
+          <a:solidFill>
+            <a:srgbClr val="FFFFFF"/>
+          </a:solidFill>
+          <a:ln>
+            <a:noFill/>
+          </a:ln>
+          <a:effectLst/>
+          <a:extLst>
+            <a:ext uri="{91240B29-F687-4F45-9708-019B960494DF}">
+              <a14:hiddenLine xmlns:a14="http://schemas.microsoft.com/office/drawing/2010/main" w="9525">
+                <a:solidFill>
+                  <a:schemeClr val="tx1"/>
+                </a:solidFill>
+                <a:miter lim="800000"/>
+                <a:headEnd/>
+                <a:tailEnd/>
+              </a14:hiddenLine>
+            </a:ext>
+            <a:ext uri="{AF507438-7753-43E0-B8FC-AC1667EBCBE1}">
+              <a14:hiddenEffects xmlns:a14="http://schemas.microsoft.com/office/drawing/2010/main">
+                <a:effectLst>
+                  <a:outerShdw dist="35921" dir="2700000" algn="ctr" rotWithShape="0">
+                    <a:schemeClr val="bg2"/>
+                  </a:outerShdw>
+                </a:effectLst>
+              </a14:hiddenEffects>
+            </a:ext>
+          </a:extLst>
+        </p:spPr>
         <p:txBody>
-          <a:bodyPr/>
+          <a:bodyPr vert="horz" wrap="none" lIns="91440" tIns="45720" rIns="91440" bIns="45720" numCol="1" anchor="ctr" anchorCtr="0" compatLnSpc="1">
+            <a:prstTxWarp prst="textNoShape">
+              <a:avLst/>
+            </a:prstTxWarp>
+            <a:spAutoFit/>
+          </a:bodyPr>
           <a:lstStyle/>
           <a:p>
-            <a:r>
-              <a:rPr lang="en-US" dirty="0"/>
-              <a:t>Reads </a:t>
-            </a:r>
-            <a:r>
-              <a:rPr lang="en-US" dirty="0" err="1"/>
-              <a:t>package.json</a:t>
-            </a:r>
-            <a:endParaRPr lang="en-US" dirty="0"/>
-          </a:p>
-          <a:p>
-            <a:r>
-              <a:rPr lang="en-US" dirty="0"/>
-              <a:t>Installs the dependencies in the local </a:t>
-            </a:r>
-            <a:r>
-              <a:rPr lang="en-US" dirty="0" err="1"/>
-              <a:t>node_modules</a:t>
-            </a:r>
-            <a:r>
-              <a:rPr lang="en-US" dirty="0"/>
-              <a:t> folder</a:t>
-            </a:r>
-          </a:p>
-          <a:p>
-            <a:r>
-              <a:rPr lang="en-US" dirty="0"/>
-              <a:t>In global mode, it makes a node module accessible to all.</a:t>
-            </a:r>
-          </a:p>
-          <a:p>
-            <a:endParaRPr lang="en-US" dirty="0"/>
-          </a:p>
-          <a:p>
-            <a:r>
-              <a:rPr lang="en-US" dirty="0"/>
-              <a:t>Can install from a folder, </a:t>
-            </a:r>
-            <a:r>
-              <a:rPr lang="en-US" dirty="0" err="1"/>
-              <a:t>tarball</a:t>
-            </a:r>
-            <a:r>
-              <a:rPr lang="en-US" dirty="0"/>
-              <a:t>, web, etc… </a:t>
-            </a:r>
-          </a:p>
-          <a:p>
-            <a:r>
-              <a:rPr lang="en-US" dirty="0"/>
-              <a:t>Can specify </a:t>
-            </a:r>
-            <a:r>
-              <a:rPr lang="en-US" dirty="0" err="1"/>
-              <a:t>dev</a:t>
-            </a:r>
-            <a:r>
-              <a:rPr lang="en-US" dirty="0"/>
-              <a:t> or optional dependencies. </a:t>
-            </a:r>
-          </a:p>
-          <a:p>
-            <a:pPr marL="0" indent="0">
-              <a:buNone/>
+            <a:pPr marL="0" marR="0" lvl="0" indent="0" algn="l" defTabSz="914400" rtl="0" eaLnBrk="0" fontAlgn="base" latinLnBrk="0" hangingPunct="0">
+              <a:lnSpc>
+                <a:spcPct val="100000"/>
+              </a:lnSpc>
+              <a:spcBef>
+                <a:spcPct val="0"/>
+              </a:spcBef>
+              <a:spcAft>
+                <a:spcPct val="0"/>
+              </a:spcAft>
+              <a:buClrTx/>
+              <a:buSzTx/>
+              <a:buFontTx/>
+              <a:buNone/>
+              <a:tabLst/>
             </a:pPr>
-            <a:endParaRPr lang="en-US" dirty="0"/>
+            <a:r>
+              <a:rPr kumimoji="0" lang="en-US" altLang="en-US" b="0" i="0" u="none" strike="noStrike" cap="none" normalizeH="0" baseline="0" dirty="0" smtClean="0">
+                <a:ln>
+                  <a:noFill/>
+                </a:ln>
+                <a:solidFill>
+                  <a:srgbClr val="000000"/>
+                </a:solidFill>
+                <a:effectLst/>
+                <a:latin typeface="Consolas" panose="020B0609020204030204" pitchFamily="49" charset="0"/>
+                <a:cs typeface="Consolas" panose="020B0609020204030204" pitchFamily="49" charset="0"/>
+              </a:rPr>
+              <a:t>{</a:t>
+            </a:r>
+          </a:p>
+          <a:p>
+            <a:pPr marL="0" marR="0" lvl="0" indent="0" algn="l" defTabSz="914400" rtl="0" eaLnBrk="0" fontAlgn="base" latinLnBrk="0" hangingPunct="0">
+              <a:lnSpc>
+                <a:spcPct val="100000"/>
+              </a:lnSpc>
+              <a:spcBef>
+                <a:spcPct val="0"/>
+              </a:spcBef>
+              <a:spcAft>
+                <a:spcPct val="0"/>
+              </a:spcAft>
+              <a:buClrTx/>
+              <a:buSzTx/>
+              <a:buFontTx/>
+              <a:buNone/>
+              <a:tabLst/>
+            </a:pPr>
+            <a:r>
+              <a:rPr kumimoji="0" lang="en-US" altLang="en-US" b="0" i="0" u="none" strike="noStrike" cap="none" normalizeH="0" baseline="0" dirty="0" smtClean="0">
+                <a:ln>
+                  <a:noFill/>
+                </a:ln>
+                <a:solidFill>
+                  <a:srgbClr val="000000"/>
+                </a:solidFill>
+                <a:effectLst/>
+                <a:latin typeface="Consolas" panose="020B0609020204030204" pitchFamily="49" charset="0"/>
+                <a:cs typeface="Consolas" panose="020B0609020204030204" pitchFamily="49" charset="0"/>
+              </a:rPr>
+              <a:t>   </a:t>
+            </a:r>
+            <a:r>
+              <a:rPr kumimoji="0" lang="en-US" altLang="en-US" b="0" i="0" u="none" strike="noStrike" cap="none" normalizeH="0" baseline="0" dirty="0" smtClean="0">
+                <a:ln>
+                  <a:noFill/>
+                </a:ln>
+                <a:solidFill>
+                  <a:srgbClr val="2E75B6"/>
+                </a:solidFill>
+                <a:effectLst/>
+                <a:latin typeface="Consolas" panose="020B0609020204030204" pitchFamily="49" charset="0"/>
+                <a:cs typeface="Consolas" panose="020B0609020204030204" pitchFamily="49" charset="0"/>
+              </a:rPr>
+              <a:t>"name"</a:t>
+            </a:r>
+            <a:r>
+              <a:rPr kumimoji="0" lang="en-US" altLang="en-US" b="0" i="0" u="none" strike="noStrike" cap="none" normalizeH="0" baseline="0" dirty="0" smtClean="0">
+                <a:ln>
+                  <a:noFill/>
+                </a:ln>
+                <a:solidFill>
+                  <a:srgbClr val="000000"/>
+                </a:solidFill>
+                <a:effectLst/>
+                <a:latin typeface="Consolas" panose="020B0609020204030204" pitchFamily="49" charset="0"/>
+                <a:cs typeface="Consolas" panose="020B0609020204030204" pitchFamily="49" charset="0"/>
+              </a:rPr>
+              <a:t>: </a:t>
+            </a:r>
+            <a:r>
+              <a:rPr kumimoji="0" lang="en-US" altLang="en-US" b="0" i="0" u="none" strike="noStrike" cap="none" normalizeH="0" baseline="0" dirty="0" smtClean="0">
+                <a:ln>
+                  <a:noFill/>
+                </a:ln>
+                <a:solidFill>
+                  <a:srgbClr val="A31515"/>
+                </a:solidFill>
+                <a:effectLst/>
+                <a:latin typeface="Consolas" panose="020B0609020204030204" pitchFamily="49" charset="0"/>
+                <a:cs typeface="Consolas" panose="020B0609020204030204" pitchFamily="49" charset="0"/>
+              </a:rPr>
+              <a:t>"Node101"</a:t>
+            </a:r>
+            <a:r>
+              <a:rPr kumimoji="0" lang="en-US" altLang="en-US" b="0" i="0" u="none" strike="noStrike" cap="none" normalizeH="0" baseline="0" dirty="0" smtClean="0">
+                <a:ln>
+                  <a:noFill/>
+                </a:ln>
+                <a:solidFill>
+                  <a:srgbClr val="000000"/>
+                </a:solidFill>
+                <a:effectLst/>
+                <a:latin typeface="Consolas" panose="020B0609020204030204" pitchFamily="49" charset="0"/>
+                <a:cs typeface="Consolas" panose="020B0609020204030204" pitchFamily="49" charset="0"/>
+              </a:rPr>
+              <a:t>,</a:t>
+            </a:r>
+          </a:p>
+          <a:p>
+            <a:pPr marL="0" marR="0" lvl="0" indent="0" algn="l" defTabSz="914400" rtl="0" eaLnBrk="0" fontAlgn="base" latinLnBrk="0" hangingPunct="0">
+              <a:lnSpc>
+                <a:spcPct val="100000"/>
+              </a:lnSpc>
+              <a:spcBef>
+                <a:spcPct val="0"/>
+              </a:spcBef>
+              <a:spcAft>
+                <a:spcPct val="0"/>
+              </a:spcAft>
+              <a:buClrTx/>
+              <a:buSzTx/>
+              <a:buFontTx/>
+              <a:buNone/>
+              <a:tabLst/>
+            </a:pPr>
+            <a:r>
+              <a:rPr kumimoji="0" lang="en-US" altLang="en-US" b="0" i="0" u="none" strike="noStrike" cap="none" normalizeH="0" baseline="0" dirty="0" smtClean="0">
+                <a:ln>
+                  <a:noFill/>
+                </a:ln>
+                <a:solidFill>
+                  <a:srgbClr val="000000"/>
+                </a:solidFill>
+                <a:effectLst/>
+                <a:latin typeface="Consolas" panose="020B0609020204030204" pitchFamily="49" charset="0"/>
+                <a:cs typeface="Consolas" panose="020B0609020204030204" pitchFamily="49" charset="0"/>
+              </a:rPr>
+              <a:t>   </a:t>
+            </a:r>
+            <a:r>
+              <a:rPr kumimoji="0" lang="en-US" altLang="en-US" b="0" i="0" u="none" strike="noStrike" cap="none" normalizeH="0" baseline="0" dirty="0" smtClean="0">
+                <a:ln>
+                  <a:noFill/>
+                </a:ln>
+                <a:solidFill>
+                  <a:srgbClr val="2E75B6"/>
+                </a:solidFill>
+                <a:effectLst/>
+                <a:latin typeface="Consolas" panose="020B0609020204030204" pitchFamily="49" charset="0"/>
+                <a:cs typeface="Consolas" panose="020B0609020204030204" pitchFamily="49" charset="0"/>
+              </a:rPr>
+              <a:t>"version"</a:t>
+            </a:r>
+            <a:r>
+              <a:rPr kumimoji="0" lang="en-US" altLang="en-US" b="0" i="0" u="none" strike="noStrike" cap="none" normalizeH="0" baseline="0" dirty="0" smtClean="0">
+                <a:ln>
+                  <a:noFill/>
+                </a:ln>
+                <a:solidFill>
+                  <a:srgbClr val="000000"/>
+                </a:solidFill>
+                <a:effectLst/>
+                <a:latin typeface="Consolas" panose="020B0609020204030204" pitchFamily="49" charset="0"/>
+                <a:cs typeface="Consolas" panose="020B0609020204030204" pitchFamily="49" charset="0"/>
+              </a:rPr>
+              <a:t>: </a:t>
+            </a:r>
+            <a:r>
+              <a:rPr kumimoji="0" lang="en-US" altLang="en-US" b="0" i="0" u="none" strike="noStrike" cap="none" normalizeH="0" baseline="0" dirty="0" smtClean="0">
+                <a:ln>
+                  <a:noFill/>
+                </a:ln>
+                <a:solidFill>
+                  <a:srgbClr val="A31515"/>
+                </a:solidFill>
+                <a:effectLst/>
+                <a:latin typeface="Consolas" panose="020B0609020204030204" pitchFamily="49" charset="0"/>
+                <a:cs typeface="Consolas" panose="020B0609020204030204" pitchFamily="49" charset="0"/>
+              </a:rPr>
+              <a:t>"0.1.0"</a:t>
+            </a:r>
+            <a:r>
+              <a:rPr kumimoji="0" lang="en-US" altLang="en-US" b="0" i="0" u="none" strike="noStrike" cap="none" normalizeH="0" baseline="0" dirty="0" smtClean="0">
+                <a:ln>
+                  <a:noFill/>
+                </a:ln>
+                <a:solidFill>
+                  <a:srgbClr val="000000"/>
+                </a:solidFill>
+                <a:effectLst/>
+                <a:latin typeface="Consolas" panose="020B0609020204030204" pitchFamily="49" charset="0"/>
+                <a:cs typeface="Consolas" panose="020B0609020204030204" pitchFamily="49" charset="0"/>
+              </a:rPr>
+              <a:t>,</a:t>
+            </a:r>
+          </a:p>
+          <a:p>
+            <a:pPr marL="0" lvl="0" indent="0" eaLnBrk="0" fontAlgn="base" hangingPunct="0">
+              <a:lnSpc>
+                <a:spcPct val="100000"/>
+              </a:lnSpc>
+              <a:spcBef>
+                <a:spcPct val="0"/>
+              </a:spcBef>
+              <a:spcAft>
+                <a:spcPct val="0"/>
+              </a:spcAft>
+              <a:buNone/>
+            </a:pPr>
+            <a:r>
+              <a:rPr kumimoji="0" lang="en-US" altLang="en-US" b="0" i="0" u="none" strike="noStrike" cap="none" normalizeH="0" baseline="0" dirty="0" smtClean="0">
+                <a:ln>
+                  <a:noFill/>
+                </a:ln>
+                <a:solidFill>
+                  <a:srgbClr val="000000"/>
+                </a:solidFill>
+                <a:effectLst/>
+                <a:latin typeface="Consolas" panose="020B0609020204030204" pitchFamily="49" charset="0"/>
+                <a:cs typeface="Consolas" panose="020B0609020204030204" pitchFamily="49" charset="0"/>
+              </a:rPr>
+              <a:t>   </a:t>
+            </a:r>
+            <a:r>
+              <a:rPr kumimoji="0" lang="en-US" altLang="en-US" b="0" i="0" u="none" strike="noStrike" cap="none" normalizeH="0" baseline="0" dirty="0" smtClean="0">
+                <a:ln>
+                  <a:noFill/>
+                </a:ln>
+                <a:solidFill>
+                  <a:srgbClr val="2E75B6"/>
+                </a:solidFill>
+                <a:effectLst/>
+                <a:latin typeface="Consolas" panose="020B0609020204030204" pitchFamily="49" charset="0"/>
+                <a:cs typeface="Consolas" panose="020B0609020204030204" pitchFamily="49" charset="0"/>
+              </a:rPr>
+              <a:t>"description"</a:t>
+            </a:r>
+            <a:r>
+              <a:rPr kumimoji="0" lang="en-US" altLang="en-US" b="0" i="0" u="none" strike="noStrike" cap="none" normalizeH="0" baseline="0" dirty="0" smtClean="0">
+                <a:ln>
+                  <a:noFill/>
+                </a:ln>
+                <a:solidFill>
+                  <a:srgbClr val="000000"/>
+                </a:solidFill>
+                <a:effectLst/>
+                <a:latin typeface="Consolas" panose="020B0609020204030204" pitchFamily="49" charset="0"/>
+                <a:cs typeface="Consolas" panose="020B0609020204030204" pitchFamily="49" charset="0"/>
+              </a:rPr>
+              <a:t>: </a:t>
+            </a:r>
+            <a:r>
+              <a:rPr lang="en-US" altLang="en-US" dirty="0" smtClean="0">
+                <a:solidFill>
+                  <a:srgbClr val="A31515"/>
+                </a:solidFill>
+                <a:latin typeface="Consolas" panose="020B0609020204030204" pitchFamily="49" charset="0"/>
+                <a:cs typeface="Consolas" panose="020B0609020204030204" pitchFamily="49" charset="0"/>
+              </a:rPr>
+              <a:t>“MVA Presentation Code</a:t>
+            </a:r>
+            <a:r>
+              <a:rPr kumimoji="0" lang="en-US" altLang="en-US" b="0" i="0" u="none" strike="noStrike" cap="none" normalizeH="0" baseline="0" dirty="0" smtClean="0">
+                <a:ln>
+                  <a:noFill/>
+                </a:ln>
+                <a:solidFill>
+                  <a:srgbClr val="A31515"/>
+                </a:solidFill>
+                <a:effectLst/>
+                <a:latin typeface="Consolas" panose="020B0609020204030204" pitchFamily="49" charset="0"/>
+                <a:cs typeface="Consolas" panose="020B0609020204030204" pitchFamily="49" charset="0"/>
+              </a:rPr>
+              <a:t>"</a:t>
+            </a:r>
+            <a:r>
+              <a:rPr kumimoji="0" lang="en-US" altLang="en-US" b="0" i="0" u="none" strike="noStrike" cap="none" normalizeH="0" baseline="0" dirty="0" smtClean="0">
+                <a:ln>
+                  <a:noFill/>
+                </a:ln>
+                <a:solidFill>
+                  <a:srgbClr val="000000"/>
+                </a:solidFill>
+                <a:effectLst/>
+                <a:latin typeface="Consolas" panose="020B0609020204030204" pitchFamily="49" charset="0"/>
+                <a:cs typeface="Consolas" panose="020B0609020204030204" pitchFamily="49" charset="0"/>
+              </a:rPr>
+              <a:t>,</a:t>
+            </a:r>
+          </a:p>
+          <a:p>
+            <a:pPr marL="0" marR="0" lvl="0" indent="0" algn="l" defTabSz="914400" rtl="0" eaLnBrk="0" fontAlgn="base" latinLnBrk="0" hangingPunct="0">
+              <a:lnSpc>
+                <a:spcPct val="100000"/>
+              </a:lnSpc>
+              <a:spcBef>
+                <a:spcPct val="0"/>
+              </a:spcBef>
+              <a:spcAft>
+                <a:spcPct val="0"/>
+              </a:spcAft>
+              <a:buClrTx/>
+              <a:buSzTx/>
+              <a:buFontTx/>
+              <a:buNone/>
+              <a:tabLst/>
+            </a:pPr>
+            <a:r>
+              <a:rPr kumimoji="0" lang="en-US" altLang="en-US" b="0" i="0" u="none" strike="noStrike" cap="none" normalizeH="0" baseline="0" dirty="0" smtClean="0">
+                <a:ln>
+                  <a:noFill/>
+                </a:ln>
+                <a:solidFill>
+                  <a:srgbClr val="000000"/>
+                </a:solidFill>
+                <a:effectLst/>
+                <a:latin typeface="Consolas" panose="020B0609020204030204" pitchFamily="49" charset="0"/>
+                <a:cs typeface="Consolas" panose="020B0609020204030204" pitchFamily="49" charset="0"/>
+              </a:rPr>
+              <a:t>   </a:t>
+            </a:r>
+            <a:r>
+              <a:rPr kumimoji="0" lang="en-US" altLang="en-US" b="0" i="0" u="none" strike="noStrike" cap="none" normalizeH="0" baseline="0" dirty="0" smtClean="0">
+                <a:ln>
+                  <a:noFill/>
+                </a:ln>
+                <a:solidFill>
+                  <a:srgbClr val="2E75B6"/>
+                </a:solidFill>
+                <a:effectLst/>
+                <a:latin typeface="Consolas" panose="020B0609020204030204" pitchFamily="49" charset="0"/>
+                <a:cs typeface="Consolas" panose="020B0609020204030204" pitchFamily="49" charset="0"/>
+              </a:rPr>
+              <a:t>"main"</a:t>
+            </a:r>
+            <a:r>
+              <a:rPr kumimoji="0" lang="en-US" altLang="en-US" b="0" i="0" u="none" strike="noStrike" cap="none" normalizeH="0" baseline="0" dirty="0" smtClean="0">
+                <a:ln>
+                  <a:noFill/>
+                </a:ln>
+                <a:solidFill>
+                  <a:srgbClr val="000000"/>
+                </a:solidFill>
+                <a:effectLst/>
+                <a:latin typeface="Consolas" panose="020B0609020204030204" pitchFamily="49" charset="0"/>
+                <a:cs typeface="Consolas" panose="020B0609020204030204" pitchFamily="49" charset="0"/>
+              </a:rPr>
+              <a:t>: </a:t>
+            </a:r>
+            <a:r>
+              <a:rPr kumimoji="0" lang="en-US" altLang="en-US" b="0" i="0" u="none" strike="noStrike" cap="none" normalizeH="0" baseline="0" dirty="0" smtClean="0">
+                <a:ln>
+                  <a:noFill/>
+                </a:ln>
+                <a:solidFill>
+                  <a:srgbClr val="A31515"/>
+                </a:solidFill>
+                <a:effectLst/>
+                <a:latin typeface="Consolas" panose="020B0609020204030204" pitchFamily="49" charset="0"/>
+                <a:cs typeface="Consolas" panose="020B0609020204030204" pitchFamily="49" charset="0"/>
+              </a:rPr>
+              <a:t>"1_hello_world.js"</a:t>
+            </a:r>
+            <a:r>
+              <a:rPr kumimoji="0" lang="en-US" altLang="en-US" b="0" i="0" u="none" strike="noStrike" cap="none" normalizeH="0" baseline="0" dirty="0" smtClean="0">
+                <a:ln>
+                  <a:noFill/>
+                </a:ln>
+                <a:solidFill>
+                  <a:srgbClr val="000000"/>
+                </a:solidFill>
+                <a:effectLst/>
+                <a:latin typeface="Consolas" panose="020B0609020204030204" pitchFamily="49" charset="0"/>
+                <a:cs typeface="Consolas" panose="020B0609020204030204" pitchFamily="49" charset="0"/>
+              </a:rPr>
+              <a:t>,</a:t>
+            </a:r>
+          </a:p>
+          <a:p>
+            <a:pPr marL="0" marR="0" lvl="0" indent="0" algn="l" defTabSz="914400" rtl="0" eaLnBrk="0" fontAlgn="base" latinLnBrk="0" hangingPunct="0">
+              <a:lnSpc>
+                <a:spcPct val="100000"/>
+              </a:lnSpc>
+              <a:spcBef>
+                <a:spcPct val="0"/>
+              </a:spcBef>
+              <a:spcAft>
+                <a:spcPct val="0"/>
+              </a:spcAft>
+              <a:buClrTx/>
+              <a:buSzTx/>
+              <a:buFontTx/>
+              <a:buNone/>
+              <a:tabLst/>
+            </a:pPr>
+            <a:r>
+              <a:rPr kumimoji="0" lang="en-US" altLang="en-US" b="0" i="0" u="none" strike="noStrike" cap="none" normalizeH="0" baseline="0" dirty="0" smtClean="0">
+                <a:ln>
+                  <a:noFill/>
+                </a:ln>
+                <a:solidFill>
+                  <a:srgbClr val="000000"/>
+                </a:solidFill>
+                <a:effectLst/>
+                <a:latin typeface="Consolas" panose="020B0609020204030204" pitchFamily="49" charset="0"/>
+                <a:cs typeface="Consolas" panose="020B0609020204030204" pitchFamily="49" charset="0"/>
+              </a:rPr>
+              <a:t>   </a:t>
+            </a:r>
+            <a:r>
+              <a:rPr kumimoji="0" lang="en-US" altLang="en-US" b="0" i="0" u="none" strike="noStrike" cap="none" normalizeH="0" baseline="0" dirty="0" smtClean="0">
+                <a:ln>
+                  <a:noFill/>
+                </a:ln>
+                <a:solidFill>
+                  <a:srgbClr val="2E75B6"/>
+                </a:solidFill>
+                <a:effectLst/>
+                <a:latin typeface="Consolas" panose="020B0609020204030204" pitchFamily="49" charset="0"/>
+                <a:cs typeface="Consolas" panose="020B0609020204030204" pitchFamily="49" charset="0"/>
+              </a:rPr>
+              <a:t>"author"</a:t>
+            </a:r>
+            <a:r>
+              <a:rPr kumimoji="0" lang="en-US" altLang="en-US" b="0" i="0" u="none" strike="noStrike" cap="none" normalizeH="0" baseline="0" dirty="0" smtClean="0">
+                <a:ln>
+                  <a:noFill/>
+                </a:ln>
+                <a:solidFill>
+                  <a:srgbClr val="000000"/>
+                </a:solidFill>
+                <a:effectLst/>
+                <a:latin typeface="Consolas" panose="020B0609020204030204" pitchFamily="49" charset="0"/>
+                <a:cs typeface="Consolas" panose="020B0609020204030204" pitchFamily="49" charset="0"/>
+              </a:rPr>
+              <a:t>: {</a:t>
+            </a:r>
+          </a:p>
+          <a:p>
+            <a:pPr marL="0" marR="0" lvl="0" indent="0" algn="l" defTabSz="914400" rtl="0" eaLnBrk="0" fontAlgn="base" latinLnBrk="0" hangingPunct="0">
+              <a:lnSpc>
+                <a:spcPct val="100000"/>
+              </a:lnSpc>
+              <a:spcBef>
+                <a:spcPct val="0"/>
+              </a:spcBef>
+              <a:spcAft>
+                <a:spcPct val="0"/>
+              </a:spcAft>
+              <a:buClrTx/>
+              <a:buSzTx/>
+              <a:buFontTx/>
+              <a:buNone/>
+              <a:tabLst/>
+            </a:pPr>
+            <a:r>
+              <a:rPr kumimoji="0" lang="en-US" altLang="en-US" b="0" i="0" u="none" strike="noStrike" cap="none" normalizeH="0" baseline="0" dirty="0" smtClean="0">
+                <a:ln>
+                  <a:noFill/>
+                </a:ln>
+                <a:solidFill>
+                  <a:srgbClr val="000000"/>
+                </a:solidFill>
+                <a:effectLst/>
+                <a:latin typeface="Consolas" panose="020B0609020204030204" pitchFamily="49" charset="0"/>
+                <a:cs typeface="Consolas" panose="020B0609020204030204" pitchFamily="49" charset="0"/>
+              </a:rPr>
+              <a:t>     </a:t>
+            </a:r>
+            <a:r>
+              <a:rPr kumimoji="0" lang="en-US" altLang="en-US" b="0" i="0" u="none" strike="noStrike" cap="none" normalizeH="0" baseline="0" dirty="0" smtClean="0">
+                <a:ln>
+                  <a:noFill/>
+                </a:ln>
+                <a:solidFill>
+                  <a:srgbClr val="2E75B6"/>
+                </a:solidFill>
+                <a:effectLst/>
+                <a:latin typeface="Consolas" panose="020B0609020204030204" pitchFamily="49" charset="0"/>
+                <a:cs typeface="Consolas" panose="020B0609020204030204" pitchFamily="49" charset="0"/>
+              </a:rPr>
+              <a:t>"name"</a:t>
+            </a:r>
+            <a:r>
+              <a:rPr kumimoji="0" lang="en-US" altLang="en-US" b="0" i="0" u="none" strike="noStrike" cap="none" normalizeH="0" baseline="0" dirty="0" smtClean="0">
+                <a:ln>
+                  <a:noFill/>
+                </a:ln>
+                <a:solidFill>
+                  <a:srgbClr val="000000"/>
+                </a:solidFill>
+                <a:effectLst/>
+                <a:latin typeface="Consolas" panose="020B0609020204030204" pitchFamily="49" charset="0"/>
+                <a:cs typeface="Consolas" panose="020B0609020204030204" pitchFamily="49" charset="0"/>
+              </a:rPr>
+              <a:t>: </a:t>
+            </a:r>
+            <a:r>
+              <a:rPr kumimoji="0" lang="en-US" altLang="en-US" b="0" i="0" u="none" strike="noStrike" cap="none" normalizeH="0" baseline="0" dirty="0" smtClean="0">
+                <a:ln>
+                  <a:noFill/>
+                </a:ln>
+                <a:solidFill>
+                  <a:srgbClr val="A31515"/>
+                </a:solidFill>
+                <a:effectLst/>
+                <a:latin typeface="Consolas" panose="020B0609020204030204" pitchFamily="49" charset="0"/>
+                <a:cs typeface="Consolas" panose="020B0609020204030204" pitchFamily="49" charset="0"/>
+              </a:rPr>
+              <a:t>"Rami Sayar"</a:t>
+            </a:r>
+            <a:r>
+              <a:rPr kumimoji="0" lang="en-US" altLang="en-US" b="0" i="0" u="none" strike="noStrike" cap="none" normalizeH="0" baseline="0" dirty="0" smtClean="0">
+                <a:ln>
+                  <a:noFill/>
+                </a:ln>
+                <a:solidFill>
+                  <a:srgbClr val="000000"/>
+                </a:solidFill>
+                <a:effectLst/>
+                <a:latin typeface="Consolas" panose="020B0609020204030204" pitchFamily="49" charset="0"/>
+                <a:cs typeface="Consolas" panose="020B0609020204030204" pitchFamily="49" charset="0"/>
+              </a:rPr>
+              <a:t>,</a:t>
+            </a:r>
+          </a:p>
+          <a:p>
+            <a:pPr marL="0" lvl="0" indent="0" eaLnBrk="0" fontAlgn="base" hangingPunct="0">
+              <a:lnSpc>
+                <a:spcPct val="100000"/>
+              </a:lnSpc>
+              <a:spcBef>
+                <a:spcPct val="0"/>
+              </a:spcBef>
+              <a:spcAft>
+                <a:spcPct val="0"/>
+              </a:spcAft>
+              <a:buNone/>
+            </a:pPr>
+            <a:r>
+              <a:rPr kumimoji="0" lang="en-US" altLang="en-US" b="0" i="0" u="none" strike="noStrike" cap="none" normalizeH="0" baseline="0" dirty="0" smtClean="0">
+                <a:ln>
+                  <a:noFill/>
+                </a:ln>
+                <a:solidFill>
+                  <a:srgbClr val="000000"/>
+                </a:solidFill>
+                <a:effectLst/>
+                <a:latin typeface="Consolas" panose="020B0609020204030204" pitchFamily="49" charset="0"/>
+                <a:cs typeface="Consolas" panose="020B0609020204030204" pitchFamily="49" charset="0"/>
+              </a:rPr>
+              <a:t>     </a:t>
+            </a:r>
+            <a:r>
+              <a:rPr kumimoji="0" lang="en-US" altLang="en-US" b="0" i="0" u="none" strike="noStrike" cap="none" normalizeH="0" baseline="0" dirty="0" smtClean="0">
+                <a:ln>
+                  <a:noFill/>
+                </a:ln>
+                <a:solidFill>
+                  <a:srgbClr val="2E75B6"/>
+                </a:solidFill>
+                <a:effectLst/>
+                <a:latin typeface="Consolas" panose="020B0609020204030204" pitchFamily="49" charset="0"/>
+                <a:cs typeface="Consolas" panose="020B0609020204030204" pitchFamily="49" charset="0"/>
+              </a:rPr>
+              <a:t>"email"</a:t>
+            </a:r>
+            <a:r>
+              <a:rPr kumimoji="0" lang="en-US" altLang="en-US" b="0" i="0" u="none" strike="noStrike" cap="none" normalizeH="0" baseline="0" dirty="0" smtClean="0">
+                <a:ln>
+                  <a:noFill/>
+                </a:ln>
+                <a:solidFill>
+                  <a:srgbClr val="000000"/>
+                </a:solidFill>
+                <a:effectLst/>
+                <a:latin typeface="Consolas" panose="020B0609020204030204" pitchFamily="49" charset="0"/>
+                <a:cs typeface="Consolas" panose="020B0609020204030204" pitchFamily="49" charset="0"/>
+              </a:rPr>
+              <a:t>: </a:t>
+            </a:r>
+            <a:r>
+              <a:rPr lang="en-US" altLang="en-US" dirty="0" smtClean="0">
+                <a:solidFill>
+                  <a:srgbClr val="A31515"/>
+                </a:solidFill>
+                <a:latin typeface="Consolas" panose="020B0609020204030204" pitchFamily="49" charset="0"/>
+                <a:cs typeface="Consolas" panose="020B0609020204030204" pitchFamily="49" charset="0"/>
+              </a:rPr>
+              <a:t>""</a:t>
+            </a:r>
+            <a:endParaRPr kumimoji="0" lang="en-US" altLang="en-US" b="0" i="0" u="none" strike="noStrike" cap="none" normalizeH="0" baseline="0" dirty="0" smtClean="0">
+              <a:ln>
+                <a:noFill/>
+              </a:ln>
+              <a:solidFill>
+                <a:srgbClr val="A31515"/>
+              </a:solidFill>
+              <a:effectLst/>
+              <a:latin typeface="Consolas" panose="020B0609020204030204" pitchFamily="49" charset="0"/>
+              <a:cs typeface="Consolas" panose="020B0609020204030204" pitchFamily="49" charset="0"/>
+            </a:endParaRPr>
+          </a:p>
+          <a:p>
+            <a:pPr marL="0" marR="0" lvl="0" indent="0" algn="l" defTabSz="914400" rtl="0" eaLnBrk="0" fontAlgn="base" latinLnBrk="0" hangingPunct="0">
+              <a:lnSpc>
+                <a:spcPct val="100000"/>
+              </a:lnSpc>
+              <a:spcBef>
+                <a:spcPct val="0"/>
+              </a:spcBef>
+              <a:spcAft>
+                <a:spcPct val="0"/>
+              </a:spcAft>
+              <a:buClrTx/>
+              <a:buSzTx/>
+              <a:buFontTx/>
+              <a:buNone/>
+              <a:tabLst/>
+            </a:pPr>
+            <a:r>
+              <a:rPr kumimoji="0" lang="en-US" altLang="en-US" b="0" i="0" u="none" strike="noStrike" cap="none" normalizeH="0" baseline="0" dirty="0" smtClean="0">
+                <a:ln>
+                  <a:noFill/>
+                </a:ln>
+                <a:solidFill>
+                  <a:srgbClr val="000000"/>
+                </a:solidFill>
+                <a:effectLst/>
+                <a:latin typeface="Consolas" panose="020B0609020204030204" pitchFamily="49" charset="0"/>
+                <a:cs typeface="Consolas" panose="020B0609020204030204" pitchFamily="49" charset="0"/>
+              </a:rPr>
+              <a:t>   }</a:t>
+            </a:r>
+          </a:p>
+          <a:p>
+            <a:pPr marL="0" marR="0" lvl="0" indent="0" algn="l" defTabSz="914400" rtl="0" eaLnBrk="0" fontAlgn="base" latinLnBrk="0" hangingPunct="0">
+              <a:lnSpc>
+                <a:spcPct val="100000"/>
+              </a:lnSpc>
+              <a:spcBef>
+                <a:spcPct val="0"/>
+              </a:spcBef>
+              <a:spcAft>
+                <a:spcPct val="0"/>
+              </a:spcAft>
+              <a:buClrTx/>
+              <a:buSzTx/>
+              <a:buFontTx/>
+              <a:buNone/>
+              <a:tabLst/>
+            </a:pPr>
+            <a:r>
+              <a:rPr kumimoji="0" lang="en-US" altLang="en-US" b="0" i="0" u="none" strike="noStrike" cap="none" normalizeH="0" baseline="0" dirty="0" smtClean="0">
+                <a:ln>
+                  <a:noFill/>
+                </a:ln>
+                <a:solidFill>
+                  <a:srgbClr val="000000"/>
+                </a:solidFill>
+                <a:effectLst/>
+                <a:latin typeface="Consolas" panose="020B0609020204030204" pitchFamily="49" charset="0"/>
+                <a:cs typeface="Consolas" panose="020B0609020204030204" pitchFamily="49" charset="0"/>
+              </a:rPr>
+              <a:t>} </a:t>
+            </a:r>
+            <a:endParaRPr kumimoji="0" lang="en-US" altLang="en-US" sz="6000" b="0" i="0" u="none" strike="noStrike" cap="none" normalizeH="0" baseline="0" dirty="0" smtClean="0">
+              <a:ln>
+                <a:noFill/>
+              </a:ln>
+              <a:solidFill>
+                <a:schemeClr val="tx1"/>
+              </a:solidFill>
+              <a:effectLst/>
+              <a:latin typeface="Arial" panose="020B0604020202020204" pitchFamily="34" charset="0"/>
+            </a:endParaRPr>
           </a:p>
         </p:txBody>
       </p:sp>
     </p:spTree>
     <p:extLst>
       <p:ext uri="{BB962C8B-B14F-4D97-AF65-F5344CB8AC3E}">
-        <p14:creationId xmlns:p14="http://schemas.microsoft.com/office/powerpoint/2010/main" val="3719254297"/>
+        <p14:creationId xmlns:p14="http://schemas.microsoft.com/office/powerpoint/2010/main" val="770490445"/>
       </p:ext>
     </p:extLst>
   </p:cSld>
@@ -11317,12 +11283,8 @@
           <a:lstStyle/>
           <a:p>
             <a:r>
-              <a:rPr lang="en-US" dirty="0" err="1" smtClean="0"/>
-              <a:t>Async</a:t>
-            </a:r>
-            <a:r>
-              <a:rPr lang="en-US" dirty="0" smtClean="0"/>
-              <a:t> Module</a:t>
+              <a:rPr lang="en-US" dirty="0" smtClean="0"/>
+              <a:t>Popular NPM Modules</a:t>
             </a:r>
             <a:endParaRPr lang="en-US" dirty="0"/>
           </a:p>
@@ -11347,646 +11309,81 @@
               <a:buNone/>
             </a:pPr>
             <a:r>
-              <a:rPr lang="en-US" dirty="0" err="1"/>
-              <a:t>Async</a:t>
-            </a:r>
-            <a:r>
-              <a:rPr lang="en-US" dirty="0"/>
-              <a:t> is a utility module which provides straight-forward, powerful functions for working with asynchronous JavaScript.</a:t>
-            </a:r>
-          </a:p>
-          <a:p>
-            <a:pPr marL="0" lvl="0" indent="0">
-              <a:spcBef>
-                <a:spcPts val="0"/>
-              </a:spcBef>
-              <a:buNone/>
-            </a:pPr>
-            <a:r>
-              <a:rPr lang="en-US" altLang="en-US" sz="2000" dirty="0" err="1" smtClean="0">
-                <a:solidFill>
-                  <a:srgbClr val="000000"/>
-                </a:solidFill>
-                <a:latin typeface="Consolas" panose="020B0609020204030204" pitchFamily="49" charset="0"/>
-                <a:cs typeface="Consolas" panose="020B0609020204030204" pitchFamily="49" charset="0"/>
-              </a:rPr>
-              <a:t>async.map</a:t>
-            </a:r>
-            <a:r>
-              <a:rPr lang="en-US" altLang="en-US" sz="2000" dirty="0">
-                <a:solidFill>
-                  <a:srgbClr val="000000"/>
-                </a:solidFill>
-                <a:latin typeface="Consolas" panose="020B0609020204030204" pitchFamily="49" charset="0"/>
-                <a:cs typeface="Consolas" panose="020B0609020204030204" pitchFamily="49" charset="0"/>
-              </a:rPr>
-              <a:t>([</a:t>
-            </a:r>
-            <a:r>
-              <a:rPr lang="en-US" altLang="en-US" sz="2000" dirty="0">
-                <a:solidFill>
-                  <a:srgbClr val="A31515"/>
-                </a:solidFill>
-                <a:latin typeface="Consolas" panose="020B0609020204030204" pitchFamily="49" charset="0"/>
-                <a:cs typeface="Consolas" panose="020B0609020204030204" pitchFamily="49" charset="0"/>
-              </a:rPr>
-              <a:t>'file1'</a:t>
-            </a:r>
-            <a:r>
-              <a:rPr lang="en-US" altLang="en-US" sz="2000" dirty="0">
-                <a:solidFill>
-                  <a:srgbClr val="000000"/>
-                </a:solidFill>
-                <a:latin typeface="Consolas" panose="020B0609020204030204" pitchFamily="49" charset="0"/>
-                <a:cs typeface="Consolas" panose="020B0609020204030204" pitchFamily="49" charset="0"/>
-              </a:rPr>
-              <a:t>,</a:t>
-            </a:r>
-            <a:r>
-              <a:rPr lang="en-US" altLang="en-US" sz="2000" dirty="0">
-                <a:solidFill>
-                  <a:srgbClr val="A31515"/>
-                </a:solidFill>
-                <a:latin typeface="Consolas" panose="020B0609020204030204" pitchFamily="49" charset="0"/>
-                <a:cs typeface="Consolas" panose="020B0609020204030204" pitchFamily="49" charset="0"/>
-              </a:rPr>
-              <a:t>'file2'</a:t>
-            </a:r>
-            <a:r>
-              <a:rPr lang="en-US" altLang="en-US" sz="2000" dirty="0">
-                <a:solidFill>
-                  <a:srgbClr val="000000"/>
-                </a:solidFill>
-                <a:latin typeface="Consolas" panose="020B0609020204030204" pitchFamily="49" charset="0"/>
-                <a:cs typeface="Consolas" panose="020B0609020204030204" pitchFamily="49" charset="0"/>
-              </a:rPr>
-              <a:t>,</a:t>
-            </a:r>
-            <a:r>
-              <a:rPr lang="en-US" altLang="en-US" sz="2000" dirty="0">
-                <a:solidFill>
-                  <a:srgbClr val="A31515"/>
-                </a:solidFill>
-                <a:latin typeface="Consolas" panose="020B0609020204030204" pitchFamily="49" charset="0"/>
-                <a:cs typeface="Consolas" panose="020B0609020204030204" pitchFamily="49" charset="0"/>
-              </a:rPr>
-              <a:t>'file3'</a:t>
-            </a:r>
-            <a:r>
-              <a:rPr lang="en-US" altLang="en-US" sz="2000" dirty="0">
-                <a:solidFill>
-                  <a:srgbClr val="000000"/>
-                </a:solidFill>
-                <a:latin typeface="Consolas" panose="020B0609020204030204" pitchFamily="49" charset="0"/>
-                <a:cs typeface="Consolas" panose="020B0609020204030204" pitchFamily="49" charset="0"/>
-              </a:rPr>
-              <a:t>], </a:t>
-            </a:r>
-            <a:r>
-              <a:rPr lang="en-US" altLang="en-US" sz="2000" dirty="0" err="1">
-                <a:solidFill>
-                  <a:srgbClr val="000000"/>
-                </a:solidFill>
-                <a:latin typeface="Consolas" panose="020B0609020204030204" pitchFamily="49" charset="0"/>
-                <a:cs typeface="Consolas" panose="020B0609020204030204" pitchFamily="49" charset="0"/>
-              </a:rPr>
-              <a:t>fs.stat</a:t>
-            </a:r>
-            <a:r>
-              <a:rPr lang="en-US" altLang="en-US" sz="2000" dirty="0">
-                <a:solidFill>
-                  <a:srgbClr val="000000"/>
-                </a:solidFill>
-                <a:latin typeface="Consolas" panose="020B0609020204030204" pitchFamily="49" charset="0"/>
-                <a:cs typeface="Consolas" panose="020B0609020204030204" pitchFamily="49" charset="0"/>
-              </a:rPr>
-              <a:t>, </a:t>
-            </a:r>
-            <a:r>
-              <a:rPr lang="en-US" altLang="en-US" sz="2000" dirty="0">
-                <a:solidFill>
-                  <a:srgbClr val="0000FF"/>
-                </a:solidFill>
-                <a:latin typeface="Consolas" panose="020B0609020204030204" pitchFamily="49" charset="0"/>
-                <a:cs typeface="Consolas" panose="020B0609020204030204" pitchFamily="49" charset="0"/>
-              </a:rPr>
-              <a:t>function</a:t>
-            </a:r>
-            <a:r>
-              <a:rPr lang="en-US" altLang="en-US" sz="2000" dirty="0">
-                <a:solidFill>
-                  <a:srgbClr val="000000"/>
-                </a:solidFill>
-                <a:latin typeface="Consolas" panose="020B0609020204030204" pitchFamily="49" charset="0"/>
-                <a:cs typeface="Consolas" panose="020B0609020204030204" pitchFamily="49" charset="0"/>
-              </a:rPr>
-              <a:t> (err, results) {</a:t>
-            </a:r>
-          </a:p>
-          <a:p>
-            <a:pPr marL="0" lvl="0" indent="0">
-              <a:spcBef>
-                <a:spcPts val="0"/>
-              </a:spcBef>
-              <a:buNone/>
-            </a:pPr>
-            <a:r>
-              <a:rPr lang="en-US" altLang="en-US" sz="2000" dirty="0">
-                <a:solidFill>
-                  <a:srgbClr val="000000"/>
-                </a:solidFill>
-                <a:latin typeface="Consolas" panose="020B0609020204030204" pitchFamily="49" charset="0"/>
-                <a:cs typeface="Consolas" panose="020B0609020204030204" pitchFamily="49" charset="0"/>
-              </a:rPr>
-              <a:t>     </a:t>
-            </a:r>
-            <a:r>
-              <a:rPr lang="en-US" altLang="en-US" sz="2000" dirty="0">
-                <a:solidFill>
-                  <a:srgbClr val="008000"/>
-                </a:solidFill>
-                <a:latin typeface="Consolas" panose="020B0609020204030204" pitchFamily="49" charset="0"/>
-                <a:cs typeface="Consolas" panose="020B0609020204030204" pitchFamily="49" charset="0"/>
-              </a:rPr>
-              <a:t>// results is now an array of stats for each file</a:t>
-            </a:r>
-            <a:r>
-              <a:rPr lang="en-US" altLang="en-US" sz="2000" dirty="0">
-                <a:solidFill>
-                  <a:srgbClr val="000000"/>
-                </a:solidFill>
-                <a:latin typeface="Consolas" panose="020B0609020204030204" pitchFamily="49" charset="0"/>
-                <a:cs typeface="Consolas" panose="020B0609020204030204" pitchFamily="49" charset="0"/>
-              </a:rPr>
-              <a:t> </a:t>
-            </a:r>
-          </a:p>
-          <a:p>
-            <a:pPr marL="0" lvl="0" indent="0">
-              <a:spcBef>
-                <a:spcPts val="0"/>
-              </a:spcBef>
-              <a:buNone/>
-            </a:pPr>
-            <a:r>
-              <a:rPr lang="en-US" altLang="en-US" sz="2000" dirty="0">
-                <a:solidFill>
-                  <a:srgbClr val="000000"/>
-                </a:solidFill>
-                <a:latin typeface="Consolas" panose="020B0609020204030204" pitchFamily="49" charset="0"/>
-                <a:cs typeface="Consolas" panose="020B0609020204030204" pitchFamily="49" charset="0"/>
-              </a:rPr>
-              <a:t>});</a:t>
-            </a:r>
-          </a:p>
-          <a:p>
-            <a:pPr marL="0" lvl="0" indent="0">
-              <a:spcBef>
-                <a:spcPts val="0"/>
-              </a:spcBef>
-              <a:buNone/>
-            </a:pPr>
-            <a:r>
-              <a:rPr lang="en-US" altLang="en-US" sz="2000" dirty="0" err="1">
-                <a:solidFill>
-                  <a:srgbClr val="000000"/>
-                </a:solidFill>
-                <a:latin typeface="Consolas" panose="020B0609020204030204" pitchFamily="49" charset="0"/>
-                <a:cs typeface="Consolas" panose="020B0609020204030204" pitchFamily="49" charset="0"/>
-              </a:rPr>
-              <a:t>async.filter</a:t>
-            </a:r>
-            <a:r>
-              <a:rPr lang="en-US" altLang="en-US" sz="2000" dirty="0">
-                <a:solidFill>
-                  <a:srgbClr val="000000"/>
-                </a:solidFill>
-                <a:latin typeface="Consolas" panose="020B0609020204030204" pitchFamily="49" charset="0"/>
-                <a:cs typeface="Consolas" panose="020B0609020204030204" pitchFamily="49" charset="0"/>
-              </a:rPr>
-              <a:t>([</a:t>
-            </a:r>
-            <a:r>
-              <a:rPr lang="en-US" altLang="en-US" sz="2000" dirty="0">
-                <a:solidFill>
-                  <a:srgbClr val="A31515"/>
-                </a:solidFill>
-                <a:latin typeface="Consolas" panose="020B0609020204030204" pitchFamily="49" charset="0"/>
-                <a:cs typeface="Consolas" panose="020B0609020204030204" pitchFamily="49" charset="0"/>
-              </a:rPr>
-              <a:t>'file1'</a:t>
-            </a:r>
-            <a:r>
-              <a:rPr lang="en-US" altLang="en-US" sz="2000" dirty="0">
-                <a:solidFill>
-                  <a:srgbClr val="000000"/>
-                </a:solidFill>
-                <a:latin typeface="Consolas" panose="020B0609020204030204" pitchFamily="49" charset="0"/>
-                <a:cs typeface="Consolas" panose="020B0609020204030204" pitchFamily="49" charset="0"/>
-              </a:rPr>
-              <a:t>,</a:t>
-            </a:r>
-            <a:r>
-              <a:rPr lang="en-US" altLang="en-US" sz="2000" dirty="0">
-                <a:solidFill>
-                  <a:srgbClr val="A31515"/>
-                </a:solidFill>
-                <a:latin typeface="Consolas" panose="020B0609020204030204" pitchFamily="49" charset="0"/>
-                <a:cs typeface="Consolas" panose="020B0609020204030204" pitchFamily="49" charset="0"/>
-              </a:rPr>
-              <a:t>'file2'</a:t>
-            </a:r>
-            <a:r>
-              <a:rPr lang="en-US" altLang="en-US" sz="2000" dirty="0">
-                <a:solidFill>
-                  <a:srgbClr val="000000"/>
-                </a:solidFill>
-                <a:latin typeface="Consolas" panose="020B0609020204030204" pitchFamily="49" charset="0"/>
-                <a:cs typeface="Consolas" panose="020B0609020204030204" pitchFamily="49" charset="0"/>
-              </a:rPr>
-              <a:t>,</a:t>
-            </a:r>
-            <a:r>
-              <a:rPr lang="en-US" altLang="en-US" sz="2000" dirty="0">
-                <a:solidFill>
-                  <a:srgbClr val="A31515"/>
-                </a:solidFill>
-                <a:latin typeface="Consolas" panose="020B0609020204030204" pitchFamily="49" charset="0"/>
-                <a:cs typeface="Consolas" panose="020B0609020204030204" pitchFamily="49" charset="0"/>
-              </a:rPr>
-              <a:t>'file3'</a:t>
-            </a:r>
-            <a:r>
-              <a:rPr lang="en-US" altLang="en-US" sz="2000" dirty="0">
-                <a:solidFill>
-                  <a:srgbClr val="000000"/>
-                </a:solidFill>
-                <a:latin typeface="Consolas" panose="020B0609020204030204" pitchFamily="49" charset="0"/>
-                <a:cs typeface="Consolas" panose="020B0609020204030204" pitchFamily="49" charset="0"/>
-              </a:rPr>
-              <a:t>], </a:t>
-            </a:r>
-            <a:r>
-              <a:rPr lang="en-US" altLang="en-US" sz="2000" dirty="0" err="1">
-                <a:solidFill>
-                  <a:srgbClr val="000000"/>
-                </a:solidFill>
-                <a:latin typeface="Consolas" panose="020B0609020204030204" pitchFamily="49" charset="0"/>
-                <a:cs typeface="Consolas" panose="020B0609020204030204" pitchFamily="49" charset="0"/>
-              </a:rPr>
-              <a:t>fs.exists</a:t>
-            </a:r>
-            <a:r>
-              <a:rPr lang="en-US" altLang="en-US" sz="2000" dirty="0">
-                <a:solidFill>
-                  <a:srgbClr val="000000"/>
-                </a:solidFill>
-                <a:latin typeface="Consolas" panose="020B0609020204030204" pitchFamily="49" charset="0"/>
-                <a:cs typeface="Consolas" panose="020B0609020204030204" pitchFamily="49" charset="0"/>
-              </a:rPr>
-              <a:t>, </a:t>
-            </a:r>
-            <a:r>
-              <a:rPr lang="en-US" altLang="en-US" sz="2000" dirty="0">
-                <a:solidFill>
-                  <a:srgbClr val="0000FF"/>
-                </a:solidFill>
-                <a:latin typeface="Consolas" panose="020B0609020204030204" pitchFamily="49" charset="0"/>
-                <a:cs typeface="Consolas" panose="020B0609020204030204" pitchFamily="49" charset="0"/>
-              </a:rPr>
-              <a:t>function</a:t>
-            </a:r>
-            <a:r>
-              <a:rPr lang="en-US" altLang="en-US" sz="2000" dirty="0">
-                <a:solidFill>
-                  <a:srgbClr val="000000"/>
-                </a:solidFill>
-                <a:latin typeface="Consolas" panose="020B0609020204030204" pitchFamily="49" charset="0"/>
-                <a:cs typeface="Consolas" panose="020B0609020204030204" pitchFamily="49" charset="0"/>
-              </a:rPr>
-              <a:t> (results) {     </a:t>
-            </a:r>
-          </a:p>
-          <a:p>
-            <a:pPr marL="0" lvl="0" indent="0">
-              <a:spcBef>
-                <a:spcPts val="0"/>
-              </a:spcBef>
-              <a:buNone/>
-            </a:pPr>
-            <a:r>
-              <a:rPr lang="en-US" altLang="en-US" sz="2000" dirty="0">
-                <a:solidFill>
-                  <a:srgbClr val="008000"/>
-                </a:solidFill>
-                <a:latin typeface="Consolas" panose="020B0609020204030204" pitchFamily="49" charset="0"/>
-                <a:cs typeface="Consolas" panose="020B0609020204030204" pitchFamily="49" charset="0"/>
-              </a:rPr>
-              <a:t>     // results now equals an array of the existing files</a:t>
-            </a:r>
-            <a:r>
-              <a:rPr lang="en-US" altLang="en-US" sz="2000" dirty="0">
-                <a:solidFill>
-                  <a:srgbClr val="000000"/>
-                </a:solidFill>
-                <a:latin typeface="Consolas" panose="020B0609020204030204" pitchFamily="49" charset="0"/>
-                <a:cs typeface="Consolas" panose="020B0609020204030204" pitchFamily="49" charset="0"/>
-              </a:rPr>
-              <a:t> </a:t>
-            </a:r>
-          </a:p>
-          <a:p>
-            <a:pPr marL="0" lvl="0" indent="0">
-              <a:spcBef>
-                <a:spcPts val="0"/>
-              </a:spcBef>
-              <a:buNone/>
-            </a:pPr>
-            <a:r>
-              <a:rPr lang="en-US" altLang="en-US" sz="2000" dirty="0">
-                <a:solidFill>
-                  <a:srgbClr val="000000"/>
-                </a:solidFill>
-                <a:latin typeface="Consolas" panose="020B0609020204030204" pitchFamily="49" charset="0"/>
-                <a:cs typeface="Consolas" panose="020B0609020204030204" pitchFamily="49" charset="0"/>
-              </a:rPr>
-              <a:t>}); </a:t>
-            </a:r>
-          </a:p>
-          <a:p>
-            <a:pPr marL="0" lvl="0" indent="0">
-              <a:spcBef>
-                <a:spcPts val="0"/>
-              </a:spcBef>
-              <a:buNone/>
-            </a:pPr>
-            <a:r>
-              <a:rPr lang="en-US" altLang="en-US" sz="2000" dirty="0" err="1" smtClean="0">
-                <a:solidFill>
-                  <a:srgbClr val="000000"/>
-                </a:solidFill>
-                <a:latin typeface="Consolas" panose="020B0609020204030204" pitchFamily="49" charset="0"/>
-                <a:cs typeface="Consolas" panose="020B0609020204030204" pitchFamily="49" charset="0"/>
-              </a:rPr>
-              <a:t>async.parallel</a:t>
-            </a:r>
-            <a:r>
-              <a:rPr lang="en-US" altLang="en-US" sz="2000" dirty="0" smtClean="0">
-                <a:solidFill>
-                  <a:srgbClr val="000000"/>
-                </a:solidFill>
-                <a:latin typeface="Consolas" panose="020B0609020204030204" pitchFamily="49" charset="0"/>
-                <a:cs typeface="Consolas" panose="020B0609020204030204" pitchFamily="49" charset="0"/>
-              </a:rPr>
-              <a:t>([</a:t>
-            </a:r>
-          </a:p>
-          <a:p>
-            <a:pPr marL="0" lvl="0" indent="0">
-              <a:spcBef>
-                <a:spcPts val="0"/>
-              </a:spcBef>
-              <a:buNone/>
-            </a:pPr>
-            <a:r>
-              <a:rPr lang="en-US" altLang="en-US" sz="2000" dirty="0" smtClean="0">
-                <a:solidFill>
-                  <a:srgbClr val="000000"/>
-                </a:solidFill>
-                <a:latin typeface="Consolas" panose="020B0609020204030204" pitchFamily="49" charset="0"/>
-                <a:cs typeface="Consolas" panose="020B0609020204030204" pitchFamily="49" charset="0"/>
-              </a:rPr>
-              <a:t> </a:t>
-            </a:r>
-            <a:r>
-              <a:rPr lang="en-US" altLang="en-US" sz="2000" dirty="0">
-                <a:solidFill>
-                  <a:srgbClr val="000000"/>
-                </a:solidFill>
-                <a:latin typeface="Consolas" panose="020B0609020204030204" pitchFamily="49" charset="0"/>
-                <a:cs typeface="Consolas" panose="020B0609020204030204" pitchFamily="49" charset="0"/>
-              </a:rPr>
-              <a:t>    </a:t>
-            </a:r>
-            <a:r>
-              <a:rPr lang="en-US" altLang="en-US" sz="2000" dirty="0">
-                <a:solidFill>
-                  <a:srgbClr val="0000FF"/>
-                </a:solidFill>
-                <a:latin typeface="Consolas" panose="020B0609020204030204" pitchFamily="49" charset="0"/>
-                <a:cs typeface="Consolas" panose="020B0609020204030204" pitchFamily="49" charset="0"/>
-              </a:rPr>
-              <a:t>function</a:t>
-            </a:r>
-            <a:r>
-              <a:rPr lang="en-US" altLang="en-US" sz="2000" dirty="0">
-                <a:solidFill>
-                  <a:srgbClr val="000000"/>
-                </a:solidFill>
-                <a:latin typeface="Consolas" panose="020B0609020204030204" pitchFamily="49" charset="0"/>
-                <a:cs typeface="Consolas" panose="020B0609020204030204" pitchFamily="49" charset="0"/>
-              </a:rPr>
-              <a:t> () {  },</a:t>
-            </a:r>
-          </a:p>
-          <a:p>
-            <a:pPr marL="0" lvl="0" indent="0">
-              <a:spcBef>
-                <a:spcPts val="0"/>
-              </a:spcBef>
-              <a:buNone/>
-            </a:pPr>
-            <a:r>
-              <a:rPr lang="en-US" altLang="en-US" sz="2000" dirty="0">
-                <a:solidFill>
-                  <a:srgbClr val="000000"/>
-                </a:solidFill>
-                <a:latin typeface="Consolas" panose="020B0609020204030204" pitchFamily="49" charset="0"/>
-                <a:cs typeface="Consolas" panose="020B0609020204030204" pitchFamily="49" charset="0"/>
-              </a:rPr>
-              <a:t>     </a:t>
-            </a:r>
-            <a:r>
-              <a:rPr lang="en-US" altLang="en-US" sz="2000" dirty="0">
-                <a:solidFill>
-                  <a:srgbClr val="0000FF"/>
-                </a:solidFill>
-                <a:latin typeface="Consolas" panose="020B0609020204030204" pitchFamily="49" charset="0"/>
-                <a:cs typeface="Consolas" panose="020B0609020204030204" pitchFamily="49" charset="0"/>
-              </a:rPr>
-              <a:t>function</a:t>
-            </a:r>
-            <a:r>
-              <a:rPr lang="en-US" altLang="en-US" sz="2000" dirty="0">
-                <a:solidFill>
-                  <a:srgbClr val="000000"/>
-                </a:solidFill>
-                <a:latin typeface="Consolas" panose="020B0609020204030204" pitchFamily="49" charset="0"/>
-                <a:cs typeface="Consolas" panose="020B0609020204030204" pitchFamily="49" charset="0"/>
-              </a:rPr>
-              <a:t> () {  }</a:t>
-            </a:r>
-          </a:p>
-          <a:p>
-            <a:pPr marL="0" lvl="0" indent="0">
-              <a:spcBef>
-                <a:spcPts val="0"/>
-              </a:spcBef>
-              <a:buNone/>
-            </a:pPr>
-            <a:r>
-              <a:rPr lang="en-US" altLang="en-US" sz="2000" dirty="0">
-                <a:solidFill>
-                  <a:srgbClr val="000000"/>
-                </a:solidFill>
-                <a:latin typeface="Consolas" panose="020B0609020204030204" pitchFamily="49" charset="0"/>
-                <a:cs typeface="Consolas" panose="020B0609020204030204" pitchFamily="49" charset="0"/>
-              </a:rPr>
-              <a:t>], callback);</a:t>
-            </a:r>
-          </a:p>
-          <a:p>
-            <a:pPr marL="0" lvl="0" indent="0">
-              <a:spcBef>
-                <a:spcPts val="0"/>
-              </a:spcBef>
-              <a:buNone/>
-            </a:pPr>
-            <a:r>
-              <a:rPr lang="en-US" altLang="en-US" sz="2000" dirty="0" err="1">
-                <a:solidFill>
-                  <a:srgbClr val="000000"/>
-                </a:solidFill>
-                <a:latin typeface="Consolas" panose="020B0609020204030204" pitchFamily="49" charset="0"/>
-                <a:cs typeface="Consolas" panose="020B0609020204030204" pitchFamily="49" charset="0"/>
-              </a:rPr>
-              <a:t>async.series</a:t>
-            </a:r>
-            <a:r>
-              <a:rPr lang="en-US" altLang="en-US" sz="2000" dirty="0">
-                <a:solidFill>
-                  <a:srgbClr val="000000"/>
-                </a:solidFill>
-                <a:latin typeface="Consolas" panose="020B0609020204030204" pitchFamily="49" charset="0"/>
-                <a:cs typeface="Consolas" panose="020B0609020204030204" pitchFamily="49" charset="0"/>
-              </a:rPr>
-              <a:t>([</a:t>
-            </a:r>
-          </a:p>
-          <a:p>
-            <a:pPr marL="0" lvl="0" indent="0">
-              <a:spcBef>
-                <a:spcPts val="0"/>
-              </a:spcBef>
-              <a:buNone/>
-            </a:pPr>
-            <a:r>
-              <a:rPr lang="en-US" altLang="en-US" sz="2000" dirty="0">
-                <a:solidFill>
-                  <a:srgbClr val="000000"/>
-                </a:solidFill>
-                <a:latin typeface="Consolas" panose="020B0609020204030204" pitchFamily="49" charset="0"/>
-                <a:cs typeface="Consolas" panose="020B0609020204030204" pitchFamily="49" charset="0"/>
-              </a:rPr>
-              <a:t>     </a:t>
-            </a:r>
-            <a:r>
-              <a:rPr lang="en-US" altLang="en-US" sz="2000" dirty="0">
-                <a:solidFill>
-                  <a:srgbClr val="0000FF"/>
-                </a:solidFill>
-                <a:latin typeface="Consolas" panose="020B0609020204030204" pitchFamily="49" charset="0"/>
-                <a:cs typeface="Consolas" panose="020B0609020204030204" pitchFamily="49" charset="0"/>
-              </a:rPr>
-              <a:t>function</a:t>
-            </a:r>
-            <a:r>
-              <a:rPr lang="en-US" altLang="en-US" sz="2000" dirty="0">
-                <a:solidFill>
-                  <a:srgbClr val="000000"/>
-                </a:solidFill>
-                <a:latin typeface="Consolas" panose="020B0609020204030204" pitchFamily="49" charset="0"/>
-                <a:cs typeface="Consolas" panose="020B0609020204030204" pitchFamily="49" charset="0"/>
-              </a:rPr>
-              <a:t> () {  },</a:t>
-            </a:r>
-          </a:p>
-          <a:p>
-            <a:pPr marL="0" lvl="0" indent="0">
-              <a:spcBef>
-                <a:spcPts val="0"/>
-              </a:spcBef>
-              <a:buNone/>
-            </a:pPr>
-            <a:r>
-              <a:rPr lang="en-US" altLang="en-US" sz="2000" dirty="0">
-                <a:solidFill>
-                  <a:srgbClr val="000000"/>
-                </a:solidFill>
-                <a:latin typeface="Consolas" panose="020B0609020204030204" pitchFamily="49" charset="0"/>
-                <a:cs typeface="Consolas" panose="020B0609020204030204" pitchFamily="49" charset="0"/>
-              </a:rPr>
-              <a:t>     </a:t>
-            </a:r>
-            <a:r>
-              <a:rPr lang="en-US" altLang="en-US" sz="2000" dirty="0">
-                <a:solidFill>
-                  <a:srgbClr val="0000FF"/>
-                </a:solidFill>
-                <a:latin typeface="Consolas" panose="020B0609020204030204" pitchFamily="49" charset="0"/>
-                <a:cs typeface="Consolas" panose="020B0609020204030204" pitchFamily="49" charset="0"/>
-              </a:rPr>
-              <a:t>function</a:t>
-            </a:r>
-            <a:r>
-              <a:rPr lang="en-US" altLang="en-US" sz="2000" dirty="0">
-                <a:solidFill>
-                  <a:srgbClr val="000000"/>
-                </a:solidFill>
-                <a:latin typeface="Consolas" panose="020B0609020204030204" pitchFamily="49" charset="0"/>
-                <a:cs typeface="Consolas" panose="020B0609020204030204" pitchFamily="49" charset="0"/>
-              </a:rPr>
-              <a:t> () {  }</a:t>
-            </a:r>
-          </a:p>
-          <a:p>
-            <a:pPr marL="0" lvl="0" indent="0">
-              <a:spcBef>
-                <a:spcPts val="0"/>
-              </a:spcBef>
-              <a:buNone/>
-            </a:pPr>
-            <a:r>
-              <a:rPr lang="en-US" altLang="en-US" sz="2000" dirty="0">
-                <a:solidFill>
-                  <a:srgbClr val="000000"/>
-                </a:solidFill>
-                <a:latin typeface="Consolas" panose="020B0609020204030204" pitchFamily="49" charset="0"/>
-                <a:cs typeface="Consolas" panose="020B0609020204030204" pitchFamily="49" charset="0"/>
-              </a:rPr>
-              <a:t>]);</a:t>
-            </a:r>
-            <a:endParaRPr lang="en-US" altLang="en-US" sz="2000" dirty="0">
-              <a:latin typeface="Arial" panose="020B0604020202020204" pitchFamily="34" charset="0"/>
-            </a:endParaRPr>
-          </a:p>
-          <a:p>
-            <a:pPr marL="0" indent="0">
-              <a:buNone/>
-            </a:pPr>
-            <a:endParaRPr lang="en-US" sz="1800" dirty="0"/>
-          </a:p>
-          <a:p>
-            <a:pPr marL="0" indent="0">
-              <a:buNone/>
-            </a:pPr>
-            <a:endParaRPr lang="en-US" dirty="0"/>
-          </a:p>
-          <a:p>
-            <a:endParaRPr lang="en-US" dirty="0"/>
-          </a:p>
-          <a:p>
-            <a:endParaRPr lang="en-US" dirty="0"/>
+              <a:rPr lang="en-US" sz="2800" b="1" dirty="0"/>
+              <a:t>Most Depended Upon</a:t>
+            </a:r>
+          </a:p>
+          <a:p>
+            <a:r>
+              <a:rPr lang="en-US" sz="2800" dirty="0" smtClean="0">
+                <a:hlinkClick r:id="rId2"/>
+              </a:rPr>
+              <a:t>underscore</a:t>
+            </a:r>
+            <a:endParaRPr lang="en-US" sz="2800" dirty="0"/>
+          </a:p>
+          <a:p>
+            <a:r>
+              <a:rPr lang="en-US" sz="2800" dirty="0" err="1" smtClean="0">
+                <a:hlinkClick r:id="rId3"/>
+              </a:rPr>
+              <a:t>async</a:t>
+            </a:r>
+            <a:endParaRPr lang="en-US" sz="2800" dirty="0"/>
+          </a:p>
+          <a:p>
+            <a:r>
+              <a:rPr lang="en-US" sz="2800" dirty="0" smtClean="0">
+                <a:hlinkClick r:id="rId4"/>
+              </a:rPr>
+              <a:t>request</a:t>
+            </a:r>
+            <a:endParaRPr lang="en-US" sz="2800" dirty="0"/>
+          </a:p>
+          <a:p>
+            <a:r>
+              <a:rPr lang="en-US" sz="2800" dirty="0" err="1" smtClean="0">
+                <a:hlinkClick r:id="rId5"/>
+              </a:rPr>
+              <a:t>lodash</a:t>
+            </a:r>
+            <a:endParaRPr lang="en-US" sz="2800" dirty="0"/>
+          </a:p>
+          <a:p>
+            <a:r>
+              <a:rPr lang="en-US" sz="2800" dirty="0" smtClean="0">
+                <a:hlinkClick r:id="rId6"/>
+              </a:rPr>
+              <a:t>commander</a:t>
+            </a:r>
+            <a:endParaRPr lang="en-US" sz="2800" dirty="0"/>
+          </a:p>
+          <a:p>
+            <a:r>
+              <a:rPr lang="en-US" sz="2800" dirty="0" smtClean="0">
+                <a:hlinkClick r:id="rId7"/>
+              </a:rPr>
+              <a:t>express</a:t>
+            </a:r>
+            <a:endParaRPr lang="en-US" sz="2800" dirty="0"/>
+          </a:p>
+          <a:p>
+            <a:r>
+              <a:rPr lang="en-US" sz="2800" dirty="0" smtClean="0">
+                <a:hlinkClick r:id="rId8"/>
+              </a:rPr>
+              <a:t>optimist</a:t>
+            </a:r>
+            <a:endParaRPr lang="en-US" sz="2800" dirty="0"/>
+          </a:p>
+          <a:p>
+            <a:r>
+              <a:rPr lang="en-US" sz="2800" dirty="0" smtClean="0">
+                <a:hlinkClick r:id="rId9"/>
+              </a:rPr>
+              <a:t>coffee-script</a:t>
+            </a:r>
+            <a:endParaRPr lang="en-US" sz="2800" dirty="0"/>
           </a:p>
           <a:p>
             <a:pPr marL="0" indent="0">
@@ -11999,7 +11396,7 @@
     </p:spTree>
     <p:extLst>
       <p:ext uri="{BB962C8B-B14F-4D97-AF65-F5344CB8AC3E}">
-        <p14:creationId xmlns:p14="http://schemas.microsoft.com/office/powerpoint/2010/main" val="3981174589"/>
+        <p14:creationId xmlns:p14="http://schemas.microsoft.com/office/powerpoint/2010/main" val="1474797870"/>
       </p:ext>
     </p:extLst>
   </p:cSld>
@@ -12042,8 +11439,12 @@
           <a:lstStyle/>
           <a:p>
             <a:r>
-              <a:rPr lang="en-US" dirty="0" smtClean="0"/>
-              <a:t>Request Module</a:t>
+              <a:rPr lang="en-US" dirty="0" err="1" smtClean="0"/>
+              <a:t>Async</a:t>
+            </a:r>
+            <a:r>
+              <a:rPr lang="en-US" dirty="0" smtClean="0"/>
+              <a:t> Module</a:t>
             </a:r>
             <a:endParaRPr lang="en-US" dirty="0"/>
           </a:p>
@@ -12068,119 +11469,151 @@
               <a:buNone/>
             </a:pPr>
             <a:r>
+              <a:rPr lang="en-US" dirty="0" err="1"/>
+              <a:t>Async</a:t>
+            </a:r>
+            <a:r>
               <a:rPr lang="en-US" dirty="0"/>
-              <a:t>Request is designed to be the simplest way possible to make http calls. It supports HTTPS, streaming and follows redirects by default.</a:t>
-            </a:r>
-          </a:p>
-          <a:p>
-            <a:pPr marL="0" indent="0">
-              <a:buNone/>
-            </a:pPr>
-            <a:endParaRPr lang="en-US" dirty="0"/>
+              <a:t> is a utility module which provides straight-forward, powerful functions for working with asynchronous JavaScript.</a:t>
+            </a:r>
           </a:p>
           <a:p>
             <a:pPr marL="0" lvl="0" indent="0">
-              <a:lnSpc>
-                <a:spcPct val="110000"/>
-              </a:lnSpc>
               <a:spcBef>
                 <a:spcPts val="0"/>
               </a:spcBef>
               <a:buNone/>
             </a:pPr>
             <a:r>
-              <a:rPr lang="en-US" altLang="en-US" sz="2400" dirty="0" err="1">
+              <a:rPr lang="en-US" altLang="en-US" sz="2000" dirty="0" err="1" smtClean="0">
+                <a:solidFill>
+                  <a:srgbClr val="000000"/>
+                </a:solidFill>
+                <a:latin typeface="Consolas" panose="020B0609020204030204" pitchFamily="49" charset="0"/>
+                <a:cs typeface="Consolas" panose="020B0609020204030204" pitchFamily="49" charset="0"/>
+              </a:rPr>
+              <a:t>async.map</a:t>
+            </a:r>
+            <a:r>
+              <a:rPr lang="en-US" altLang="en-US" sz="2000" dirty="0">
+                <a:solidFill>
+                  <a:srgbClr val="000000"/>
+                </a:solidFill>
+                <a:latin typeface="Consolas" panose="020B0609020204030204" pitchFamily="49" charset="0"/>
+                <a:cs typeface="Consolas" panose="020B0609020204030204" pitchFamily="49" charset="0"/>
+              </a:rPr>
+              <a:t>([</a:t>
+            </a:r>
+            <a:r>
+              <a:rPr lang="en-US" altLang="en-US" sz="2000" dirty="0">
+                <a:solidFill>
+                  <a:srgbClr val="A31515"/>
+                </a:solidFill>
+                <a:latin typeface="Consolas" panose="020B0609020204030204" pitchFamily="49" charset="0"/>
+                <a:cs typeface="Consolas" panose="020B0609020204030204" pitchFamily="49" charset="0"/>
+              </a:rPr>
+              <a:t>'file1'</a:t>
+            </a:r>
+            <a:r>
+              <a:rPr lang="en-US" altLang="en-US" sz="2000" dirty="0">
+                <a:solidFill>
+                  <a:srgbClr val="000000"/>
+                </a:solidFill>
+                <a:latin typeface="Consolas" panose="020B0609020204030204" pitchFamily="49" charset="0"/>
+                <a:cs typeface="Consolas" panose="020B0609020204030204" pitchFamily="49" charset="0"/>
+              </a:rPr>
+              <a:t>,</a:t>
+            </a:r>
+            <a:r>
+              <a:rPr lang="en-US" altLang="en-US" sz="2000" dirty="0">
+                <a:solidFill>
+                  <a:srgbClr val="A31515"/>
+                </a:solidFill>
+                <a:latin typeface="Consolas" panose="020B0609020204030204" pitchFamily="49" charset="0"/>
+                <a:cs typeface="Consolas" panose="020B0609020204030204" pitchFamily="49" charset="0"/>
+              </a:rPr>
+              <a:t>'file2'</a:t>
+            </a:r>
+            <a:r>
+              <a:rPr lang="en-US" altLang="en-US" sz="2000" dirty="0">
+                <a:solidFill>
+                  <a:srgbClr val="000000"/>
+                </a:solidFill>
+                <a:latin typeface="Consolas" panose="020B0609020204030204" pitchFamily="49" charset="0"/>
+                <a:cs typeface="Consolas" panose="020B0609020204030204" pitchFamily="49" charset="0"/>
+              </a:rPr>
+              <a:t>,</a:t>
+            </a:r>
+            <a:r>
+              <a:rPr lang="en-US" altLang="en-US" sz="2000" dirty="0">
+                <a:solidFill>
+                  <a:srgbClr val="A31515"/>
+                </a:solidFill>
+                <a:latin typeface="Consolas" panose="020B0609020204030204" pitchFamily="49" charset="0"/>
+                <a:cs typeface="Consolas" panose="020B0609020204030204" pitchFamily="49" charset="0"/>
+              </a:rPr>
+              <a:t>'file3'</a:t>
+            </a:r>
+            <a:r>
+              <a:rPr lang="en-US" altLang="en-US" sz="2000" dirty="0">
+                <a:solidFill>
+                  <a:srgbClr val="000000"/>
+                </a:solidFill>
+                <a:latin typeface="Consolas" panose="020B0609020204030204" pitchFamily="49" charset="0"/>
+                <a:cs typeface="Consolas" panose="020B0609020204030204" pitchFamily="49" charset="0"/>
+              </a:rPr>
+              <a:t>], </a:t>
+            </a:r>
+            <a:r>
+              <a:rPr lang="en-US" altLang="en-US" sz="2000" dirty="0" err="1">
+                <a:solidFill>
+                  <a:srgbClr val="000000"/>
+                </a:solidFill>
+                <a:latin typeface="Consolas" panose="020B0609020204030204" pitchFamily="49" charset="0"/>
+                <a:cs typeface="Consolas" panose="020B0609020204030204" pitchFamily="49" charset="0"/>
+              </a:rPr>
+              <a:t>fs.stat</a:t>
+            </a:r>
+            <a:r>
+              <a:rPr lang="en-US" altLang="en-US" sz="2000" dirty="0">
+                <a:solidFill>
+                  <a:srgbClr val="000000"/>
+                </a:solidFill>
+                <a:latin typeface="Consolas" panose="020B0609020204030204" pitchFamily="49" charset="0"/>
+                <a:cs typeface="Consolas" panose="020B0609020204030204" pitchFamily="49" charset="0"/>
+              </a:rPr>
+              <a:t>, </a:t>
+            </a:r>
+            <a:r>
+              <a:rPr lang="en-US" altLang="en-US" sz="2000" dirty="0">
                 <a:solidFill>
                   <a:srgbClr val="0000FF"/>
                 </a:solidFill>
                 <a:latin typeface="Consolas" panose="020B0609020204030204" pitchFamily="49" charset="0"/>
                 <a:cs typeface="Consolas" panose="020B0609020204030204" pitchFamily="49" charset="0"/>
               </a:rPr>
-              <a:t>var</a:t>
-            </a:r>
-            <a:r>
-              <a:rPr lang="en-US" altLang="en-US" sz="2400" dirty="0">
+              <a:t>function</a:t>
+            </a:r>
+            <a:r>
+              <a:rPr lang="en-US" altLang="en-US" sz="2000" dirty="0">
                 <a:solidFill>
                   <a:srgbClr val="000000"/>
                 </a:solidFill>
                 <a:latin typeface="Consolas" panose="020B0609020204030204" pitchFamily="49" charset="0"/>
                 <a:cs typeface="Consolas" panose="020B0609020204030204" pitchFamily="49" charset="0"/>
               </a:rPr>
-              <a:t> request = require(</a:t>
-            </a:r>
-            <a:r>
-              <a:rPr lang="en-US" altLang="en-US" sz="2400" dirty="0">
-                <a:solidFill>
-                  <a:srgbClr val="A31515"/>
-                </a:solidFill>
-                <a:latin typeface="Consolas" panose="020B0609020204030204" pitchFamily="49" charset="0"/>
-                <a:cs typeface="Consolas" panose="020B0609020204030204" pitchFamily="49" charset="0"/>
-              </a:rPr>
-              <a:t>'request'</a:t>
-            </a:r>
-            <a:r>
-              <a:rPr lang="en-US" altLang="en-US" sz="2400" dirty="0">
-                <a:solidFill>
-                  <a:srgbClr val="000000"/>
-                </a:solidFill>
-                <a:latin typeface="Consolas" panose="020B0609020204030204" pitchFamily="49" charset="0"/>
-                <a:cs typeface="Consolas" panose="020B0609020204030204" pitchFamily="49" charset="0"/>
-              </a:rPr>
-              <a:t>); request(</a:t>
-            </a:r>
-            <a:r>
-              <a:rPr lang="en-US" altLang="en-US" sz="2400" dirty="0">
-                <a:solidFill>
-                  <a:srgbClr val="A31515"/>
-                </a:solidFill>
-                <a:latin typeface="Consolas" panose="020B0609020204030204" pitchFamily="49" charset="0"/>
-                <a:cs typeface="Consolas" panose="020B0609020204030204" pitchFamily="49" charset="0"/>
-              </a:rPr>
-              <a:t>'http://www.microsoft.com'</a:t>
-            </a:r>
-            <a:r>
-              <a:rPr lang="en-US" altLang="en-US" sz="2400" dirty="0">
-                <a:solidFill>
-                  <a:srgbClr val="000000"/>
-                </a:solidFill>
-                <a:latin typeface="Consolas" panose="020B0609020204030204" pitchFamily="49" charset="0"/>
-                <a:cs typeface="Consolas" panose="020B0609020204030204" pitchFamily="49" charset="0"/>
-              </a:rPr>
-              <a:t>, </a:t>
-            </a:r>
-            <a:r>
-              <a:rPr lang="en-US" altLang="en-US" sz="2400" dirty="0">
-                <a:solidFill>
-                  <a:srgbClr val="0000FF"/>
-                </a:solidFill>
-                <a:latin typeface="Consolas" panose="020B0609020204030204" pitchFamily="49" charset="0"/>
-                <a:cs typeface="Consolas" panose="020B0609020204030204" pitchFamily="49" charset="0"/>
-              </a:rPr>
-              <a:t>function</a:t>
-            </a:r>
-            <a:r>
-              <a:rPr lang="en-US" altLang="en-US" sz="2400" dirty="0">
-                <a:solidFill>
-                  <a:srgbClr val="000000"/>
-                </a:solidFill>
-                <a:latin typeface="Consolas" panose="020B0609020204030204" pitchFamily="49" charset="0"/>
-                <a:cs typeface="Consolas" panose="020B0609020204030204" pitchFamily="49" charset="0"/>
-              </a:rPr>
-              <a:t> (error, response, body) {</a:t>
+              <a:t> (err, results) {</a:t>
             </a:r>
           </a:p>
           <a:p>
             <a:pPr marL="0" lvl="0" indent="0">
-              <a:lnSpc>
-                <a:spcPct val="110000"/>
-              </a:lnSpc>
               <a:spcBef>
                 <a:spcPts val="0"/>
               </a:spcBef>
               <a:buNone/>
             </a:pPr>
             <a:r>
-              <a:rPr lang="en-US" altLang="en-US" sz="2400" dirty="0">
+              <a:rPr lang="en-US" altLang="en-US" sz="2000" dirty="0">
                 <a:solidFill>
                   <a:srgbClr val="000000"/>
                 </a:solidFill>
@@ -12190,111 +11623,492 @@
               <a:t>     </a:t>
             </a:r>
             <a:r>
-              <a:rPr lang="en-US" altLang="en-US" sz="2400" dirty="0">
-                <a:solidFill>
-                  <a:srgbClr val="0000FF"/>
-                </a:solidFill>
-                <a:latin typeface="Consolas" panose="020B0609020204030204" pitchFamily="49" charset="0"/>
-                <a:cs typeface="Consolas" panose="020B0609020204030204" pitchFamily="49" charset="0"/>
-              </a:rPr>
-              <a:t>if</a:t>
-            </a:r>
-            <a:r>
-              <a:rPr lang="en-US" altLang="en-US" sz="2400" dirty="0">
+              <a:rPr lang="en-US" altLang="en-US" sz="2000" dirty="0">
+                <a:solidFill>
+                  <a:srgbClr val="008000"/>
+                </a:solidFill>
+                <a:latin typeface="Consolas" panose="020B0609020204030204" pitchFamily="49" charset="0"/>
+                <a:cs typeface="Consolas" panose="020B0609020204030204" pitchFamily="49" charset="0"/>
+              </a:rPr>
+              <a:t>// results is now an array of stats for each file</a:t>
+            </a:r>
+            <a:r>
+              <a:rPr lang="en-US" altLang="en-US" sz="2000" dirty="0">
                 <a:solidFill>
                   <a:srgbClr val="000000"/>
                 </a:solidFill>
                 <a:latin typeface="Consolas" panose="020B0609020204030204" pitchFamily="49" charset="0"/>
                 <a:cs typeface="Consolas" panose="020B0609020204030204" pitchFamily="49" charset="0"/>
               </a:rPr>
-              <a:t> (!error &amp;&amp; </a:t>
-            </a:r>
-            <a:r>
-              <a:rPr lang="en-US" altLang="en-US" sz="2400" dirty="0" err="1">
-                <a:solidFill>
-                  <a:srgbClr val="000000"/>
-                </a:solidFill>
-                <a:latin typeface="Consolas" panose="020B0609020204030204" pitchFamily="49" charset="0"/>
-                <a:cs typeface="Consolas" panose="020B0609020204030204" pitchFamily="49" charset="0"/>
-              </a:rPr>
-              <a:t>response.statusCode</a:t>
-            </a:r>
-            <a:r>
-              <a:rPr lang="en-US" altLang="en-US" sz="2400" dirty="0">
-                <a:solidFill>
-                  <a:srgbClr val="000000"/>
-                </a:solidFill>
-                <a:latin typeface="Consolas" panose="020B0609020204030204" pitchFamily="49" charset="0"/>
-                <a:cs typeface="Consolas" panose="020B0609020204030204" pitchFamily="49" charset="0"/>
-              </a:rPr>
-              <a:t> == 200) {</a:t>
+              <a:t> </a:t>
             </a:r>
           </a:p>
           <a:p>
             <a:pPr marL="0" lvl="0" indent="0">
-              <a:lnSpc>
-                <a:spcPct val="110000"/>
-              </a:lnSpc>
               <a:spcBef>
                 <a:spcPts val="0"/>
               </a:spcBef>
               <a:buNone/>
             </a:pPr>
             <a:r>
-              <a:rPr lang="en-US" altLang="en-US" sz="2400" dirty="0">
+              <a:rPr lang="en-US" altLang="en-US" sz="2000" dirty="0">
                 <a:solidFill>
                   <a:srgbClr val="000000"/>
                 </a:solidFill>
                 <a:latin typeface="Consolas" panose="020B0609020204030204" pitchFamily="49" charset="0"/>
                 <a:cs typeface="Consolas" panose="020B0609020204030204" pitchFamily="49" charset="0"/>
               </a:rPr>
-              <a:t>		console.log(body);</a:t>
+              <a:t>});</a:t>
             </a:r>
           </a:p>
           <a:p>
             <a:pPr marL="0" lvl="0" indent="0">
-              <a:lnSpc>
-                <a:spcPct val="110000"/>
-              </a:lnSpc>
               <a:spcBef>
                 <a:spcPts val="0"/>
               </a:spcBef>
               <a:buNone/>
             </a:pPr>
             <a:r>
-              <a:rPr lang="en-US" altLang="en-US" sz="2400" dirty="0">
+              <a:rPr lang="en-US" altLang="en-US" sz="2000" dirty="0" err="1">
                 <a:solidFill>
                   <a:srgbClr val="000000"/>
                 </a:solidFill>
                 <a:latin typeface="Consolas" panose="020B0609020204030204" pitchFamily="49" charset="0"/>
                 <a:cs typeface="Consolas" panose="020B0609020204030204" pitchFamily="49" charset="0"/>
               </a:rPr>
-              <a:t>     }</a:t>
+              <a:t>async.filter</a:t>
+            </a:r>
+            <a:r>
+              <a:rPr lang="en-US" altLang="en-US" sz="2000" dirty="0">
+                <a:solidFill>
+                  <a:srgbClr val="000000"/>
+                </a:solidFill>
+                <a:latin typeface="Consolas" panose="020B0609020204030204" pitchFamily="49" charset="0"/>
+                <a:cs typeface="Consolas" panose="020B0609020204030204" pitchFamily="49" charset="0"/>
+              </a:rPr>
+              <a:t>([</a:t>
+            </a:r>
+            <a:r>
+              <a:rPr lang="en-US" altLang="en-US" sz="2000" dirty="0">
+                <a:solidFill>
+                  <a:srgbClr val="A31515"/>
+                </a:solidFill>
+                <a:latin typeface="Consolas" panose="020B0609020204030204" pitchFamily="49" charset="0"/>
+                <a:cs typeface="Consolas" panose="020B0609020204030204" pitchFamily="49" charset="0"/>
+              </a:rPr>
+              <a:t>'file1'</a:t>
+            </a:r>
+            <a:r>
+              <a:rPr lang="en-US" altLang="en-US" sz="2000" dirty="0">
+                <a:solidFill>
+                  <a:srgbClr val="000000"/>
+                </a:solidFill>
+                <a:latin typeface="Consolas" panose="020B0609020204030204" pitchFamily="49" charset="0"/>
+                <a:cs typeface="Consolas" panose="020B0609020204030204" pitchFamily="49" charset="0"/>
+              </a:rPr>
+              <a:t>,</a:t>
+            </a:r>
+            <a:r>
+              <a:rPr lang="en-US" altLang="en-US" sz="2000" dirty="0">
+                <a:solidFill>
+                  <a:srgbClr val="A31515"/>
+                </a:solidFill>
+                <a:latin typeface="Consolas" panose="020B0609020204030204" pitchFamily="49" charset="0"/>
+                <a:cs typeface="Consolas" panose="020B0609020204030204" pitchFamily="49" charset="0"/>
+              </a:rPr>
+              <a:t>'file2'</a:t>
+            </a:r>
+            <a:r>
+              <a:rPr lang="en-US" altLang="en-US" sz="2000" dirty="0">
+                <a:solidFill>
+                  <a:srgbClr val="000000"/>
+                </a:solidFill>
+                <a:latin typeface="Consolas" panose="020B0609020204030204" pitchFamily="49" charset="0"/>
+                <a:cs typeface="Consolas" panose="020B0609020204030204" pitchFamily="49" charset="0"/>
+              </a:rPr>
+              <a:t>,</a:t>
+            </a:r>
+            <a:r>
+              <a:rPr lang="en-US" altLang="en-US" sz="2000" dirty="0">
+                <a:solidFill>
+                  <a:srgbClr val="A31515"/>
+                </a:solidFill>
+                <a:latin typeface="Consolas" panose="020B0609020204030204" pitchFamily="49" charset="0"/>
+                <a:cs typeface="Consolas" panose="020B0609020204030204" pitchFamily="49" charset="0"/>
+              </a:rPr>
+              <a:t>'file3'</a:t>
+            </a:r>
+            <a:r>
+              <a:rPr lang="en-US" altLang="en-US" sz="2000" dirty="0">
+                <a:solidFill>
+                  <a:srgbClr val="000000"/>
+                </a:solidFill>
+                <a:latin typeface="Consolas" panose="020B0609020204030204" pitchFamily="49" charset="0"/>
+                <a:cs typeface="Consolas" panose="020B0609020204030204" pitchFamily="49" charset="0"/>
+              </a:rPr>
+              <a:t>], </a:t>
+            </a:r>
+            <a:r>
+              <a:rPr lang="en-US" altLang="en-US" sz="2000" dirty="0" err="1">
+                <a:solidFill>
+                  <a:srgbClr val="000000"/>
+                </a:solidFill>
+                <a:latin typeface="Consolas" panose="020B0609020204030204" pitchFamily="49" charset="0"/>
+                <a:cs typeface="Consolas" panose="020B0609020204030204" pitchFamily="49" charset="0"/>
+              </a:rPr>
+              <a:t>fs.exists</a:t>
+            </a:r>
+            <a:r>
+              <a:rPr lang="en-US" altLang="en-US" sz="2000" dirty="0">
+                <a:solidFill>
+                  <a:srgbClr val="000000"/>
+                </a:solidFill>
+                <a:latin typeface="Consolas" panose="020B0609020204030204" pitchFamily="49" charset="0"/>
+                <a:cs typeface="Consolas" panose="020B0609020204030204" pitchFamily="49" charset="0"/>
+              </a:rPr>
+              <a:t>, </a:t>
+            </a:r>
+            <a:r>
+              <a:rPr lang="en-US" altLang="en-US" sz="2000" dirty="0">
+                <a:solidFill>
+                  <a:srgbClr val="0000FF"/>
+                </a:solidFill>
+                <a:latin typeface="Consolas" panose="020B0609020204030204" pitchFamily="49" charset="0"/>
+                <a:cs typeface="Consolas" panose="020B0609020204030204" pitchFamily="49" charset="0"/>
+              </a:rPr>
+              <a:t>function</a:t>
+            </a:r>
+            <a:r>
+              <a:rPr lang="en-US" altLang="en-US" sz="2000" dirty="0">
+                <a:solidFill>
+                  <a:srgbClr val="000000"/>
+                </a:solidFill>
+                <a:latin typeface="Consolas" panose="020B0609020204030204" pitchFamily="49" charset="0"/>
+                <a:cs typeface="Consolas" panose="020B0609020204030204" pitchFamily="49" charset="0"/>
+              </a:rPr>
+              <a:t> (results) {     </a:t>
             </a:r>
           </a:p>
           <a:p>
             <a:pPr marL="0" lvl="0" indent="0">
-              <a:lnSpc>
-                <a:spcPct val="110000"/>
-              </a:lnSpc>
               <a:spcBef>
                 <a:spcPts val="0"/>
               </a:spcBef>
               <a:buNone/>
             </a:pPr>
             <a:r>
-              <a:rPr lang="en-US" altLang="en-US" sz="2400" dirty="0">
+              <a:rPr lang="en-US" altLang="en-US" sz="2000" dirty="0">
+                <a:solidFill>
+                  <a:srgbClr val="008000"/>
+                </a:solidFill>
+                <a:latin typeface="Consolas" panose="020B0609020204030204" pitchFamily="49" charset="0"/>
+                <a:cs typeface="Consolas" panose="020B0609020204030204" pitchFamily="49" charset="0"/>
+              </a:rPr>
+              <a:t>     // results now equals an array of the existing files</a:t>
+            </a:r>
+            <a:r>
+              <a:rPr lang="en-US" altLang="en-US" sz="2000" dirty="0">
                 <a:solidFill>
                   <a:srgbClr val="000000"/>
                 </a:solidFill>
                 <a:latin typeface="Consolas" panose="020B0609020204030204" pitchFamily="49" charset="0"/>
                 <a:cs typeface="Consolas" panose="020B0609020204030204" pitchFamily="49" charset="0"/>
               </a:rPr>
-              <a:t>});</a:t>
-            </a:r>
-            <a:endParaRPr lang="en-US" altLang="en-US" sz="2400" dirty="0">
+              <a:t> </a:t>
+            </a:r>
+          </a:p>
+          <a:p>
+            <a:pPr marL="0" lvl="0" indent="0">
+              <a:spcBef>
+                <a:spcPts val="0"/>
+              </a:spcBef>
+              <a:buNone/>
+            </a:pPr>
+            <a:r>
+              <a:rPr lang="en-US" altLang="en-US" sz="2000" dirty="0">
+                <a:solidFill>
+                  <a:srgbClr val="000000"/>
+                </a:solidFill>
+                <a:latin typeface="Consolas" panose="020B0609020204030204" pitchFamily="49" charset="0"/>
+                <a:cs typeface="Consolas" panose="020B0609020204030204" pitchFamily="49" charset="0"/>
+              </a:rPr>
+              <a:t>}); </a:t>
+            </a:r>
+          </a:p>
+          <a:p>
+            <a:pPr marL="0" lvl="0" indent="0">
+              <a:spcBef>
+                <a:spcPts val="0"/>
+              </a:spcBef>
+              <a:buNone/>
+            </a:pPr>
+            <a:r>
+              <a:rPr lang="en-US" altLang="en-US" sz="2000" dirty="0" err="1" smtClean="0">
+                <a:solidFill>
+                  <a:srgbClr val="000000"/>
+                </a:solidFill>
+                <a:latin typeface="Consolas" panose="020B0609020204030204" pitchFamily="49" charset="0"/>
+                <a:cs typeface="Consolas" panose="020B0609020204030204" pitchFamily="49" charset="0"/>
+              </a:rPr>
+              <a:t>async.parallel</a:t>
+            </a:r>
+            <a:r>
+              <a:rPr lang="en-US" altLang="en-US" sz="2000" dirty="0" smtClean="0">
+                <a:solidFill>
+                  <a:srgbClr val="000000"/>
+                </a:solidFill>
+                <a:latin typeface="Consolas" panose="020B0609020204030204" pitchFamily="49" charset="0"/>
+                <a:cs typeface="Consolas" panose="020B0609020204030204" pitchFamily="49" charset="0"/>
+              </a:rPr>
+              <a:t>([</a:t>
+            </a:r>
+          </a:p>
+          <a:p>
+            <a:pPr marL="0" lvl="0" indent="0">
+              <a:spcBef>
+                <a:spcPts val="0"/>
+              </a:spcBef>
+              <a:buNone/>
+            </a:pPr>
+            <a:r>
+              <a:rPr lang="en-US" altLang="en-US" sz="2000" dirty="0" smtClean="0">
+                <a:solidFill>
+                  <a:srgbClr val="000000"/>
+                </a:solidFill>
+                <a:latin typeface="Consolas" panose="020B0609020204030204" pitchFamily="49" charset="0"/>
+                <a:cs typeface="Consolas" panose="020B0609020204030204" pitchFamily="49" charset="0"/>
+              </a:rPr>
+              <a:t> </a:t>
+            </a:r>
+            <a:r>
+              <a:rPr lang="en-US" altLang="en-US" sz="2000" dirty="0">
+                <a:solidFill>
+                  <a:srgbClr val="000000"/>
+                </a:solidFill>
+                <a:latin typeface="Consolas" panose="020B0609020204030204" pitchFamily="49" charset="0"/>
+                <a:cs typeface="Consolas" panose="020B0609020204030204" pitchFamily="49" charset="0"/>
+              </a:rPr>
+              <a:t>    </a:t>
+            </a:r>
+            <a:r>
+              <a:rPr lang="en-US" altLang="en-US" sz="2000" dirty="0">
+                <a:solidFill>
+                  <a:srgbClr val="0000FF"/>
+                </a:solidFill>
+                <a:latin typeface="Consolas" panose="020B0609020204030204" pitchFamily="49" charset="0"/>
+                <a:cs typeface="Consolas" panose="020B0609020204030204" pitchFamily="49" charset="0"/>
+              </a:rPr>
+              <a:t>function</a:t>
+            </a:r>
+            <a:r>
+              <a:rPr lang="en-US" altLang="en-US" sz="2000" dirty="0">
+                <a:solidFill>
+                  <a:srgbClr val="000000"/>
+                </a:solidFill>
+                <a:latin typeface="Consolas" panose="020B0609020204030204" pitchFamily="49" charset="0"/>
+                <a:cs typeface="Consolas" panose="020B0609020204030204" pitchFamily="49" charset="0"/>
+              </a:rPr>
+              <a:t> () {  },</a:t>
+            </a:r>
+          </a:p>
+          <a:p>
+            <a:pPr marL="0" lvl="0" indent="0">
+              <a:spcBef>
+                <a:spcPts val="0"/>
+              </a:spcBef>
+              <a:buNone/>
+            </a:pPr>
+            <a:r>
+              <a:rPr lang="en-US" altLang="en-US" sz="2000" dirty="0">
+                <a:solidFill>
+                  <a:srgbClr val="000000"/>
+                </a:solidFill>
+                <a:latin typeface="Consolas" panose="020B0609020204030204" pitchFamily="49" charset="0"/>
+                <a:cs typeface="Consolas" panose="020B0609020204030204" pitchFamily="49" charset="0"/>
+              </a:rPr>
+              <a:t>     </a:t>
+            </a:r>
+            <a:r>
+              <a:rPr lang="en-US" altLang="en-US" sz="2000" dirty="0">
+                <a:solidFill>
+                  <a:srgbClr val="0000FF"/>
+                </a:solidFill>
+                <a:latin typeface="Consolas" panose="020B0609020204030204" pitchFamily="49" charset="0"/>
+                <a:cs typeface="Consolas" panose="020B0609020204030204" pitchFamily="49" charset="0"/>
+              </a:rPr>
+              <a:t>function</a:t>
+            </a:r>
+            <a:r>
+              <a:rPr lang="en-US" altLang="en-US" sz="2000" dirty="0">
+                <a:solidFill>
+                  <a:srgbClr val="000000"/>
+                </a:solidFill>
+                <a:latin typeface="Consolas" panose="020B0609020204030204" pitchFamily="49" charset="0"/>
+                <a:cs typeface="Consolas" panose="020B0609020204030204" pitchFamily="49" charset="0"/>
+              </a:rPr>
+              <a:t> () {  }</a:t>
+            </a:r>
+          </a:p>
+          <a:p>
+            <a:pPr marL="0" lvl="0" indent="0">
+              <a:spcBef>
+                <a:spcPts val="0"/>
+              </a:spcBef>
+              <a:buNone/>
+            </a:pPr>
+            <a:r>
+              <a:rPr lang="en-US" altLang="en-US" sz="2000" dirty="0">
+                <a:solidFill>
+                  <a:srgbClr val="000000"/>
+                </a:solidFill>
+                <a:latin typeface="Consolas" panose="020B0609020204030204" pitchFamily="49" charset="0"/>
+                <a:cs typeface="Consolas" panose="020B0609020204030204" pitchFamily="49" charset="0"/>
+              </a:rPr>
+              <a:t>], callback);</a:t>
+            </a:r>
+          </a:p>
+          <a:p>
+            <a:pPr marL="0" lvl="0" indent="0">
+              <a:spcBef>
+                <a:spcPts val="0"/>
+              </a:spcBef>
+              <a:buNone/>
+            </a:pPr>
+            <a:r>
+              <a:rPr lang="en-US" altLang="en-US" sz="2000" dirty="0" err="1">
+                <a:solidFill>
+                  <a:srgbClr val="000000"/>
+                </a:solidFill>
+                <a:latin typeface="Consolas" panose="020B0609020204030204" pitchFamily="49" charset="0"/>
+                <a:cs typeface="Consolas" panose="020B0609020204030204" pitchFamily="49" charset="0"/>
+              </a:rPr>
+              <a:t>async.series</a:t>
+            </a:r>
+            <a:r>
+              <a:rPr lang="en-US" altLang="en-US" sz="2000" dirty="0">
+                <a:solidFill>
+                  <a:srgbClr val="000000"/>
+                </a:solidFill>
+                <a:latin typeface="Consolas" panose="020B0609020204030204" pitchFamily="49" charset="0"/>
+                <a:cs typeface="Consolas" panose="020B0609020204030204" pitchFamily="49" charset="0"/>
+              </a:rPr>
+              <a:t>([</a:t>
+            </a:r>
+          </a:p>
+          <a:p>
+            <a:pPr marL="0" lvl="0" indent="0">
+              <a:spcBef>
+                <a:spcPts val="0"/>
+              </a:spcBef>
+              <a:buNone/>
+            </a:pPr>
+            <a:r>
+              <a:rPr lang="en-US" altLang="en-US" sz="2000" dirty="0">
+                <a:solidFill>
+                  <a:srgbClr val="000000"/>
+                </a:solidFill>
+                <a:latin typeface="Consolas" panose="020B0609020204030204" pitchFamily="49" charset="0"/>
+                <a:cs typeface="Consolas" panose="020B0609020204030204" pitchFamily="49" charset="0"/>
+              </a:rPr>
+              <a:t>     </a:t>
+            </a:r>
+            <a:r>
+              <a:rPr lang="en-US" altLang="en-US" sz="2000" dirty="0">
+                <a:solidFill>
+                  <a:srgbClr val="0000FF"/>
+                </a:solidFill>
+                <a:latin typeface="Consolas" panose="020B0609020204030204" pitchFamily="49" charset="0"/>
+                <a:cs typeface="Consolas" panose="020B0609020204030204" pitchFamily="49" charset="0"/>
+              </a:rPr>
+              <a:t>function</a:t>
+            </a:r>
+            <a:r>
+              <a:rPr lang="en-US" altLang="en-US" sz="2000" dirty="0">
+                <a:solidFill>
+                  <a:srgbClr val="000000"/>
+                </a:solidFill>
+                <a:latin typeface="Consolas" panose="020B0609020204030204" pitchFamily="49" charset="0"/>
+                <a:cs typeface="Consolas" panose="020B0609020204030204" pitchFamily="49" charset="0"/>
+              </a:rPr>
+              <a:t> () {  },</a:t>
+            </a:r>
+          </a:p>
+          <a:p>
+            <a:pPr marL="0" lvl="0" indent="0">
+              <a:spcBef>
+                <a:spcPts val="0"/>
+              </a:spcBef>
+              <a:buNone/>
+            </a:pPr>
+            <a:r>
+              <a:rPr lang="en-US" altLang="en-US" sz="2000" dirty="0">
+                <a:solidFill>
+                  <a:srgbClr val="000000"/>
+                </a:solidFill>
+                <a:latin typeface="Consolas" panose="020B0609020204030204" pitchFamily="49" charset="0"/>
+                <a:cs typeface="Consolas" panose="020B0609020204030204" pitchFamily="49" charset="0"/>
+              </a:rPr>
+              <a:t>     </a:t>
+            </a:r>
+            <a:r>
+              <a:rPr lang="en-US" altLang="en-US" sz="2000" dirty="0">
+                <a:solidFill>
+                  <a:srgbClr val="0000FF"/>
+                </a:solidFill>
+                <a:latin typeface="Consolas" panose="020B0609020204030204" pitchFamily="49" charset="0"/>
+                <a:cs typeface="Consolas" panose="020B0609020204030204" pitchFamily="49" charset="0"/>
+              </a:rPr>
+              <a:t>function</a:t>
+            </a:r>
+            <a:r>
+              <a:rPr lang="en-US" altLang="en-US" sz="2000" dirty="0">
+                <a:solidFill>
+                  <a:srgbClr val="000000"/>
+                </a:solidFill>
+                <a:latin typeface="Consolas" panose="020B0609020204030204" pitchFamily="49" charset="0"/>
+                <a:cs typeface="Consolas" panose="020B0609020204030204" pitchFamily="49" charset="0"/>
+              </a:rPr>
+              <a:t> () {  }</a:t>
+            </a:r>
+          </a:p>
+          <a:p>
+            <a:pPr marL="0" lvl="0" indent="0">
+              <a:spcBef>
+                <a:spcPts val="0"/>
+              </a:spcBef>
+              <a:buNone/>
+            </a:pPr>
+            <a:r>
+              <a:rPr lang="en-US" altLang="en-US" sz="2000" dirty="0">
+                <a:solidFill>
+                  <a:srgbClr val="000000"/>
+                </a:solidFill>
+                <a:latin typeface="Consolas" panose="020B0609020204030204" pitchFamily="49" charset="0"/>
+                <a:cs typeface="Consolas" panose="020B0609020204030204" pitchFamily="49" charset="0"/>
+              </a:rPr>
+              <a:t>]);</a:t>
+            </a:r>
+            <a:endParaRPr lang="en-US" altLang="en-US" sz="2000" dirty="0">
               <a:latin typeface="Arial" panose="020B0604020202020204" pitchFamily="34" charset="0"/>
             </a:endParaRPr>
+          </a:p>
+          <a:p>
+            <a:pPr marL="0" indent="0">
+              <a:buNone/>
+            </a:pPr>
+            <a:endParaRPr lang="en-US" sz="1800" dirty="0"/>
+          </a:p>
+          <a:p>
+            <a:pPr marL="0" indent="0">
+              <a:buNone/>
+            </a:pPr>
+            <a:endParaRPr lang="en-US" dirty="0"/>
+          </a:p>
+          <a:p>
+            <a:endParaRPr lang="en-US" dirty="0"/>
+          </a:p>
+          <a:p>
+            <a:endParaRPr lang="en-US" dirty="0"/>
           </a:p>
           <a:p>
             <a:pPr marL="0" indent="0">
@@ -12307,7 +12121,7 @@
     </p:spTree>
     <p:extLst>
       <p:ext uri="{BB962C8B-B14F-4D97-AF65-F5344CB8AC3E}">
-        <p14:creationId xmlns:p14="http://schemas.microsoft.com/office/powerpoint/2010/main" val="1082084413"/>
+        <p14:creationId xmlns:p14="http://schemas.microsoft.com/office/powerpoint/2010/main" val="3981174589"/>
       </p:ext>
     </p:extLst>
   </p:cSld>
@@ -12351,12 +12165,263 @@
           <a:p>
             <a:r>
               <a:rPr lang="en-US" dirty="0" smtClean="0"/>
-              <a:t>Using the </a:t>
-            </a:r>
-            <a:r>
-              <a:rPr lang="en-US" smtClean="0"/>
-              <a:t>Q Library</a:t>
-            </a:r>
+              <a:t>Request Module</a:t>
+            </a:r>
+            <a:endParaRPr lang="en-US" dirty="0"/>
+          </a:p>
+        </p:txBody>
+      </p:sp>
+      <p:sp>
+        <p:nvSpPr>
+          <p:cNvPr id="3" name="Content Placeholder 2"/>
+          <p:cNvSpPr>
+            <a:spLocks noGrp="1"/>
+          </p:cNvSpPr>
+          <p:nvPr>
+            <p:ph sz="quarter" idx="10"/>
+          </p:nvPr>
+        </p:nvSpPr>
+        <p:spPr/>
+        <p:txBody>
+          <a:bodyPr/>
+          <a:lstStyle/>
+          <a:p>
+            <a:pPr marL="0" indent="0">
+              <a:buNone/>
+            </a:pPr>
+            <a:r>
+              <a:rPr lang="en-US" dirty="0"/>
+              <a:t>Request is designed to be the simplest way possible to make http calls. It supports HTTPS, streaming and follows redirects by default.</a:t>
+            </a:r>
+          </a:p>
+          <a:p>
+            <a:pPr marL="0" indent="0">
+              <a:buNone/>
+            </a:pPr>
+            <a:endParaRPr lang="en-US" dirty="0"/>
+          </a:p>
+          <a:p>
+            <a:pPr marL="0" lvl="0" indent="0">
+              <a:lnSpc>
+                <a:spcPct val="110000"/>
+              </a:lnSpc>
+              <a:spcBef>
+                <a:spcPts val="0"/>
+              </a:spcBef>
+              <a:buNone/>
+            </a:pPr>
+            <a:r>
+              <a:rPr lang="en-US" altLang="en-US" sz="2400" dirty="0" err="1">
+                <a:solidFill>
+                  <a:srgbClr val="0000FF"/>
+                </a:solidFill>
+                <a:latin typeface="Consolas" panose="020B0609020204030204" pitchFamily="49" charset="0"/>
+                <a:cs typeface="Consolas" panose="020B0609020204030204" pitchFamily="49" charset="0"/>
+              </a:rPr>
+              <a:t>var</a:t>
+            </a:r>
+            <a:r>
+              <a:rPr lang="en-US" altLang="en-US" sz="2400" dirty="0">
+                <a:solidFill>
+                  <a:srgbClr val="000000"/>
+                </a:solidFill>
+                <a:latin typeface="Consolas" panose="020B0609020204030204" pitchFamily="49" charset="0"/>
+                <a:cs typeface="Consolas" panose="020B0609020204030204" pitchFamily="49" charset="0"/>
+              </a:rPr>
+              <a:t> request = require(</a:t>
+            </a:r>
+            <a:r>
+              <a:rPr lang="en-US" altLang="en-US" sz="2400" dirty="0">
+                <a:solidFill>
+                  <a:srgbClr val="A31515"/>
+                </a:solidFill>
+                <a:latin typeface="Consolas" panose="020B0609020204030204" pitchFamily="49" charset="0"/>
+                <a:cs typeface="Consolas" panose="020B0609020204030204" pitchFamily="49" charset="0"/>
+              </a:rPr>
+              <a:t>'request'</a:t>
+            </a:r>
+            <a:r>
+              <a:rPr lang="en-US" altLang="en-US" sz="2400" dirty="0">
+                <a:solidFill>
+                  <a:srgbClr val="000000"/>
+                </a:solidFill>
+                <a:latin typeface="Consolas" panose="020B0609020204030204" pitchFamily="49" charset="0"/>
+                <a:cs typeface="Consolas" panose="020B0609020204030204" pitchFamily="49" charset="0"/>
+              </a:rPr>
+              <a:t>); request(</a:t>
+            </a:r>
+            <a:r>
+              <a:rPr lang="en-US" altLang="en-US" sz="2400" dirty="0">
+                <a:solidFill>
+                  <a:srgbClr val="A31515"/>
+                </a:solidFill>
+                <a:latin typeface="Consolas" panose="020B0609020204030204" pitchFamily="49" charset="0"/>
+                <a:cs typeface="Consolas" panose="020B0609020204030204" pitchFamily="49" charset="0"/>
+              </a:rPr>
+              <a:t>'http://www.microsoft.com'</a:t>
+            </a:r>
+            <a:r>
+              <a:rPr lang="en-US" altLang="en-US" sz="2400" dirty="0">
+                <a:solidFill>
+                  <a:srgbClr val="000000"/>
+                </a:solidFill>
+                <a:latin typeface="Consolas" panose="020B0609020204030204" pitchFamily="49" charset="0"/>
+                <a:cs typeface="Consolas" panose="020B0609020204030204" pitchFamily="49" charset="0"/>
+              </a:rPr>
+              <a:t>, </a:t>
+            </a:r>
+            <a:r>
+              <a:rPr lang="en-US" altLang="en-US" sz="2400" dirty="0">
+                <a:solidFill>
+                  <a:srgbClr val="0000FF"/>
+                </a:solidFill>
+                <a:latin typeface="Consolas" panose="020B0609020204030204" pitchFamily="49" charset="0"/>
+                <a:cs typeface="Consolas" panose="020B0609020204030204" pitchFamily="49" charset="0"/>
+              </a:rPr>
+              <a:t>function</a:t>
+            </a:r>
+            <a:r>
+              <a:rPr lang="en-US" altLang="en-US" sz="2400" dirty="0">
+                <a:solidFill>
+                  <a:srgbClr val="000000"/>
+                </a:solidFill>
+                <a:latin typeface="Consolas" panose="020B0609020204030204" pitchFamily="49" charset="0"/>
+                <a:cs typeface="Consolas" panose="020B0609020204030204" pitchFamily="49" charset="0"/>
+              </a:rPr>
+              <a:t> (error, response, body) {</a:t>
+            </a:r>
+          </a:p>
+          <a:p>
+            <a:pPr marL="0" lvl="0" indent="0">
+              <a:lnSpc>
+                <a:spcPct val="110000"/>
+              </a:lnSpc>
+              <a:spcBef>
+                <a:spcPts val="0"/>
+              </a:spcBef>
+              <a:buNone/>
+            </a:pPr>
+            <a:r>
+              <a:rPr lang="en-US" altLang="en-US" sz="2400" dirty="0">
+                <a:solidFill>
+                  <a:srgbClr val="000000"/>
+                </a:solidFill>
+                <a:latin typeface="Consolas" panose="020B0609020204030204" pitchFamily="49" charset="0"/>
+                <a:cs typeface="Consolas" panose="020B0609020204030204" pitchFamily="49" charset="0"/>
+              </a:rPr>
+              <a:t>     </a:t>
+            </a:r>
+            <a:r>
+              <a:rPr lang="en-US" altLang="en-US" sz="2400" dirty="0">
+                <a:solidFill>
+                  <a:srgbClr val="0000FF"/>
+                </a:solidFill>
+                <a:latin typeface="Consolas" panose="020B0609020204030204" pitchFamily="49" charset="0"/>
+                <a:cs typeface="Consolas" panose="020B0609020204030204" pitchFamily="49" charset="0"/>
+              </a:rPr>
+              <a:t>if</a:t>
+            </a:r>
+            <a:r>
+              <a:rPr lang="en-US" altLang="en-US" sz="2400" dirty="0">
+                <a:solidFill>
+                  <a:srgbClr val="000000"/>
+                </a:solidFill>
+                <a:latin typeface="Consolas" panose="020B0609020204030204" pitchFamily="49" charset="0"/>
+                <a:cs typeface="Consolas" panose="020B0609020204030204" pitchFamily="49" charset="0"/>
+              </a:rPr>
+              <a:t> (!error &amp;&amp; </a:t>
+            </a:r>
+            <a:r>
+              <a:rPr lang="en-US" altLang="en-US" sz="2400" dirty="0" err="1">
+                <a:solidFill>
+                  <a:srgbClr val="000000"/>
+                </a:solidFill>
+                <a:latin typeface="Consolas" panose="020B0609020204030204" pitchFamily="49" charset="0"/>
+                <a:cs typeface="Consolas" panose="020B0609020204030204" pitchFamily="49" charset="0"/>
+              </a:rPr>
+              <a:t>response.statusCode</a:t>
+            </a:r>
+            <a:r>
+              <a:rPr lang="en-US" altLang="en-US" sz="2400" dirty="0">
+                <a:solidFill>
+                  <a:srgbClr val="000000"/>
+                </a:solidFill>
+                <a:latin typeface="Consolas" panose="020B0609020204030204" pitchFamily="49" charset="0"/>
+                <a:cs typeface="Consolas" panose="020B0609020204030204" pitchFamily="49" charset="0"/>
+              </a:rPr>
+              <a:t> == 200) {</a:t>
+            </a:r>
+          </a:p>
+          <a:p>
+            <a:pPr marL="0" lvl="0" indent="0">
+              <a:lnSpc>
+                <a:spcPct val="110000"/>
+              </a:lnSpc>
+              <a:spcBef>
+                <a:spcPts val="0"/>
+              </a:spcBef>
+              <a:buNone/>
+            </a:pPr>
+            <a:r>
+              <a:rPr lang="en-US" altLang="en-US" sz="2400" dirty="0">
+                <a:solidFill>
+                  <a:srgbClr val="000000"/>
+                </a:solidFill>
+                <a:latin typeface="Consolas" panose="020B0609020204030204" pitchFamily="49" charset="0"/>
+                <a:cs typeface="Consolas" panose="020B0609020204030204" pitchFamily="49" charset="0"/>
+              </a:rPr>
+              <a:t>		console.log(body);</a:t>
+            </a:r>
+          </a:p>
+          <a:p>
+            <a:pPr marL="0" lvl="0" indent="0">
+              <a:lnSpc>
+                <a:spcPct val="110000"/>
+              </a:lnSpc>
+              <a:spcBef>
+                <a:spcPts val="0"/>
+              </a:spcBef>
+              <a:buNone/>
+            </a:pPr>
+            <a:r>
+              <a:rPr lang="en-US" altLang="en-US" sz="2400" dirty="0">
+                <a:solidFill>
+                  <a:srgbClr val="000000"/>
+                </a:solidFill>
+                <a:latin typeface="Consolas" panose="020B0609020204030204" pitchFamily="49" charset="0"/>
+                <a:cs typeface="Consolas" panose="020B0609020204030204" pitchFamily="49" charset="0"/>
+              </a:rPr>
+              <a:t>     }</a:t>
+            </a:r>
+          </a:p>
+          <a:p>
+            <a:pPr marL="0" lvl="0" indent="0">
+              <a:lnSpc>
+                <a:spcPct val="110000"/>
+              </a:lnSpc>
+              <a:spcBef>
+                <a:spcPts val="0"/>
+              </a:spcBef>
+              <a:buNone/>
+            </a:pPr>
+            <a:r>
+              <a:rPr lang="en-US" altLang="en-US" sz="2400" dirty="0">
+                <a:solidFill>
+                  <a:srgbClr val="000000"/>
+                </a:solidFill>
+                <a:latin typeface="Consolas" panose="020B0609020204030204" pitchFamily="49" charset="0"/>
+                <a:cs typeface="Consolas" panose="020B0609020204030204" pitchFamily="49" charset="0"/>
+              </a:rPr>
+              <a:t>});</a:t>
+            </a:r>
+            <a:endParaRPr lang="en-US" altLang="en-US" sz="2400" dirty="0">
+              <a:latin typeface="Arial" panose="020B0604020202020204" pitchFamily="34" charset="0"/>
+            </a:endParaRPr>
+          </a:p>
+          <a:p>
+            <a:pPr marL="0" indent="0">
+              <a:buNone/>
+            </a:pPr>
             <a:endParaRPr lang="en-US" dirty="0"/>
           </a:p>
         </p:txBody>
@@ -12364,7 +12429,7 @@
     </p:spTree>
     <p:extLst>
       <p:ext uri="{BB962C8B-B14F-4D97-AF65-F5344CB8AC3E}">
-        <p14:creationId xmlns:p14="http://schemas.microsoft.com/office/powerpoint/2010/main" val="738310281"/>
+        <p14:creationId xmlns:p14="http://schemas.microsoft.com/office/powerpoint/2010/main" val="1082084413"/>
       </p:ext>
     </p:extLst>
   </p:cSld>
@@ -12408,6 +12473,63 @@
           <a:p>
             <a:r>
               <a:rPr lang="en-US" dirty="0" smtClean="0"/>
+              <a:t>Using the </a:t>
+            </a:r>
+            <a:r>
+              <a:rPr lang="en-US" smtClean="0"/>
+              <a:t>Q Library</a:t>
+            </a:r>
+            <a:endParaRPr lang="en-US" dirty="0"/>
+          </a:p>
+        </p:txBody>
+      </p:sp>
+    </p:spTree>
+    <p:extLst>
+      <p:ext uri="{BB962C8B-B14F-4D97-AF65-F5344CB8AC3E}">
+        <p14:creationId xmlns:p14="http://schemas.microsoft.com/office/powerpoint/2010/main" val="738310281"/>
+      </p:ext>
+    </p:extLst>
+  </p:cSld>
+  <p:clrMapOvr>
+    <a:masterClrMapping/>
+  </p:clrMapOvr>
+</p:sld>
+</file>
+
+<file path=ppt/slides/slide45.xml><?xml version="1.0" encoding="utf-8"?>
+<p:sld xmlns:a="http://schemas.openxmlformats.org/drawingml/2006/main" xmlns:r="http://schemas.openxmlformats.org/officeDocument/2006/relationships" xmlns:p="http://schemas.openxmlformats.org/presentationml/2006/main">
+  <p:cSld>
+    <p:spTree>
+      <p:nvGrpSpPr>
+        <p:cNvPr id="1" name=""/>
+        <p:cNvGrpSpPr/>
+        <p:nvPr/>
+      </p:nvGrpSpPr>
+      <p:grpSpPr>
+        <a:xfrm>
+          <a:off x="0" y="0"/>
+          <a:ext cx="0" cy="0"/>
+          <a:chOff x="0" y="0"/>
+          <a:chExt cx="0" cy="0"/>
+        </a:xfrm>
+      </p:grpSpPr>
+      <p:sp>
+        <p:nvSpPr>
+          <p:cNvPr id="2" name="Title 1"/>
+          <p:cNvSpPr>
+            <a:spLocks noGrp="1"/>
+          </p:cNvSpPr>
+          <p:nvPr>
+            <p:ph type="title"/>
+          </p:nvPr>
+        </p:nvSpPr>
+        <p:spPr/>
+        <p:txBody>
+          <a:bodyPr/>
+          <a:lstStyle/>
+          <a:p>
+            <a:r>
+              <a:rPr lang="en-US" dirty="0" smtClean="0"/>
               <a:t>Resources </a:t>
             </a:r>
             <a:endParaRPr lang="en-US" dirty="0"/>
@@ -12473,12 +12595,12 @@
           </a:p>
           <a:p>
             <a:r>
-              <a:rPr lang="en-US" dirty="0" err="1" smtClean="0"/>
-              <a:t>Github</a:t>
+              <a:rPr lang="en-US" dirty="0" smtClean="0"/>
+              <a:t>GitHub </a:t>
             </a:r>
             <a:r>
               <a:rPr lang="en-US" dirty="0"/>
-              <a:t> repo: </a:t>
+              <a:t>repo: </a:t>
             </a:r>
             <a:r>
               <a:rPr lang="en-US" dirty="0">
@@ -12515,7 +12637,7 @@
 </p:sld>
 </file>
 
-<file path=ppt/slides/slide45.xml><?xml version="1.0" encoding="utf-8"?>
+<file path=ppt/slides/slide46.xml><?xml version="1.0" encoding="utf-8"?>
 <p:sld xmlns:a="http://schemas.openxmlformats.org/drawingml/2006/main" xmlns:r="http://schemas.openxmlformats.org/officeDocument/2006/relationships" xmlns:p="http://schemas.openxmlformats.org/presentationml/2006/main">
   <p:cSld>
     <p:spTree>
@@ -12747,19 +12869,11 @@
             <a:pPr lvl="1"/>
             <a:r>
               <a:rPr lang="en-US" dirty="0"/>
-              <a:t>Over </a:t>
-            </a:r>
-            <a:r>
-              <a:rPr lang="en-US" dirty="0"/>
-              <a:t>3</a:t>
-            </a:r>
-            <a:r>
-              <a:rPr lang="en-US" dirty="0" smtClean="0"/>
-              <a:t>M </a:t>
-            </a:r>
-            <a:r>
-              <a:rPr lang="en-US" dirty="0" smtClean="0"/>
-              <a:t>registered users</a:t>
+              <a:t>Over 3</a:t>
+            </a:r>
+            <a:r>
+              <a:rPr lang="en-US" dirty="0" smtClean="0"/>
+              <a:t>M registered users</a:t>
             </a:r>
           </a:p>
           <a:p>
@@ -14018,6 +14132,15 @@
 </file>
 
 <file path=customXml/item1.xml><?xml version="1.0" encoding="utf-8"?>
+<?mso-contentType ?>
+<FormTemplates xmlns="http://schemas.microsoft.com/sharepoint/v3/contenttype/forms">
+  <Display>DocumentLibraryForm</Display>
+  <Edit>DocumentLibraryForm</Edit>
+  <New>DocumentLibraryForm</New>
+</FormTemplates>
+</file>
+
+<file path=customXml/item2.xml><?xml version="1.0" encoding="utf-8"?>
 <p:properties xmlns:p="http://schemas.microsoft.com/office/2006/metadata/properties" xmlns:xsi="http://www.w3.org/2001/XMLSchema-instance" xmlns:pc="http://schemas.microsoft.com/office/infopath/2007/PartnerControls">
   <documentManagement>
     <SharedWithUsers xmlns="636b0322-90fb-440c-9cbc-22749e7231e9">
@@ -14029,15 +14152,6 @@
     </SharedWithUsers>
   </documentManagement>
 </p:properties>
-</file>
-
-<file path=customXml/item2.xml><?xml version="1.0" encoding="utf-8"?>
-<?mso-contentType ?>
-<FormTemplates xmlns="http://schemas.microsoft.com/sharepoint/v3/contenttype/forms">
-  <Display>DocumentLibraryForm</Display>
-  <Edit>DocumentLibraryForm</Edit>
-  <New>DocumentLibraryForm</New>
-</FormTemplates>
 </file>
 
 <file path=customXml/item3.xml><?xml version="1.0" encoding="utf-8"?>
@@ -14181,6 +14295,14 @@
 </file>
 
 <file path=customXml/itemProps1.xml><?xml version="1.0" encoding="utf-8"?>
+<ds:datastoreItem xmlns:ds="http://schemas.openxmlformats.org/officeDocument/2006/customXml" ds:itemID="{B0CA13EC-1D3C-4D6F-8D1C-E8A452CFC79A}">
+  <ds:schemaRefs>
+    <ds:schemaRef ds:uri="http://schemas.microsoft.com/sharepoint/v3/contenttype/forms"/>
+  </ds:schemaRefs>
+</ds:datastoreItem>
+</file>
+
+<file path=customXml/itemProps2.xml><?xml version="1.0" encoding="utf-8"?>
 <ds:datastoreItem xmlns:ds="http://schemas.openxmlformats.org/officeDocument/2006/customXml" ds:itemID="{7025FDD9-4C58-4084-9F89-0E6ADD6FFF55}">
   <ds:schemaRefs>
     <ds:schemaRef ds:uri="http://purl.org/dc/dcmitype/"/>
@@ -14192,14 +14314,6 @@
     <ds:schemaRef ds:uri="http://purl.org/dc/terms/"/>
     <ds:schemaRef ds:uri="http://schemas.openxmlformats.org/package/2006/metadata/core-properties"/>
     <ds:schemaRef ds:uri="http://www.w3.org/XML/1998/namespace"/>
-  </ds:schemaRefs>
-</ds:datastoreItem>
-</file>
-
-<file path=customXml/itemProps2.xml><?xml version="1.0" encoding="utf-8"?>
-<ds:datastoreItem xmlns:ds="http://schemas.openxmlformats.org/officeDocument/2006/customXml" ds:itemID="{B0CA13EC-1D3C-4D6F-8D1C-E8A452CFC79A}">
-  <ds:schemaRefs>
-    <ds:schemaRef ds:uri="http://schemas.microsoft.com/sharepoint/v3/contenttype/forms"/>
   </ds:schemaRefs>
 </ds:datastoreItem>
 </file>

--- a/Presentations for Visual Studio Code MVA/01.Intro-to-node.pptx
+++ b/Presentations for Visual Studio Code MVA/01.Intro-to-node.pptx
@@ -281,7 +281,7 @@
           <a:p>
             <a:fld id="{312E7B4A-039C-48A2-9B2C-AF16AA3873D8}" type="datetimeFigureOut">
               <a:rPr lang="en-US" smtClean="0"/>
-              <a:t>7/28/2015</a:t>
+              <a:t>7/29/2015</a:t>
             </a:fld>
             <a:endParaRPr lang="en-US"/>
           </a:p>
@@ -446,7 +446,7 @@
           <a:p>
             <a:fld id="{DA005A0C-54D9-45AA-87D4-C551D08DFCE1}" type="datetimeFigureOut">
               <a:rPr lang="en-US" smtClean="0"/>
-              <a:t>7/28/2015</a:t>
+              <a:t>7/29/2015</a:t>
             </a:fld>
             <a:endParaRPr lang="en-US"/>
           </a:p>
@@ -5706,15 +5706,7 @@
           <a:p>
             <a:r>
               <a:rPr lang="en-US" dirty="0" smtClean="0"/>
-              <a:t>Easiest is to install via the terminal using the </a:t>
-            </a:r>
-            <a:r>
-              <a:rPr lang="en-US" dirty="0" smtClean="0"/>
-              <a:t>package </a:t>
-            </a:r>
-            <a:r>
-              <a:rPr lang="en-US" dirty="0" smtClean="0"/>
-              <a:t>manager. </a:t>
+              <a:t>Easiest is to install via the terminal using the package manager. </a:t>
             </a:r>
           </a:p>
           <a:p>
@@ -5722,7 +5714,6 @@
               <a:rPr lang="en-US" dirty="0" smtClean="0"/>
               <a:t>You also want to install compilers and build essential tools for packages that might need them. </a:t>
             </a:r>
-            <a:endParaRPr lang="en-US" dirty="0" smtClean="0"/>
           </a:p>
           <a:p>
             <a:endParaRPr lang="en-US" dirty="0" smtClean="0"/>
@@ -5743,14 +5734,7 @@
                 <a:latin typeface="Courier New" panose="02070309020205020404" pitchFamily="49" charset="0"/>
                 <a:cs typeface="Courier New" panose="02070309020205020404" pitchFamily="49" charset="0"/>
               </a:rPr>
-              <a:t> </a:t>
-            </a:r>
-            <a:r>
-              <a:rPr lang="en-US" dirty="0" smtClean="0">
-                <a:latin typeface="Courier New" panose="02070309020205020404" pitchFamily="49" charset="0"/>
-                <a:cs typeface="Courier New" panose="02070309020205020404" pitchFamily="49" charset="0"/>
-              </a:rPr>
-              <a:t>apt-get install build-essential</a:t>
+              <a:t> apt-get install build-essential</a:t>
             </a:r>
           </a:p>
           <a:p>
@@ -5859,11 +5843,7 @@
           <a:p>
             <a:r>
               <a:rPr lang="en-US" dirty="0" smtClean="0"/>
-              <a:t>Meet Stacey </a:t>
-            </a:r>
-            <a:r>
-              <a:rPr lang="en-US" dirty="0" smtClean="0"/>
-              <a:t>Mulcahy</a:t>
+              <a:t>Meet Stacey Mulcahy</a:t>
             </a:r>
             <a:endParaRPr lang="en-US" dirty="0"/>
           </a:p>
@@ -6027,11 +6007,7 @@
           <a:p>
             <a:r>
               <a:rPr lang="en-US" dirty="0" smtClean="0"/>
-              <a:t>Installing Node on </a:t>
-            </a:r>
-            <a:r>
-              <a:rPr lang="en-US" dirty="0" smtClean="0"/>
-              <a:t>OSX</a:t>
+              <a:t>Installing Node on OSX</a:t>
             </a:r>
             <a:endParaRPr lang="en-US" dirty="0"/>
           </a:p>
@@ -6062,11 +6038,7 @@
             </a:r>
             <a:r>
               <a:rPr lang="en-US" dirty="0" smtClean="0"/>
-              <a:t>package </a:t>
-            </a:r>
-            <a:r>
-              <a:rPr lang="en-US" dirty="0" smtClean="0"/>
-              <a:t>manager. </a:t>
+              <a:t>package manager. </a:t>
             </a:r>
           </a:p>
           <a:p>
@@ -6094,19 +6066,8 @@
                 <a:latin typeface="Courier New" panose="02070309020205020404" pitchFamily="49" charset="0"/>
                 <a:cs typeface="Courier New" panose="02070309020205020404" pitchFamily="49" charset="0"/>
               </a:rPr>
-              <a:t> </a:t>
-            </a:r>
-            <a:r>
-              <a:rPr lang="en-US" dirty="0" smtClean="0">
-                <a:latin typeface="Courier New" panose="02070309020205020404" pitchFamily="49" charset="0"/>
-                <a:cs typeface="Courier New" panose="02070309020205020404" pitchFamily="49" charset="0"/>
-              </a:rPr>
-              <a:t>brew install node</a:t>
-            </a:r>
-            <a:endParaRPr lang="en-US" dirty="0" smtClean="0">
-              <a:latin typeface="Courier New" panose="02070309020205020404" pitchFamily="49" charset="0"/>
-              <a:cs typeface="Courier New" panose="02070309020205020404" pitchFamily="49" charset="0"/>
-            </a:endParaRPr>
+              <a:t> brew install node</a:t>
+            </a:r>
           </a:p>
           <a:p>
             <a:endParaRPr lang="en-US" dirty="0" smtClean="0"/>
@@ -7361,11 +7322,11 @@
   <p:clrMapOvr>
     <a:masterClrMapping/>
   </p:clrMapOvr>
-  <mc:AlternateContent xmlns:mc="http://schemas.openxmlformats.org/markup-compatibility/2006">
-    <mc:Choice xmlns:p14="http://schemas.microsoft.com/office/powerpoint/2010/main" Requires="p14">
+  <mc:AlternateContent xmlns:mc="http://schemas.openxmlformats.org/markup-compatibility/2006" xmlns:p14="http://schemas.microsoft.com/office/powerpoint/2010/main">
+    <mc:Choice Requires="p14">
       <p:transition spd="slow" p14:dur="2000"/>
     </mc:Choice>
-    <mc:Fallback>
+    <mc:Fallback xmlns="">
       <p:transition spd="slow"/>
     </mc:Fallback>
   </mc:AlternateContent>
@@ -7639,11 +7600,11 @@
   <p:clrMapOvr>
     <a:masterClrMapping/>
   </p:clrMapOvr>
-  <mc:AlternateContent xmlns:mc="http://schemas.openxmlformats.org/markup-compatibility/2006">
-    <mc:Choice xmlns:p14="http://schemas.microsoft.com/office/powerpoint/2010/main" Requires="p14">
+  <mc:AlternateContent xmlns:mc="http://schemas.openxmlformats.org/markup-compatibility/2006" xmlns:p14="http://schemas.microsoft.com/office/powerpoint/2010/main">
+    <mc:Choice Requires="p14">
       <p:transition spd="slow" p14:dur="2000"/>
     </mc:Choice>
-    <mc:Fallback>
+    <mc:Fallback xmlns="">
       <p:transition spd="slow"/>
     </mc:Fallback>
   </mc:AlternateContent>
@@ -8757,11 +8718,11 @@
   <p:clrMapOvr>
     <a:masterClrMapping/>
   </p:clrMapOvr>
-  <mc:AlternateContent xmlns:mc="http://schemas.openxmlformats.org/markup-compatibility/2006">
-    <mc:Choice xmlns:p14="http://schemas.microsoft.com/office/powerpoint/2010/main" Requires="p14">
+  <mc:AlternateContent xmlns:mc="http://schemas.openxmlformats.org/markup-compatibility/2006" xmlns:p14="http://schemas.microsoft.com/office/powerpoint/2010/main">
+    <mc:Choice Requires="p14">
       <p:transition spd="slow" p14:dur="2000"/>
     </mc:Choice>
-    <mc:Fallback>
+    <mc:Fallback xmlns="">
       <p:transition spd="slow"/>
     </mc:Fallback>
   </mc:AlternateContent>
@@ -10016,7 +9977,6 @@
               <a:rPr lang="en-US" dirty="0"/>
               <a:t>Can specify dev or optional dependencies. </a:t>
             </a:r>
-            <a:endParaRPr lang="en-US" dirty="0"/>
           </a:p>
           <a:p>
             <a:endParaRPr lang="en-US" dirty="0" smtClean="0"/>
@@ -10136,14 +10096,14 @@
                 <a:gridCol w="5762625">
                   <a:extLst>
                     <a:ext uri="{9D8B030D-6E8A-4147-A177-3AD203B41FA5}">
-                      <a16:colId xmlns:a16="http://schemas.microsoft.com/office/drawing/2014/main" xmlns="" val="1632794655"/>
+                      <a16:colId xmlns="" xmlns:a16="http://schemas.microsoft.com/office/drawing/2014/main" val="1632794655"/>
                     </a:ext>
                   </a:extLst>
                 </a:gridCol>
                 <a:gridCol w="5762625">
                   <a:extLst>
                     <a:ext uri="{9D8B030D-6E8A-4147-A177-3AD203B41FA5}">
-                      <a16:colId xmlns:a16="http://schemas.microsoft.com/office/drawing/2014/main" xmlns="" val="2011313899"/>
+                      <a16:colId xmlns="" xmlns:a16="http://schemas.microsoft.com/office/drawing/2014/main" val="2011313899"/>
                     </a:ext>
                   </a:extLst>
                 </a:gridCol>
@@ -10178,7 +10138,7 @@
                 </a:tc>
                 <a:extLst>
                   <a:ext uri="{0D108BD9-81ED-4DB2-BD59-A6C34878D82A}">
-                    <a16:rowId xmlns:a16="http://schemas.microsoft.com/office/drawing/2014/main" xmlns="" val="1789177411"/>
+                    <a16:rowId xmlns="" xmlns:a16="http://schemas.microsoft.com/office/drawing/2014/main" val="1789177411"/>
                   </a:ext>
                 </a:extLst>
               </a:tr>
@@ -10245,7 +10205,7 @@
                 </a:tc>
                 <a:extLst>
                   <a:ext uri="{0D108BD9-81ED-4DB2-BD59-A6C34878D82A}">
-                    <a16:rowId xmlns:a16="http://schemas.microsoft.com/office/drawing/2014/main" xmlns="" val="3842815335"/>
+                    <a16:rowId xmlns="" xmlns:a16="http://schemas.microsoft.com/office/drawing/2014/main" val="3842815335"/>
                   </a:ext>
                 </a:extLst>
               </a:tr>
@@ -10323,7 +10283,7 @@
                 </a:tc>
                 <a:extLst>
                   <a:ext uri="{0D108BD9-81ED-4DB2-BD59-A6C34878D82A}">
-                    <a16:rowId xmlns:a16="http://schemas.microsoft.com/office/drawing/2014/main" xmlns="" val="321066646"/>
+                    <a16:rowId xmlns="" xmlns:a16="http://schemas.microsoft.com/office/drawing/2014/main" val="321066646"/>
                   </a:ext>
                 </a:extLst>
               </a:tr>
@@ -10407,7 +10367,7 @@
                 </a:tc>
                 <a:extLst>
                   <a:ext uri="{0D108BD9-81ED-4DB2-BD59-A6C34878D82A}">
-                    <a16:rowId xmlns:a16="http://schemas.microsoft.com/office/drawing/2014/main" xmlns="" val="3812060533"/>
+                    <a16:rowId xmlns="" xmlns:a16="http://schemas.microsoft.com/office/drawing/2014/main" val="3812060533"/>
                   </a:ext>
                 </a:extLst>
               </a:tr>
@@ -12921,19 +12881,23 @@
             </a:r>
             <a:r>
               <a:rPr lang="en-US" dirty="0" err="1" smtClean="0"/>
-              <a:t>BldAppsnodejs</a:t>
-            </a:r>
-            <a:r>
-              <a:rPr lang="en-US" dirty="0" smtClean="0"/>
-              <a:t> (Expires </a:t>
-            </a:r>
-            <a:r>
-              <a:rPr lang="en-US" dirty="0"/>
-              <a:t>11/14/2014</a:t>
-            </a:r>
-            <a:r>
-              <a:rPr lang="en-US" dirty="0" smtClean="0"/>
-              <a:t>)</a:t>
+              <a:t>NodeJSVisualStudio</a:t>
+            </a:r>
+            <a:r>
+              <a:rPr lang="en-US" dirty="0" smtClean="0"/>
+              <a:t> </a:t>
+            </a:r>
+            <a:r>
+              <a:rPr lang="en-US" dirty="0" smtClean="0"/>
+              <a:t>(</a:t>
+            </a:r>
+            <a:r>
+              <a:rPr lang="en-US" smtClean="0"/>
+              <a:t>Expires </a:t>
+            </a:r>
+            <a:r>
+              <a:rPr lang="en-US" smtClean="0"/>
+              <a:t>08/30/2015)</a:t>
             </a:r>
             <a:endParaRPr lang="en-US" dirty="0"/>
           </a:p>
@@ -14132,15 +14096,6 @@
 </file>
 
 <file path=customXml/item1.xml><?xml version="1.0" encoding="utf-8"?>
-<?mso-contentType ?>
-<FormTemplates xmlns="http://schemas.microsoft.com/sharepoint/v3/contenttype/forms">
-  <Display>DocumentLibraryForm</Display>
-  <Edit>DocumentLibraryForm</Edit>
-  <New>DocumentLibraryForm</New>
-</FormTemplates>
-</file>
-
-<file path=customXml/item2.xml><?xml version="1.0" encoding="utf-8"?>
 <p:properties xmlns:p="http://schemas.microsoft.com/office/2006/metadata/properties" xmlns:xsi="http://www.w3.org/2001/XMLSchema-instance" xmlns:pc="http://schemas.microsoft.com/office/infopath/2007/PartnerControls">
   <documentManagement>
     <SharedWithUsers xmlns="636b0322-90fb-440c-9cbc-22749e7231e9">
@@ -14154,7 +14109,7 @@
 </p:properties>
 </file>
 
-<file path=customXml/item3.xml><?xml version="1.0" encoding="utf-8"?>
+<file path=customXml/item2.xml><?xml version="1.0" encoding="utf-8"?>
 <ct:contentTypeSchema xmlns:ct="http://schemas.microsoft.com/office/2006/metadata/contentType" xmlns:ma="http://schemas.microsoft.com/office/2006/metadata/properties/metaAttributes" ct:_="" ma:_="" ma:contentTypeName="Document" ma:contentTypeID="0x010100391E57C78B9F604FB8BAD296D1460E2A" ma:contentTypeVersion="1" ma:contentTypeDescription="Create a new document." ma:contentTypeScope="" ma:versionID="fb382fe2362acd2155f454904f478e4d">
   <xsd:schema xmlns:xsd="http://www.w3.org/2001/XMLSchema" xmlns:xs="http://www.w3.org/2001/XMLSchema" xmlns:p="http://schemas.microsoft.com/office/2006/metadata/properties" xmlns:ns3="636b0322-90fb-440c-9cbc-22749e7231e9" targetNamespace="http://schemas.microsoft.com/office/2006/metadata/properties" ma:root="true" ma:fieldsID="b9887c63ce4710c1aeb75a5f03aecb69" ns3:_="">
     <xsd:import namespace="636b0322-90fb-440c-9cbc-22749e7231e9"/>
@@ -14294,15 +14249,16 @@
 </ct:contentTypeSchema>
 </file>
 
-<file path=customXml/itemProps1.xml><?xml version="1.0" encoding="utf-8"?>
-<ds:datastoreItem xmlns:ds="http://schemas.openxmlformats.org/officeDocument/2006/customXml" ds:itemID="{B0CA13EC-1D3C-4D6F-8D1C-E8A452CFC79A}">
-  <ds:schemaRefs>
-    <ds:schemaRef ds:uri="http://schemas.microsoft.com/sharepoint/v3/contenttype/forms"/>
-  </ds:schemaRefs>
-</ds:datastoreItem>
+<file path=customXml/item3.xml><?xml version="1.0" encoding="utf-8"?>
+<?mso-contentType ?>
+<FormTemplates xmlns="http://schemas.microsoft.com/sharepoint/v3/contenttype/forms">
+  <Display>DocumentLibraryForm</Display>
+  <Edit>DocumentLibraryForm</Edit>
+  <New>DocumentLibraryForm</New>
+</FormTemplates>
 </file>
 
-<file path=customXml/itemProps2.xml><?xml version="1.0" encoding="utf-8"?>
+<file path=customXml/itemProps1.xml><?xml version="1.0" encoding="utf-8"?>
 <ds:datastoreItem xmlns:ds="http://schemas.openxmlformats.org/officeDocument/2006/customXml" ds:itemID="{7025FDD9-4C58-4084-9F89-0E6ADD6FFF55}">
   <ds:schemaRefs>
     <ds:schemaRef ds:uri="http://purl.org/dc/dcmitype/"/>
@@ -14318,7 +14274,7 @@
 </ds:datastoreItem>
 </file>
 
-<file path=customXml/itemProps3.xml><?xml version="1.0" encoding="utf-8"?>
+<file path=customXml/itemProps2.xml><?xml version="1.0" encoding="utf-8"?>
 <ds:datastoreItem xmlns:ds="http://schemas.openxmlformats.org/officeDocument/2006/customXml" ds:itemID="{7B70CE0C-0988-423A-BF66-B40F6A1061FF}">
   <ds:schemaRefs>
     <ds:schemaRef ds:uri="http://schemas.microsoft.com/office/2006/metadata/contentType"/>
@@ -14334,4 +14290,12 @@
     <ds:schemaRef ds:uri="http://schemas.microsoft.com/internal/obd"/>
   </ds:schemaRefs>
 </ds:datastoreItem>
+</file>
+
+<file path=customXml/itemProps3.xml><?xml version="1.0" encoding="utf-8"?>
+<ds:datastoreItem xmlns:ds="http://schemas.openxmlformats.org/officeDocument/2006/customXml" ds:itemID="{B0CA13EC-1D3C-4D6F-8D1C-E8A452CFC79A}">
+  <ds:schemaRefs>
+    <ds:schemaRef ds:uri="http://schemas.microsoft.com/sharepoint/v3/contenttype/forms"/>
+  </ds:schemaRefs>
+</ds:datastoreItem>
 </file>